--- a/ChainOfResponsibility.pptx
+++ b/ChainOfResponsibility.pptx
@@ -12,11 +12,16 @@
     <p:sldId id="261" r:id="rId6"/>
     <p:sldId id="262" r:id="rId7"/>
     <p:sldId id="265" r:id="rId8"/>
-    <p:sldId id="260" r:id="rId9"/>
-    <p:sldId id="266" r:id="rId10"/>
-    <p:sldId id="264" r:id="rId11"/>
-    <p:sldId id="263" r:id="rId12"/>
-    <p:sldId id="267" r:id="rId13"/>
+    <p:sldId id="268" r:id="rId9"/>
+    <p:sldId id="260" r:id="rId10"/>
+    <p:sldId id="266" r:id="rId11"/>
+    <p:sldId id="264" r:id="rId12"/>
+    <p:sldId id="263" r:id="rId13"/>
+    <p:sldId id="267" r:id="rId14"/>
+    <p:sldId id="270" r:id="rId15"/>
+    <p:sldId id="271" r:id="rId16"/>
+    <p:sldId id="273" r:id="rId17"/>
+    <p:sldId id="272" r:id="rId18"/>
   </p:sldIdLst>
   <p:sldSz cx="12192000" cy="6858000"/>
   <p:notesSz cx="6858000" cy="9144000"/>
@@ -2859,7 +2864,7 @@
             <a:fld id="{5586B75A-687E-405C-8A0B-8D00578BA2C3}" type="datetimeFigureOut">
               <a:rPr lang="en-US" dirty="0"/>
               <a:pPr/>
-              <a:t>11/29/2018</a:t>
+              <a:t>12/1/18</a:t>
             </a:fld>
             <a:endParaRPr lang="en-US" dirty="0"/>
           </a:p>
@@ -3026,7 +3031,7 @@
             <a:fld id="{5586B75A-687E-405C-8A0B-8D00578BA2C3}" type="datetimeFigureOut">
               <a:rPr lang="en-US" dirty="0"/>
               <a:pPr/>
-              <a:t>11/29/2018</a:t>
+              <a:t>12/1/18</a:t>
             </a:fld>
             <a:endParaRPr lang="en-US" dirty="0"/>
           </a:p>
@@ -3203,7 +3208,7 @@
             <a:fld id="{5586B75A-687E-405C-8A0B-8D00578BA2C3}" type="datetimeFigureOut">
               <a:rPr lang="en-US" dirty="0"/>
               <a:pPr/>
-              <a:t>11/29/2018</a:t>
+              <a:t>12/1/18</a:t>
             </a:fld>
             <a:endParaRPr lang="en-US" dirty="0"/>
           </a:p>
@@ -3370,7 +3375,7 @@
             <a:fld id="{5586B75A-687E-405C-8A0B-8D00578BA2C3}" type="datetimeFigureOut">
               <a:rPr lang="en-US" dirty="0"/>
               <a:pPr/>
-              <a:t>11/29/2018</a:t>
+              <a:t>12/1/18</a:t>
             </a:fld>
             <a:endParaRPr lang="en-US" dirty="0"/>
           </a:p>
@@ -3625,7 +3630,7 @@
             <a:fld id="{5586B75A-687E-405C-8A0B-8D00578BA2C3}" type="datetimeFigureOut">
               <a:rPr lang="en-US" dirty="0"/>
               <a:pPr/>
-              <a:t>11/29/2018</a:t>
+              <a:t>12/1/18</a:t>
             </a:fld>
             <a:endParaRPr lang="en-US" dirty="0"/>
           </a:p>
@@ -3910,7 +3915,7 @@
             <a:fld id="{5586B75A-687E-405C-8A0B-8D00578BA2C3}" type="datetimeFigureOut">
               <a:rPr lang="en-US" dirty="0"/>
               <a:pPr/>
-              <a:t>11/29/2018</a:t>
+              <a:t>12/1/18</a:t>
             </a:fld>
             <a:endParaRPr lang="en-US" dirty="0"/>
           </a:p>
@@ -4349,7 +4354,7 @@
             <a:fld id="{5586B75A-687E-405C-8A0B-8D00578BA2C3}" type="datetimeFigureOut">
               <a:rPr lang="en-US" dirty="0"/>
               <a:pPr/>
-              <a:t>11/29/2018</a:t>
+              <a:t>12/1/18</a:t>
             </a:fld>
             <a:endParaRPr lang="en-US" dirty="0"/>
           </a:p>
@@ -4464,7 +4469,7 @@
             <a:fld id="{5586B75A-687E-405C-8A0B-8D00578BA2C3}" type="datetimeFigureOut">
               <a:rPr lang="en-US" dirty="0"/>
               <a:pPr/>
-              <a:t>11/29/2018</a:t>
+              <a:t>12/1/18</a:t>
             </a:fld>
             <a:endParaRPr lang="en-US" dirty="0"/>
           </a:p>
@@ -4556,7 +4561,7 @@
             <a:fld id="{5586B75A-687E-405C-8A0B-8D00578BA2C3}" type="datetimeFigureOut">
               <a:rPr lang="en-US" dirty="0"/>
               <a:pPr/>
-              <a:t>11/29/2018</a:t>
+              <a:t>12/1/18</a:t>
             </a:fld>
             <a:endParaRPr lang="en-US" dirty="0"/>
           </a:p>
@@ -4841,7 +4846,7 @@
             <a:fld id="{5586B75A-687E-405C-8A0B-8D00578BA2C3}" type="datetimeFigureOut">
               <a:rPr lang="en-US" dirty="0"/>
               <a:pPr/>
-              <a:t>11/29/2018</a:t>
+              <a:t>12/1/18</a:t>
             </a:fld>
             <a:endParaRPr lang="en-US" dirty="0"/>
           </a:p>
@@ -5111,7 +5116,7 @@
             <a:fld id="{5586B75A-687E-405C-8A0B-8D00578BA2C3}" type="datetimeFigureOut">
               <a:rPr lang="en-US" dirty="0"/>
               <a:pPr/>
-              <a:t>11/29/2018</a:t>
+              <a:t>12/1/18</a:t>
             </a:fld>
             <a:endParaRPr lang="en-US" dirty="0"/>
           </a:p>
@@ -5405,7 +5410,7 @@
             <a:fld id="{5586B75A-687E-405C-8A0B-8D00578BA2C3}" type="datetimeFigureOut">
               <a:rPr lang="en-US" dirty="0"/>
               <a:pPr/>
-              <a:t>11/29/2018</a:t>
+              <a:t>12/1/18</a:t>
             </a:fld>
             <a:endParaRPr lang="en-US" dirty="0"/>
           </a:p>
@@ -6325,6 +6330,669 @@
           <p:cNvPr id="2" name="Title 1">
             <a:extLst>
               <a:ext uri="{FF2B5EF4-FFF2-40B4-BE49-F238E27FC236}">
+                <a16:creationId xmlns:a16="http://schemas.microsoft.com/office/drawing/2014/main" id="{DFFD1309-CD59-416D-BA13-5EFAEB36A738}"/>
+              </a:ext>
+            </a:extLst>
+          </p:cNvPr>
+          <p:cNvSpPr>
+            <a:spLocks noGrp="1"/>
+          </p:cNvSpPr>
+          <p:nvPr>
+            <p:ph type="title"/>
+          </p:nvPr>
+        </p:nvSpPr>
+        <p:spPr/>
+        <p:txBody>
+          <a:bodyPr/>
+          <a:lstStyle/>
+          <a:p>
+            <a:r>
+              <a:rPr lang="en-US" dirty="0"/>
+              <a:t>Logger Class continued…</a:t>
+            </a:r>
+          </a:p>
+        </p:txBody>
+      </p:sp>
+      <p:sp>
+        <p:nvSpPr>
+          <p:cNvPr id="3" name="Content Placeholder 2">
+            <a:extLst>
+              <a:ext uri="{FF2B5EF4-FFF2-40B4-BE49-F238E27FC236}">
+                <a16:creationId xmlns:a16="http://schemas.microsoft.com/office/drawing/2014/main" id="{C09CA115-E9A3-4634-A957-9D5034C5D582}"/>
+              </a:ext>
+            </a:extLst>
+          </p:cNvPr>
+          <p:cNvSpPr>
+            <a:spLocks noGrp="1"/>
+          </p:cNvSpPr>
+          <p:nvPr>
+            <p:ph idx="1"/>
+          </p:nvPr>
+        </p:nvSpPr>
+        <p:spPr/>
+        <p:txBody>
+          <a:bodyPr>
+            <a:normAutofit lnSpcReduction="10000"/>
+          </a:bodyPr>
+          <a:lstStyle/>
+          <a:p>
+            <a:pPr marL="0" indent="0">
+              <a:lnSpc>
+                <a:spcPct val="120000"/>
+              </a:lnSpc>
+              <a:spcBef>
+                <a:spcPts val="0"/>
+              </a:spcBef>
+              <a:buNone/>
+            </a:pPr>
+            <a:r>
+              <a:rPr lang="en-US" dirty="0">
+                <a:solidFill>
+                  <a:srgbClr val="000000"/>
+                </a:solidFill>
+              </a:rPr>
+              <a:t> </a:t>
+            </a:r>
+            <a:r>
+              <a:rPr lang="en-US" dirty="0">
+                <a:solidFill>
+                  <a:srgbClr val="0000FF"/>
+                </a:solidFill>
+              </a:rPr>
+              <a:t>public</a:t>
+            </a:r>
+            <a:r>
+              <a:rPr lang="en-US" dirty="0">
+                <a:solidFill>
+                  <a:srgbClr val="000000"/>
+                </a:solidFill>
+              </a:rPr>
+              <a:t> </a:t>
+            </a:r>
+            <a:r>
+              <a:rPr lang="en-US" dirty="0">
+                <a:solidFill>
+                  <a:srgbClr val="0000FF"/>
+                </a:solidFill>
+              </a:rPr>
+              <a:t>void</a:t>
+            </a:r>
+            <a:r>
+              <a:rPr lang="en-US" dirty="0">
+                <a:solidFill>
+                  <a:srgbClr val="000000"/>
+                </a:solidFill>
+              </a:rPr>
+              <a:t> Message(</a:t>
+            </a:r>
+            <a:r>
+              <a:rPr lang="en-US" dirty="0">
+                <a:solidFill>
+                  <a:srgbClr val="0000FF"/>
+                </a:solidFill>
+              </a:rPr>
+              <a:t>string</a:t>
+            </a:r>
+            <a:r>
+              <a:rPr lang="en-US" dirty="0">
+                <a:solidFill>
+                  <a:srgbClr val="000000"/>
+                </a:solidFill>
+              </a:rPr>
+              <a:t> </a:t>
+            </a:r>
+            <a:r>
+              <a:rPr lang="en-US" dirty="0" err="1">
+                <a:solidFill>
+                  <a:srgbClr val="000000"/>
+                </a:solidFill>
+              </a:rPr>
+              <a:t>msg</a:t>
+            </a:r>
+            <a:r>
+              <a:rPr lang="en-US" dirty="0">
+                <a:solidFill>
+                  <a:srgbClr val="000000"/>
+                </a:solidFill>
+              </a:rPr>
+              <a:t>, </a:t>
+            </a:r>
+            <a:r>
+              <a:rPr lang="en-US" dirty="0" err="1">
+                <a:solidFill>
+                  <a:srgbClr val="000000"/>
+                </a:solidFill>
+              </a:rPr>
+              <a:t>LogLevel</a:t>
+            </a:r>
+            <a:r>
+              <a:rPr lang="en-US" dirty="0">
+                <a:solidFill>
+                  <a:srgbClr val="000000"/>
+                </a:solidFill>
+              </a:rPr>
+              <a:t> severity)</a:t>
+            </a:r>
+          </a:p>
+          <a:p>
+            <a:pPr marL="0" indent="0">
+              <a:lnSpc>
+                <a:spcPct val="120000"/>
+              </a:lnSpc>
+              <a:spcBef>
+                <a:spcPts val="0"/>
+              </a:spcBef>
+              <a:buNone/>
+            </a:pPr>
+            <a:r>
+              <a:rPr lang="en-US" dirty="0">
+                <a:solidFill>
+                  <a:srgbClr val="000000"/>
+                </a:solidFill>
+              </a:rPr>
+              <a:t>        {</a:t>
+            </a:r>
+          </a:p>
+          <a:p>
+            <a:pPr marL="0" indent="0">
+              <a:lnSpc>
+                <a:spcPct val="120000"/>
+              </a:lnSpc>
+              <a:spcBef>
+                <a:spcPts val="0"/>
+              </a:spcBef>
+              <a:buNone/>
+            </a:pPr>
+            <a:r>
+              <a:rPr lang="en-US" dirty="0">
+                <a:solidFill>
+                  <a:srgbClr val="000000"/>
+                </a:solidFill>
+              </a:rPr>
+              <a:t>            </a:t>
+            </a:r>
+            <a:r>
+              <a:rPr lang="en-US" dirty="0">
+                <a:solidFill>
+                  <a:srgbClr val="0000FF"/>
+                </a:solidFill>
+              </a:rPr>
+              <a:t>if</a:t>
+            </a:r>
+            <a:r>
+              <a:rPr lang="en-US" dirty="0">
+                <a:solidFill>
+                  <a:srgbClr val="000000"/>
+                </a:solidFill>
+              </a:rPr>
+              <a:t> ((severity &amp; level) != 0)</a:t>
+            </a:r>
+            <a:r>
+              <a:rPr lang="en-US" dirty="0">
+                <a:solidFill>
+                  <a:srgbClr val="008000"/>
+                </a:solidFill>
+              </a:rPr>
+              <a:t>//True only if all </a:t>
+            </a:r>
+            <a:r>
+              <a:rPr lang="en-US" dirty="0" err="1">
+                <a:solidFill>
+                  <a:srgbClr val="008000"/>
+                </a:solidFill>
+              </a:rPr>
+              <a:t>logMask</a:t>
+            </a:r>
+            <a:r>
+              <a:rPr lang="en-US" dirty="0">
+                <a:solidFill>
+                  <a:srgbClr val="008000"/>
+                </a:solidFill>
+              </a:rPr>
+              <a:t> bits are set in severity</a:t>
+            </a:r>
+            <a:endParaRPr lang="en-US" dirty="0">
+              <a:solidFill>
+                <a:srgbClr val="000000"/>
+              </a:solidFill>
+            </a:endParaRPr>
+          </a:p>
+          <a:p>
+            <a:pPr marL="0" indent="0">
+              <a:lnSpc>
+                <a:spcPct val="120000"/>
+              </a:lnSpc>
+              <a:spcBef>
+                <a:spcPts val="0"/>
+              </a:spcBef>
+              <a:buNone/>
+            </a:pPr>
+            <a:r>
+              <a:rPr lang="en-US" dirty="0">
+                <a:solidFill>
+                  <a:srgbClr val="000000"/>
+                </a:solidFill>
+              </a:rPr>
+              <a:t>            {</a:t>
+            </a:r>
+          </a:p>
+          <a:p>
+            <a:pPr marL="0" indent="0">
+              <a:lnSpc>
+                <a:spcPct val="120000"/>
+              </a:lnSpc>
+              <a:spcBef>
+                <a:spcPts val="0"/>
+              </a:spcBef>
+              <a:buNone/>
+            </a:pPr>
+            <a:r>
+              <a:rPr lang="en-US" dirty="0">
+                <a:solidFill>
+                  <a:srgbClr val="000000"/>
+                </a:solidFill>
+              </a:rPr>
+              <a:t>                </a:t>
+            </a:r>
+            <a:r>
+              <a:rPr lang="en-US" dirty="0" err="1">
+                <a:solidFill>
+                  <a:srgbClr val="000000"/>
+                </a:solidFill>
+              </a:rPr>
+              <a:t>WriteMessage</a:t>
+            </a:r>
+            <a:r>
+              <a:rPr lang="en-US" dirty="0">
+                <a:solidFill>
+                  <a:srgbClr val="000000"/>
+                </a:solidFill>
+              </a:rPr>
+              <a:t>(</a:t>
+            </a:r>
+            <a:r>
+              <a:rPr lang="en-US" dirty="0" err="1">
+                <a:solidFill>
+                  <a:srgbClr val="000000"/>
+                </a:solidFill>
+              </a:rPr>
+              <a:t>msg</a:t>
+            </a:r>
+            <a:r>
+              <a:rPr lang="en-US" dirty="0">
+                <a:solidFill>
+                  <a:srgbClr val="000000"/>
+                </a:solidFill>
+              </a:rPr>
+              <a:t>);</a:t>
+            </a:r>
+          </a:p>
+          <a:p>
+            <a:pPr marL="0" indent="0">
+              <a:lnSpc>
+                <a:spcPct val="120000"/>
+              </a:lnSpc>
+              <a:spcBef>
+                <a:spcPts val="0"/>
+              </a:spcBef>
+              <a:buNone/>
+            </a:pPr>
+            <a:r>
+              <a:rPr lang="en-US" dirty="0">
+                <a:solidFill>
+                  <a:srgbClr val="000000"/>
+                </a:solidFill>
+              </a:rPr>
+              <a:t>            }</a:t>
+            </a:r>
+          </a:p>
+          <a:p>
+            <a:pPr marL="0" indent="0">
+              <a:lnSpc>
+                <a:spcPct val="120000"/>
+              </a:lnSpc>
+              <a:spcBef>
+                <a:spcPts val="0"/>
+              </a:spcBef>
+              <a:buNone/>
+            </a:pPr>
+            <a:r>
+              <a:rPr lang="en-US" dirty="0">
+                <a:solidFill>
+                  <a:srgbClr val="000000"/>
+                </a:solidFill>
+              </a:rPr>
+              <a:t>            </a:t>
+            </a:r>
+            <a:r>
+              <a:rPr lang="en-US" dirty="0">
+                <a:solidFill>
+                  <a:srgbClr val="0000FF"/>
+                </a:solidFill>
+              </a:rPr>
+              <a:t>if</a:t>
+            </a:r>
+            <a:r>
+              <a:rPr lang="en-US" dirty="0">
+                <a:solidFill>
+                  <a:srgbClr val="000000"/>
+                </a:solidFill>
+              </a:rPr>
+              <a:t> (next != </a:t>
+            </a:r>
+            <a:r>
+              <a:rPr lang="en-US" dirty="0">
+                <a:solidFill>
+                  <a:srgbClr val="0000FF"/>
+                </a:solidFill>
+              </a:rPr>
+              <a:t>null</a:t>
+            </a:r>
+            <a:r>
+              <a:rPr lang="en-US" dirty="0">
+                <a:solidFill>
+                  <a:srgbClr val="000000"/>
+                </a:solidFill>
+              </a:rPr>
+              <a:t>)</a:t>
+            </a:r>
+          </a:p>
+          <a:p>
+            <a:pPr marL="0" indent="0">
+              <a:lnSpc>
+                <a:spcPct val="120000"/>
+              </a:lnSpc>
+              <a:spcBef>
+                <a:spcPts val="0"/>
+              </a:spcBef>
+              <a:buNone/>
+            </a:pPr>
+            <a:r>
+              <a:rPr lang="en-US" dirty="0">
+                <a:solidFill>
+                  <a:srgbClr val="000000"/>
+                </a:solidFill>
+              </a:rPr>
+              <a:t>            {</a:t>
+            </a:r>
+          </a:p>
+          <a:p>
+            <a:pPr marL="0" indent="0">
+              <a:lnSpc>
+                <a:spcPct val="120000"/>
+              </a:lnSpc>
+              <a:spcBef>
+                <a:spcPts val="0"/>
+              </a:spcBef>
+              <a:buNone/>
+            </a:pPr>
+            <a:r>
+              <a:rPr lang="en-US" dirty="0">
+                <a:solidFill>
+                  <a:srgbClr val="000000"/>
+                </a:solidFill>
+              </a:rPr>
+              <a:t>                </a:t>
+            </a:r>
+            <a:r>
+              <a:rPr lang="en-US" dirty="0" err="1">
+                <a:solidFill>
+                  <a:srgbClr val="000000"/>
+                </a:solidFill>
+              </a:rPr>
+              <a:t>next.Message</a:t>
+            </a:r>
+            <a:r>
+              <a:rPr lang="en-US" dirty="0">
+                <a:solidFill>
+                  <a:srgbClr val="000000"/>
+                </a:solidFill>
+              </a:rPr>
+              <a:t>(</a:t>
+            </a:r>
+            <a:r>
+              <a:rPr lang="en-US" dirty="0" err="1">
+                <a:solidFill>
+                  <a:srgbClr val="000000"/>
+                </a:solidFill>
+              </a:rPr>
+              <a:t>msg</a:t>
+            </a:r>
+            <a:r>
+              <a:rPr lang="en-US" dirty="0">
+                <a:solidFill>
+                  <a:srgbClr val="000000"/>
+                </a:solidFill>
+              </a:rPr>
+              <a:t>, severity);</a:t>
+            </a:r>
+          </a:p>
+          <a:p>
+            <a:pPr marL="0" indent="0">
+              <a:lnSpc>
+                <a:spcPct val="120000"/>
+              </a:lnSpc>
+              <a:spcBef>
+                <a:spcPts val="0"/>
+              </a:spcBef>
+              <a:buNone/>
+            </a:pPr>
+            <a:r>
+              <a:rPr lang="en-US" dirty="0">
+                <a:solidFill>
+                  <a:srgbClr val="000000"/>
+                </a:solidFill>
+              </a:rPr>
+              <a:t>            }</a:t>
+            </a:r>
+          </a:p>
+          <a:p>
+            <a:pPr marL="0" indent="0">
+              <a:lnSpc>
+                <a:spcPct val="120000"/>
+              </a:lnSpc>
+              <a:spcBef>
+                <a:spcPts val="0"/>
+              </a:spcBef>
+              <a:buNone/>
+            </a:pPr>
+            <a:r>
+              <a:rPr lang="en-US" dirty="0">
+                <a:solidFill>
+                  <a:srgbClr val="000000"/>
+                </a:solidFill>
+              </a:rPr>
+              <a:t>        }</a:t>
+            </a:r>
+          </a:p>
+          <a:p>
+            <a:pPr marL="0" indent="0">
+              <a:lnSpc>
+                <a:spcPct val="120000"/>
+              </a:lnSpc>
+              <a:spcBef>
+                <a:spcPts val="0"/>
+              </a:spcBef>
+              <a:buNone/>
+            </a:pPr>
+            <a:endParaRPr lang="en-US" dirty="0">
+              <a:solidFill>
+                <a:srgbClr val="000000"/>
+              </a:solidFill>
+            </a:endParaRPr>
+          </a:p>
+          <a:p>
+            <a:pPr marL="0" indent="0">
+              <a:lnSpc>
+                <a:spcPct val="120000"/>
+              </a:lnSpc>
+              <a:spcBef>
+                <a:spcPts val="0"/>
+              </a:spcBef>
+              <a:buNone/>
+            </a:pPr>
+            <a:r>
+              <a:rPr lang="en-US" dirty="0">
+                <a:solidFill>
+                  <a:srgbClr val="000000"/>
+                </a:solidFill>
+              </a:rPr>
+              <a:t>        </a:t>
+            </a:r>
+            <a:r>
+              <a:rPr lang="en-US" dirty="0">
+                <a:solidFill>
+                  <a:srgbClr val="0000FF"/>
+                </a:solidFill>
+              </a:rPr>
+              <a:t>abstract</a:t>
+            </a:r>
+            <a:r>
+              <a:rPr lang="en-US" dirty="0">
+                <a:solidFill>
+                  <a:srgbClr val="000000"/>
+                </a:solidFill>
+              </a:rPr>
+              <a:t> </a:t>
+            </a:r>
+            <a:r>
+              <a:rPr lang="en-US" dirty="0">
+                <a:solidFill>
+                  <a:srgbClr val="0000FF"/>
+                </a:solidFill>
+              </a:rPr>
+              <a:t>protected</a:t>
+            </a:r>
+            <a:r>
+              <a:rPr lang="en-US" dirty="0">
+                <a:solidFill>
+                  <a:srgbClr val="000000"/>
+                </a:solidFill>
+              </a:rPr>
+              <a:t> </a:t>
+            </a:r>
+            <a:r>
+              <a:rPr lang="en-US" dirty="0">
+                <a:solidFill>
+                  <a:srgbClr val="0000FF"/>
+                </a:solidFill>
+              </a:rPr>
+              <a:t>void</a:t>
+            </a:r>
+            <a:r>
+              <a:rPr lang="en-US" dirty="0">
+                <a:solidFill>
+                  <a:srgbClr val="000000"/>
+                </a:solidFill>
+              </a:rPr>
+              <a:t> </a:t>
+            </a:r>
+            <a:r>
+              <a:rPr lang="en-US" dirty="0" err="1">
+                <a:solidFill>
+                  <a:srgbClr val="000000"/>
+                </a:solidFill>
+              </a:rPr>
+              <a:t>WriteMessage</a:t>
+            </a:r>
+            <a:r>
+              <a:rPr lang="en-US" dirty="0">
+                <a:solidFill>
+                  <a:srgbClr val="000000"/>
+                </a:solidFill>
+              </a:rPr>
+              <a:t>(</a:t>
+            </a:r>
+            <a:r>
+              <a:rPr lang="en-US" dirty="0">
+                <a:solidFill>
+                  <a:srgbClr val="0000FF"/>
+                </a:solidFill>
+              </a:rPr>
+              <a:t>string</a:t>
+            </a:r>
+            <a:r>
+              <a:rPr lang="en-US" dirty="0">
+                <a:solidFill>
+                  <a:srgbClr val="000000"/>
+                </a:solidFill>
+              </a:rPr>
+              <a:t> </a:t>
+            </a:r>
+            <a:r>
+              <a:rPr lang="en-US" dirty="0" err="1">
+                <a:solidFill>
+                  <a:srgbClr val="000000"/>
+                </a:solidFill>
+              </a:rPr>
+              <a:t>msg</a:t>
+            </a:r>
+            <a:r>
+              <a:rPr lang="en-US" dirty="0">
+                <a:solidFill>
+                  <a:srgbClr val="000000"/>
+                </a:solidFill>
+              </a:rPr>
+              <a:t>);</a:t>
+            </a:r>
+          </a:p>
+          <a:p>
+            <a:pPr marL="0" indent="0">
+              <a:lnSpc>
+                <a:spcPct val="120000"/>
+              </a:lnSpc>
+              <a:spcBef>
+                <a:spcPts val="0"/>
+              </a:spcBef>
+              <a:buNone/>
+            </a:pPr>
+            <a:r>
+              <a:rPr lang="en-US" dirty="0">
+                <a:solidFill>
+                  <a:srgbClr val="000000"/>
+                </a:solidFill>
+              </a:rPr>
+              <a:t>    }</a:t>
+            </a:r>
+            <a:endParaRPr lang="en-US" dirty="0"/>
+          </a:p>
+        </p:txBody>
+      </p:sp>
+    </p:spTree>
+    <p:extLst>
+      <p:ext uri="{BB962C8B-B14F-4D97-AF65-F5344CB8AC3E}">
+        <p14:creationId xmlns:p14="http://schemas.microsoft.com/office/powerpoint/2010/main" val="3456196865"/>
+      </p:ext>
+    </p:extLst>
+  </p:cSld>
+  <p:clrMapOvr>
+    <a:masterClrMapping/>
+  </p:clrMapOvr>
+</p:sld>
+</file>
+
+<file path=ppt/slides/slide11.xml><?xml version="1.0" encoding="utf-8"?>
+<p:sld xmlns:a="http://schemas.openxmlformats.org/drawingml/2006/main" xmlns:r="http://schemas.openxmlformats.org/officeDocument/2006/relationships" xmlns:p="http://schemas.openxmlformats.org/presentationml/2006/main">
+  <p:cSld>
+    <p:spTree>
+      <p:nvGrpSpPr>
+        <p:cNvPr id="1" name=""/>
+        <p:cNvGrpSpPr/>
+        <p:nvPr/>
+      </p:nvGrpSpPr>
+      <p:grpSpPr>
+        <a:xfrm>
+          <a:off x="0" y="0"/>
+          <a:ext cx="0" cy="0"/>
+          <a:chOff x="0" y="0"/>
+          <a:chExt cx="0" cy="0"/>
+        </a:xfrm>
+      </p:grpSpPr>
+      <p:sp>
+        <p:nvSpPr>
+          <p:cNvPr id="2" name="Title 1">
+            <a:extLst>
+              <a:ext uri="{FF2B5EF4-FFF2-40B4-BE49-F238E27FC236}">
                 <a16:creationId xmlns:a16="http://schemas.microsoft.com/office/drawing/2014/main" id="{B9363AEF-37A9-4630-9616-457678CE205B}"/>
               </a:ext>
             </a:extLst>
@@ -6350,10 +7018,10 @@
       </p:sp>
       <p:pic>
         <p:nvPicPr>
-          <p:cNvPr id="5" name="Content Placeholder 4" descr="A close up of a piece of paper&#10;&#10;Description generated with high confidence">
+          <p:cNvPr id="7" name="Content Placeholder 6">
             <a:extLst>
               <a:ext uri="{FF2B5EF4-FFF2-40B4-BE49-F238E27FC236}">
-                <a16:creationId xmlns:a16="http://schemas.microsoft.com/office/drawing/2014/main" id="{9A407CBE-0F0C-4B3C-8CD5-D3F201265D55}"/>
+                <a16:creationId xmlns:a16="http://schemas.microsoft.com/office/drawing/2014/main" id="{C3C21C0B-E500-4C4F-A897-B524EF6E4FA9}"/>
               </a:ext>
             </a:extLst>
           </p:cNvPr>
@@ -6372,8 +7040,8 @@
         </p:blipFill>
         <p:spPr>
           <a:xfrm>
-            <a:off x="4009292" y="1123837"/>
-            <a:ext cx="6644447" cy="4203537"/>
+            <a:off x="4320210" y="1750290"/>
+            <a:ext cx="5435186" cy="3012401"/>
           </a:xfrm>
         </p:spPr>
       </p:pic>
@@ -6390,7 +7058,7 @@
 </p:sld>
 </file>
 
-<file path=ppt/slides/slide11.xml><?xml version="1.0" encoding="utf-8"?>
+<file path=ppt/slides/slide12.xml><?xml version="1.0" encoding="utf-8"?>
 <p:sld xmlns:a="http://schemas.openxmlformats.org/drawingml/2006/main" xmlns:r="http://schemas.openxmlformats.org/officeDocument/2006/relationships" xmlns:p="http://schemas.openxmlformats.org/presentationml/2006/main">
   <p:cSld>
     <p:spTree>
@@ -6746,7 +7414,7 @@
 </p:sld>
 </file>
 
-<file path=ppt/slides/slide12.xml><?xml version="1.0" encoding="utf-8"?>
+<file path=ppt/slides/slide13.xml><?xml version="1.0" encoding="utf-8"?>
 <p:sld xmlns:a="http://schemas.openxmlformats.org/drawingml/2006/main" xmlns:r="http://schemas.openxmlformats.org/officeDocument/2006/relationships" xmlns:p="http://schemas.openxmlformats.org/presentationml/2006/main">
   <p:cSld>
     <p:spTree>
@@ -7912,6 +8580,3553 @@
     <p:extLst>
       <p:ext uri="{BB962C8B-B14F-4D97-AF65-F5344CB8AC3E}">
         <p14:creationId xmlns:p14="http://schemas.microsoft.com/office/powerpoint/2010/main" val="740590331"/>
+      </p:ext>
+    </p:extLst>
+  </p:cSld>
+  <p:clrMapOvr>
+    <a:masterClrMapping/>
+  </p:clrMapOvr>
+</p:sld>
+</file>
+
+<file path=ppt/slides/slide14.xml><?xml version="1.0" encoding="utf-8"?>
+<p:sld xmlns:a="http://schemas.openxmlformats.org/drawingml/2006/main" xmlns:r="http://schemas.openxmlformats.org/officeDocument/2006/relationships" xmlns:p="http://schemas.openxmlformats.org/presentationml/2006/main">
+  <p:cSld>
+    <p:spTree>
+      <p:nvGrpSpPr>
+        <p:cNvPr id="1" name=""/>
+        <p:cNvGrpSpPr/>
+        <p:nvPr/>
+      </p:nvGrpSpPr>
+      <p:grpSpPr>
+        <a:xfrm>
+          <a:off x="0" y="0"/>
+          <a:ext cx="0" cy="0"/>
+          <a:chOff x="0" y="0"/>
+          <a:chExt cx="0" cy="0"/>
+        </a:xfrm>
+      </p:grpSpPr>
+      <p:sp>
+        <p:nvSpPr>
+          <p:cNvPr id="2" name="Title 1">
+            <a:extLst>
+              <a:ext uri="{FF2B5EF4-FFF2-40B4-BE49-F238E27FC236}">
+                <a16:creationId xmlns:a16="http://schemas.microsoft.com/office/drawing/2014/main" id="{270F1F75-774D-4DCA-8FF2-D5FC561B47BD}"/>
+              </a:ext>
+            </a:extLst>
+          </p:cNvPr>
+          <p:cNvSpPr>
+            <a:spLocks noGrp="1"/>
+          </p:cNvSpPr>
+          <p:nvPr>
+            <p:ph type="title"/>
+          </p:nvPr>
+        </p:nvSpPr>
+        <p:spPr/>
+        <p:txBody>
+          <a:bodyPr/>
+          <a:lstStyle/>
+          <a:p>
+            <a:r>
+              <a:rPr lang="en-US" dirty="0"/>
+              <a:t>Email Filter</a:t>
+            </a:r>
+          </a:p>
+        </p:txBody>
+      </p:sp>
+      <p:sp>
+        <p:nvSpPr>
+          <p:cNvPr id="3" name="Content Placeholder 2">
+            <a:extLst>
+              <a:ext uri="{FF2B5EF4-FFF2-40B4-BE49-F238E27FC236}">
+                <a16:creationId xmlns:a16="http://schemas.microsoft.com/office/drawing/2014/main" id="{4BCA141A-A765-4A66-8BAB-6628AAC9E0ED}"/>
+              </a:ext>
+            </a:extLst>
+          </p:cNvPr>
+          <p:cNvSpPr>
+            <a:spLocks noGrp="1"/>
+          </p:cNvSpPr>
+          <p:nvPr>
+            <p:ph idx="1"/>
+          </p:nvPr>
+        </p:nvSpPr>
+        <p:spPr>
+          <a:xfrm>
+            <a:off x="3781718" y="864108"/>
+            <a:ext cx="7940111" cy="5120640"/>
+          </a:xfrm>
+        </p:spPr>
+        <p:txBody>
+          <a:bodyPr>
+            <a:normAutofit/>
+          </a:bodyPr>
+          <a:lstStyle/>
+          <a:p>
+            <a:r>
+              <a:rPr lang="en-US" sz="2800" b="1" dirty="0"/>
+              <a:t>Email Filtering using Chain of Responsibility</a:t>
+            </a:r>
+          </a:p>
+          <a:p>
+            <a:endParaRPr lang="en-US" dirty="0"/>
+          </a:p>
+          <a:p>
+            <a:pPr lvl="1"/>
+            <a:r>
+              <a:rPr lang="en-US" sz="2000" dirty="0"/>
+              <a:t>A single email request is sent to the first filter object in the chain.</a:t>
+            </a:r>
+          </a:p>
+          <a:p>
+            <a:endParaRPr lang="en-US" sz="2400" dirty="0"/>
+          </a:p>
+          <a:p>
+            <a:pPr lvl="1"/>
+            <a:r>
+              <a:rPr lang="en-US" sz="2000" dirty="0"/>
+              <a:t>The filter object decides if it should satisfy the email request or not.</a:t>
+            </a:r>
+          </a:p>
+          <a:p>
+            <a:pPr lvl="1"/>
+            <a:endParaRPr lang="en-US" sz="2000" dirty="0"/>
+          </a:p>
+          <a:p>
+            <a:pPr lvl="1"/>
+            <a:r>
+              <a:rPr lang="en-US" sz="2000" dirty="0"/>
+              <a:t>If not satisfied, the filter object forwards the email request to the next filter object.</a:t>
+            </a:r>
+          </a:p>
+          <a:p>
+            <a:pPr lvl="1"/>
+            <a:endParaRPr lang="en-US" sz="2000" dirty="0"/>
+          </a:p>
+          <a:p>
+            <a:pPr lvl="1"/>
+            <a:r>
+              <a:rPr lang="en-US" sz="2000" dirty="0"/>
+              <a:t>This process will continue to repeat until the email request reaches the end of the chain.</a:t>
+            </a:r>
+          </a:p>
+        </p:txBody>
+      </p:sp>
+    </p:spTree>
+    <p:extLst>
+      <p:ext uri="{BB962C8B-B14F-4D97-AF65-F5344CB8AC3E}">
+        <p14:creationId xmlns:p14="http://schemas.microsoft.com/office/powerpoint/2010/main" val="3290371275"/>
+      </p:ext>
+    </p:extLst>
+  </p:cSld>
+  <p:clrMapOvr>
+    <a:masterClrMapping/>
+  </p:clrMapOvr>
+</p:sld>
+</file>
+
+<file path=ppt/slides/slide15.xml><?xml version="1.0" encoding="utf-8"?>
+<p:sld xmlns:a="http://schemas.openxmlformats.org/drawingml/2006/main" xmlns:r="http://schemas.openxmlformats.org/officeDocument/2006/relationships" xmlns:p="http://schemas.openxmlformats.org/presentationml/2006/main">
+  <p:cSld>
+    <p:spTree>
+      <p:nvGrpSpPr>
+        <p:cNvPr id="1" name=""/>
+        <p:cNvGrpSpPr/>
+        <p:nvPr/>
+      </p:nvGrpSpPr>
+      <p:grpSpPr>
+        <a:xfrm>
+          <a:off x="0" y="0"/>
+          <a:ext cx="0" cy="0"/>
+          <a:chOff x="0" y="0"/>
+          <a:chExt cx="0" cy="0"/>
+        </a:xfrm>
+      </p:grpSpPr>
+      <p:pic>
+        <p:nvPicPr>
+          <p:cNvPr id="38" name="Picture 37">
+            <a:extLst>
+              <a:ext uri="{FF2B5EF4-FFF2-40B4-BE49-F238E27FC236}">
+                <a16:creationId xmlns:a16="http://schemas.microsoft.com/office/drawing/2014/main" id="{E5C2B783-EA01-CE4F-A069-4DCCF28BFD49}"/>
+              </a:ext>
+            </a:extLst>
+          </p:cNvPr>
+          <p:cNvPicPr>
+            <a:picLocks noChangeAspect="1"/>
+          </p:cNvPicPr>
+          <p:nvPr/>
+        </p:nvPicPr>
+        <p:blipFill>
+          <a:blip r:embed="rId2"/>
+          <a:stretch>
+            <a:fillRect/>
+          </a:stretch>
+        </p:blipFill>
+        <p:spPr>
+          <a:xfrm>
+            <a:off x="5200227" y="2403896"/>
+            <a:ext cx="956169" cy="956169"/>
+          </a:xfrm>
+          <a:prstGeom prst="rect">
+            <a:avLst/>
+          </a:prstGeom>
+        </p:spPr>
+      </p:pic>
+      <p:cxnSp>
+        <p:nvCxnSpPr>
+          <p:cNvPr id="4" name="Straight Arrow Connector 3">
+            <a:extLst>
+              <a:ext uri="{FF2B5EF4-FFF2-40B4-BE49-F238E27FC236}">
+                <a16:creationId xmlns:a16="http://schemas.microsoft.com/office/drawing/2014/main" id="{24EFFE7C-00ED-E54E-BF18-A09C9473210A}"/>
+              </a:ext>
+            </a:extLst>
+          </p:cNvPr>
+          <p:cNvCxnSpPr>
+            <a:cxnSpLocks/>
+          </p:cNvCxnSpPr>
+          <p:nvPr/>
+        </p:nvCxnSpPr>
+        <p:spPr>
+          <a:xfrm>
+            <a:off x="1546352" y="2957576"/>
+            <a:ext cx="983488" cy="0"/>
+          </a:xfrm>
+          <a:prstGeom prst="straightConnector1">
+            <a:avLst/>
+          </a:prstGeom>
+          <a:ln w="76200">
+            <a:tailEnd type="triangle"/>
+          </a:ln>
+        </p:spPr>
+        <p:style>
+          <a:lnRef idx="1">
+            <a:schemeClr val="accent1"/>
+          </a:lnRef>
+          <a:fillRef idx="0">
+            <a:schemeClr val="accent1"/>
+          </a:fillRef>
+          <a:effectRef idx="0">
+            <a:schemeClr val="accent1"/>
+          </a:effectRef>
+          <a:fontRef idx="minor">
+            <a:schemeClr val="tx1"/>
+          </a:fontRef>
+        </p:style>
+      </p:cxnSp>
+      <p:sp>
+        <p:nvSpPr>
+          <p:cNvPr id="6" name="Rounded Rectangle 5">
+            <a:extLst>
+              <a:ext uri="{FF2B5EF4-FFF2-40B4-BE49-F238E27FC236}">
+                <a16:creationId xmlns:a16="http://schemas.microsoft.com/office/drawing/2014/main" id="{7D67911E-6E5B-A947-8E78-E287BC8AF3B5}"/>
+              </a:ext>
+            </a:extLst>
+          </p:cNvPr>
+          <p:cNvSpPr/>
+          <p:nvPr/>
+        </p:nvSpPr>
+        <p:spPr>
+          <a:xfrm>
+            <a:off x="2566416" y="2145792"/>
+            <a:ext cx="1499616" cy="1522984"/>
+          </a:xfrm>
+          <a:prstGeom prst="roundRect">
+            <a:avLst/>
+          </a:prstGeom>
+          <a:noFill/>
+          <a:ln w="38100"/>
+        </p:spPr>
+        <p:style>
+          <a:lnRef idx="2">
+            <a:schemeClr val="accent1">
+              <a:shade val="50000"/>
+            </a:schemeClr>
+          </a:lnRef>
+          <a:fillRef idx="1">
+            <a:schemeClr val="accent1"/>
+          </a:fillRef>
+          <a:effectRef idx="0">
+            <a:schemeClr val="accent1"/>
+          </a:effectRef>
+          <a:fontRef idx="minor">
+            <a:schemeClr val="lt1"/>
+          </a:fontRef>
+        </p:style>
+        <p:txBody>
+          <a:bodyPr rtlCol="0" anchor="ctr"/>
+          <a:lstStyle/>
+          <a:p>
+            <a:pPr algn="ctr"/>
+            <a:endParaRPr lang="en-US"/>
+          </a:p>
+        </p:txBody>
+      </p:sp>
+      <p:sp>
+        <p:nvSpPr>
+          <p:cNvPr id="7" name="TextBox 6">
+            <a:extLst>
+              <a:ext uri="{FF2B5EF4-FFF2-40B4-BE49-F238E27FC236}">
+                <a16:creationId xmlns:a16="http://schemas.microsoft.com/office/drawing/2014/main" id="{904B1229-B1E8-BA47-A7A0-04F68375D924}"/>
+              </a:ext>
+            </a:extLst>
+          </p:cNvPr>
+          <p:cNvSpPr txBox="1"/>
+          <p:nvPr/>
+        </p:nvSpPr>
+        <p:spPr>
+          <a:xfrm>
+            <a:off x="2395728" y="1720379"/>
+            <a:ext cx="1840992" cy="400110"/>
+          </a:xfrm>
+          <a:prstGeom prst="rect">
+            <a:avLst/>
+          </a:prstGeom>
+          <a:noFill/>
+        </p:spPr>
+        <p:txBody>
+          <a:bodyPr wrap="square" rtlCol="0">
+            <a:spAutoFit/>
+          </a:bodyPr>
+          <a:lstStyle/>
+          <a:p>
+            <a:pPr algn="ctr"/>
+            <a:r>
+              <a:rPr lang="en-US" sz="2000" dirty="0"/>
+              <a:t>SPAM FILTER</a:t>
+            </a:r>
+          </a:p>
+        </p:txBody>
+      </p:sp>
+      <p:cxnSp>
+        <p:nvCxnSpPr>
+          <p:cNvPr id="8" name="Straight Arrow Connector 7">
+            <a:extLst>
+              <a:ext uri="{FF2B5EF4-FFF2-40B4-BE49-F238E27FC236}">
+                <a16:creationId xmlns:a16="http://schemas.microsoft.com/office/drawing/2014/main" id="{A2F9C1D4-B5CC-3D4D-A01B-4C31A023BF46}"/>
+              </a:ext>
+            </a:extLst>
+          </p:cNvPr>
+          <p:cNvCxnSpPr>
+            <a:cxnSpLocks/>
+          </p:cNvCxnSpPr>
+          <p:nvPr/>
+        </p:nvCxnSpPr>
+        <p:spPr>
+          <a:xfrm>
+            <a:off x="4151376" y="2957576"/>
+            <a:ext cx="727456" cy="0"/>
+          </a:xfrm>
+          <a:prstGeom prst="straightConnector1">
+            <a:avLst/>
+          </a:prstGeom>
+          <a:ln w="76200">
+            <a:tailEnd type="triangle"/>
+          </a:ln>
+        </p:spPr>
+        <p:style>
+          <a:lnRef idx="1">
+            <a:schemeClr val="accent1"/>
+          </a:lnRef>
+          <a:fillRef idx="0">
+            <a:schemeClr val="accent1"/>
+          </a:fillRef>
+          <a:effectRef idx="0">
+            <a:schemeClr val="accent1"/>
+          </a:effectRef>
+          <a:fontRef idx="minor">
+            <a:schemeClr val="tx1"/>
+          </a:fontRef>
+        </p:style>
+      </p:cxnSp>
+      <p:sp>
+        <p:nvSpPr>
+          <p:cNvPr id="9" name="Rounded Rectangle 8">
+            <a:extLst>
+              <a:ext uri="{FF2B5EF4-FFF2-40B4-BE49-F238E27FC236}">
+                <a16:creationId xmlns:a16="http://schemas.microsoft.com/office/drawing/2014/main" id="{8D820888-8456-2845-88CC-214D13F6E66F}"/>
+              </a:ext>
+            </a:extLst>
+          </p:cNvPr>
+          <p:cNvSpPr/>
+          <p:nvPr/>
+        </p:nvSpPr>
+        <p:spPr>
+          <a:xfrm>
+            <a:off x="4964176" y="2145792"/>
+            <a:ext cx="1499616" cy="1522984"/>
+          </a:xfrm>
+          <a:prstGeom prst="roundRect">
+            <a:avLst/>
+          </a:prstGeom>
+          <a:noFill/>
+          <a:ln w="38100"/>
+        </p:spPr>
+        <p:style>
+          <a:lnRef idx="2">
+            <a:schemeClr val="accent1">
+              <a:shade val="50000"/>
+            </a:schemeClr>
+          </a:lnRef>
+          <a:fillRef idx="1">
+            <a:schemeClr val="accent1"/>
+          </a:fillRef>
+          <a:effectRef idx="0">
+            <a:schemeClr val="accent1"/>
+          </a:effectRef>
+          <a:fontRef idx="minor">
+            <a:schemeClr val="lt1"/>
+          </a:fontRef>
+        </p:style>
+        <p:txBody>
+          <a:bodyPr rtlCol="0" anchor="ctr"/>
+          <a:lstStyle/>
+          <a:p>
+            <a:pPr algn="ctr"/>
+            <a:endParaRPr lang="en-US"/>
+          </a:p>
+        </p:txBody>
+      </p:sp>
+      <p:sp>
+        <p:nvSpPr>
+          <p:cNvPr id="10" name="TextBox 9">
+            <a:extLst>
+              <a:ext uri="{FF2B5EF4-FFF2-40B4-BE49-F238E27FC236}">
+                <a16:creationId xmlns:a16="http://schemas.microsoft.com/office/drawing/2014/main" id="{362A4763-11FB-774A-A332-F923870A617F}"/>
+              </a:ext>
+            </a:extLst>
+          </p:cNvPr>
+          <p:cNvSpPr txBox="1"/>
+          <p:nvPr/>
+        </p:nvSpPr>
+        <p:spPr>
+          <a:xfrm>
+            <a:off x="4793488" y="1720379"/>
+            <a:ext cx="1840992" cy="400110"/>
+          </a:xfrm>
+          <a:prstGeom prst="rect">
+            <a:avLst/>
+          </a:prstGeom>
+          <a:noFill/>
+        </p:spPr>
+        <p:txBody>
+          <a:bodyPr wrap="square" rtlCol="0">
+            <a:spAutoFit/>
+          </a:bodyPr>
+          <a:lstStyle/>
+          <a:p>
+            <a:pPr algn="ctr"/>
+            <a:r>
+              <a:rPr lang="en-US" sz="2000" dirty="0"/>
+              <a:t>PROMO FILTER</a:t>
+            </a:r>
+          </a:p>
+        </p:txBody>
+      </p:sp>
+      <p:sp>
+        <p:nvSpPr>
+          <p:cNvPr id="12" name="Rounded Rectangle 11">
+            <a:extLst>
+              <a:ext uri="{FF2B5EF4-FFF2-40B4-BE49-F238E27FC236}">
+                <a16:creationId xmlns:a16="http://schemas.microsoft.com/office/drawing/2014/main" id="{59471DE4-B4B3-6B40-8189-531296726A50}"/>
+              </a:ext>
+            </a:extLst>
+          </p:cNvPr>
+          <p:cNvSpPr/>
+          <p:nvPr/>
+        </p:nvSpPr>
+        <p:spPr>
+          <a:xfrm>
+            <a:off x="7361936" y="2151380"/>
+            <a:ext cx="1499616" cy="1522984"/>
+          </a:xfrm>
+          <a:prstGeom prst="roundRect">
+            <a:avLst/>
+          </a:prstGeom>
+          <a:noFill/>
+          <a:ln w="38100"/>
+        </p:spPr>
+        <p:style>
+          <a:lnRef idx="2">
+            <a:schemeClr val="accent1">
+              <a:shade val="50000"/>
+            </a:schemeClr>
+          </a:lnRef>
+          <a:fillRef idx="1">
+            <a:schemeClr val="accent1"/>
+          </a:fillRef>
+          <a:effectRef idx="0">
+            <a:schemeClr val="accent1"/>
+          </a:effectRef>
+          <a:fontRef idx="minor">
+            <a:schemeClr val="lt1"/>
+          </a:fontRef>
+        </p:style>
+        <p:txBody>
+          <a:bodyPr rtlCol="0" anchor="ctr"/>
+          <a:lstStyle/>
+          <a:p>
+            <a:pPr algn="ctr"/>
+            <a:endParaRPr lang="en-US"/>
+          </a:p>
+        </p:txBody>
+      </p:sp>
+      <p:sp>
+        <p:nvSpPr>
+          <p:cNvPr id="13" name="TextBox 12">
+            <a:extLst>
+              <a:ext uri="{FF2B5EF4-FFF2-40B4-BE49-F238E27FC236}">
+                <a16:creationId xmlns:a16="http://schemas.microsoft.com/office/drawing/2014/main" id="{6EF66780-834E-4B4B-A1F2-E54CF8A5EDA5}"/>
+              </a:ext>
+            </a:extLst>
+          </p:cNvPr>
+          <p:cNvSpPr txBox="1"/>
+          <p:nvPr/>
+        </p:nvSpPr>
+        <p:spPr>
+          <a:xfrm>
+            <a:off x="7191248" y="1720379"/>
+            <a:ext cx="1840992" cy="400110"/>
+          </a:xfrm>
+          <a:prstGeom prst="rect">
+            <a:avLst/>
+          </a:prstGeom>
+          <a:noFill/>
+        </p:spPr>
+        <p:txBody>
+          <a:bodyPr wrap="square" rtlCol="0">
+            <a:spAutoFit/>
+          </a:bodyPr>
+          <a:lstStyle/>
+          <a:p>
+            <a:pPr algn="ctr"/>
+            <a:r>
+              <a:rPr lang="en-US" sz="2000" dirty="0"/>
+              <a:t>SOCIAL FILTER</a:t>
+            </a:r>
+          </a:p>
+        </p:txBody>
+      </p:sp>
+      <p:sp>
+        <p:nvSpPr>
+          <p:cNvPr id="15" name="Rounded Rectangle 14">
+            <a:extLst>
+              <a:ext uri="{FF2B5EF4-FFF2-40B4-BE49-F238E27FC236}">
+                <a16:creationId xmlns:a16="http://schemas.microsoft.com/office/drawing/2014/main" id="{A3F30247-6DEB-B646-90BE-AD4C96A44B4A}"/>
+              </a:ext>
+            </a:extLst>
+          </p:cNvPr>
+          <p:cNvSpPr/>
+          <p:nvPr/>
+        </p:nvSpPr>
+        <p:spPr>
+          <a:xfrm>
+            <a:off x="9759696" y="2120489"/>
+            <a:ext cx="1499616" cy="1522984"/>
+          </a:xfrm>
+          <a:prstGeom prst="roundRect">
+            <a:avLst/>
+          </a:prstGeom>
+          <a:noFill/>
+          <a:ln w="38100"/>
+        </p:spPr>
+        <p:style>
+          <a:lnRef idx="2">
+            <a:schemeClr val="accent1">
+              <a:shade val="50000"/>
+            </a:schemeClr>
+          </a:lnRef>
+          <a:fillRef idx="1">
+            <a:schemeClr val="accent1"/>
+          </a:fillRef>
+          <a:effectRef idx="0">
+            <a:schemeClr val="accent1"/>
+          </a:effectRef>
+          <a:fontRef idx="minor">
+            <a:schemeClr val="lt1"/>
+          </a:fontRef>
+        </p:style>
+        <p:txBody>
+          <a:bodyPr rtlCol="0" anchor="ctr"/>
+          <a:lstStyle/>
+          <a:p>
+            <a:pPr algn="ctr"/>
+            <a:endParaRPr lang="en-US"/>
+          </a:p>
+        </p:txBody>
+      </p:sp>
+      <p:sp>
+        <p:nvSpPr>
+          <p:cNvPr id="16" name="TextBox 15">
+            <a:extLst>
+              <a:ext uri="{FF2B5EF4-FFF2-40B4-BE49-F238E27FC236}">
+                <a16:creationId xmlns:a16="http://schemas.microsoft.com/office/drawing/2014/main" id="{849B436B-8885-534B-8A12-8DA4D468ACC7}"/>
+              </a:ext>
+            </a:extLst>
+          </p:cNvPr>
+          <p:cNvSpPr txBox="1"/>
+          <p:nvPr/>
+        </p:nvSpPr>
+        <p:spPr>
+          <a:xfrm>
+            <a:off x="9418320" y="1720379"/>
+            <a:ext cx="2182368" cy="400110"/>
+          </a:xfrm>
+          <a:prstGeom prst="rect">
+            <a:avLst/>
+          </a:prstGeom>
+          <a:noFill/>
+        </p:spPr>
+        <p:txBody>
+          <a:bodyPr wrap="square" rtlCol="0">
+            <a:spAutoFit/>
+          </a:bodyPr>
+          <a:lstStyle/>
+          <a:p>
+            <a:pPr algn="ctr"/>
+            <a:r>
+              <a:rPr lang="en-US" sz="2000" dirty="0"/>
+              <a:t>INBOX (DEFAULT)</a:t>
+            </a:r>
+          </a:p>
+        </p:txBody>
+      </p:sp>
+      <p:cxnSp>
+        <p:nvCxnSpPr>
+          <p:cNvPr id="18" name="Straight Arrow Connector 17">
+            <a:extLst>
+              <a:ext uri="{FF2B5EF4-FFF2-40B4-BE49-F238E27FC236}">
+                <a16:creationId xmlns:a16="http://schemas.microsoft.com/office/drawing/2014/main" id="{B84804D5-A898-F24B-82A1-C26038AE1B09}"/>
+              </a:ext>
+            </a:extLst>
+          </p:cNvPr>
+          <p:cNvCxnSpPr>
+            <a:cxnSpLocks/>
+          </p:cNvCxnSpPr>
+          <p:nvPr/>
+        </p:nvCxnSpPr>
+        <p:spPr>
+          <a:xfrm>
+            <a:off x="6549136" y="2953512"/>
+            <a:ext cx="727456" cy="0"/>
+          </a:xfrm>
+          <a:prstGeom prst="straightConnector1">
+            <a:avLst/>
+          </a:prstGeom>
+          <a:ln w="76200">
+            <a:tailEnd type="triangle"/>
+          </a:ln>
+        </p:spPr>
+        <p:style>
+          <a:lnRef idx="1">
+            <a:schemeClr val="accent1"/>
+          </a:lnRef>
+          <a:fillRef idx="0">
+            <a:schemeClr val="accent1"/>
+          </a:fillRef>
+          <a:effectRef idx="0">
+            <a:schemeClr val="accent1"/>
+          </a:effectRef>
+          <a:fontRef idx="minor">
+            <a:schemeClr val="tx1"/>
+          </a:fontRef>
+        </p:style>
+      </p:cxnSp>
+      <p:cxnSp>
+        <p:nvCxnSpPr>
+          <p:cNvPr id="19" name="Straight Arrow Connector 18">
+            <a:extLst>
+              <a:ext uri="{FF2B5EF4-FFF2-40B4-BE49-F238E27FC236}">
+                <a16:creationId xmlns:a16="http://schemas.microsoft.com/office/drawing/2014/main" id="{C45CB06C-F5D6-ED48-B8A2-DCF2AFF4D2B3}"/>
+              </a:ext>
+            </a:extLst>
+          </p:cNvPr>
+          <p:cNvCxnSpPr>
+            <a:cxnSpLocks/>
+          </p:cNvCxnSpPr>
+          <p:nvPr/>
+        </p:nvCxnSpPr>
+        <p:spPr>
+          <a:xfrm>
+            <a:off x="8926576" y="2961640"/>
+            <a:ext cx="727456" cy="0"/>
+          </a:xfrm>
+          <a:prstGeom prst="straightConnector1">
+            <a:avLst/>
+          </a:prstGeom>
+          <a:ln w="76200">
+            <a:tailEnd type="triangle"/>
+          </a:ln>
+        </p:spPr>
+        <p:style>
+          <a:lnRef idx="1">
+            <a:schemeClr val="accent1"/>
+          </a:lnRef>
+          <a:fillRef idx="0">
+            <a:schemeClr val="accent1"/>
+          </a:fillRef>
+          <a:effectRef idx="0">
+            <a:schemeClr val="accent1"/>
+          </a:effectRef>
+          <a:fontRef idx="minor">
+            <a:schemeClr val="tx1"/>
+          </a:fontRef>
+        </p:style>
+      </p:cxnSp>
+      <p:sp>
+        <p:nvSpPr>
+          <p:cNvPr id="20" name="TextBox 19">
+            <a:extLst>
+              <a:ext uri="{FF2B5EF4-FFF2-40B4-BE49-F238E27FC236}">
+                <a16:creationId xmlns:a16="http://schemas.microsoft.com/office/drawing/2014/main" id="{0975157B-EA92-BF40-8A6D-9D9D35992D05}"/>
+              </a:ext>
+            </a:extLst>
+          </p:cNvPr>
+          <p:cNvSpPr txBox="1"/>
+          <p:nvPr/>
+        </p:nvSpPr>
+        <p:spPr>
+          <a:xfrm>
+            <a:off x="2529840" y="231648"/>
+            <a:ext cx="6760464" cy="584775"/>
+          </a:xfrm>
+          <a:prstGeom prst="rect">
+            <a:avLst/>
+          </a:prstGeom>
+          <a:noFill/>
+        </p:spPr>
+        <p:txBody>
+          <a:bodyPr wrap="square" rtlCol="0">
+            <a:spAutoFit/>
+          </a:bodyPr>
+          <a:lstStyle/>
+          <a:p>
+            <a:pPr algn="ctr"/>
+            <a:r>
+              <a:rPr lang="en-US" sz="3200" b="1" dirty="0"/>
+              <a:t>EMAIL FILTERING</a:t>
+            </a:r>
+          </a:p>
+        </p:txBody>
+      </p:sp>
+      <p:pic>
+        <p:nvPicPr>
+          <p:cNvPr id="30" name="Picture 29">
+            <a:extLst>
+              <a:ext uri="{FF2B5EF4-FFF2-40B4-BE49-F238E27FC236}">
+                <a16:creationId xmlns:a16="http://schemas.microsoft.com/office/drawing/2014/main" id="{92B3288A-5F58-D74B-A528-230BE91546A1}"/>
+              </a:ext>
+            </a:extLst>
+          </p:cNvPr>
+          <p:cNvPicPr>
+            <a:picLocks noChangeAspect="1"/>
+          </p:cNvPicPr>
+          <p:nvPr/>
+        </p:nvPicPr>
+        <p:blipFill>
+          <a:blip r:embed="rId2"/>
+          <a:stretch>
+            <a:fillRect/>
+          </a:stretch>
+        </p:blipFill>
+        <p:spPr>
+          <a:xfrm>
+            <a:off x="419495" y="2440865"/>
+            <a:ext cx="956169" cy="956169"/>
+          </a:xfrm>
+          <a:prstGeom prst="rect">
+            <a:avLst/>
+          </a:prstGeom>
+        </p:spPr>
+      </p:pic>
+      <p:pic>
+        <p:nvPicPr>
+          <p:cNvPr id="35" name="Picture 34">
+            <a:extLst>
+              <a:ext uri="{FF2B5EF4-FFF2-40B4-BE49-F238E27FC236}">
+                <a16:creationId xmlns:a16="http://schemas.microsoft.com/office/drawing/2014/main" id="{77CDB110-E727-2742-9782-E1A995E1D2B2}"/>
+              </a:ext>
+            </a:extLst>
+          </p:cNvPr>
+          <p:cNvPicPr>
+            <a:picLocks noChangeAspect="1"/>
+          </p:cNvPicPr>
+          <p:nvPr/>
+        </p:nvPicPr>
+        <p:blipFill>
+          <a:blip r:embed="rId2"/>
+          <a:stretch>
+            <a:fillRect/>
+          </a:stretch>
+        </p:blipFill>
+        <p:spPr>
+          <a:xfrm>
+            <a:off x="2743538" y="2440865"/>
+            <a:ext cx="956169" cy="956169"/>
+          </a:xfrm>
+          <a:prstGeom prst="rect">
+            <a:avLst/>
+          </a:prstGeom>
+        </p:spPr>
+      </p:pic>
+      <p:pic>
+        <p:nvPicPr>
+          <p:cNvPr id="23" name="Picture 22">
+            <a:extLst>
+              <a:ext uri="{FF2B5EF4-FFF2-40B4-BE49-F238E27FC236}">
+                <a16:creationId xmlns:a16="http://schemas.microsoft.com/office/drawing/2014/main" id="{A198DCEC-1F2A-9143-AED6-0ED1E079B289}"/>
+              </a:ext>
+            </a:extLst>
+          </p:cNvPr>
+          <p:cNvPicPr>
+            <a:picLocks noChangeAspect="1"/>
+          </p:cNvPicPr>
+          <p:nvPr/>
+        </p:nvPicPr>
+        <p:blipFill>
+          <a:blip r:embed="rId3"/>
+          <a:stretch>
+            <a:fillRect/>
+          </a:stretch>
+        </p:blipFill>
+        <p:spPr>
+          <a:xfrm>
+            <a:off x="2788945" y="2509149"/>
+            <a:ext cx="873066" cy="873066"/>
+          </a:xfrm>
+          <a:prstGeom prst="rect">
+            <a:avLst/>
+          </a:prstGeom>
+        </p:spPr>
+      </p:pic>
+      <p:pic>
+        <p:nvPicPr>
+          <p:cNvPr id="36" name="Picture 35">
+            <a:extLst>
+              <a:ext uri="{FF2B5EF4-FFF2-40B4-BE49-F238E27FC236}">
+                <a16:creationId xmlns:a16="http://schemas.microsoft.com/office/drawing/2014/main" id="{10190600-69AD-7849-A3D9-16DB2D3E0306}"/>
+              </a:ext>
+            </a:extLst>
+          </p:cNvPr>
+          <p:cNvPicPr>
+            <a:picLocks noChangeAspect="1"/>
+          </p:cNvPicPr>
+          <p:nvPr/>
+        </p:nvPicPr>
+        <p:blipFill>
+          <a:blip r:embed="rId3"/>
+          <a:stretch>
+            <a:fillRect/>
+          </a:stretch>
+        </p:blipFill>
+        <p:spPr>
+          <a:xfrm>
+            <a:off x="5256784" y="2459034"/>
+            <a:ext cx="873066" cy="873066"/>
+          </a:xfrm>
+          <a:prstGeom prst="rect">
+            <a:avLst/>
+          </a:prstGeom>
+        </p:spPr>
+      </p:pic>
+      <p:pic>
+        <p:nvPicPr>
+          <p:cNvPr id="41" name="Picture 40">
+            <a:extLst>
+              <a:ext uri="{FF2B5EF4-FFF2-40B4-BE49-F238E27FC236}">
+                <a16:creationId xmlns:a16="http://schemas.microsoft.com/office/drawing/2014/main" id="{B1FB8A6E-1943-7641-A9A7-5C9F43CADA68}"/>
+              </a:ext>
+            </a:extLst>
+          </p:cNvPr>
+          <p:cNvPicPr>
+            <a:picLocks noChangeAspect="1"/>
+          </p:cNvPicPr>
+          <p:nvPr/>
+        </p:nvPicPr>
+        <p:blipFill>
+          <a:blip r:embed="rId2"/>
+          <a:stretch>
+            <a:fillRect/>
+          </a:stretch>
+        </p:blipFill>
+        <p:spPr>
+          <a:xfrm>
+            <a:off x="7633659" y="2440865"/>
+            <a:ext cx="956169" cy="956169"/>
+          </a:xfrm>
+          <a:prstGeom prst="rect">
+            <a:avLst/>
+          </a:prstGeom>
+        </p:spPr>
+      </p:pic>
+      <p:pic>
+        <p:nvPicPr>
+          <p:cNvPr id="39" name="Picture 38">
+            <a:extLst>
+              <a:ext uri="{FF2B5EF4-FFF2-40B4-BE49-F238E27FC236}">
+                <a16:creationId xmlns:a16="http://schemas.microsoft.com/office/drawing/2014/main" id="{1D3DE726-0B0A-9E47-88AE-120286AB40EF}"/>
+              </a:ext>
+            </a:extLst>
+          </p:cNvPr>
+          <p:cNvPicPr>
+            <a:picLocks noChangeAspect="1"/>
+          </p:cNvPicPr>
+          <p:nvPr/>
+        </p:nvPicPr>
+        <p:blipFill>
+          <a:blip r:embed="rId3"/>
+          <a:stretch>
+            <a:fillRect/>
+          </a:stretch>
+        </p:blipFill>
+        <p:spPr>
+          <a:xfrm>
+            <a:off x="7707713" y="2445447"/>
+            <a:ext cx="873066" cy="873066"/>
+          </a:xfrm>
+          <a:prstGeom prst="rect">
+            <a:avLst/>
+          </a:prstGeom>
+        </p:spPr>
+      </p:pic>
+      <p:pic>
+        <p:nvPicPr>
+          <p:cNvPr id="43" name="Picture 42">
+            <a:extLst>
+              <a:ext uri="{FF2B5EF4-FFF2-40B4-BE49-F238E27FC236}">
+                <a16:creationId xmlns:a16="http://schemas.microsoft.com/office/drawing/2014/main" id="{C62632AF-1D57-694E-9E4F-B503F789FF11}"/>
+              </a:ext>
+            </a:extLst>
+          </p:cNvPr>
+          <p:cNvPicPr>
+            <a:picLocks noChangeAspect="1"/>
+          </p:cNvPicPr>
+          <p:nvPr/>
+        </p:nvPicPr>
+        <p:blipFill>
+          <a:blip r:embed="rId4"/>
+          <a:stretch>
+            <a:fillRect/>
+          </a:stretch>
+        </p:blipFill>
+        <p:spPr>
+          <a:xfrm>
+            <a:off x="9930940" y="3925711"/>
+            <a:ext cx="1154749" cy="1154749"/>
+          </a:xfrm>
+          <a:prstGeom prst="rect">
+            <a:avLst/>
+          </a:prstGeom>
+        </p:spPr>
+      </p:pic>
+      <p:sp>
+        <p:nvSpPr>
+          <p:cNvPr id="44" name="TextBox 43">
+            <a:extLst>
+              <a:ext uri="{FF2B5EF4-FFF2-40B4-BE49-F238E27FC236}">
+                <a16:creationId xmlns:a16="http://schemas.microsoft.com/office/drawing/2014/main" id="{657EC18C-D284-D14E-86DF-1C3554EEEF21}"/>
+              </a:ext>
+            </a:extLst>
+          </p:cNvPr>
+          <p:cNvSpPr txBox="1"/>
+          <p:nvPr/>
+        </p:nvSpPr>
+        <p:spPr>
+          <a:xfrm>
+            <a:off x="224366" y="3194499"/>
+            <a:ext cx="2114691" cy="1200329"/>
+          </a:xfrm>
+          <a:prstGeom prst="rect">
+            <a:avLst/>
+          </a:prstGeom>
+          <a:noFill/>
+          <a:ln>
+            <a:noFill/>
+          </a:ln>
+        </p:spPr>
+        <p:txBody>
+          <a:bodyPr wrap="square" rtlCol="0">
+            <a:spAutoFit/>
+          </a:bodyPr>
+          <a:lstStyle/>
+          <a:p>
+            <a:r>
+              <a:rPr lang="en-US" dirty="0"/>
+              <a:t>From: Mom</a:t>
+            </a:r>
+          </a:p>
+          <a:p>
+            <a:r>
+              <a:rPr lang="en-US" dirty="0"/>
+              <a:t>“You better be at the library studying for finals!”</a:t>
+            </a:r>
+          </a:p>
+        </p:txBody>
+      </p:sp>
+    </p:spTree>
+    <p:extLst>
+      <p:ext uri="{BB962C8B-B14F-4D97-AF65-F5344CB8AC3E}">
+        <p14:creationId xmlns:p14="http://schemas.microsoft.com/office/powerpoint/2010/main" val="4282704973"/>
+      </p:ext>
+    </p:extLst>
+  </p:cSld>
+  <p:clrMapOvr>
+    <a:masterClrMapping/>
+  </p:clrMapOvr>
+  <p:timing>
+    <p:tnLst>
+      <p:par>
+        <p:cTn id="1" dur="indefinite" restart="never" nodeType="tmRoot">
+          <p:childTnLst>
+            <p:seq concurrent="1" nextAc="seek">
+              <p:cTn id="2" dur="indefinite" nodeType="mainSeq">
+                <p:childTnLst>
+                  <p:par>
+                    <p:cTn id="3" fill="hold">
+                      <p:stCondLst>
+                        <p:cond delay="indefinite"/>
+                      </p:stCondLst>
+                      <p:childTnLst>
+                        <p:par>
+                          <p:cTn id="4" fill="hold">
+                            <p:stCondLst>
+                              <p:cond delay="0"/>
+                            </p:stCondLst>
+                            <p:childTnLst>
+                              <p:par>
+                                <p:cTn id="5" presetID="0" presetClass="path" presetSubtype="0" accel="50000" decel="50000" fill="hold" nodeType="clickEffect">
+                                  <p:stCondLst>
+                                    <p:cond delay="0"/>
+                                  </p:stCondLst>
+                                  <p:childTnLst>
+                                    <p:animMotion origin="layout" path="M 6.04167E-6 -4.44444E-6 L 0.19661 -4.44444E-6 " pathEditMode="relative" rAng="0" ptsTypes="AA">
+                                      <p:cBhvr>
+                                        <p:cTn id="6" dur="2000" fill="hold"/>
+                                        <p:tgtEl>
+                                          <p:spTgt spid="30"/>
+                                        </p:tgtEl>
+                                        <p:attrNameLst>
+                                          <p:attrName>ppt_x</p:attrName>
+                                          <p:attrName>ppt_y</p:attrName>
+                                        </p:attrNameLst>
+                                      </p:cBhvr>
+                                      <p:rCtr x="9831" y="0"/>
+                                    </p:animMotion>
+                                  </p:childTnLst>
+                                  <p:subTnLst>
+                                    <p:set>
+                                      <p:cBhvr override="childStyle">
+                                        <p:cTn dur="1" fill="hold" display="0" masterRel="nextClick" afterEffect="1"/>
+                                        <p:tgtEl>
+                                          <p:spTgt spid="30"/>
+                                        </p:tgtEl>
+                                        <p:attrNameLst>
+                                          <p:attrName>style.visibility</p:attrName>
+                                        </p:attrNameLst>
+                                      </p:cBhvr>
+                                      <p:to>
+                                        <p:strVal val="hidden"/>
+                                      </p:to>
+                                    </p:set>
+                                  </p:subTnLst>
+                                </p:cTn>
+                              </p:par>
+                            </p:childTnLst>
+                          </p:cTn>
+                        </p:par>
+                      </p:childTnLst>
+                    </p:cTn>
+                  </p:par>
+                  <p:par>
+                    <p:cTn id="7" fill="hold">
+                      <p:stCondLst>
+                        <p:cond delay="indefinite"/>
+                      </p:stCondLst>
+                      <p:childTnLst>
+                        <p:par>
+                          <p:cTn id="8" fill="hold">
+                            <p:stCondLst>
+                              <p:cond delay="0"/>
+                            </p:stCondLst>
+                            <p:childTnLst>
+                              <p:par>
+                                <p:cTn id="9" presetID="12" presetClass="entr" presetSubtype="4" fill="hold" nodeType="clickEffect">
+                                  <p:stCondLst>
+                                    <p:cond delay="0"/>
+                                  </p:stCondLst>
+                                  <p:childTnLst>
+                                    <p:set>
+                                      <p:cBhvr>
+                                        <p:cTn id="10" dur="1" fill="hold">
+                                          <p:stCondLst>
+                                            <p:cond delay="0"/>
+                                          </p:stCondLst>
+                                        </p:cTn>
+                                        <p:tgtEl>
+                                          <p:spTgt spid="23"/>
+                                        </p:tgtEl>
+                                        <p:attrNameLst>
+                                          <p:attrName>style.visibility</p:attrName>
+                                        </p:attrNameLst>
+                                      </p:cBhvr>
+                                      <p:to>
+                                        <p:strVal val="visible"/>
+                                      </p:to>
+                                    </p:set>
+                                    <p:anim calcmode="lin" valueType="num">
+                                      <p:cBhvr additive="base">
+                                        <p:cTn id="11" dur="500"/>
+                                        <p:tgtEl>
+                                          <p:spTgt spid="23"/>
+                                        </p:tgtEl>
+                                        <p:attrNameLst>
+                                          <p:attrName>ppt_y</p:attrName>
+                                        </p:attrNameLst>
+                                      </p:cBhvr>
+                                      <p:tavLst>
+                                        <p:tav tm="0">
+                                          <p:val>
+                                            <p:strVal val="#ppt_y+#ppt_h*1.125000"/>
+                                          </p:val>
+                                        </p:tav>
+                                        <p:tav tm="100000">
+                                          <p:val>
+                                            <p:strVal val="#ppt_y"/>
+                                          </p:val>
+                                        </p:tav>
+                                      </p:tavLst>
+                                    </p:anim>
+                                    <p:animEffect transition="in" filter="wipe(up)">
+                                      <p:cBhvr>
+                                        <p:cTn id="12" dur="500"/>
+                                        <p:tgtEl>
+                                          <p:spTgt spid="23"/>
+                                        </p:tgtEl>
+                                      </p:cBhvr>
+                                    </p:animEffect>
+                                  </p:childTnLst>
+                                </p:cTn>
+                              </p:par>
+                            </p:childTnLst>
+                          </p:cTn>
+                        </p:par>
+                      </p:childTnLst>
+                    </p:cTn>
+                  </p:par>
+                  <p:par>
+                    <p:cTn id="13" fill="hold">
+                      <p:stCondLst>
+                        <p:cond delay="indefinite"/>
+                      </p:stCondLst>
+                      <p:childTnLst>
+                        <p:par>
+                          <p:cTn id="14" fill="hold">
+                            <p:stCondLst>
+                              <p:cond delay="0"/>
+                            </p:stCondLst>
+                            <p:childTnLst>
+                              <p:par>
+                                <p:cTn id="15" presetID="1" presetClass="entr" presetSubtype="0" fill="hold" nodeType="clickEffect">
+                                  <p:stCondLst>
+                                    <p:cond delay="0"/>
+                                  </p:stCondLst>
+                                  <p:childTnLst>
+                                    <p:set>
+                                      <p:cBhvr>
+                                        <p:cTn id="16" dur="1" fill="hold">
+                                          <p:stCondLst>
+                                            <p:cond delay="0"/>
+                                          </p:stCondLst>
+                                        </p:cTn>
+                                        <p:tgtEl>
+                                          <p:spTgt spid="35"/>
+                                        </p:tgtEl>
+                                        <p:attrNameLst>
+                                          <p:attrName>style.visibility</p:attrName>
+                                        </p:attrNameLst>
+                                      </p:cBhvr>
+                                      <p:to>
+                                        <p:strVal val="visible"/>
+                                      </p:to>
+                                    </p:set>
+                                  </p:childTnLst>
+                                </p:cTn>
+                              </p:par>
+                              <p:par>
+                                <p:cTn id="17" presetID="0" presetClass="path" presetSubtype="0" accel="50000" decel="50000" fill="hold" nodeType="withEffect">
+                                  <p:stCondLst>
+                                    <p:cond delay="0"/>
+                                  </p:stCondLst>
+                                  <p:childTnLst>
+                                    <p:animMotion origin="layout" path="M 0.00352 -4.44444E-6 L 0.20443 -4.44444E-6 " pathEditMode="relative" rAng="0" ptsTypes="AA">
+                                      <p:cBhvr>
+                                        <p:cTn id="18" dur="2000" fill="hold"/>
+                                        <p:tgtEl>
+                                          <p:spTgt spid="35"/>
+                                        </p:tgtEl>
+                                        <p:attrNameLst>
+                                          <p:attrName>ppt_x</p:attrName>
+                                          <p:attrName>ppt_y</p:attrName>
+                                        </p:attrNameLst>
+                                      </p:cBhvr>
+                                      <p:rCtr x="10039" y="0"/>
+                                    </p:animMotion>
+                                  </p:childTnLst>
+                                  <p:subTnLst>
+                                    <p:set>
+                                      <p:cBhvr override="childStyle">
+                                        <p:cTn dur="1" fill="hold" display="0" masterRel="nextClick" afterEffect="1"/>
+                                        <p:tgtEl>
+                                          <p:spTgt spid="35"/>
+                                        </p:tgtEl>
+                                        <p:attrNameLst>
+                                          <p:attrName>style.visibility</p:attrName>
+                                        </p:attrNameLst>
+                                      </p:cBhvr>
+                                      <p:to>
+                                        <p:strVal val="hidden"/>
+                                      </p:to>
+                                    </p:set>
+                                  </p:subTnLst>
+                                </p:cTn>
+                              </p:par>
+                            </p:childTnLst>
+                          </p:cTn>
+                        </p:par>
+                      </p:childTnLst>
+                    </p:cTn>
+                  </p:par>
+                  <p:par>
+                    <p:cTn id="19" fill="hold">
+                      <p:stCondLst>
+                        <p:cond delay="indefinite"/>
+                      </p:stCondLst>
+                      <p:childTnLst>
+                        <p:par>
+                          <p:cTn id="20" fill="hold">
+                            <p:stCondLst>
+                              <p:cond delay="0"/>
+                            </p:stCondLst>
+                            <p:childTnLst>
+                              <p:par>
+                                <p:cTn id="21" presetID="12" presetClass="entr" presetSubtype="4" fill="hold" nodeType="clickEffect">
+                                  <p:stCondLst>
+                                    <p:cond delay="0"/>
+                                  </p:stCondLst>
+                                  <p:childTnLst>
+                                    <p:set>
+                                      <p:cBhvr>
+                                        <p:cTn id="22" dur="1" fill="hold">
+                                          <p:stCondLst>
+                                            <p:cond delay="0"/>
+                                          </p:stCondLst>
+                                        </p:cTn>
+                                        <p:tgtEl>
+                                          <p:spTgt spid="36"/>
+                                        </p:tgtEl>
+                                        <p:attrNameLst>
+                                          <p:attrName>style.visibility</p:attrName>
+                                        </p:attrNameLst>
+                                      </p:cBhvr>
+                                      <p:to>
+                                        <p:strVal val="visible"/>
+                                      </p:to>
+                                    </p:set>
+                                    <p:anim calcmode="lin" valueType="num">
+                                      <p:cBhvr additive="base">
+                                        <p:cTn id="23" dur="500"/>
+                                        <p:tgtEl>
+                                          <p:spTgt spid="36"/>
+                                        </p:tgtEl>
+                                        <p:attrNameLst>
+                                          <p:attrName>ppt_y</p:attrName>
+                                        </p:attrNameLst>
+                                      </p:cBhvr>
+                                      <p:tavLst>
+                                        <p:tav tm="0">
+                                          <p:val>
+                                            <p:strVal val="#ppt_y+#ppt_h*1.125000"/>
+                                          </p:val>
+                                        </p:tav>
+                                        <p:tav tm="100000">
+                                          <p:val>
+                                            <p:strVal val="#ppt_y"/>
+                                          </p:val>
+                                        </p:tav>
+                                      </p:tavLst>
+                                    </p:anim>
+                                    <p:animEffect transition="in" filter="wipe(up)">
+                                      <p:cBhvr>
+                                        <p:cTn id="24" dur="500"/>
+                                        <p:tgtEl>
+                                          <p:spTgt spid="36"/>
+                                        </p:tgtEl>
+                                      </p:cBhvr>
+                                    </p:animEffect>
+                                  </p:childTnLst>
+                                </p:cTn>
+                              </p:par>
+                            </p:childTnLst>
+                          </p:cTn>
+                        </p:par>
+                      </p:childTnLst>
+                    </p:cTn>
+                  </p:par>
+                  <p:par>
+                    <p:cTn id="25" fill="hold">
+                      <p:stCondLst>
+                        <p:cond delay="indefinite"/>
+                      </p:stCondLst>
+                      <p:childTnLst>
+                        <p:par>
+                          <p:cTn id="26" fill="hold">
+                            <p:stCondLst>
+                              <p:cond delay="0"/>
+                            </p:stCondLst>
+                            <p:childTnLst>
+                              <p:par>
+                                <p:cTn id="27" presetID="1" presetClass="entr" presetSubtype="0" fill="hold" nodeType="clickEffect">
+                                  <p:stCondLst>
+                                    <p:cond delay="0"/>
+                                  </p:stCondLst>
+                                  <p:childTnLst>
+                                    <p:set>
+                                      <p:cBhvr>
+                                        <p:cTn id="28" dur="1" fill="hold">
+                                          <p:stCondLst>
+                                            <p:cond delay="0"/>
+                                          </p:stCondLst>
+                                        </p:cTn>
+                                        <p:tgtEl>
+                                          <p:spTgt spid="38"/>
+                                        </p:tgtEl>
+                                        <p:attrNameLst>
+                                          <p:attrName>style.visibility</p:attrName>
+                                        </p:attrNameLst>
+                                      </p:cBhvr>
+                                      <p:to>
+                                        <p:strVal val="visible"/>
+                                      </p:to>
+                                    </p:set>
+                                  </p:childTnLst>
+                                  <p:subTnLst>
+                                    <p:set>
+                                      <p:cBhvr override="childStyle">
+                                        <p:cTn dur="1" fill="hold" display="0" masterRel="nextClick" afterEffect="1"/>
+                                        <p:tgtEl>
+                                          <p:spTgt spid="38"/>
+                                        </p:tgtEl>
+                                        <p:attrNameLst>
+                                          <p:attrName>style.visibility</p:attrName>
+                                        </p:attrNameLst>
+                                      </p:cBhvr>
+                                      <p:to>
+                                        <p:strVal val="hidden"/>
+                                      </p:to>
+                                    </p:set>
+                                  </p:subTnLst>
+                                </p:cTn>
+                              </p:par>
+                              <p:par>
+                                <p:cTn id="29" presetID="0" presetClass="path" presetSubtype="0" accel="50000" decel="50000" fill="hold" nodeType="withEffect">
+                                  <p:stCondLst>
+                                    <p:cond delay="0"/>
+                                  </p:stCondLst>
+                                  <p:childTnLst>
+                                    <p:animMotion origin="layout" path="M 0.00351 1.11111E-6 L 0.20442 1.11111E-6 " pathEditMode="relative" rAng="0" ptsTypes="AA">
+                                      <p:cBhvr>
+                                        <p:cTn id="30" dur="2000" fill="hold"/>
+                                        <p:tgtEl>
+                                          <p:spTgt spid="38"/>
+                                        </p:tgtEl>
+                                        <p:attrNameLst>
+                                          <p:attrName>ppt_x</p:attrName>
+                                          <p:attrName>ppt_y</p:attrName>
+                                        </p:attrNameLst>
+                                      </p:cBhvr>
+                                      <p:rCtr x="10039" y="0"/>
+                                    </p:animMotion>
+                                  </p:childTnLst>
+                                  <p:subTnLst>
+                                    <p:set>
+                                      <p:cBhvr override="childStyle">
+                                        <p:cTn dur="1" fill="hold" display="0" masterRel="nextClick" afterEffect="1"/>
+                                        <p:tgtEl>
+                                          <p:spTgt spid="38"/>
+                                        </p:tgtEl>
+                                        <p:attrNameLst>
+                                          <p:attrName>style.visibility</p:attrName>
+                                        </p:attrNameLst>
+                                      </p:cBhvr>
+                                      <p:to>
+                                        <p:strVal val="hidden"/>
+                                      </p:to>
+                                    </p:set>
+                                  </p:subTnLst>
+                                </p:cTn>
+                              </p:par>
+                            </p:childTnLst>
+                          </p:cTn>
+                        </p:par>
+                      </p:childTnLst>
+                    </p:cTn>
+                  </p:par>
+                  <p:par>
+                    <p:cTn id="31" fill="hold">
+                      <p:stCondLst>
+                        <p:cond delay="indefinite"/>
+                      </p:stCondLst>
+                      <p:childTnLst>
+                        <p:par>
+                          <p:cTn id="32" fill="hold">
+                            <p:stCondLst>
+                              <p:cond delay="0"/>
+                            </p:stCondLst>
+                            <p:childTnLst>
+                              <p:par>
+                                <p:cTn id="33" presetID="12" presetClass="entr" presetSubtype="4" fill="hold" nodeType="clickEffect">
+                                  <p:stCondLst>
+                                    <p:cond delay="0"/>
+                                  </p:stCondLst>
+                                  <p:childTnLst>
+                                    <p:set>
+                                      <p:cBhvr>
+                                        <p:cTn id="34" dur="1" fill="hold">
+                                          <p:stCondLst>
+                                            <p:cond delay="0"/>
+                                          </p:stCondLst>
+                                        </p:cTn>
+                                        <p:tgtEl>
+                                          <p:spTgt spid="39"/>
+                                        </p:tgtEl>
+                                        <p:attrNameLst>
+                                          <p:attrName>style.visibility</p:attrName>
+                                        </p:attrNameLst>
+                                      </p:cBhvr>
+                                      <p:to>
+                                        <p:strVal val="visible"/>
+                                      </p:to>
+                                    </p:set>
+                                    <p:anim calcmode="lin" valueType="num">
+                                      <p:cBhvr additive="base">
+                                        <p:cTn id="35" dur="500"/>
+                                        <p:tgtEl>
+                                          <p:spTgt spid="39"/>
+                                        </p:tgtEl>
+                                        <p:attrNameLst>
+                                          <p:attrName>ppt_y</p:attrName>
+                                        </p:attrNameLst>
+                                      </p:cBhvr>
+                                      <p:tavLst>
+                                        <p:tav tm="0">
+                                          <p:val>
+                                            <p:strVal val="#ppt_y+#ppt_h*1.125000"/>
+                                          </p:val>
+                                        </p:tav>
+                                        <p:tav tm="100000">
+                                          <p:val>
+                                            <p:strVal val="#ppt_y"/>
+                                          </p:val>
+                                        </p:tav>
+                                      </p:tavLst>
+                                    </p:anim>
+                                    <p:animEffect transition="in" filter="wipe(up)">
+                                      <p:cBhvr>
+                                        <p:cTn id="36" dur="500"/>
+                                        <p:tgtEl>
+                                          <p:spTgt spid="39"/>
+                                        </p:tgtEl>
+                                      </p:cBhvr>
+                                    </p:animEffect>
+                                  </p:childTnLst>
+                                </p:cTn>
+                              </p:par>
+                            </p:childTnLst>
+                          </p:cTn>
+                        </p:par>
+                      </p:childTnLst>
+                    </p:cTn>
+                  </p:par>
+                  <p:par>
+                    <p:cTn id="37" fill="hold">
+                      <p:stCondLst>
+                        <p:cond delay="indefinite"/>
+                      </p:stCondLst>
+                      <p:childTnLst>
+                        <p:par>
+                          <p:cTn id="38" fill="hold">
+                            <p:stCondLst>
+                              <p:cond delay="0"/>
+                            </p:stCondLst>
+                            <p:childTnLst>
+                              <p:par>
+                                <p:cTn id="39" presetID="1" presetClass="entr" presetSubtype="0" fill="hold" nodeType="clickEffect">
+                                  <p:stCondLst>
+                                    <p:cond delay="0"/>
+                                  </p:stCondLst>
+                                  <p:childTnLst>
+                                    <p:set>
+                                      <p:cBhvr>
+                                        <p:cTn id="40" dur="1" fill="hold">
+                                          <p:stCondLst>
+                                            <p:cond delay="0"/>
+                                          </p:stCondLst>
+                                        </p:cTn>
+                                        <p:tgtEl>
+                                          <p:spTgt spid="41"/>
+                                        </p:tgtEl>
+                                        <p:attrNameLst>
+                                          <p:attrName>style.visibility</p:attrName>
+                                        </p:attrNameLst>
+                                      </p:cBhvr>
+                                      <p:to>
+                                        <p:strVal val="visible"/>
+                                      </p:to>
+                                    </p:set>
+                                  </p:childTnLst>
+                                </p:cTn>
+                              </p:par>
+                              <p:par>
+                                <p:cTn id="41" presetID="0" presetClass="path" presetSubtype="0" accel="50000" decel="50000" fill="hold" nodeType="withEffect">
+                                  <p:stCondLst>
+                                    <p:cond delay="0"/>
+                                  </p:stCondLst>
+                                  <p:childTnLst>
+                                    <p:animMotion origin="layout" path="M 0.00352 -4.44444E-6 L 0.20443 -4.44444E-6 " pathEditMode="relative" rAng="0" ptsTypes="AA">
+                                      <p:cBhvr>
+                                        <p:cTn id="42" dur="2000" fill="hold"/>
+                                        <p:tgtEl>
+                                          <p:spTgt spid="41"/>
+                                        </p:tgtEl>
+                                        <p:attrNameLst>
+                                          <p:attrName>ppt_x</p:attrName>
+                                          <p:attrName>ppt_y</p:attrName>
+                                        </p:attrNameLst>
+                                      </p:cBhvr>
+                                      <p:rCtr x="10039" y="0"/>
+                                    </p:animMotion>
+                                  </p:childTnLst>
+                                </p:cTn>
+                              </p:par>
+                              <p:par>
+                                <p:cTn id="43" presetID="9" presetClass="entr" presetSubtype="0" fill="hold" nodeType="withEffect">
+                                  <p:stCondLst>
+                                    <p:cond delay="1500"/>
+                                  </p:stCondLst>
+                                  <p:childTnLst>
+                                    <p:set>
+                                      <p:cBhvr>
+                                        <p:cTn id="44" dur="1" fill="hold">
+                                          <p:stCondLst>
+                                            <p:cond delay="0"/>
+                                          </p:stCondLst>
+                                        </p:cTn>
+                                        <p:tgtEl>
+                                          <p:spTgt spid="43"/>
+                                        </p:tgtEl>
+                                        <p:attrNameLst>
+                                          <p:attrName>style.visibility</p:attrName>
+                                        </p:attrNameLst>
+                                      </p:cBhvr>
+                                      <p:to>
+                                        <p:strVal val="visible"/>
+                                      </p:to>
+                                    </p:set>
+                                    <p:animEffect transition="in" filter="dissolve">
+                                      <p:cBhvr>
+                                        <p:cTn id="45" dur="500"/>
+                                        <p:tgtEl>
+                                          <p:spTgt spid="43"/>
+                                        </p:tgtEl>
+                                      </p:cBhvr>
+                                    </p:animEffect>
+                                  </p:childTnLst>
+                                </p:cTn>
+                              </p:par>
+                            </p:childTnLst>
+                          </p:cTn>
+                        </p:par>
+                      </p:childTnLst>
+                    </p:cTn>
+                  </p:par>
+                </p:childTnLst>
+              </p:cTn>
+              <p:prevCondLst>
+                <p:cond evt="onPrev" delay="0">
+                  <p:tgtEl>
+                    <p:sldTgt/>
+                  </p:tgtEl>
+                </p:cond>
+              </p:prevCondLst>
+              <p:nextCondLst>
+                <p:cond evt="onNext" delay="0">
+                  <p:tgtEl>
+                    <p:sldTgt/>
+                  </p:tgtEl>
+                </p:cond>
+              </p:nextCondLst>
+            </p:seq>
+          </p:childTnLst>
+        </p:cTn>
+      </p:par>
+    </p:tnLst>
+  </p:timing>
+</p:sld>
+</file>
+
+<file path=ppt/slides/slide16.xml><?xml version="1.0" encoding="utf-8"?>
+<p:sld xmlns:a="http://schemas.openxmlformats.org/drawingml/2006/main" xmlns:r="http://schemas.openxmlformats.org/officeDocument/2006/relationships" xmlns:p="http://schemas.openxmlformats.org/presentationml/2006/main">
+  <p:cSld>
+    <p:spTree>
+      <p:nvGrpSpPr>
+        <p:cNvPr id="1" name=""/>
+        <p:cNvGrpSpPr/>
+        <p:nvPr/>
+      </p:nvGrpSpPr>
+      <p:grpSpPr>
+        <a:xfrm>
+          <a:off x="0" y="0"/>
+          <a:ext cx="0" cy="0"/>
+          <a:chOff x="0" y="0"/>
+          <a:chExt cx="0" cy="0"/>
+        </a:xfrm>
+      </p:grpSpPr>
+      <p:sp>
+        <p:nvSpPr>
+          <p:cNvPr id="3" name="Rectangle 2">
+            <a:extLst>
+              <a:ext uri="{FF2B5EF4-FFF2-40B4-BE49-F238E27FC236}">
+                <a16:creationId xmlns:a16="http://schemas.microsoft.com/office/drawing/2014/main" id="{F5D508A7-D382-4546-80CA-E760AB5103F8}"/>
+              </a:ext>
+            </a:extLst>
+          </p:cNvPr>
+          <p:cNvSpPr/>
+          <p:nvPr/>
+        </p:nvSpPr>
+        <p:spPr>
+          <a:xfrm>
+            <a:off x="1255884" y="973791"/>
+            <a:ext cx="1298222" cy="391199"/>
+          </a:xfrm>
+          <a:prstGeom prst="rect">
+            <a:avLst/>
+          </a:prstGeom>
+          <a:noFill/>
+        </p:spPr>
+        <p:style>
+          <a:lnRef idx="2">
+            <a:schemeClr val="accent1">
+              <a:shade val="50000"/>
+            </a:schemeClr>
+          </a:lnRef>
+          <a:fillRef idx="1">
+            <a:schemeClr val="accent1"/>
+          </a:fillRef>
+          <a:effectRef idx="0">
+            <a:schemeClr val="accent1"/>
+          </a:effectRef>
+          <a:fontRef idx="minor">
+            <a:schemeClr val="lt1"/>
+          </a:fontRef>
+        </p:style>
+        <p:txBody>
+          <a:bodyPr rtlCol="0" anchor="ctr"/>
+          <a:lstStyle/>
+          <a:p>
+            <a:pPr algn="ctr"/>
+            <a:r>
+              <a:rPr lang="en-US" dirty="0">
+                <a:solidFill>
+                  <a:schemeClr val="tx1"/>
+                </a:solidFill>
+              </a:rPr>
+              <a:t>Client</a:t>
+            </a:r>
+            <a:endParaRPr lang="en-US" dirty="0"/>
+          </a:p>
+        </p:txBody>
+      </p:sp>
+      <p:sp>
+        <p:nvSpPr>
+          <p:cNvPr id="5" name="Rectangle 4">
+            <a:extLst>
+              <a:ext uri="{FF2B5EF4-FFF2-40B4-BE49-F238E27FC236}">
+                <a16:creationId xmlns:a16="http://schemas.microsoft.com/office/drawing/2014/main" id="{765B3743-866D-7543-9D89-8A01809CB6AB}"/>
+              </a:ext>
+            </a:extLst>
+          </p:cNvPr>
+          <p:cNvSpPr/>
+          <p:nvPr/>
+        </p:nvSpPr>
+        <p:spPr>
+          <a:xfrm>
+            <a:off x="4955814" y="973791"/>
+            <a:ext cx="2460978" cy="2187221"/>
+          </a:xfrm>
+          <a:prstGeom prst="rect">
+            <a:avLst/>
+          </a:prstGeom>
+          <a:noFill/>
+          <a:ln>
+            <a:solidFill>
+              <a:schemeClr val="accent1"/>
+            </a:solidFill>
+          </a:ln>
+        </p:spPr>
+        <p:style>
+          <a:lnRef idx="2">
+            <a:schemeClr val="accent1">
+              <a:shade val="50000"/>
+            </a:schemeClr>
+          </a:lnRef>
+          <a:fillRef idx="1">
+            <a:schemeClr val="accent1"/>
+          </a:fillRef>
+          <a:effectRef idx="0">
+            <a:schemeClr val="accent1"/>
+          </a:effectRef>
+          <a:fontRef idx="minor">
+            <a:schemeClr val="lt1"/>
+          </a:fontRef>
+        </p:style>
+        <p:txBody>
+          <a:bodyPr rtlCol="0" anchor="ctr"/>
+          <a:lstStyle/>
+          <a:p>
+            <a:pPr algn="ctr"/>
+            <a:endParaRPr lang="en-US"/>
+          </a:p>
+        </p:txBody>
+      </p:sp>
+      <p:cxnSp>
+        <p:nvCxnSpPr>
+          <p:cNvPr id="6" name="Straight Connector 5">
+            <a:extLst>
+              <a:ext uri="{FF2B5EF4-FFF2-40B4-BE49-F238E27FC236}">
+                <a16:creationId xmlns:a16="http://schemas.microsoft.com/office/drawing/2014/main" id="{04397004-E7FD-394E-9252-6C6CD42B837C}"/>
+              </a:ext>
+            </a:extLst>
+          </p:cNvPr>
+          <p:cNvCxnSpPr/>
+          <p:nvPr/>
+        </p:nvCxnSpPr>
+        <p:spPr>
+          <a:xfrm>
+            <a:off x="4955814" y="1360114"/>
+            <a:ext cx="2449689" cy="0"/>
+          </a:xfrm>
+          <a:prstGeom prst="line">
+            <a:avLst/>
+          </a:prstGeom>
+        </p:spPr>
+        <p:style>
+          <a:lnRef idx="1">
+            <a:schemeClr val="accent1"/>
+          </a:lnRef>
+          <a:fillRef idx="0">
+            <a:schemeClr val="accent1"/>
+          </a:fillRef>
+          <a:effectRef idx="0">
+            <a:schemeClr val="accent1"/>
+          </a:effectRef>
+          <a:fontRef idx="minor">
+            <a:schemeClr val="tx1"/>
+          </a:fontRef>
+        </p:style>
+      </p:cxnSp>
+      <p:sp>
+        <p:nvSpPr>
+          <p:cNvPr id="7" name="TextBox 6">
+            <a:extLst>
+              <a:ext uri="{FF2B5EF4-FFF2-40B4-BE49-F238E27FC236}">
+                <a16:creationId xmlns:a16="http://schemas.microsoft.com/office/drawing/2014/main" id="{6C02E713-A800-564D-B9C0-6D5B97F8B577}"/>
+              </a:ext>
+            </a:extLst>
+          </p:cNvPr>
+          <p:cNvSpPr txBox="1"/>
+          <p:nvPr/>
+        </p:nvSpPr>
+        <p:spPr>
+          <a:xfrm>
+            <a:off x="5396080" y="973791"/>
+            <a:ext cx="1569155" cy="369332"/>
+          </a:xfrm>
+          <a:prstGeom prst="rect">
+            <a:avLst/>
+          </a:prstGeom>
+          <a:noFill/>
+        </p:spPr>
+        <p:txBody>
+          <a:bodyPr wrap="square" rtlCol="0">
+            <a:spAutoFit/>
+          </a:bodyPr>
+          <a:lstStyle/>
+          <a:p>
+            <a:pPr algn="ctr"/>
+            <a:r>
+              <a:rPr lang="en-US" dirty="0"/>
+              <a:t>Handler</a:t>
+            </a:r>
+          </a:p>
+        </p:txBody>
+      </p:sp>
+      <p:sp>
+        <p:nvSpPr>
+          <p:cNvPr id="8" name="TextBox 7">
+            <a:extLst>
+              <a:ext uri="{FF2B5EF4-FFF2-40B4-BE49-F238E27FC236}">
+                <a16:creationId xmlns:a16="http://schemas.microsoft.com/office/drawing/2014/main" id="{956E1789-4908-F848-9C57-D06C4EFC1C5F}"/>
+              </a:ext>
+            </a:extLst>
+          </p:cNvPr>
+          <p:cNvSpPr txBox="1"/>
+          <p:nvPr/>
+        </p:nvSpPr>
+        <p:spPr>
+          <a:xfrm>
+            <a:off x="4848567" y="1363448"/>
+            <a:ext cx="2116668" cy="369332"/>
+          </a:xfrm>
+          <a:prstGeom prst="rect">
+            <a:avLst/>
+          </a:prstGeom>
+          <a:noFill/>
+        </p:spPr>
+        <p:txBody>
+          <a:bodyPr wrap="square" rtlCol="0">
+            <a:spAutoFit/>
+          </a:bodyPr>
+          <a:lstStyle/>
+          <a:p>
+            <a:pPr algn="ctr"/>
+            <a:r>
+              <a:rPr lang="en-US" dirty="0"/>
+              <a:t>+</a:t>
+            </a:r>
+            <a:r>
+              <a:rPr lang="en-US" dirty="0" err="1"/>
+              <a:t>handleRequest</a:t>
+            </a:r>
+            <a:r>
+              <a:rPr lang="en-US" dirty="0"/>
+              <a:t>()</a:t>
+            </a:r>
+          </a:p>
+        </p:txBody>
+      </p:sp>
+      <p:sp>
+        <p:nvSpPr>
+          <p:cNvPr id="9" name="Rectangle 8">
+            <a:extLst>
+              <a:ext uri="{FF2B5EF4-FFF2-40B4-BE49-F238E27FC236}">
+                <a16:creationId xmlns:a16="http://schemas.microsoft.com/office/drawing/2014/main" id="{8FDB15E3-B0C6-3340-AA6F-4E31CC36A893}"/>
+              </a:ext>
+            </a:extLst>
+          </p:cNvPr>
+          <p:cNvSpPr/>
+          <p:nvPr/>
+        </p:nvSpPr>
+        <p:spPr>
+          <a:xfrm>
+            <a:off x="682976" y="4367522"/>
+            <a:ext cx="2444038" cy="1127030"/>
+          </a:xfrm>
+          <a:prstGeom prst="rect">
+            <a:avLst/>
+          </a:prstGeom>
+          <a:noFill/>
+          <a:ln>
+            <a:solidFill>
+              <a:schemeClr val="accent1"/>
+            </a:solidFill>
+          </a:ln>
+        </p:spPr>
+        <p:style>
+          <a:lnRef idx="2">
+            <a:schemeClr val="accent1">
+              <a:shade val="50000"/>
+            </a:schemeClr>
+          </a:lnRef>
+          <a:fillRef idx="1">
+            <a:schemeClr val="accent1"/>
+          </a:fillRef>
+          <a:effectRef idx="0">
+            <a:schemeClr val="accent1"/>
+          </a:effectRef>
+          <a:fontRef idx="minor">
+            <a:schemeClr val="lt1"/>
+          </a:fontRef>
+        </p:style>
+        <p:txBody>
+          <a:bodyPr rtlCol="0" anchor="ctr"/>
+          <a:lstStyle/>
+          <a:p>
+            <a:pPr algn="ctr"/>
+            <a:endParaRPr lang="en-US"/>
+          </a:p>
+        </p:txBody>
+      </p:sp>
+      <p:cxnSp>
+        <p:nvCxnSpPr>
+          <p:cNvPr id="10" name="Straight Connector 9">
+            <a:extLst>
+              <a:ext uri="{FF2B5EF4-FFF2-40B4-BE49-F238E27FC236}">
+                <a16:creationId xmlns:a16="http://schemas.microsoft.com/office/drawing/2014/main" id="{BCDE2491-40AE-A44E-A6E2-F45F2A429160}"/>
+              </a:ext>
+            </a:extLst>
+          </p:cNvPr>
+          <p:cNvCxnSpPr/>
+          <p:nvPr/>
+        </p:nvCxnSpPr>
+        <p:spPr>
+          <a:xfrm>
+            <a:off x="682976" y="4753844"/>
+            <a:ext cx="2449689" cy="0"/>
+          </a:xfrm>
+          <a:prstGeom prst="line">
+            <a:avLst/>
+          </a:prstGeom>
+        </p:spPr>
+        <p:style>
+          <a:lnRef idx="1">
+            <a:schemeClr val="accent1"/>
+          </a:lnRef>
+          <a:fillRef idx="0">
+            <a:schemeClr val="accent1"/>
+          </a:fillRef>
+          <a:effectRef idx="0">
+            <a:schemeClr val="accent1"/>
+          </a:effectRef>
+          <a:fontRef idx="minor">
+            <a:schemeClr val="tx1"/>
+          </a:fontRef>
+        </p:style>
+      </p:cxnSp>
+      <p:sp>
+        <p:nvSpPr>
+          <p:cNvPr id="11" name="TextBox 10">
+            <a:extLst>
+              <a:ext uri="{FF2B5EF4-FFF2-40B4-BE49-F238E27FC236}">
+                <a16:creationId xmlns:a16="http://schemas.microsoft.com/office/drawing/2014/main" id="{0AAB69FD-9A66-EF4A-9B2C-61A7CF6B0514}"/>
+              </a:ext>
+            </a:extLst>
+          </p:cNvPr>
+          <p:cNvSpPr txBox="1"/>
+          <p:nvPr/>
+        </p:nvSpPr>
+        <p:spPr>
+          <a:xfrm>
+            <a:off x="1123242" y="4367521"/>
+            <a:ext cx="1569155" cy="369332"/>
+          </a:xfrm>
+          <a:prstGeom prst="rect">
+            <a:avLst/>
+          </a:prstGeom>
+          <a:noFill/>
+        </p:spPr>
+        <p:txBody>
+          <a:bodyPr wrap="square" rtlCol="0">
+            <a:spAutoFit/>
+          </a:bodyPr>
+          <a:lstStyle/>
+          <a:p>
+            <a:pPr algn="ctr"/>
+            <a:r>
+              <a:rPr lang="en-US" dirty="0" err="1"/>
+              <a:t>SpamFilter</a:t>
+            </a:r>
+            <a:endParaRPr lang="en-US" dirty="0"/>
+          </a:p>
+        </p:txBody>
+      </p:sp>
+      <p:sp>
+        <p:nvSpPr>
+          <p:cNvPr id="12" name="TextBox 11">
+            <a:extLst>
+              <a:ext uri="{FF2B5EF4-FFF2-40B4-BE49-F238E27FC236}">
+                <a16:creationId xmlns:a16="http://schemas.microsoft.com/office/drawing/2014/main" id="{6A96E37A-B86C-1F46-8B4B-E49EC2B84E2C}"/>
+              </a:ext>
+            </a:extLst>
+          </p:cNvPr>
+          <p:cNvSpPr txBox="1"/>
+          <p:nvPr/>
+        </p:nvSpPr>
+        <p:spPr>
+          <a:xfrm>
+            <a:off x="575729" y="4757178"/>
+            <a:ext cx="2116668" cy="369332"/>
+          </a:xfrm>
+          <a:prstGeom prst="rect">
+            <a:avLst/>
+          </a:prstGeom>
+          <a:noFill/>
+        </p:spPr>
+        <p:txBody>
+          <a:bodyPr wrap="square" rtlCol="0">
+            <a:spAutoFit/>
+          </a:bodyPr>
+          <a:lstStyle/>
+          <a:p>
+            <a:pPr algn="ctr"/>
+            <a:r>
+              <a:rPr lang="en-US" dirty="0"/>
+              <a:t>+</a:t>
+            </a:r>
+            <a:r>
+              <a:rPr lang="en-US" dirty="0" err="1"/>
+              <a:t>handleRequest</a:t>
+            </a:r>
+            <a:r>
+              <a:rPr lang="en-US" dirty="0"/>
+              <a:t>()</a:t>
+            </a:r>
+          </a:p>
+        </p:txBody>
+      </p:sp>
+      <p:sp>
+        <p:nvSpPr>
+          <p:cNvPr id="13" name="Rectangle 12">
+            <a:extLst>
+              <a:ext uri="{FF2B5EF4-FFF2-40B4-BE49-F238E27FC236}">
+                <a16:creationId xmlns:a16="http://schemas.microsoft.com/office/drawing/2014/main" id="{ACE2E645-42ED-6B48-BE79-025440DFE545}"/>
+              </a:ext>
+            </a:extLst>
+          </p:cNvPr>
+          <p:cNvSpPr/>
+          <p:nvPr/>
+        </p:nvSpPr>
+        <p:spPr>
+          <a:xfrm>
+            <a:off x="3488274" y="4367522"/>
+            <a:ext cx="2444038" cy="1127030"/>
+          </a:xfrm>
+          <a:prstGeom prst="rect">
+            <a:avLst/>
+          </a:prstGeom>
+          <a:noFill/>
+          <a:ln>
+            <a:solidFill>
+              <a:schemeClr val="accent1"/>
+            </a:solidFill>
+          </a:ln>
+        </p:spPr>
+        <p:style>
+          <a:lnRef idx="2">
+            <a:schemeClr val="accent1">
+              <a:shade val="50000"/>
+            </a:schemeClr>
+          </a:lnRef>
+          <a:fillRef idx="1">
+            <a:schemeClr val="accent1"/>
+          </a:fillRef>
+          <a:effectRef idx="0">
+            <a:schemeClr val="accent1"/>
+          </a:effectRef>
+          <a:fontRef idx="minor">
+            <a:schemeClr val="lt1"/>
+          </a:fontRef>
+        </p:style>
+        <p:txBody>
+          <a:bodyPr rtlCol="0" anchor="ctr"/>
+          <a:lstStyle/>
+          <a:p>
+            <a:pPr algn="ctr"/>
+            <a:endParaRPr lang="en-US"/>
+          </a:p>
+        </p:txBody>
+      </p:sp>
+      <p:cxnSp>
+        <p:nvCxnSpPr>
+          <p:cNvPr id="14" name="Straight Connector 13">
+            <a:extLst>
+              <a:ext uri="{FF2B5EF4-FFF2-40B4-BE49-F238E27FC236}">
+                <a16:creationId xmlns:a16="http://schemas.microsoft.com/office/drawing/2014/main" id="{CABC8658-F778-2B45-B210-C32C6C95EB33}"/>
+              </a:ext>
+            </a:extLst>
+          </p:cNvPr>
+          <p:cNvCxnSpPr/>
+          <p:nvPr/>
+        </p:nvCxnSpPr>
+        <p:spPr>
+          <a:xfrm>
+            <a:off x="3488274" y="4753844"/>
+            <a:ext cx="2449689" cy="0"/>
+          </a:xfrm>
+          <a:prstGeom prst="line">
+            <a:avLst/>
+          </a:prstGeom>
+        </p:spPr>
+        <p:style>
+          <a:lnRef idx="1">
+            <a:schemeClr val="accent1"/>
+          </a:lnRef>
+          <a:fillRef idx="0">
+            <a:schemeClr val="accent1"/>
+          </a:fillRef>
+          <a:effectRef idx="0">
+            <a:schemeClr val="accent1"/>
+          </a:effectRef>
+          <a:fontRef idx="minor">
+            <a:schemeClr val="tx1"/>
+          </a:fontRef>
+        </p:style>
+      </p:cxnSp>
+      <p:sp>
+        <p:nvSpPr>
+          <p:cNvPr id="15" name="TextBox 14">
+            <a:extLst>
+              <a:ext uri="{FF2B5EF4-FFF2-40B4-BE49-F238E27FC236}">
+                <a16:creationId xmlns:a16="http://schemas.microsoft.com/office/drawing/2014/main" id="{A49FD34F-E9DD-194F-A6D8-ADA600E181F6}"/>
+              </a:ext>
+            </a:extLst>
+          </p:cNvPr>
+          <p:cNvSpPr txBox="1"/>
+          <p:nvPr/>
+        </p:nvSpPr>
+        <p:spPr>
+          <a:xfrm>
+            <a:off x="3928540" y="4367521"/>
+            <a:ext cx="1569155" cy="369332"/>
+          </a:xfrm>
+          <a:prstGeom prst="rect">
+            <a:avLst/>
+          </a:prstGeom>
+          <a:noFill/>
+        </p:spPr>
+        <p:txBody>
+          <a:bodyPr wrap="square" rtlCol="0">
+            <a:spAutoFit/>
+          </a:bodyPr>
+          <a:lstStyle/>
+          <a:p>
+            <a:pPr algn="ctr"/>
+            <a:r>
+              <a:rPr lang="en-US" dirty="0" err="1"/>
+              <a:t>PromoFilter</a:t>
+            </a:r>
+            <a:endParaRPr lang="en-US" dirty="0"/>
+          </a:p>
+        </p:txBody>
+      </p:sp>
+      <p:sp>
+        <p:nvSpPr>
+          <p:cNvPr id="16" name="TextBox 15">
+            <a:extLst>
+              <a:ext uri="{FF2B5EF4-FFF2-40B4-BE49-F238E27FC236}">
+                <a16:creationId xmlns:a16="http://schemas.microsoft.com/office/drawing/2014/main" id="{6187D033-0736-AB42-A342-A30CB9C7BCD4}"/>
+              </a:ext>
+            </a:extLst>
+          </p:cNvPr>
+          <p:cNvSpPr txBox="1"/>
+          <p:nvPr/>
+        </p:nvSpPr>
+        <p:spPr>
+          <a:xfrm>
+            <a:off x="3381027" y="4757178"/>
+            <a:ext cx="2116668" cy="369332"/>
+          </a:xfrm>
+          <a:prstGeom prst="rect">
+            <a:avLst/>
+          </a:prstGeom>
+          <a:noFill/>
+        </p:spPr>
+        <p:txBody>
+          <a:bodyPr wrap="square" rtlCol="0">
+            <a:spAutoFit/>
+          </a:bodyPr>
+          <a:lstStyle/>
+          <a:p>
+            <a:pPr algn="ctr"/>
+            <a:r>
+              <a:rPr lang="en-US" dirty="0"/>
+              <a:t>+</a:t>
+            </a:r>
+            <a:r>
+              <a:rPr lang="en-US" dirty="0" err="1"/>
+              <a:t>handleRequest</a:t>
+            </a:r>
+            <a:r>
+              <a:rPr lang="en-US" dirty="0"/>
+              <a:t>()</a:t>
+            </a:r>
+          </a:p>
+        </p:txBody>
+      </p:sp>
+      <p:sp>
+        <p:nvSpPr>
+          <p:cNvPr id="17" name="Rectangle 16">
+            <a:extLst>
+              <a:ext uri="{FF2B5EF4-FFF2-40B4-BE49-F238E27FC236}">
+                <a16:creationId xmlns:a16="http://schemas.microsoft.com/office/drawing/2014/main" id="{32334712-D2DE-1846-BD1D-D51F6AD06FC8}"/>
+              </a:ext>
+            </a:extLst>
+          </p:cNvPr>
+          <p:cNvSpPr/>
+          <p:nvPr/>
+        </p:nvSpPr>
+        <p:spPr>
+          <a:xfrm>
+            <a:off x="6293572" y="4367522"/>
+            <a:ext cx="2444038" cy="1127030"/>
+          </a:xfrm>
+          <a:prstGeom prst="rect">
+            <a:avLst/>
+          </a:prstGeom>
+          <a:noFill/>
+          <a:ln>
+            <a:solidFill>
+              <a:schemeClr val="accent1"/>
+            </a:solidFill>
+          </a:ln>
+        </p:spPr>
+        <p:style>
+          <a:lnRef idx="2">
+            <a:schemeClr val="accent1">
+              <a:shade val="50000"/>
+            </a:schemeClr>
+          </a:lnRef>
+          <a:fillRef idx="1">
+            <a:schemeClr val="accent1"/>
+          </a:fillRef>
+          <a:effectRef idx="0">
+            <a:schemeClr val="accent1"/>
+          </a:effectRef>
+          <a:fontRef idx="minor">
+            <a:schemeClr val="lt1"/>
+          </a:fontRef>
+        </p:style>
+        <p:txBody>
+          <a:bodyPr rtlCol="0" anchor="ctr"/>
+          <a:lstStyle/>
+          <a:p>
+            <a:pPr algn="ctr"/>
+            <a:endParaRPr lang="en-US"/>
+          </a:p>
+        </p:txBody>
+      </p:sp>
+      <p:cxnSp>
+        <p:nvCxnSpPr>
+          <p:cNvPr id="18" name="Straight Connector 17">
+            <a:extLst>
+              <a:ext uri="{FF2B5EF4-FFF2-40B4-BE49-F238E27FC236}">
+                <a16:creationId xmlns:a16="http://schemas.microsoft.com/office/drawing/2014/main" id="{890DC44D-DDD3-0441-8EEA-842554BEBB1A}"/>
+              </a:ext>
+            </a:extLst>
+          </p:cNvPr>
+          <p:cNvCxnSpPr/>
+          <p:nvPr/>
+        </p:nvCxnSpPr>
+        <p:spPr>
+          <a:xfrm>
+            <a:off x="6293572" y="4753844"/>
+            <a:ext cx="2449689" cy="0"/>
+          </a:xfrm>
+          <a:prstGeom prst="line">
+            <a:avLst/>
+          </a:prstGeom>
+        </p:spPr>
+        <p:style>
+          <a:lnRef idx="1">
+            <a:schemeClr val="accent1"/>
+          </a:lnRef>
+          <a:fillRef idx="0">
+            <a:schemeClr val="accent1"/>
+          </a:fillRef>
+          <a:effectRef idx="0">
+            <a:schemeClr val="accent1"/>
+          </a:effectRef>
+          <a:fontRef idx="minor">
+            <a:schemeClr val="tx1"/>
+          </a:fontRef>
+        </p:style>
+      </p:cxnSp>
+      <p:sp>
+        <p:nvSpPr>
+          <p:cNvPr id="19" name="TextBox 18">
+            <a:extLst>
+              <a:ext uri="{FF2B5EF4-FFF2-40B4-BE49-F238E27FC236}">
+                <a16:creationId xmlns:a16="http://schemas.microsoft.com/office/drawing/2014/main" id="{72D0F1E3-7755-9C46-87CD-62B6D0195CDD}"/>
+              </a:ext>
+            </a:extLst>
+          </p:cNvPr>
+          <p:cNvSpPr txBox="1"/>
+          <p:nvPr/>
+        </p:nvSpPr>
+        <p:spPr>
+          <a:xfrm>
+            <a:off x="6733838" y="4367521"/>
+            <a:ext cx="1569155" cy="369332"/>
+          </a:xfrm>
+          <a:prstGeom prst="rect">
+            <a:avLst/>
+          </a:prstGeom>
+          <a:noFill/>
+        </p:spPr>
+        <p:txBody>
+          <a:bodyPr wrap="square" rtlCol="0">
+            <a:spAutoFit/>
+          </a:bodyPr>
+          <a:lstStyle/>
+          <a:p>
+            <a:pPr algn="ctr"/>
+            <a:r>
+              <a:rPr lang="en-US" dirty="0" err="1"/>
+              <a:t>SocialFilter</a:t>
+            </a:r>
+            <a:endParaRPr lang="en-US" dirty="0"/>
+          </a:p>
+        </p:txBody>
+      </p:sp>
+      <p:sp>
+        <p:nvSpPr>
+          <p:cNvPr id="20" name="TextBox 19">
+            <a:extLst>
+              <a:ext uri="{FF2B5EF4-FFF2-40B4-BE49-F238E27FC236}">
+                <a16:creationId xmlns:a16="http://schemas.microsoft.com/office/drawing/2014/main" id="{927179D2-FA1D-9A47-94D5-7F4E5019049C}"/>
+              </a:ext>
+            </a:extLst>
+          </p:cNvPr>
+          <p:cNvSpPr txBox="1"/>
+          <p:nvPr/>
+        </p:nvSpPr>
+        <p:spPr>
+          <a:xfrm>
+            <a:off x="6186325" y="4757178"/>
+            <a:ext cx="2116668" cy="369332"/>
+          </a:xfrm>
+          <a:prstGeom prst="rect">
+            <a:avLst/>
+          </a:prstGeom>
+          <a:noFill/>
+        </p:spPr>
+        <p:txBody>
+          <a:bodyPr wrap="square" rtlCol="0">
+            <a:spAutoFit/>
+          </a:bodyPr>
+          <a:lstStyle/>
+          <a:p>
+            <a:pPr algn="ctr"/>
+            <a:r>
+              <a:rPr lang="en-US" dirty="0"/>
+              <a:t>+</a:t>
+            </a:r>
+            <a:r>
+              <a:rPr lang="en-US" dirty="0" err="1"/>
+              <a:t>handleRequest</a:t>
+            </a:r>
+            <a:r>
+              <a:rPr lang="en-US" dirty="0"/>
+              <a:t>()</a:t>
+            </a:r>
+          </a:p>
+        </p:txBody>
+      </p:sp>
+      <p:sp>
+        <p:nvSpPr>
+          <p:cNvPr id="21" name="Rectangle 20">
+            <a:extLst>
+              <a:ext uri="{FF2B5EF4-FFF2-40B4-BE49-F238E27FC236}">
+                <a16:creationId xmlns:a16="http://schemas.microsoft.com/office/drawing/2014/main" id="{145994CA-6A96-C349-85E0-4A7A848E0FE9}"/>
+              </a:ext>
+            </a:extLst>
+          </p:cNvPr>
+          <p:cNvSpPr/>
+          <p:nvPr/>
+        </p:nvSpPr>
+        <p:spPr>
+          <a:xfrm>
+            <a:off x="9104519" y="4367521"/>
+            <a:ext cx="2444038" cy="1127030"/>
+          </a:xfrm>
+          <a:prstGeom prst="rect">
+            <a:avLst/>
+          </a:prstGeom>
+          <a:noFill/>
+          <a:ln>
+            <a:solidFill>
+              <a:schemeClr val="accent1"/>
+            </a:solidFill>
+          </a:ln>
+        </p:spPr>
+        <p:style>
+          <a:lnRef idx="2">
+            <a:schemeClr val="accent1">
+              <a:shade val="50000"/>
+            </a:schemeClr>
+          </a:lnRef>
+          <a:fillRef idx="1">
+            <a:schemeClr val="accent1"/>
+          </a:fillRef>
+          <a:effectRef idx="0">
+            <a:schemeClr val="accent1"/>
+          </a:effectRef>
+          <a:fontRef idx="minor">
+            <a:schemeClr val="lt1"/>
+          </a:fontRef>
+        </p:style>
+        <p:txBody>
+          <a:bodyPr rtlCol="0" anchor="ctr"/>
+          <a:lstStyle/>
+          <a:p>
+            <a:pPr algn="ctr"/>
+            <a:endParaRPr lang="en-US"/>
+          </a:p>
+        </p:txBody>
+      </p:sp>
+      <p:cxnSp>
+        <p:nvCxnSpPr>
+          <p:cNvPr id="22" name="Straight Connector 21">
+            <a:extLst>
+              <a:ext uri="{FF2B5EF4-FFF2-40B4-BE49-F238E27FC236}">
+                <a16:creationId xmlns:a16="http://schemas.microsoft.com/office/drawing/2014/main" id="{FA65FAB7-9B24-DA4D-B87F-609FF24AB141}"/>
+              </a:ext>
+            </a:extLst>
+          </p:cNvPr>
+          <p:cNvCxnSpPr/>
+          <p:nvPr/>
+        </p:nvCxnSpPr>
+        <p:spPr>
+          <a:xfrm>
+            <a:off x="9104519" y="4753843"/>
+            <a:ext cx="2449689" cy="0"/>
+          </a:xfrm>
+          <a:prstGeom prst="line">
+            <a:avLst/>
+          </a:prstGeom>
+        </p:spPr>
+        <p:style>
+          <a:lnRef idx="1">
+            <a:schemeClr val="accent1"/>
+          </a:lnRef>
+          <a:fillRef idx="0">
+            <a:schemeClr val="accent1"/>
+          </a:fillRef>
+          <a:effectRef idx="0">
+            <a:schemeClr val="accent1"/>
+          </a:effectRef>
+          <a:fontRef idx="minor">
+            <a:schemeClr val="tx1"/>
+          </a:fontRef>
+        </p:style>
+      </p:cxnSp>
+      <p:sp>
+        <p:nvSpPr>
+          <p:cNvPr id="23" name="TextBox 22">
+            <a:extLst>
+              <a:ext uri="{FF2B5EF4-FFF2-40B4-BE49-F238E27FC236}">
+                <a16:creationId xmlns:a16="http://schemas.microsoft.com/office/drawing/2014/main" id="{5AD9A547-9EE6-1749-8EC1-5FD7B0F280A7}"/>
+              </a:ext>
+            </a:extLst>
+          </p:cNvPr>
+          <p:cNvSpPr txBox="1"/>
+          <p:nvPr/>
+        </p:nvSpPr>
+        <p:spPr>
+          <a:xfrm>
+            <a:off x="9544785" y="4367520"/>
+            <a:ext cx="1569155" cy="369332"/>
+          </a:xfrm>
+          <a:prstGeom prst="rect">
+            <a:avLst/>
+          </a:prstGeom>
+          <a:noFill/>
+        </p:spPr>
+        <p:txBody>
+          <a:bodyPr wrap="square" rtlCol="0">
+            <a:spAutoFit/>
+          </a:bodyPr>
+          <a:lstStyle/>
+          <a:p>
+            <a:pPr algn="ctr"/>
+            <a:r>
+              <a:rPr lang="en-US" dirty="0"/>
+              <a:t>Inbox(Default)</a:t>
+            </a:r>
+          </a:p>
+        </p:txBody>
+      </p:sp>
+      <p:sp>
+        <p:nvSpPr>
+          <p:cNvPr id="24" name="TextBox 23">
+            <a:extLst>
+              <a:ext uri="{FF2B5EF4-FFF2-40B4-BE49-F238E27FC236}">
+                <a16:creationId xmlns:a16="http://schemas.microsoft.com/office/drawing/2014/main" id="{79FAB815-C55E-C746-9D3A-9DD32C31F5BB}"/>
+              </a:ext>
+            </a:extLst>
+          </p:cNvPr>
+          <p:cNvSpPr txBox="1"/>
+          <p:nvPr/>
+        </p:nvSpPr>
+        <p:spPr>
+          <a:xfrm>
+            <a:off x="8997272" y="4757177"/>
+            <a:ext cx="2116668" cy="369332"/>
+          </a:xfrm>
+          <a:prstGeom prst="rect">
+            <a:avLst/>
+          </a:prstGeom>
+          <a:noFill/>
+        </p:spPr>
+        <p:txBody>
+          <a:bodyPr wrap="square" rtlCol="0">
+            <a:spAutoFit/>
+          </a:bodyPr>
+          <a:lstStyle/>
+          <a:p>
+            <a:pPr algn="ctr"/>
+            <a:r>
+              <a:rPr lang="en-US" dirty="0"/>
+              <a:t>+</a:t>
+            </a:r>
+            <a:r>
+              <a:rPr lang="en-US" dirty="0" err="1"/>
+              <a:t>handleRequest</a:t>
+            </a:r>
+            <a:r>
+              <a:rPr lang="en-US" dirty="0"/>
+              <a:t>()</a:t>
+            </a:r>
+          </a:p>
+        </p:txBody>
+      </p:sp>
+      <p:cxnSp>
+        <p:nvCxnSpPr>
+          <p:cNvPr id="26" name="Straight Connector 25">
+            <a:extLst>
+              <a:ext uri="{FF2B5EF4-FFF2-40B4-BE49-F238E27FC236}">
+                <a16:creationId xmlns:a16="http://schemas.microsoft.com/office/drawing/2014/main" id="{D01D35AA-F67F-AB49-8AD2-64CB4963AC7A}"/>
+              </a:ext>
+            </a:extLst>
+          </p:cNvPr>
+          <p:cNvCxnSpPr>
+            <a:stCxn id="3" idx="3"/>
+          </p:cNvCxnSpPr>
+          <p:nvPr/>
+        </p:nvCxnSpPr>
+        <p:spPr>
+          <a:xfrm flipV="1">
+            <a:off x="2554106" y="1169390"/>
+            <a:ext cx="2156187" cy="1"/>
+          </a:xfrm>
+          <a:prstGeom prst="line">
+            <a:avLst/>
+          </a:prstGeom>
+          <a:ln w="38100"/>
+        </p:spPr>
+        <p:style>
+          <a:lnRef idx="2">
+            <a:schemeClr val="accent1"/>
+          </a:lnRef>
+          <a:fillRef idx="0">
+            <a:schemeClr val="accent1"/>
+          </a:fillRef>
+          <a:effectRef idx="1">
+            <a:schemeClr val="accent1"/>
+          </a:effectRef>
+          <a:fontRef idx="minor">
+            <a:schemeClr val="tx1"/>
+          </a:fontRef>
+        </p:style>
+      </p:cxnSp>
+      <p:cxnSp>
+        <p:nvCxnSpPr>
+          <p:cNvPr id="29" name="Straight Connector 28">
+            <a:extLst>
+              <a:ext uri="{FF2B5EF4-FFF2-40B4-BE49-F238E27FC236}">
+                <a16:creationId xmlns:a16="http://schemas.microsoft.com/office/drawing/2014/main" id="{7C554A73-A893-814F-9D57-8ECEDE2867CF}"/>
+              </a:ext>
+            </a:extLst>
+          </p:cNvPr>
+          <p:cNvCxnSpPr>
+            <a:cxnSpLocks/>
+          </p:cNvCxnSpPr>
+          <p:nvPr/>
+        </p:nvCxnSpPr>
+        <p:spPr>
+          <a:xfrm>
+            <a:off x="4377257" y="973793"/>
+            <a:ext cx="330202" cy="187101"/>
+          </a:xfrm>
+          <a:prstGeom prst="line">
+            <a:avLst/>
+          </a:prstGeom>
+          <a:ln w="38100"/>
+        </p:spPr>
+        <p:style>
+          <a:lnRef idx="2">
+            <a:schemeClr val="accent1"/>
+          </a:lnRef>
+          <a:fillRef idx="0">
+            <a:schemeClr val="accent1"/>
+          </a:fillRef>
+          <a:effectRef idx="1">
+            <a:schemeClr val="accent1"/>
+          </a:effectRef>
+          <a:fontRef idx="minor">
+            <a:schemeClr val="tx1"/>
+          </a:fontRef>
+        </p:style>
+      </p:cxnSp>
+      <p:cxnSp>
+        <p:nvCxnSpPr>
+          <p:cNvPr id="35" name="Straight Connector 34">
+            <a:extLst>
+              <a:ext uri="{FF2B5EF4-FFF2-40B4-BE49-F238E27FC236}">
+                <a16:creationId xmlns:a16="http://schemas.microsoft.com/office/drawing/2014/main" id="{029EEF29-7DDB-9942-BB95-CC6D0A2AF7F3}"/>
+              </a:ext>
+            </a:extLst>
+          </p:cNvPr>
+          <p:cNvCxnSpPr>
+            <a:cxnSpLocks/>
+          </p:cNvCxnSpPr>
+          <p:nvPr/>
+        </p:nvCxnSpPr>
+        <p:spPr>
+          <a:xfrm flipV="1">
+            <a:off x="4377257" y="1166310"/>
+            <a:ext cx="330202" cy="187101"/>
+          </a:xfrm>
+          <a:prstGeom prst="line">
+            <a:avLst/>
+          </a:prstGeom>
+          <a:ln w="38100"/>
+        </p:spPr>
+        <p:style>
+          <a:lnRef idx="2">
+            <a:schemeClr val="accent1"/>
+          </a:lnRef>
+          <a:fillRef idx="0">
+            <a:schemeClr val="accent1"/>
+          </a:fillRef>
+          <a:effectRef idx="1">
+            <a:schemeClr val="accent1"/>
+          </a:effectRef>
+          <a:fontRef idx="minor">
+            <a:schemeClr val="tx1"/>
+          </a:fontRef>
+        </p:style>
+      </p:cxnSp>
+      <p:cxnSp>
+        <p:nvCxnSpPr>
+          <p:cNvPr id="37" name="Straight Connector 36">
+            <a:extLst>
+              <a:ext uri="{FF2B5EF4-FFF2-40B4-BE49-F238E27FC236}">
+                <a16:creationId xmlns:a16="http://schemas.microsoft.com/office/drawing/2014/main" id="{9F661689-11CA-A547-83ED-C08E251129C0}"/>
+              </a:ext>
+            </a:extLst>
+          </p:cNvPr>
+          <p:cNvCxnSpPr>
+            <a:cxnSpLocks/>
+            <a:stCxn id="5" idx="2"/>
+          </p:cNvCxnSpPr>
+          <p:nvPr/>
+        </p:nvCxnSpPr>
+        <p:spPr>
+          <a:xfrm flipH="1">
+            <a:off x="5932312" y="3161012"/>
+            <a:ext cx="253991" cy="267988"/>
+          </a:xfrm>
+          <a:prstGeom prst="line">
+            <a:avLst/>
+          </a:prstGeom>
+          <a:ln w="38100"/>
+        </p:spPr>
+        <p:style>
+          <a:lnRef idx="1">
+            <a:schemeClr val="accent1"/>
+          </a:lnRef>
+          <a:fillRef idx="0">
+            <a:schemeClr val="accent1"/>
+          </a:fillRef>
+          <a:effectRef idx="0">
+            <a:schemeClr val="accent1"/>
+          </a:effectRef>
+          <a:fontRef idx="minor">
+            <a:schemeClr val="tx1"/>
+          </a:fontRef>
+        </p:style>
+      </p:cxnSp>
+      <p:cxnSp>
+        <p:nvCxnSpPr>
+          <p:cNvPr id="42" name="Straight Connector 41">
+            <a:extLst>
+              <a:ext uri="{FF2B5EF4-FFF2-40B4-BE49-F238E27FC236}">
+                <a16:creationId xmlns:a16="http://schemas.microsoft.com/office/drawing/2014/main" id="{36CBA7A3-8491-F940-886D-17741EA9378F}"/>
+              </a:ext>
+            </a:extLst>
+          </p:cNvPr>
+          <p:cNvCxnSpPr>
+            <a:cxnSpLocks/>
+          </p:cNvCxnSpPr>
+          <p:nvPr/>
+        </p:nvCxnSpPr>
+        <p:spPr>
+          <a:xfrm>
+            <a:off x="6204634" y="3164345"/>
+            <a:ext cx="253991" cy="267988"/>
+          </a:xfrm>
+          <a:prstGeom prst="line">
+            <a:avLst/>
+          </a:prstGeom>
+          <a:ln w="38100"/>
+        </p:spPr>
+        <p:style>
+          <a:lnRef idx="1">
+            <a:schemeClr val="accent1"/>
+          </a:lnRef>
+          <a:fillRef idx="0">
+            <a:schemeClr val="accent1"/>
+          </a:fillRef>
+          <a:effectRef idx="0">
+            <a:schemeClr val="accent1"/>
+          </a:effectRef>
+          <a:fontRef idx="minor">
+            <a:schemeClr val="tx1"/>
+          </a:fontRef>
+        </p:style>
+      </p:cxnSp>
+      <p:cxnSp>
+        <p:nvCxnSpPr>
+          <p:cNvPr id="43" name="Straight Connector 42">
+            <a:extLst>
+              <a:ext uri="{FF2B5EF4-FFF2-40B4-BE49-F238E27FC236}">
+                <a16:creationId xmlns:a16="http://schemas.microsoft.com/office/drawing/2014/main" id="{18F28977-7487-4348-A7DE-7B1559B189DD}"/>
+              </a:ext>
+            </a:extLst>
+          </p:cNvPr>
+          <p:cNvCxnSpPr>
+            <a:cxnSpLocks/>
+          </p:cNvCxnSpPr>
+          <p:nvPr/>
+        </p:nvCxnSpPr>
+        <p:spPr>
+          <a:xfrm flipH="1" flipV="1">
+            <a:off x="5971812" y="3428194"/>
+            <a:ext cx="448733" cy="806"/>
+          </a:xfrm>
+          <a:prstGeom prst="line">
+            <a:avLst/>
+          </a:prstGeom>
+          <a:ln w="38100"/>
+        </p:spPr>
+        <p:style>
+          <a:lnRef idx="1">
+            <a:schemeClr val="accent1"/>
+          </a:lnRef>
+          <a:fillRef idx="0">
+            <a:schemeClr val="accent1"/>
+          </a:fillRef>
+          <a:effectRef idx="0">
+            <a:schemeClr val="accent1"/>
+          </a:effectRef>
+          <a:fontRef idx="minor">
+            <a:schemeClr val="tx1"/>
+          </a:fontRef>
+        </p:style>
+      </p:cxnSp>
+      <p:cxnSp>
+        <p:nvCxnSpPr>
+          <p:cNvPr id="48" name="Straight Connector 47">
+            <a:extLst>
+              <a:ext uri="{FF2B5EF4-FFF2-40B4-BE49-F238E27FC236}">
+                <a16:creationId xmlns:a16="http://schemas.microsoft.com/office/drawing/2014/main" id="{1786890A-BE08-7444-BB92-6046388ADDA3}"/>
+              </a:ext>
+            </a:extLst>
+          </p:cNvPr>
+          <p:cNvCxnSpPr/>
+          <p:nvPr/>
+        </p:nvCxnSpPr>
+        <p:spPr>
+          <a:xfrm>
+            <a:off x="6204634" y="3428194"/>
+            <a:ext cx="0" cy="285850"/>
+          </a:xfrm>
+          <a:prstGeom prst="line">
+            <a:avLst/>
+          </a:prstGeom>
+          <a:ln w="38100"/>
+        </p:spPr>
+        <p:style>
+          <a:lnRef idx="1">
+            <a:schemeClr val="accent1"/>
+          </a:lnRef>
+          <a:fillRef idx="0">
+            <a:schemeClr val="accent1"/>
+          </a:fillRef>
+          <a:effectRef idx="0">
+            <a:schemeClr val="accent1"/>
+          </a:effectRef>
+          <a:fontRef idx="minor">
+            <a:schemeClr val="tx1"/>
+          </a:fontRef>
+        </p:style>
+      </p:cxnSp>
+      <p:cxnSp>
+        <p:nvCxnSpPr>
+          <p:cNvPr id="50" name="Straight Connector 49">
+            <a:extLst>
+              <a:ext uri="{FF2B5EF4-FFF2-40B4-BE49-F238E27FC236}">
+                <a16:creationId xmlns:a16="http://schemas.microsoft.com/office/drawing/2014/main" id="{D65D1D76-7920-8044-955D-5DD680078D3C}"/>
+              </a:ext>
+            </a:extLst>
+          </p:cNvPr>
+          <p:cNvCxnSpPr/>
+          <p:nvPr/>
+        </p:nvCxnSpPr>
+        <p:spPr>
+          <a:xfrm flipH="1">
+            <a:off x="1772356" y="3714044"/>
+            <a:ext cx="4432278" cy="0"/>
+          </a:xfrm>
+          <a:prstGeom prst="line">
+            <a:avLst/>
+          </a:prstGeom>
+          <a:ln w="38100"/>
+        </p:spPr>
+        <p:style>
+          <a:lnRef idx="1">
+            <a:schemeClr val="accent1"/>
+          </a:lnRef>
+          <a:fillRef idx="0">
+            <a:schemeClr val="accent1"/>
+          </a:fillRef>
+          <a:effectRef idx="0">
+            <a:schemeClr val="accent1"/>
+          </a:effectRef>
+          <a:fontRef idx="minor">
+            <a:schemeClr val="tx1"/>
+          </a:fontRef>
+        </p:style>
+      </p:cxnSp>
+      <p:cxnSp>
+        <p:nvCxnSpPr>
+          <p:cNvPr id="52" name="Straight Connector 51">
+            <a:extLst>
+              <a:ext uri="{FF2B5EF4-FFF2-40B4-BE49-F238E27FC236}">
+                <a16:creationId xmlns:a16="http://schemas.microsoft.com/office/drawing/2014/main" id="{4255D8BF-6FD9-2148-8881-DFADC86C78A6}"/>
+              </a:ext>
+            </a:extLst>
+          </p:cNvPr>
+          <p:cNvCxnSpPr/>
+          <p:nvPr/>
+        </p:nvCxnSpPr>
+        <p:spPr>
+          <a:xfrm>
+            <a:off x="1783644" y="3714044"/>
+            <a:ext cx="0" cy="653476"/>
+          </a:xfrm>
+          <a:prstGeom prst="line">
+            <a:avLst/>
+          </a:prstGeom>
+          <a:ln w="38100"/>
+        </p:spPr>
+        <p:style>
+          <a:lnRef idx="1">
+            <a:schemeClr val="accent1"/>
+          </a:lnRef>
+          <a:fillRef idx="0">
+            <a:schemeClr val="accent1"/>
+          </a:fillRef>
+          <a:effectRef idx="0">
+            <a:schemeClr val="accent1"/>
+          </a:effectRef>
+          <a:fontRef idx="minor">
+            <a:schemeClr val="tx1"/>
+          </a:fontRef>
+        </p:style>
+      </p:cxnSp>
+      <p:cxnSp>
+        <p:nvCxnSpPr>
+          <p:cNvPr id="53" name="Straight Connector 52">
+            <a:extLst>
+              <a:ext uri="{FF2B5EF4-FFF2-40B4-BE49-F238E27FC236}">
+                <a16:creationId xmlns:a16="http://schemas.microsoft.com/office/drawing/2014/main" id="{D02D41AD-C415-B54D-A219-07440B45A9DE}"/>
+              </a:ext>
+            </a:extLst>
+          </p:cNvPr>
+          <p:cNvCxnSpPr/>
+          <p:nvPr/>
+        </p:nvCxnSpPr>
+        <p:spPr>
+          <a:xfrm>
+            <a:off x="4735681" y="3714044"/>
+            <a:ext cx="0" cy="653476"/>
+          </a:xfrm>
+          <a:prstGeom prst="line">
+            <a:avLst/>
+          </a:prstGeom>
+          <a:ln w="38100"/>
+        </p:spPr>
+        <p:style>
+          <a:lnRef idx="1">
+            <a:schemeClr val="accent1"/>
+          </a:lnRef>
+          <a:fillRef idx="0">
+            <a:schemeClr val="accent1"/>
+          </a:fillRef>
+          <a:effectRef idx="0">
+            <a:schemeClr val="accent1"/>
+          </a:effectRef>
+          <a:fontRef idx="minor">
+            <a:schemeClr val="tx1"/>
+          </a:fontRef>
+        </p:style>
+      </p:cxnSp>
+      <p:cxnSp>
+        <p:nvCxnSpPr>
+          <p:cNvPr id="54" name="Straight Connector 53">
+            <a:extLst>
+              <a:ext uri="{FF2B5EF4-FFF2-40B4-BE49-F238E27FC236}">
+                <a16:creationId xmlns:a16="http://schemas.microsoft.com/office/drawing/2014/main" id="{A4615C6C-26FC-4D43-99BC-7EC9A2D3EE4E}"/>
+              </a:ext>
+            </a:extLst>
+          </p:cNvPr>
+          <p:cNvCxnSpPr>
+            <a:cxnSpLocks/>
+          </p:cNvCxnSpPr>
+          <p:nvPr/>
+        </p:nvCxnSpPr>
+        <p:spPr>
+          <a:xfrm flipH="1">
+            <a:off x="6204634" y="3714044"/>
+            <a:ext cx="3977935" cy="0"/>
+          </a:xfrm>
+          <a:prstGeom prst="line">
+            <a:avLst/>
+          </a:prstGeom>
+          <a:ln w="38100"/>
+        </p:spPr>
+        <p:style>
+          <a:lnRef idx="1">
+            <a:schemeClr val="accent1"/>
+          </a:lnRef>
+          <a:fillRef idx="0">
+            <a:schemeClr val="accent1"/>
+          </a:fillRef>
+          <a:effectRef idx="0">
+            <a:schemeClr val="accent1"/>
+          </a:effectRef>
+          <a:fontRef idx="minor">
+            <a:schemeClr val="tx1"/>
+          </a:fontRef>
+        </p:style>
+      </p:cxnSp>
+      <p:cxnSp>
+        <p:nvCxnSpPr>
+          <p:cNvPr id="55" name="Straight Connector 54">
+            <a:extLst>
+              <a:ext uri="{FF2B5EF4-FFF2-40B4-BE49-F238E27FC236}">
+                <a16:creationId xmlns:a16="http://schemas.microsoft.com/office/drawing/2014/main" id="{71007469-A791-5941-BCBB-D43DE445F7C8}"/>
+              </a:ext>
+            </a:extLst>
+          </p:cNvPr>
+          <p:cNvCxnSpPr/>
+          <p:nvPr/>
+        </p:nvCxnSpPr>
+        <p:spPr>
+          <a:xfrm>
+            <a:off x="7501466" y="3714044"/>
+            <a:ext cx="0" cy="653476"/>
+          </a:xfrm>
+          <a:prstGeom prst="line">
+            <a:avLst/>
+          </a:prstGeom>
+          <a:ln w="38100"/>
+        </p:spPr>
+        <p:style>
+          <a:lnRef idx="1">
+            <a:schemeClr val="accent1"/>
+          </a:lnRef>
+          <a:fillRef idx="0">
+            <a:schemeClr val="accent1"/>
+          </a:fillRef>
+          <a:effectRef idx="0">
+            <a:schemeClr val="accent1"/>
+          </a:effectRef>
+          <a:fontRef idx="minor">
+            <a:schemeClr val="tx1"/>
+          </a:fontRef>
+        </p:style>
+      </p:cxnSp>
+      <p:cxnSp>
+        <p:nvCxnSpPr>
+          <p:cNvPr id="56" name="Straight Connector 55">
+            <a:extLst>
+              <a:ext uri="{FF2B5EF4-FFF2-40B4-BE49-F238E27FC236}">
+                <a16:creationId xmlns:a16="http://schemas.microsoft.com/office/drawing/2014/main" id="{4A10F1AF-D1C3-3047-9C89-0EBC4D3E8F73}"/>
+              </a:ext>
+            </a:extLst>
+          </p:cNvPr>
+          <p:cNvCxnSpPr/>
+          <p:nvPr/>
+        </p:nvCxnSpPr>
+        <p:spPr>
+          <a:xfrm>
+            <a:off x="10182569" y="3714044"/>
+            <a:ext cx="0" cy="653476"/>
+          </a:xfrm>
+          <a:prstGeom prst="line">
+            <a:avLst/>
+          </a:prstGeom>
+          <a:ln w="38100"/>
+        </p:spPr>
+        <p:style>
+          <a:lnRef idx="1">
+            <a:schemeClr val="accent1"/>
+          </a:lnRef>
+          <a:fillRef idx="0">
+            <a:schemeClr val="accent1"/>
+          </a:fillRef>
+          <a:effectRef idx="0">
+            <a:schemeClr val="accent1"/>
+          </a:effectRef>
+          <a:fontRef idx="minor">
+            <a:schemeClr val="tx1"/>
+          </a:fontRef>
+        </p:style>
+      </p:cxnSp>
+      <p:cxnSp>
+        <p:nvCxnSpPr>
+          <p:cNvPr id="64" name="Straight Connector 63">
+            <a:extLst>
+              <a:ext uri="{FF2B5EF4-FFF2-40B4-BE49-F238E27FC236}">
+                <a16:creationId xmlns:a16="http://schemas.microsoft.com/office/drawing/2014/main" id="{7C251AF9-EEF8-7748-AF46-CF0943D6C17B}"/>
+              </a:ext>
+            </a:extLst>
+          </p:cNvPr>
+          <p:cNvCxnSpPr>
+            <a:cxnSpLocks/>
+          </p:cNvCxnSpPr>
+          <p:nvPr/>
+        </p:nvCxnSpPr>
+        <p:spPr>
+          <a:xfrm flipV="1">
+            <a:off x="8302993" y="391910"/>
+            <a:ext cx="0" cy="834408"/>
+          </a:xfrm>
+          <a:prstGeom prst="line">
+            <a:avLst/>
+          </a:prstGeom>
+        </p:spPr>
+        <p:style>
+          <a:lnRef idx="1">
+            <a:schemeClr val="accent1"/>
+          </a:lnRef>
+          <a:fillRef idx="0">
+            <a:schemeClr val="accent1"/>
+          </a:fillRef>
+          <a:effectRef idx="0">
+            <a:schemeClr val="accent1"/>
+          </a:effectRef>
+          <a:fontRef idx="minor">
+            <a:schemeClr val="tx1"/>
+          </a:fontRef>
+        </p:style>
+      </p:cxnSp>
+      <p:cxnSp>
+        <p:nvCxnSpPr>
+          <p:cNvPr id="66" name="Straight Connector 65">
+            <a:extLst>
+              <a:ext uri="{FF2B5EF4-FFF2-40B4-BE49-F238E27FC236}">
+                <a16:creationId xmlns:a16="http://schemas.microsoft.com/office/drawing/2014/main" id="{BFE54351-EC44-934E-BC30-EC6E98669AA9}"/>
+              </a:ext>
+            </a:extLst>
+          </p:cNvPr>
+          <p:cNvCxnSpPr>
+            <a:cxnSpLocks/>
+          </p:cNvCxnSpPr>
+          <p:nvPr/>
+        </p:nvCxnSpPr>
+        <p:spPr>
+          <a:xfrm flipH="1">
+            <a:off x="7416792" y="1208704"/>
+            <a:ext cx="886201" cy="0"/>
+          </a:xfrm>
+          <a:prstGeom prst="line">
+            <a:avLst/>
+          </a:prstGeom>
+        </p:spPr>
+        <p:style>
+          <a:lnRef idx="1">
+            <a:schemeClr val="accent1"/>
+          </a:lnRef>
+          <a:fillRef idx="0">
+            <a:schemeClr val="accent1"/>
+          </a:fillRef>
+          <a:effectRef idx="0">
+            <a:schemeClr val="accent1"/>
+          </a:effectRef>
+          <a:fontRef idx="minor">
+            <a:schemeClr val="tx1"/>
+          </a:fontRef>
+        </p:style>
+      </p:cxnSp>
+      <p:cxnSp>
+        <p:nvCxnSpPr>
+          <p:cNvPr id="68" name="Straight Arrow Connector 67">
+            <a:extLst>
+              <a:ext uri="{FF2B5EF4-FFF2-40B4-BE49-F238E27FC236}">
+                <a16:creationId xmlns:a16="http://schemas.microsoft.com/office/drawing/2014/main" id="{D9E59BA5-7DC9-304C-BBDE-F731F8A7FF94}"/>
+              </a:ext>
+            </a:extLst>
+          </p:cNvPr>
+          <p:cNvCxnSpPr>
+            <a:cxnSpLocks/>
+          </p:cNvCxnSpPr>
+          <p:nvPr/>
+        </p:nvCxnSpPr>
+        <p:spPr>
+          <a:xfrm flipH="1">
+            <a:off x="6733837" y="401533"/>
+            <a:ext cx="1" cy="570592"/>
+          </a:xfrm>
+          <a:prstGeom prst="straightConnector1">
+            <a:avLst/>
+          </a:prstGeom>
+          <a:ln>
+            <a:tailEnd type="triangle"/>
+          </a:ln>
+        </p:spPr>
+        <p:style>
+          <a:lnRef idx="1">
+            <a:schemeClr val="accent1"/>
+          </a:lnRef>
+          <a:fillRef idx="0">
+            <a:schemeClr val="accent1"/>
+          </a:fillRef>
+          <a:effectRef idx="0">
+            <a:schemeClr val="accent1"/>
+          </a:effectRef>
+          <a:fontRef idx="minor">
+            <a:schemeClr val="tx1"/>
+          </a:fontRef>
+        </p:style>
+      </p:cxnSp>
+      <p:sp>
+        <p:nvSpPr>
+          <p:cNvPr id="69" name="TextBox 68">
+            <a:extLst>
+              <a:ext uri="{FF2B5EF4-FFF2-40B4-BE49-F238E27FC236}">
+                <a16:creationId xmlns:a16="http://schemas.microsoft.com/office/drawing/2014/main" id="{03DD0673-F9C4-624E-B747-033DB57819A0}"/>
+              </a:ext>
+            </a:extLst>
+          </p:cNvPr>
+          <p:cNvSpPr txBox="1"/>
+          <p:nvPr/>
+        </p:nvSpPr>
+        <p:spPr>
+          <a:xfrm>
+            <a:off x="7070946" y="126106"/>
+            <a:ext cx="1098186" cy="369332"/>
+          </a:xfrm>
+          <a:prstGeom prst="rect">
+            <a:avLst/>
+          </a:prstGeom>
+          <a:noFill/>
+        </p:spPr>
+        <p:txBody>
+          <a:bodyPr wrap="none" rtlCol="0">
+            <a:spAutoFit/>
+          </a:bodyPr>
+          <a:lstStyle/>
+          <a:p>
+            <a:r>
+              <a:rPr lang="en-US" dirty="0"/>
+              <a:t>successor</a:t>
+            </a:r>
+          </a:p>
+        </p:txBody>
+      </p:sp>
+      <p:cxnSp>
+        <p:nvCxnSpPr>
+          <p:cNvPr id="75" name="Straight Connector 74">
+            <a:extLst>
+              <a:ext uri="{FF2B5EF4-FFF2-40B4-BE49-F238E27FC236}">
+                <a16:creationId xmlns:a16="http://schemas.microsoft.com/office/drawing/2014/main" id="{AF9EB9A3-84C5-CB4B-9750-163F8EE9ACD4}"/>
+              </a:ext>
+            </a:extLst>
+          </p:cNvPr>
+          <p:cNvCxnSpPr>
+            <a:cxnSpLocks/>
+          </p:cNvCxnSpPr>
+          <p:nvPr/>
+        </p:nvCxnSpPr>
+        <p:spPr>
+          <a:xfrm flipV="1">
+            <a:off x="6733837" y="391910"/>
+            <a:ext cx="1569156" cy="9623"/>
+          </a:xfrm>
+          <a:prstGeom prst="line">
+            <a:avLst/>
+          </a:prstGeom>
+        </p:spPr>
+        <p:style>
+          <a:lnRef idx="1">
+            <a:schemeClr val="accent1"/>
+          </a:lnRef>
+          <a:fillRef idx="0">
+            <a:schemeClr val="accent1"/>
+          </a:fillRef>
+          <a:effectRef idx="0">
+            <a:schemeClr val="accent1"/>
+          </a:effectRef>
+          <a:fontRef idx="minor">
+            <a:schemeClr val="tx1"/>
+          </a:fontRef>
+        </p:style>
+      </p:cxnSp>
+    </p:spTree>
+    <p:extLst>
+      <p:ext uri="{BB962C8B-B14F-4D97-AF65-F5344CB8AC3E}">
+        <p14:creationId xmlns:p14="http://schemas.microsoft.com/office/powerpoint/2010/main" val="3431467596"/>
+      </p:ext>
+    </p:extLst>
+  </p:cSld>
+  <p:clrMapOvr>
+    <a:masterClrMapping/>
+  </p:clrMapOvr>
+</p:sld>
+</file>
+
+<file path=ppt/slides/slide17.xml><?xml version="1.0" encoding="utf-8"?>
+<p:sld xmlns:a="http://schemas.openxmlformats.org/drawingml/2006/main" xmlns:r="http://schemas.openxmlformats.org/officeDocument/2006/relationships" xmlns:p="http://schemas.openxmlformats.org/presentationml/2006/main">
+  <p:cSld>
+    <p:spTree>
+      <p:nvGrpSpPr>
+        <p:cNvPr id="1" name=""/>
+        <p:cNvGrpSpPr/>
+        <p:nvPr/>
+      </p:nvGrpSpPr>
+      <p:grpSpPr>
+        <a:xfrm>
+          <a:off x="0" y="0"/>
+          <a:ext cx="0" cy="0"/>
+          <a:chOff x="0" y="0"/>
+          <a:chExt cx="0" cy="0"/>
+        </a:xfrm>
+      </p:grpSpPr>
+      <p:sp>
+        <p:nvSpPr>
+          <p:cNvPr id="2" name="Title 1">
+            <a:extLst>
+              <a:ext uri="{FF2B5EF4-FFF2-40B4-BE49-F238E27FC236}">
+                <a16:creationId xmlns:a16="http://schemas.microsoft.com/office/drawing/2014/main" id="{57B92817-C627-9A48-922A-886171F2881F}"/>
+              </a:ext>
+            </a:extLst>
+          </p:cNvPr>
+          <p:cNvSpPr>
+            <a:spLocks noGrp="1"/>
+          </p:cNvSpPr>
+          <p:nvPr>
+            <p:ph type="title"/>
+          </p:nvPr>
+        </p:nvSpPr>
+        <p:spPr/>
+        <p:txBody>
+          <a:bodyPr/>
+          <a:lstStyle/>
+          <a:p>
+            <a:pPr algn="ctr"/>
+            <a:r>
+              <a:rPr lang="en-US" dirty="0"/>
+              <a:t>Email Filter</a:t>
+            </a:r>
+          </a:p>
+        </p:txBody>
+      </p:sp>
+      <p:sp>
+        <p:nvSpPr>
+          <p:cNvPr id="38" name="TextBox 37">
+            <a:extLst>
+              <a:ext uri="{FF2B5EF4-FFF2-40B4-BE49-F238E27FC236}">
+                <a16:creationId xmlns:a16="http://schemas.microsoft.com/office/drawing/2014/main" id="{8F9EE914-193E-BC4F-8373-F43314ED8425}"/>
+              </a:ext>
+            </a:extLst>
+          </p:cNvPr>
+          <p:cNvSpPr txBox="1"/>
+          <p:nvPr/>
+        </p:nvSpPr>
+        <p:spPr>
+          <a:xfrm>
+            <a:off x="4759655" y="285195"/>
+            <a:ext cx="6314745" cy="2523768"/>
+          </a:xfrm>
+          <a:prstGeom prst="rect">
+            <a:avLst/>
+          </a:prstGeom>
+          <a:noFill/>
+          <a:ln>
+            <a:solidFill>
+              <a:schemeClr val="accent1"/>
+            </a:solidFill>
+          </a:ln>
+        </p:spPr>
+        <p:txBody>
+          <a:bodyPr wrap="square" rtlCol="0">
+            <a:spAutoFit/>
+          </a:bodyPr>
+          <a:lstStyle/>
+          <a:p>
+            <a:r>
+              <a:rPr lang="en-US" sz="2000" dirty="0"/>
+              <a:t>public abstract class </a:t>
+            </a:r>
+            <a:r>
+              <a:rPr lang="en-US" sz="2000" b="1" dirty="0"/>
+              <a:t>Handler</a:t>
+            </a:r>
+            <a:r>
+              <a:rPr lang="en-US" sz="2000" dirty="0"/>
+              <a:t> {</a:t>
+            </a:r>
+          </a:p>
+          <a:p>
+            <a:r>
+              <a:rPr lang="en-US" sz="2000" dirty="0"/>
+              <a:t>	public void </a:t>
+            </a:r>
+            <a:r>
+              <a:rPr lang="en-US" sz="2000" dirty="0" err="1"/>
+              <a:t>handleRequest</a:t>
+            </a:r>
+            <a:r>
+              <a:rPr lang="en-US" sz="2000" dirty="0"/>
+              <a:t>(</a:t>
+            </a:r>
+            <a:r>
+              <a:rPr lang="en-US" sz="2000" dirty="0" err="1"/>
+              <a:t>RequestObj</a:t>
+            </a:r>
+            <a:r>
+              <a:rPr lang="en-US" sz="2000" dirty="0"/>
+              <a:t> </a:t>
+            </a:r>
+            <a:r>
+              <a:rPr lang="en-US" sz="2000" dirty="0" err="1"/>
+              <a:t>robj</a:t>
+            </a:r>
+            <a:r>
+              <a:rPr lang="en-US" sz="2000" dirty="0"/>
+              <a:t>) {</a:t>
+            </a:r>
+          </a:p>
+          <a:p>
+            <a:r>
+              <a:rPr lang="en-US" sz="2000" dirty="0"/>
+              <a:t>		if (successor != null) {</a:t>
+            </a:r>
+          </a:p>
+          <a:p>
+            <a:r>
+              <a:rPr lang="en-US" sz="2000" dirty="0"/>
+              <a:t>			</a:t>
+            </a:r>
+            <a:r>
+              <a:rPr lang="en-US" sz="2000" dirty="0" err="1"/>
+              <a:t>successor.handleRequest</a:t>
+            </a:r>
+            <a:r>
+              <a:rPr lang="en-US" sz="2000" dirty="0"/>
+              <a:t>(</a:t>
+            </a:r>
+            <a:r>
+              <a:rPr lang="en-US" sz="2000" dirty="0" err="1"/>
+              <a:t>robj</a:t>
+            </a:r>
+            <a:r>
+              <a:rPr lang="en-US" sz="2000" dirty="0"/>
+              <a:t>);</a:t>
+            </a:r>
+          </a:p>
+          <a:p>
+            <a:r>
+              <a:rPr lang="en-US" sz="2000" dirty="0"/>
+              <a:t>		}</a:t>
+            </a:r>
+          </a:p>
+          <a:p>
+            <a:r>
+              <a:rPr lang="en-US" sz="2000" dirty="0"/>
+              <a:t>	}</a:t>
+            </a:r>
+          </a:p>
+          <a:p>
+            <a:r>
+              <a:rPr lang="en-US" sz="2000" dirty="0"/>
+              <a:t>}</a:t>
+            </a:r>
+            <a:endParaRPr lang="en-US" sz="2400" dirty="0"/>
+          </a:p>
+          <a:p>
+            <a:endParaRPr lang="en-US" dirty="0"/>
+          </a:p>
+        </p:txBody>
+      </p:sp>
+      <p:sp>
+        <p:nvSpPr>
+          <p:cNvPr id="41" name="TextBox 40">
+            <a:extLst>
+              <a:ext uri="{FF2B5EF4-FFF2-40B4-BE49-F238E27FC236}">
+                <a16:creationId xmlns:a16="http://schemas.microsoft.com/office/drawing/2014/main" id="{024749D8-79F3-024E-9592-1AC030AA1776}"/>
+              </a:ext>
+            </a:extLst>
+          </p:cNvPr>
+          <p:cNvSpPr txBox="1"/>
+          <p:nvPr/>
+        </p:nvSpPr>
+        <p:spPr>
+          <a:xfrm>
+            <a:off x="4759654" y="3255095"/>
+            <a:ext cx="6314746" cy="3170099"/>
+          </a:xfrm>
+          <a:prstGeom prst="rect">
+            <a:avLst/>
+          </a:prstGeom>
+          <a:noFill/>
+          <a:ln>
+            <a:solidFill>
+              <a:schemeClr val="accent1"/>
+            </a:solidFill>
+          </a:ln>
+        </p:spPr>
+        <p:txBody>
+          <a:bodyPr wrap="square" rtlCol="0">
+            <a:spAutoFit/>
+          </a:bodyPr>
+          <a:lstStyle/>
+          <a:p>
+            <a:r>
+              <a:rPr lang="en-US" sz="2000" dirty="0"/>
+              <a:t>public class </a:t>
+            </a:r>
+            <a:r>
+              <a:rPr lang="en-US" sz="2000" b="1" dirty="0" err="1"/>
+              <a:t>SpamFilter</a:t>
+            </a:r>
+            <a:r>
+              <a:rPr lang="en-US" sz="2000" dirty="0"/>
+              <a:t> extends </a:t>
+            </a:r>
+            <a:r>
+              <a:rPr lang="en-US" sz="2000" b="1" dirty="0"/>
+              <a:t>Handler</a:t>
+            </a:r>
+            <a:r>
+              <a:rPr lang="en-US" sz="2000" dirty="0"/>
+              <a:t> {</a:t>
+            </a:r>
+          </a:p>
+          <a:p>
+            <a:r>
+              <a:rPr lang="en-US" sz="2000" dirty="0"/>
+              <a:t>	public void </a:t>
+            </a:r>
+            <a:r>
+              <a:rPr lang="en-US" sz="2000" dirty="0" err="1"/>
+              <a:t>handleRequest</a:t>
+            </a:r>
+            <a:r>
+              <a:rPr lang="en-US" sz="2000" dirty="0"/>
+              <a:t>(</a:t>
+            </a:r>
+            <a:r>
+              <a:rPr lang="en-US" sz="2000" dirty="0" err="1"/>
+              <a:t>emailRequest</a:t>
+            </a:r>
+            <a:r>
+              <a:rPr lang="en-US" sz="2000" dirty="0"/>
+              <a:t>) {</a:t>
+            </a:r>
+          </a:p>
+          <a:p>
+            <a:r>
+              <a:rPr lang="en-US" sz="2000" dirty="0"/>
+              <a:t>		if (</a:t>
+            </a:r>
+            <a:r>
+              <a:rPr lang="en-US" sz="2000" dirty="0" err="1"/>
+              <a:t>isSpam</a:t>
+            </a:r>
+            <a:r>
+              <a:rPr lang="en-US" sz="2000" dirty="0"/>
+              <a:t>(</a:t>
+            </a:r>
+            <a:r>
+              <a:rPr lang="en-US" sz="2000" dirty="0" err="1"/>
+              <a:t>emailRequest</a:t>
+            </a:r>
+            <a:r>
+              <a:rPr lang="en-US" sz="2000" dirty="0"/>
+              <a:t>) {</a:t>
+            </a:r>
+          </a:p>
+          <a:p>
+            <a:r>
+              <a:rPr lang="en-US" sz="2000" dirty="0"/>
+              <a:t>			// take spam related actions</a:t>
+            </a:r>
+          </a:p>
+          <a:p>
+            <a:r>
+              <a:rPr lang="en-US" sz="2000" dirty="0"/>
+              <a:t>		}</a:t>
+            </a:r>
+          </a:p>
+          <a:p>
+            <a:r>
+              <a:rPr lang="en-US" sz="2000" dirty="0"/>
+              <a:t>		else {</a:t>
+            </a:r>
+          </a:p>
+          <a:p>
+            <a:r>
+              <a:rPr lang="en-US" sz="2000" dirty="0"/>
+              <a:t>			</a:t>
+            </a:r>
+            <a:r>
+              <a:rPr lang="en-US" sz="2000" b="1" dirty="0" err="1"/>
+              <a:t>super</a:t>
+            </a:r>
+            <a:r>
+              <a:rPr lang="en-US" sz="2000" dirty="0" err="1"/>
+              <a:t>.handleRequest</a:t>
+            </a:r>
+            <a:r>
+              <a:rPr lang="en-US" sz="2000" dirty="0"/>
+              <a:t>(</a:t>
+            </a:r>
+            <a:r>
+              <a:rPr lang="en-US" sz="2000" dirty="0" err="1"/>
+              <a:t>emailRequest</a:t>
+            </a:r>
+            <a:r>
+              <a:rPr lang="en-US" sz="2000" dirty="0"/>
+              <a:t>);</a:t>
+            </a:r>
+          </a:p>
+          <a:p>
+            <a:r>
+              <a:rPr lang="en-US" sz="2000" dirty="0"/>
+              <a:t>			// pass email request to next filter in chain</a:t>
+            </a:r>
+          </a:p>
+          <a:p>
+            <a:r>
+              <a:rPr lang="en-US" sz="2000" dirty="0"/>
+              <a:t>	}</a:t>
+            </a:r>
+          </a:p>
+          <a:p>
+            <a:r>
+              <a:rPr lang="en-US" sz="2000" dirty="0"/>
+              <a:t>}</a:t>
+            </a:r>
+            <a:endParaRPr lang="en-US" sz="2400" dirty="0"/>
+          </a:p>
+        </p:txBody>
+      </p:sp>
+    </p:spTree>
+    <p:extLst>
+      <p:ext uri="{BB962C8B-B14F-4D97-AF65-F5344CB8AC3E}">
+        <p14:creationId xmlns:p14="http://schemas.microsoft.com/office/powerpoint/2010/main" val="4121075525"/>
       </p:ext>
     </p:extLst>
   </p:cSld>
@@ -8638,7 +12853,7 @@
         <p:spPr>
           <a:xfrm>
             <a:off x="3855199" y="1328342"/>
-            <a:ext cx="7646872" cy="1035029"/>
+            <a:ext cx="7646872" cy="4794161"/>
           </a:xfrm>
         </p:spPr>
         <p:txBody>
@@ -8658,6 +12873,84 @@
               </a:rPr>
               <a:t>Avoid coupling the sender of a request to its receiver by giving more than one object a chance to handle the request. Chain the receiving objects and pass the request along the chain until an object handles it.</a:t>
             </a:r>
+          </a:p>
+          <a:p>
+            <a:pPr marL="0" indent="0">
+              <a:buNone/>
+            </a:pPr>
+            <a:endParaRPr lang="en-US" dirty="0">
+              <a:solidFill>
+                <a:schemeClr val="tx1"/>
+              </a:solidFill>
+            </a:endParaRPr>
+          </a:p>
+          <a:p>
+            <a:pPr marL="0" indent="0">
+              <a:buNone/>
+            </a:pPr>
+            <a:r>
+              <a:rPr lang="en-US" dirty="0">
+                <a:solidFill>
+                  <a:schemeClr val="tx1"/>
+                </a:solidFill>
+              </a:rPr>
+              <a:t>How do you decide when to use COR?</a:t>
+            </a:r>
+          </a:p>
+          <a:p>
+            <a:r>
+              <a:rPr lang="en-US" sz="1800" dirty="0">
+                <a:solidFill>
+                  <a:schemeClr val="tx1"/>
+                </a:solidFill>
+              </a:rPr>
+              <a:t>More than one object can handle a command</a:t>
+            </a:r>
+          </a:p>
+          <a:p>
+            <a:r>
+              <a:rPr lang="en-US" sz="1800" dirty="0">
+                <a:solidFill>
+                  <a:schemeClr val="tx1"/>
+                </a:solidFill>
+              </a:rPr>
+              <a:t>The handler is not known in advance</a:t>
+            </a:r>
+          </a:p>
+          <a:p>
+            <a:r>
+              <a:rPr lang="en-US" sz="1800" dirty="0">
+                <a:solidFill>
+                  <a:schemeClr val="tx1"/>
+                </a:solidFill>
+              </a:rPr>
+              <a:t>The handler should be determined automatically</a:t>
+            </a:r>
+          </a:p>
+          <a:p>
+            <a:r>
+              <a:rPr lang="en-US" sz="1800" dirty="0">
+                <a:solidFill>
+                  <a:schemeClr val="tx1"/>
+                </a:solidFill>
+              </a:rPr>
+              <a:t>It’s wished that the request is addressed to a group of objects without explicitly specifying its receiver</a:t>
+            </a:r>
+          </a:p>
+          <a:p>
+            <a:r>
+              <a:rPr lang="en-US" sz="1800" dirty="0">
+                <a:solidFill>
+                  <a:schemeClr val="tx1"/>
+                </a:solidFill>
+              </a:rPr>
+              <a:t>The group of objects that may handle the command must be specified in a dynamic way</a:t>
+            </a:r>
+            <a:endParaRPr lang="en-US" dirty="0">
+              <a:solidFill>
+                <a:schemeClr val="tx1"/>
+              </a:solidFill>
+            </a:endParaRPr>
           </a:p>
         </p:txBody>
       </p:sp>
@@ -8696,36 +12989,6 @@
           </a:p>
         </p:txBody>
       </p:sp>
-      <p:pic>
-        <p:nvPicPr>
-          <p:cNvPr id="3" name="Picture 2" descr="A close up of a piece of paper&#10;&#10;Description generated with high confidence">
-            <a:extLst>
-              <a:ext uri="{FF2B5EF4-FFF2-40B4-BE49-F238E27FC236}">
-                <a16:creationId xmlns:a16="http://schemas.microsoft.com/office/drawing/2014/main" id="{2BA351B2-0760-42AC-BD95-CEB17F651A3A}"/>
-              </a:ext>
-            </a:extLst>
-          </p:cNvPr>
-          <p:cNvPicPr>
-            <a:picLocks noChangeAspect="1"/>
-          </p:cNvPicPr>
-          <p:nvPr/>
-        </p:nvPicPr>
-        <p:blipFill>
-          <a:blip r:embed="rId2"/>
-          <a:stretch>
-            <a:fillRect/>
-          </a:stretch>
-        </p:blipFill>
-        <p:spPr>
-          <a:xfrm>
-            <a:off x="4252764" y="2405271"/>
-            <a:ext cx="6653775" cy="3630506"/>
-          </a:xfrm>
-          <a:prstGeom prst="rect">
-            <a:avLst/>
-          </a:prstGeom>
-        </p:spPr>
-      </p:pic>
     </p:spTree>
     <p:extLst>
       <p:ext uri="{BB962C8B-B14F-4D97-AF65-F5344CB8AC3E}">
@@ -8769,36 +13032,142 @@
             <a:spLocks noGrp="1"/>
           </p:cNvSpPr>
           <p:nvPr>
-            <p:ph type="title"/>
+            <p:ph type="title" idx="4294967295"/>
           </p:nvPr>
         </p:nvSpPr>
-        <p:spPr/>
+        <p:spPr>
+          <a:xfrm>
+            <a:off x="0" y="1123950"/>
+            <a:ext cx="2947988" cy="4600575"/>
+          </a:xfrm>
+        </p:spPr>
         <p:txBody>
           <a:bodyPr/>
           <a:lstStyle/>
           <a:p>
             <a:r>
               <a:rPr lang="en-US" dirty="0"/>
-              <a:t>Sequence Diagram</a:t>
+              <a:t>UML Diagram</a:t>
+            </a:r>
+          </a:p>
+        </p:txBody>
+      </p:sp>
+      <p:sp>
+        <p:nvSpPr>
+          <p:cNvPr id="3" name="TextBox 2">
+            <a:extLst>
+              <a:ext uri="{FF2B5EF4-FFF2-40B4-BE49-F238E27FC236}">
+                <a16:creationId xmlns:a16="http://schemas.microsoft.com/office/drawing/2014/main" id="{DC7F2D60-A4AB-4BD3-87C6-956DC415B3C2}"/>
+              </a:ext>
+            </a:extLst>
+          </p:cNvPr>
+          <p:cNvSpPr txBox="1"/>
+          <p:nvPr/>
+        </p:nvSpPr>
+        <p:spPr>
+          <a:xfrm>
+            <a:off x="437322" y="4120277"/>
+            <a:ext cx="5658678" cy="2031325"/>
+          </a:xfrm>
+          <a:prstGeom prst="rect">
+            <a:avLst/>
+          </a:prstGeom>
+          <a:noFill/>
+        </p:spPr>
+        <p:txBody>
+          <a:bodyPr wrap="square" rtlCol="0">
+            <a:spAutoFit/>
+          </a:bodyPr>
+          <a:lstStyle/>
+          <a:p>
+            <a:r>
+              <a:rPr lang="en-US" b="1" dirty="0"/>
+              <a:t>UML sequence diagram </a:t>
+            </a:r>
+          </a:p>
+          <a:p>
+            <a:endParaRPr lang="en-US" dirty="0"/>
+          </a:p>
+          <a:p>
+            <a:r>
+              <a:rPr lang="en-US" dirty="0"/>
+              <a:t>In this example, the Sender object calls </a:t>
+            </a:r>
+            <a:r>
+              <a:rPr lang="en-US" dirty="0" err="1"/>
+              <a:t>HandleRequest</a:t>
+            </a:r>
+            <a:r>
+              <a:rPr lang="en-US" dirty="0"/>
+              <a:t>() on the handler1 object (of type Handler). The handler1 forwards the request to handler2, which in turn forwards the request to handler3, which handles (performs) the request.</a:t>
+            </a:r>
+          </a:p>
+        </p:txBody>
+      </p:sp>
+      <p:sp>
+        <p:nvSpPr>
+          <p:cNvPr id="8" name="Rectangle 7">
+            <a:extLst>
+              <a:ext uri="{FF2B5EF4-FFF2-40B4-BE49-F238E27FC236}">
+                <a16:creationId xmlns:a16="http://schemas.microsoft.com/office/drawing/2014/main" id="{E96F8B79-E814-48BE-8814-EB04D891A4F9}"/>
+              </a:ext>
+            </a:extLst>
+          </p:cNvPr>
+          <p:cNvSpPr/>
+          <p:nvPr/>
+        </p:nvSpPr>
+        <p:spPr>
+          <a:xfrm>
+            <a:off x="5854699" y="706398"/>
+            <a:ext cx="5658678" cy="2585323"/>
+          </a:xfrm>
+          <a:prstGeom prst="rect">
+            <a:avLst/>
+          </a:prstGeom>
+        </p:spPr>
+        <p:txBody>
+          <a:bodyPr wrap="square">
+            <a:spAutoFit/>
+          </a:bodyPr>
+          <a:lstStyle/>
+          <a:p>
+            <a:r>
+              <a:rPr lang="en-US" b="1" dirty="0"/>
+              <a:t>UML class diagram</a:t>
+            </a:r>
+          </a:p>
+          <a:p>
+            <a:endParaRPr lang="en-US" dirty="0"/>
+          </a:p>
+          <a:p>
+            <a:r>
+              <a:rPr lang="en-US" dirty="0"/>
+              <a:t> The Sender class doesn't refer to a particular handler class directly. Instead, Sender refers to the Handler interface for handling a request (</a:t>
+            </a:r>
+            <a:r>
+              <a:rPr lang="en-US" dirty="0" err="1"/>
+              <a:t>handler.HandleRequest</a:t>
+            </a:r>
+            <a:r>
+              <a:rPr lang="en-US" dirty="0"/>
+              <a:t>()), which makes the Sender independent of which handler handles the request. The Handler1, Handler2, and Handler3 classes implement the Handler interface by either handling or forwarding a request (depending on run-time conditions). </a:t>
             </a:r>
           </a:p>
         </p:txBody>
       </p:sp>
       <p:pic>
         <p:nvPicPr>
-          <p:cNvPr id="5" name="Content Placeholder 4" descr="A screenshot of a cell phone&#10;&#10;Description generated with high confidence">
+          <p:cNvPr id="11" name="Picture 10" descr="A screenshot of a cell phone&#10;&#10;Description generated with high confidence">
             <a:extLst>
               <a:ext uri="{FF2B5EF4-FFF2-40B4-BE49-F238E27FC236}">
-                <a16:creationId xmlns:a16="http://schemas.microsoft.com/office/drawing/2014/main" id="{479E821E-B559-48F0-984F-29DC5B4F0DCB}"/>
+                <a16:creationId xmlns:a16="http://schemas.microsoft.com/office/drawing/2014/main" id="{47840751-60E5-428C-94CB-9C702D1DAAC3}"/>
               </a:ext>
             </a:extLst>
           </p:cNvPr>
           <p:cNvPicPr>
-            <a:picLocks noGrp="1" noChangeAspect="1"/>
+            <a:picLocks noChangeAspect="1"/>
           </p:cNvPicPr>
-          <p:nvPr>
-            <p:ph idx="1"/>
-          </p:nvPr>
+          <p:nvPr/>
         </p:nvPicPr>
         <p:blipFill>
           <a:blip r:embed="rId2"/>
@@ -8808,9 +13177,42 @@
         </p:blipFill>
         <p:spPr>
           <a:xfrm>
-            <a:off x="4262511" y="1990725"/>
-            <a:ext cx="6091311" cy="3439404"/>
+            <a:off x="824395" y="696873"/>
+            <a:ext cx="4829175" cy="2676525"/>
           </a:xfrm>
+          <a:prstGeom prst="rect">
+            <a:avLst/>
+          </a:prstGeom>
+        </p:spPr>
+      </p:pic>
+      <p:pic>
+        <p:nvPicPr>
+          <p:cNvPr id="13" name="Picture 12" descr="A screenshot of a cell phone&#10;&#10;Description generated with high confidence">
+            <a:extLst>
+              <a:ext uri="{FF2B5EF4-FFF2-40B4-BE49-F238E27FC236}">
+                <a16:creationId xmlns:a16="http://schemas.microsoft.com/office/drawing/2014/main" id="{AC928CA3-0572-4301-A55E-D027D47E00E9}"/>
+              </a:ext>
+            </a:extLst>
+          </p:cNvPr>
+          <p:cNvPicPr>
+            <a:picLocks noChangeAspect="1"/>
+          </p:cNvPicPr>
+          <p:nvPr/>
+        </p:nvPicPr>
+        <p:blipFill>
+          <a:blip r:embed="rId3"/>
+          <a:stretch>
+            <a:fillRect/>
+          </a:stretch>
+        </p:blipFill>
+        <p:spPr>
+          <a:xfrm>
+            <a:off x="6259926" y="3623227"/>
+            <a:ext cx="4848225" cy="2867025"/>
+          </a:xfrm>
+          <a:prstGeom prst="rect">
+            <a:avLst/>
+          </a:prstGeom>
         </p:spPr>
       </p:pic>
     </p:spTree>
@@ -8827,6 +13229,227 @@
 </file>
 
 <file path=ppt/slides/slide8.xml><?xml version="1.0" encoding="utf-8"?>
+<p:sld xmlns:a="http://schemas.openxmlformats.org/drawingml/2006/main" xmlns:r="http://schemas.openxmlformats.org/officeDocument/2006/relationships" xmlns:p="http://schemas.openxmlformats.org/presentationml/2006/main">
+  <p:cSld>
+    <p:spTree>
+      <p:nvGrpSpPr>
+        <p:cNvPr id="1" name=""/>
+        <p:cNvGrpSpPr/>
+        <p:nvPr/>
+      </p:nvGrpSpPr>
+      <p:grpSpPr>
+        <a:xfrm>
+          <a:off x="0" y="0"/>
+          <a:ext cx="0" cy="0"/>
+          <a:chOff x="0" y="0"/>
+          <a:chExt cx="0" cy="0"/>
+        </a:xfrm>
+      </p:grpSpPr>
+      <p:sp>
+        <p:nvSpPr>
+          <p:cNvPr id="2" name="Title 1">
+            <a:extLst>
+              <a:ext uri="{FF2B5EF4-FFF2-40B4-BE49-F238E27FC236}">
+                <a16:creationId xmlns:a16="http://schemas.microsoft.com/office/drawing/2014/main" id="{C34276AA-C3D7-4AC2-92DC-20A66B42E3ED}"/>
+              </a:ext>
+            </a:extLst>
+          </p:cNvPr>
+          <p:cNvSpPr>
+            <a:spLocks noGrp="1"/>
+          </p:cNvSpPr>
+          <p:nvPr>
+            <p:ph type="title"/>
+          </p:nvPr>
+        </p:nvSpPr>
+        <p:spPr/>
+        <p:txBody>
+          <a:bodyPr/>
+          <a:lstStyle/>
+          <a:p>
+            <a:r>
+              <a:rPr lang="en-US" dirty="0"/>
+              <a:t>Comparison with other Patterns</a:t>
+            </a:r>
+          </a:p>
+        </p:txBody>
+      </p:sp>
+      <p:sp>
+        <p:nvSpPr>
+          <p:cNvPr id="3" name="Text Placeholder 2">
+            <a:extLst>
+              <a:ext uri="{FF2B5EF4-FFF2-40B4-BE49-F238E27FC236}">
+                <a16:creationId xmlns:a16="http://schemas.microsoft.com/office/drawing/2014/main" id="{01E1C550-613C-45F3-9706-24032EA936E5}"/>
+              </a:ext>
+            </a:extLst>
+          </p:cNvPr>
+          <p:cNvSpPr>
+            <a:spLocks noGrp="1"/>
+          </p:cNvSpPr>
+          <p:nvPr>
+            <p:ph type="body" idx="1"/>
+          </p:nvPr>
+        </p:nvSpPr>
+        <p:spPr>
+          <a:xfrm>
+            <a:off x="3867912" y="1023586"/>
+            <a:ext cx="3474720" cy="807720"/>
+          </a:xfrm>
+        </p:spPr>
+        <p:txBody>
+          <a:bodyPr/>
+          <a:lstStyle/>
+          <a:p>
+            <a:r>
+              <a:rPr lang="en-US" dirty="0"/>
+              <a:t>Decorator</a:t>
+            </a:r>
+          </a:p>
+        </p:txBody>
+      </p:sp>
+      <p:sp>
+        <p:nvSpPr>
+          <p:cNvPr id="4" name="Content Placeholder 3">
+            <a:extLst>
+              <a:ext uri="{FF2B5EF4-FFF2-40B4-BE49-F238E27FC236}">
+                <a16:creationId xmlns:a16="http://schemas.microsoft.com/office/drawing/2014/main" id="{8B689A3F-346F-4276-BB0A-A5F5B58B35EB}"/>
+              </a:ext>
+            </a:extLst>
+          </p:cNvPr>
+          <p:cNvSpPr>
+            <a:spLocks noGrp="1"/>
+          </p:cNvSpPr>
+          <p:nvPr>
+            <p:ph sz="half" idx="2"/>
+          </p:nvPr>
+        </p:nvSpPr>
+        <p:spPr>
+          <a:xfrm>
+            <a:off x="3867912" y="1930936"/>
+            <a:ext cx="3474720" cy="4023360"/>
+          </a:xfrm>
+        </p:spPr>
+        <p:txBody>
+          <a:bodyPr>
+            <a:normAutofit lnSpcReduction="10000"/>
+          </a:bodyPr>
+          <a:lstStyle/>
+          <a:p>
+            <a:r>
+              <a:rPr lang="en-US" dirty="0"/>
+              <a:t>The decorator is not loosely coupled</a:t>
+            </a:r>
+          </a:p>
+          <a:p>
+            <a:r>
+              <a:rPr lang="en-US" dirty="0"/>
+              <a:t>The COR is structurally similar to the Decorator as they both rely on recursive composition of  a series of objects</a:t>
+            </a:r>
+          </a:p>
+          <a:p>
+            <a:r>
+              <a:rPr lang="en-US" dirty="0"/>
+              <a:t>In the case of Decorator all classes handle the request while in the COR there would be one or selected classes in the chain that handle the request</a:t>
+            </a:r>
+          </a:p>
+        </p:txBody>
+      </p:sp>
+      <p:sp>
+        <p:nvSpPr>
+          <p:cNvPr id="5" name="Text Placeholder 4">
+            <a:extLst>
+              <a:ext uri="{FF2B5EF4-FFF2-40B4-BE49-F238E27FC236}">
+                <a16:creationId xmlns:a16="http://schemas.microsoft.com/office/drawing/2014/main" id="{5A2A276B-F566-45F0-8CC8-1201E17A2F90}"/>
+              </a:ext>
+            </a:extLst>
+          </p:cNvPr>
+          <p:cNvSpPr>
+            <a:spLocks noGrp="1"/>
+          </p:cNvSpPr>
+          <p:nvPr>
+            <p:ph type="body" sz="quarter" idx="3"/>
+          </p:nvPr>
+        </p:nvSpPr>
+        <p:spPr>
+          <a:xfrm>
+            <a:off x="7818463" y="1023586"/>
+            <a:ext cx="3474720" cy="813171"/>
+          </a:xfrm>
+        </p:spPr>
+        <p:txBody>
+          <a:bodyPr/>
+          <a:lstStyle/>
+          <a:p>
+            <a:r>
+              <a:rPr lang="en-US" dirty="0"/>
+              <a:t>Observer</a:t>
+            </a:r>
+          </a:p>
+        </p:txBody>
+      </p:sp>
+      <p:sp>
+        <p:nvSpPr>
+          <p:cNvPr id="6" name="Content Placeholder 5">
+            <a:extLst>
+              <a:ext uri="{FF2B5EF4-FFF2-40B4-BE49-F238E27FC236}">
+                <a16:creationId xmlns:a16="http://schemas.microsoft.com/office/drawing/2014/main" id="{F18097ED-02EC-494B-A091-32129E6EAF1D}"/>
+              </a:ext>
+            </a:extLst>
+          </p:cNvPr>
+          <p:cNvSpPr>
+            <a:spLocks noGrp="1"/>
+          </p:cNvSpPr>
+          <p:nvPr>
+            <p:ph sz="quarter" idx="4"/>
+          </p:nvPr>
+        </p:nvSpPr>
+        <p:spPr>
+          <a:xfrm>
+            <a:off x="7818463" y="1930936"/>
+            <a:ext cx="3474720" cy="4178316"/>
+          </a:xfrm>
+        </p:spPr>
+        <p:txBody>
+          <a:bodyPr>
+            <a:normAutofit lnSpcReduction="10000"/>
+          </a:bodyPr>
+          <a:lstStyle/>
+          <a:p>
+            <a:r>
+              <a:rPr lang="en-US" dirty="0"/>
+              <a:t>The Observer passes a request to all subscribed receivers at the same time</a:t>
+            </a:r>
+          </a:p>
+          <a:p>
+            <a:r>
+              <a:rPr lang="en-US" dirty="0"/>
+              <a:t>COR passes a request sequentially to each item in the chain until one of them handles the request</a:t>
+            </a:r>
+          </a:p>
+          <a:p>
+            <a:r>
+              <a:rPr lang="en-US" dirty="0"/>
+              <a:t>Observer allows receivers to subscribe and unsubscribe dynamically whereas in case of COR the chain of handlers is dynamically created during initialization and cannot be modified during execution</a:t>
+            </a:r>
+          </a:p>
+          <a:p>
+            <a:endParaRPr lang="en-US" dirty="0"/>
+          </a:p>
+        </p:txBody>
+      </p:sp>
+    </p:spTree>
+    <p:extLst>
+      <p:ext uri="{BB962C8B-B14F-4D97-AF65-F5344CB8AC3E}">
+        <p14:creationId xmlns:p14="http://schemas.microsoft.com/office/powerpoint/2010/main" val="10185499"/>
+      </p:ext>
+    </p:extLst>
+  </p:cSld>
+  <p:clrMapOvr>
+    <a:masterClrMapping/>
+  </p:clrMapOvr>
+</p:sld>
+</file>
+
+<file path=ppt/slides/slide9.xml><?xml version="1.0" encoding="utf-8"?>
 <p:sld xmlns:a="http://schemas.openxmlformats.org/drawingml/2006/main" xmlns:r="http://schemas.openxmlformats.org/officeDocument/2006/relationships" xmlns:p="http://schemas.openxmlformats.org/presentationml/2006/main">
   <p:cSld>
     <p:spTree>
@@ -9644,669 +14267,6 @@
     <p:extLst>
       <p:ext uri="{BB962C8B-B14F-4D97-AF65-F5344CB8AC3E}">
         <p14:creationId xmlns:p14="http://schemas.microsoft.com/office/powerpoint/2010/main" val="4254312652"/>
-      </p:ext>
-    </p:extLst>
-  </p:cSld>
-  <p:clrMapOvr>
-    <a:masterClrMapping/>
-  </p:clrMapOvr>
-</p:sld>
-</file>
-
-<file path=ppt/slides/slide9.xml><?xml version="1.0" encoding="utf-8"?>
-<p:sld xmlns:a="http://schemas.openxmlformats.org/drawingml/2006/main" xmlns:r="http://schemas.openxmlformats.org/officeDocument/2006/relationships" xmlns:p="http://schemas.openxmlformats.org/presentationml/2006/main">
-  <p:cSld>
-    <p:spTree>
-      <p:nvGrpSpPr>
-        <p:cNvPr id="1" name=""/>
-        <p:cNvGrpSpPr/>
-        <p:nvPr/>
-      </p:nvGrpSpPr>
-      <p:grpSpPr>
-        <a:xfrm>
-          <a:off x="0" y="0"/>
-          <a:ext cx="0" cy="0"/>
-          <a:chOff x="0" y="0"/>
-          <a:chExt cx="0" cy="0"/>
-        </a:xfrm>
-      </p:grpSpPr>
-      <p:sp>
-        <p:nvSpPr>
-          <p:cNvPr id="2" name="Title 1">
-            <a:extLst>
-              <a:ext uri="{FF2B5EF4-FFF2-40B4-BE49-F238E27FC236}">
-                <a16:creationId xmlns:a16="http://schemas.microsoft.com/office/drawing/2014/main" id="{DFFD1309-CD59-416D-BA13-5EFAEB36A738}"/>
-              </a:ext>
-            </a:extLst>
-          </p:cNvPr>
-          <p:cNvSpPr>
-            <a:spLocks noGrp="1"/>
-          </p:cNvSpPr>
-          <p:nvPr>
-            <p:ph type="title"/>
-          </p:nvPr>
-        </p:nvSpPr>
-        <p:spPr/>
-        <p:txBody>
-          <a:bodyPr/>
-          <a:lstStyle/>
-          <a:p>
-            <a:r>
-              <a:rPr lang="en-US" dirty="0"/>
-              <a:t>Logger Class continued…</a:t>
-            </a:r>
-          </a:p>
-        </p:txBody>
-      </p:sp>
-      <p:sp>
-        <p:nvSpPr>
-          <p:cNvPr id="3" name="Content Placeholder 2">
-            <a:extLst>
-              <a:ext uri="{FF2B5EF4-FFF2-40B4-BE49-F238E27FC236}">
-                <a16:creationId xmlns:a16="http://schemas.microsoft.com/office/drawing/2014/main" id="{C09CA115-E9A3-4634-A957-9D5034C5D582}"/>
-              </a:ext>
-            </a:extLst>
-          </p:cNvPr>
-          <p:cNvSpPr>
-            <a:spLocks noGrp="1"/>
-          </p:cNvSpPr>
-          <p:nvPr>
-            <p:ph idx="1"/>
-          </p:nvPr>
-        </p:nvSpPr>
-        <p:spPr/>
-        <p:txBody>
-          <a:bodyPr>
-            <a:normAutofit lnSpcReduction="10000"/>
-          </a:bodyPr>
-          <a:lstStyle/>
-          <a:p>
-            <a:pPr marL="0" indent="0">
-              <a:lnSpc>
-                <a:spcPct val="120000"/>
-              </a:lnSpc>
-              <a:spcBef>
-                <a:spcPts val="0"/>
-              </a:spcBef>
-              <a:buNone/>
-            </a:pPr>
-            <a:r>
-              <a:rPr lang="en-US" dirty="0">
-                <a:solidFill>
-                  <a:srgbClr val="000000"/>
-                </a:solidFill>
-              </a:rPr>
-              <a:t> </a:t>
-            </a:r>
-            <a:r>
-              <a:rPr lang="en-US" dirty="0">
-                <a:solidFill>
-                  <a:srgbClr val="0000FF"/>
-                </a:solidFill>
-              </a:rPr>
-              <a:t>public</a:t>
-            </a:r>
-            <a:r>
-              <a:rPr lang="en-US" dirty="0">
-                <a:solidFill>
-                  <a:srgbClr val="000000"/>
-                </a:solidFill>
-              </a:rPr>
-              <a:t> </a:t>
-            </a:r>
-            <a:r>
-              <a:rPr lang="en-US" dirty="0">
-                <a:solidFill>
-                  <a:srgbClr val="0000FF"/>
-                </a:solidFill>
-              </a:rPr>
-              <a:t>void</a:t>
-            </a:r>
-            <a:r>
-              <a:rPr lang="en-US" dirty="0">
-                <a:solidFill>
-                  <a:srgbClr val="000000"/>
-                </a:solidFill>
-              </a:rPr>
-              <a:t> Message(</a:t>
-            </a:r>
-            <a:r>
-              <a:rPr lang="en-US" dirty="0">
-                <a:solidFill>
-                  <a:srgbClr val="0000FF"/>
-                </a:solidFill>
-              </a:rPr>
-              <a:t>string</a:t>
-            </a:r>
-            <a:r>
-              <a:rPr lang="en-US" dirty="0">
-                <a:solidFill>
-                  <a:srgbClr val="000000"/>
-                </a:solidFill>
-              </a:rPr>
-              <a:t> </a:t>
-            </a:r>
-            <a:r>
-              <a:rPr lang="en-US" dirty="0" err="1">
-                <a:solidFill>
-                  <a:srgbClr val="000000"/>
-                </a:solidFill>
-              </a:rPr>
-              <a:t>msg</a:t>
-            </a:r>
-            <a:r>
-              <a:rPr lang="en-US" dirty="0">
-                <a:solidFill>
-                  <a:srgbClr val="000000"/>
-                </a:solidFill>
-              </a:rPr>
-              <a:t>, </a:t>
-            </a:r>
-            <a:r>
-              <a:rPr lang="en-US" dirty="0" err="1">
-                <a:solidFill>
-                  <a:srgbClr val="000000"/>
-                </a:solidFill>
-              </a:rPr>
-              <a:t>LogLevel</a:t>
-            </a:r>
-            <a:r>
-              <a:rPr lang="en-US" dirty="0">
-                <a:solidFill>
-                  <a:srgbClr val="000000"/>
-                </a:solidFill>
-              </a:rPr>
-              <a:t> severity)</a:t>
-            </a:r>
-          </a:p>
-          <a:p>
-            <a:pPr marL="0" indent="0">
-              <a:lnSpc>
-                <a:spcPct val="120000"/>
-              </a:lnSpc>
-              <a:spcBef>
-                <a:spcPts val="0"/>
-              </a:spcBef>
-              <a:buNone/>
-            </a:pPr>
-            <a:r>
-              <a:rPr lang="en-US" dirty="0">
-                <a:solidFill>
-                  <a:srgbClr val="000000"/>
-                </a:solidFill>
-              </a:rPr>
-              <a:t>        {</a:t>
-            </a:r>
-          </a:p>
-          <a:p>
-            <a:pPr marL="0" indent="0">
-              <a:lnSpc>
-                <a:spcPct val="120000"/>
-              </a:lnSpc>
-              <a:spcBef>
-                <a:spcPts val="0"/>
-              </a:spcBef>
-              <a:buNone/>
-            </a:pPr>
-            <a:r>
-              <a:rPr lang="en-US" dirty="0">
-                <a:solidFill>
-                  <a:srgbClr val="000000"/>
-                </a:solidFill>
-              </a:rPr>
-              <a:t>            </a:t>
-            </a:r>
-            <a:r>
-              <a:rPr lang="en-US" dirty="0">
-                <a:solidFill>
-                  <a:srgbClr val="0000FF"/>
-                </a:solidFill>
-              </a:rPr>
-              <a:t>if</a:t>
-            </a:r>
-            <a:r>
-              <a:rPr lang="en-US" dirty="0">
-                <a:solidFill>
-                  <a:srgbClr val="000000"/>
-                </a:solidFill>
-              </a:rPr>
-              <a:t> ((severity &amp; level) != 0)</a:t>
-            </a:r>
-            <a:r>
-              <a:rPr lang="en-US" dirty="0">
-                <a:solidFill>
-                  <a:srgbClr val="008000"/>
-                </a:solidFill>
-              </a:rPr>
-              <a:t>//True only if all </a:t>
-            </a:r>
-            <a:r>
-              <a:rPr lang="en-US" dirty="0" err="1">
-                <a:solidFill>
-                  <a:srgbClr val="008000"/>
-                </a:solidFill>
-              </a:rPr>
-              <a:t>logMask</a:t>
-            </a:r>
-            <a:r>
-              <a:rPr lang="en-US" dirty="0">
-                <a:solidFill>
-                  <a:srgbClr val="008000"/>
-                </a:solidFill>
-              </a:rPr>
-              <a:t> bits are set in severity</a:t>
-            </a:r>
-            <a:endParaRPr lang="en-US" dirty="0">
-              <a:solidFill>
-                <a:srgbClr val="000000"/>
-              </a:solidFill>
-            </a:endParaRPr>
-          </a:p>
-          <a:p>
-            <a:pPr marL="0" indent="0">
-              <a:lnSpc>
-                <a:spcPct val="120000"/>
-              </a:lnSpc>
-              <a:spcBef>
-                <a:spcPts val="0"/>
-              </a:spcBef>
-              <a:buNone/>
-            </a:pPr>
-            <a:r>
-              <a:rPr lang="en-US" dirty="0">
-                <a:solidFill>
-                  <a:srgbClr val="000000"/>
-                </a:solidFill>
-              </a:rPr>
-              <a:t>            {</a:t>
-            </a:r>
-          </a:p>
-          <a:p>
-            <a:pPr marL="0" indent="0">
-              <a:lnSpc>
-                <a:spcPct val="120000"/>
-              </a:lnSpc>
-              <a:spcBef>
-                <a:spcPts val="0"/>
-              </a:spcBef>
-              <a:buNone/>
-            </a:pPr>
-            <a:r>
-              <a:rPr lang="en-US" dirty="0">
-                <a:solidFill>
-                  <a:srgbClr val="000000"/>
-                </a:solidFill>
-              </a:rPr>
-              <a:t>                </a:t>
-            </a:r>
-            <a:r>
-              <a:rPr lang="en-US" dirty="0" err="1">
-                <a:solidFill>
-                  <a:srgbClr val="000000"/>
-                </a:solidFill>
-              </a:rPr>
-              <a:t>WriteMessage</a:t>
-            </a:r>
-            <a:r>
-              <a:rPr lang="en-US" dirty="0">
-                <a:solidFill>
-                  <a:srgbClr val="000000"/>
-                </a:solidFill>
-              </a:rPr>
-              <a:t>(</a:t>
-            </a:r>
-            <a:r>
-              <a:rPr lang="en-US" dirty="0" err="1">
-                <a:solidFill>
-                  <a:srgbClr val="000000"/>
-                </a:solidFill>
-              </a:rPr>
-              <a:t>msg</a:t>
-            </a:r>
-            <a:r>
-              <a:rPr lang="en-US" dirty="0">
-                <a:solidFill>
-                  <a:srgbClr val="000000"/>
-                </a:solidFill>
-              </a:rPr>
-              <a:t>);</a:t>
-            </a:r>
-          </a:p>
-          <a:p>
-            <a:pPr marL="0" indent="0">
-              <a:lnSpc>
-                <a:spcPct val="120000"/>
-              </a:lnSpc>
-              <a:spcBef>
-                <a:spcPts val="0"/>
-              </a:spcBef>
-              <a:buNone/>
-            </a:pPr>
-            <a:r>
-              <a:rPr lang="en-US" dirty="0">
-                <a:solidFill>
-                  <a:srgbClr val="000000"/>
-                </a:solidFill>
-              </a:rPr>
-              <a:t>            }</a:t>
-            </a:r>
-          </a:p>
-          <a:p>
-            <a:pPr marL="0" indent="0">
-              <a:lnSpc>
-                <a:spcPct val="120000"/>
-              </a:lnSpc>
-              <a:spcBef>
-                <a:spcPts val="0"/>
-              </a:spcBef>
-              <a:buNone/>
-            </a:pPr>
-            <a:r>
-              <a:rPr lang="en-US" dirty="0">
-                <a:solidFill>
-                  <a:srgbClr val="000000"/>
-                </a:solidFill>
-              </a:rPr>
-              <a:t>            </a:t>
-            </a:r>
-            <a:r>
-              <a:rPr lang="en-US" dirty="0">
-                <a:solidFill>
-                  <a:srgbClr val="0000FF"/>
-                </a:solidFill>
-              </a:rPr>
-              <a:t>if</a:t>
-            </a:r>
-            <a:r>
-              <a:rPr lang="en-US" dirty="0">
-                <a:solidFill>
-                  <a:srgbClr val="000000"/>
-                </a:solidFill>
-              </a:rPr>
-              <a:t> (next != </a:t>
-            </a:r>
-            <a:r>
-              <a:rPr lang="en-US" dirty="0">
-                <a:solidFill>
-                  <a:srgbClr val="0000FF"/>
-                </a:solidFill>
-              </a:rPr>
-              <a:t>null</a:t>
-            </a:r>
-            <a:r>
-              <a:rPr lang="en-US" dirty="0">
-                <a:solidFill>
-                  <a:srgbClr val="000000"/>
-                </a:solidFill>
-              </a:rPr>
-              <a:t>)</a:t>
-            </a:r>
-          </a:p>
-          <a:p>
-            <a:pPr marL="0" indent="0">
-              <a:lnSpc>
-                <a:spcPct val="120000"/>
-              </a:lnSpc>
-              <a:spcBef>
-                <a:spcPts val="0"/>
-              </a:spcBef>
-              <a:buNone/>
-            </a:pPr>
-            <a:r>
-              <a:rPr lang="en-US" dirty="0">
-                <a:solidFill>
-                  <a:srgbClr val="000000"/>
-                </a:solidFill>
-              </a:rPr>
-              <a:t>            {</a:t>
-            </a:r>
-          </a:p>
-          <a:p>
-            <a:pPr marL="0" indent="0">
-              <a:lnSpc>
-                <a:spcPct val="120000"/>
-              </a:lnSpc>
-              <a:spcBef>
-                <a:spcPts val="0"/>
-              </a:spcBef>
-              <a:buNone/>
-            </a:pPr>
-            <a:r>
-              <a:rPr lang="en-US" dirty="0">
-                <a:solidFill>
-                  <a:srgbClr val="000000"/>
-                </a:solidFill>
-              </a:rPr>
-              <a:t>                </a:t>
-            </a:r>
-            <a:r>
-              <a:rPr lang="en-US" dirty="0" err="1">
-                <a:solidFill>
-                  <a:srgbClr val="000000"/>
-                </a:solidFill>
-              </a:rPr>
-              <a:t>next.Message</a:t>
-            </a:r>
-            <a:r>
-              <a:rPr lang="en-US" dirty="0">
-                <a:solidFill>
-                  <a:srgbClr val="000000"/>
-                </a:solidFill>
-              </a:rPr>
-              <a:t>(</a:t>
-            </a:r>
-            <a:r>
-              <a:rPr lang="en-US" dirty="0" err="1">
-                <a:solidFill>
-                  <a:srgbClr val="000000"/>
-                </a:solidFill>
-              </a:rPr>
-              <a:t>msg</a:t>
-            </a:r>
-            <a:r>
-              <a:rPr lang="en-US" dirty="0">
-                <a:solidFill>
-                  <a:srgbClr val="000000"/>
-                </a:solidFill>
-              </a:rPr>
-              <a:t>, severity);</a:t>
-            </a:r>
-          </a:p>
-          <a:p>
-            <a:pPr marL="0" indent="0">
-              <a:lnSpc>
-                <a:spcPct val="120000"/>
-              </a:lnSpc>
-              <a:spcBef>
-                <a:spcPts val="0"/>
-              </a:spcBef>
-              <a:buNone/>
-            </a:pPr>
-            <a:r>
-              <a:rPr lang="en-US" dirty="0">
-                <a:solidFill>
-                  <a:srgbClr val="000000"/>
-                </a:solidFill>
-              </a:rPr>
-              <a:t>            }</a:t>
-            </a:r>
-          </a:p>
-          <a:p>
-            <a:pPr marL="0" indent="0">
-              <a:lnSpc>
-                <a:spcPct val="120000"/>
-              </a:lnSpc>
-              <a:spcBef>
-                <a:spcPts val="0"/>
-              </a:spcBef>
-              <a:buNone/>
-            </a:pPr>
-            <a:r>
-              <a:rPr lang="en-US" dirty="0">
-                <a:solidFill>
-                  <a:srgbClr val="000000"/>
-                </a:solidFill>
-              </a:rPr>
-              <a:t>        }</a:t>
-            </a:r>
-          </a:p>
-          <a:p>
-            <a:pPr marL="0" indent="0">
-              <a:lnSpc>
-                <a:spcPct val="120000"/>
-              </a:lnSpc>
-              <a:spcBef>
-                <a:spcPts val="0"/>
-              </a:spcBef>
-              <a:buNone/>
-            </a:pPr>
-            <a:endParaRPr lang="en-US" dirty="0">
-              <a:solidFill>
-                <a:srgbClr val="000000"/>
-              </a:solidFill>
-            </a:endParaRPr>
-          </a:p>
-          <a:p>
-            <a:pPr marL="0" indent="0">
-              <a:lnSpc>
-                <a:spcPct val="120000"/>
-              </a:lnSpc>
-              <a:spcBef>
-                <a:spcPts val="0"/>
-              </a:spcBef>
-              <a:buNone/>
-            </a:pPr>
-            <a:r>
-              <a:rPr lang="en-US" dirty="0">
-                <a:solidFill>
-                  <a:srgbClr val="000000"/>
-                </a:solidFill>
-              </a:rPr>
-              <a:t>        </a:t>
-            </a:r>
-            <a:r>
-              <a:rPr lang="en-US" dirty="0">
-                <a:solidFill>
-                  <a:srgbClr val="0000FF"/>
-                </a:solidFill>
-              </a:rPr>
-              <a:t>abstract</a:t>
-            </a:r>
-            <a:r>
-              <a:rPr lang="en-US" dirty="0">
-                <a:solidFill>
-                  <a:srgbClr val="000000"/>
-                </a:solidFill>
-              </a:rPr>
-              <a:t> </a:t>
-            </a:r>
-            <a:r>
-              <a:rPr lang="en-US" dirty="0">
-                <a:solidFill>
-                  <a:srgbClr val="0000FF"/>
-                </a:solidFill>
-              </a:rPr>
-              <a:t>protected</a:t>
-            </a:r>
-            <a:r>
-              <a:rPr lang="en-US" dirty="0">
-                <a:solidFill>
-                  <a:srgbClr val="000000"/>
-                </a:solidFill>
-              </a:rPr>
-              <a:t> </a:t>
-            </a:r>
-            <a:r>
-              <a:rPr lang="en-US" dirty="0">
-                <a:solidFill>
-                  <a:srgbClr val="0000FF"/>
-                </a:solidFill>
-              </a:rPr>
-              <a:t>void</a:t>
-            </a:r>
-            <a:r>
-              <a:rPr lang="en-US" dirty="0">
-                <a:solidFill>
-                  <a:srgbClr val="000000"/>
-                </a:solidFill>
-              </a:rPr>
-              <a:t> </a:t>
-            </a:r>
-            <a:r>
-              <a:rPr lang="en-US" dirty="0" err="1">
-                <a:solidFill>
-                  <a:srgbClr val="000000"/>
-                </a:solidFill>
-              </a:rPr>
-              <a:t>WriteMessage</a:t>
-            </a:r>
-            <a:r>
-              <a:rPr lang="en-US" dirty="0">
-                <a:solidFill>
-                  <a:srgbClr val="000000"/>
-                </a:solidFill>
-              </a:rPr>
-              <a:t>(</a:t>
-            </a:r>
-            <a:r>
-              <a:rPr lang="en-US" dirty="0">
-                <a:solidFill>
-                  <a:srgbClr val="0000FF"/>
-                </a:solidFill>
-              </a:rPr>
-              <a:t>string</a:t>
-            </a:r>
-            <a:r>
-              <a:rPr lang="en-US" dirty="0">
-                <a:solidFill>
-                  <a:srgbClr val="000000"/>
-                </a:solidFill>
-              </a:rPr>
-              <a:t> </a:t>
-            </a:r>
-            <a:r>
-              <a:rPr lang="en-US" dirty="0" err="1">
-                <a:solidFill>
-                  <a:srgbClr val="000000"/>
-                </a:solidFill>
-              </a:rPr>
-              <a:t>msg</a:t>
-            </a:r>
-            <a:r>
-              <a:rPr lang="en-US" dirty="0">
-                <a:solidFill>
-                  <a:srgbClr val="000000"/>
-                </a:solidFill>
-              </a:rPr>
-              <a:t>);</a:t>
-            </a:r>
-          </a:p>
-          <a:p>
-            <a:pPr marL="0" indent="0">
-              <a:lnSpc>
-                <a:spcPct val="120000"/>
-              </a:lnSpc>
-              <a:spcBef>
-                <a:spcPts val="0"/>
-              </a:spcBef>
-              <a:buNone/>
-            </a:pPr>
-            <a:r>
-              <a:rPr lang="en-US" dirty="0">
-                <a:solidFill>
-                  <a:srgbClr val="000000"/>
-                </a:solidFill>
-              </a:rPr>
-              <a:t>    }</a:t>
-            </a:r>
-            <a:endParaRPr lang="en-US" dirty="0"/>
-          </a:p>
-        </p:txBody>
-      </p:sp>
-    </p:spTree>
-    <p:extLst>
-      <p:ext uri="{BB962C8B-B14F-4D97-AF65-F5344CB8AC3E}">
-        <p14:creationId xmlns:p14="http://schemas.microsoft.com/office/powerpoint/2010/main" val="3456196865"/>
       </p:ext>
     </p:extLst>
   </p:cSld>

--- a/ChainOfResponsibility.pptx
+++ b/ChainOfResponsibility.pptx
@@ -6,22 +6,22 @@
   </p:sldMasterIdLst>
   <p:sldIdLst>
     <p:sldId id="256" r:id="rId2"/>
-    <p:sldId id="257" r:id="rId3"/>
-    <p:sldId id="258" r:id="rId4"/>
-    <p:sldId id="259" r:id="rId5"/>
-    <p:sldId id="261" r:id="rId6"/>
-    <p:sldId id="262" r:id="rId7"/>
-    <p:sldId id="265" r:id="rId8"/>
-    <p:sldId id="268" r:id="rId9"/>
-    <p:sldId id="260" r:id="rId10"/>
-    <p:sldId id="266" r:id="rId11"/>
-    <p:sldId id="264" r:id="rId12"/>
-    <p:sldId id="263" r:id="rId13"/>
-    <p:sldId id="267" r:id="rId14"/>
-    <p:sldId id="270" r:id="rId15"/>
-    <p:sldId id="271" r:id="rId16"/>
-    <p:sldId id="273" r:id="rId17"/>
-    <p:sldId id="272" r:id="rId18"/>
+    <p:sldId id="269" r:id="rId3"/>
+    <p:sldId id="271" r:id="rId4"/>
+    <p:sldId id="273" r:id="rId5"/>
+    <p:sldId id="272" r:id="rId6"/>
+    <p:sldId id="257" r:id="rId7"/>
+    <p:sldId id="258" r:id="rId8"/>
+    <p:sldId id="259" r:id="rId9"/>
+    <p:sldId id="261" r:id="rId10"/>
+    <p:sldId id="262" r:id="rId11"/>
+    <p:sldId id="265" r:id="rId12"/>
+    <p:sldId id="268" r:id="rId13"/>
+    <p:sldId id="260" r:id="rId14"/>
+    <p:sldId id="266" r:id="rId15"/>
+    <p:sldId id="264" r:id="rId16"/>
+    <p:sldId id="263" r:id="rId17"/>
+    <p:sldId id="267" r:id="rId18"/>
   </p:sldIdLst>
   <p:sldSz cx="12192000" cy="6858000"/>
   <p:notesSz cx="6858000" cy="9144000"/>
@@ -126,2517 +126,6 @@
     </p:ext>
   </p:extLst>
 </p:presentation>
-</file>
-
-<file path=ppt/diagrams/colors1.xml><?xml version="1.0" encoding="utf-8"?>
-<dgm:colorsDef xmlns:dgm="http://schemas.openxmlformats.org/drawingml/2006/diagram" xmlns:a="http://schemas.openxmlformats.org/drawingml/2006/main" uniqueId="urn:microsoft.com/office/officeart/2005/8/colors/accent1_2">
-  <dgm:title val=""/>
-  <dgm:desc val=""/>
-  <dgm:catLst>
-    <dgm:cat type="accent1" pri="11200"/>
-  </dgm:catLst>
-  <dgm:styleLbl name="node0">
-    <dgm:fillClrLst meth="repeat">
-      <a:schemeClr val="accent1"/>
-    </dgm:fillClrLst>
-    <dgm:linClrLst meth="repeat">
-      <a:schemeClr val="lt1"/>
-    </dgm:linClrLst>
-    <dgm:effectClrLst/>
-    <dgm:txLinClrLst/>
-    <dgm:txFillClrLst/>
-    <dgm:txEffectClrLst/>
-  </dgm:styleLbl>
-  <dgm:styleLbl name="alignNode1">
-    <dgm:fillClrLst meth="repeat">
-      <a:schemeClr val="accent1"/>
-    </dgm:fillClrLst>
-    <dgm:linClrLst meth="repeat">
-      <a:schemeClr val="accent1"/>
-    </dgm:linClrLst>
-    <dgm:effectClrLst/>
-    <dgm:txLinClrLst/>
-    <dgm:txFillClrLst/>
-    <dgm:txEffectClrLst/>
-  </dgm:styleLbl>
-  <dgm:styleLbl name="node1">
-    <dgm:fillClrLst meth="repeat">
-      <a:schemeClr val="accent1"/>
-    </dgm:fillClrLst>
-    <dgm:linClrLst meth="repeat">
-      <a:schemeClr val="lt1"/>
-    </dgm:linClrLst>
-    <dgm:effectClrLst/>
-    <dgm:txLinClrLst/>
-    <dgm:txFillClrLst/>
-    <dgm:txEffectClrLst/>
-  </dgm:styleLbl>
-  <dgm:styleLbl name="lnNode1">
-    <dgm:fillClrLst meth="repeat">
-      <a:schemeClr val="accent1"/>
-    </dgm:fillClrLst>
-    <dgm:linClrLst meth="repeat">
-      <a:schemeClr val="lt1"/>
-    </dgm:linClrLst>
-    <dgm:effectClrLst/>
-    <dgm:txLinClrLst/>
-    <dgm:txFillClrLst/>
-    <dgm:txEffectClrLst/>
-  </dgm:styleLbl>
-  <dgm:styleLbl name="vennNode1">
-    <dgm:fillClrLst meth="repeat">
-      <a:schemeClr val="accent1">
-        <a:alpha val="50000"/>
-      </a:schemeClr>
-    </dgm:fillClrLst>
-    <dgm:linClrLst meth="repeat">
-      <a:schemeClr val="lt1"/>
-    </dgm:linClrLst>
-    <dgm:effectClrLst/>
-    <dgm:txLinClrLst/>
-    <dgm:txFillClrLst/>
-    <dgm:txEffectClrLst/>
-  </dgm:styleLbl>
-  <dgm:styleLbl name="node2">
-    <dgm:fillClrLst meth="repeat">
-      <a:schemeClr val="accent1"/>
-    </dgm:fillClrLst>
-    <dgm:linClrLst meth="repeat">
-      <a:schemeClr val="lt1"/>
-    </dgm:linClrLst>
-    <dgm:effectClrLst/>
-    <dgm:txLinClrLst/>
-    <dgm:txFillClrLst/>
-    <dgm:txEffectClrLst/>
-  </dgm:styleLbl>
-  <dgm:styleLbl name="node3">
-    <dgm:fillClrLst meth="repeat">
-      <a:schemeClr val="accent1"/>
-    </dgm:fillClrLst>
-    <dgm:linClrLst meth="repeat">
-      <a:schemeClr val="lt1"/>
-    </dgm:linClrLst>
-    <dgm:effectClrLst/>
-    <dgm:txLinClrLst/>
-    <dgm:txFillClrLst/>
-    <dgm:txEffectClrLst/>
-  </dgm:styleLbl>
-  <dgm:styleLbl name="node4">
-    <dgm:fillClrLst meth="repeat">
-      <a:schemeClr val="accent1"/>
-    </dgm:fillClrLst>
-    <dgm:linClrLst meth="repeat">
-      <a:schemeClr val="lt1"/>
-    </dgm:linClrLst>
-    <dgm:effectClrLst/>
-    <dgm:txLinClrLst/>
-    <dgm:txFillClrLst/>
-    <dgm:txEffectClrLst/>
-  </dgm:styleLbl>
-  <dgm:styleLbl name="fgImgPlace1">
-    <dgm:fillClrLst meth="repeat">
-      <a:schemeClr val="accent1">
-        <a:tint val="50000"/>
-      </a:schemeClr>
-    </dgm:fillClrLst>
-    <dgm:linClrLst meth="repeat">
-      <a:schemeClr val="lt1"/>
-    </dgm:linClrLst>
-    <dgm:effectClrLst/>
-    <dgm:txLinClrLst/>
-    <dgm:txFillClrLst meth="repeat">
-      <a:schemeClr val="lt1"/>
-    </dgm:txFillClrLst>
-    <dgm:txEffectClrLst/>
-  </dgm:styleLbl>
-  <dgm:styleLbl name="alignImgPlace1">
-    <dgm:fillClrLst meth="repeat">
-      <a:schemeClr val="accent1">
-        <a:tint val="50000"/>
-      </a:schemeClr>
-    </dgm:fillClrLst>
-    <dgm:linClrLst meth="repeat">
-      <a:schemeClr val="lt1"/>
-    </dgm:linClrLst>
-    <dgm:effectClrLst/>
-    <dgm:txLinClrLst/>
-    <dgm:txFillClrLst meth="repeat">
-      <a:schemeClr val="lt1"/>
-    </dgm:txFillClrLst>
-    <dgm:txEffectClrLst/>
-  </dgm:styleLbl>
-  <dgm:styleLbl name="bgImgPlace1">
-    <dgm:fillClrLst meth="repeat">
-      <a:schemeClr val="accent1">
-        <a:tint val="50000"/>
-      </a:schemeClr>
-    </dgm:fillClrLst>
-    <dgm:linClrLst meth="repeat">
-      <a:schemeClr val="lt1"/>
-    </dgm:linClrLst>
-    <dgm:effectClrLst/>
-    <dgm:txLinClrLst/>
-    <dgm:txFillClrLst meth="repeat">
-      <a:schemeClr val="lt1"/>
-    </dgm:txFillClrLst>
-    <dgm:txEffectClrLst/>
-  </dgm:styleLbl>
-  <dgm:styleLbl name="sibTrans2D1">
-    <dgm:fillClrLst meth="repeat">
-      <a:schemeClr val="accent1">
-        <a:tint val="60000"/>
-      </a:schemeClr>
-    </dgm:fillClrLst>
-    <dgm:linClrLst meth="repeat">
-      <a:schemeClr val="accent1">
-        <a:tint val="60000"/>
-      </a:schemeClr>
-    </dgm:linClrLst>
-    <dgm:effectClrLst/>
-    <dgm:txLinClrLst/>
-    <dgm:txFillClrLst/>
-    <dgm:txEffectClrLst/>
-  </dgm:styleLbl>
-  <dgm:styleLbl name="fgSibTrans2D1">
-    <dgm:fillClrLst meth="repeat">
-      <a:schemeClr val="accent1">
-        <a:tint val="60000"/>
-      </a:schemeClr>
-    </dgm:fillClrLst>
-    <dgm:linClrLst meth="repeat">
-      <a:schemeClr val="accent1">
-        <a:tint val="60000"/>
-      </a:schemeClr>
-    </dgm:linClrLst>
-    <dgm:effectClrLst/>
-    <dgm:txLinClrLst/>
-    <dgm:txFillClrLst/>
-    <dgm:txEffectClrLst/>
-  </dgm:styleLbl>
-  <dgm:styleLbl name="bgSibTrans2D1">
-    <dgm:fillClrLst meth="repeat">
-      <a:schemeClr val="accent1">
-        <a:tint val="60000"/>
-      </a:schemeClr>
-    </dgm:fillClrLst>
-    <dgm:linClrLst meth="repeat">
-      <a:schemeClr val="accent1">
-        <a:tint val="60000"/>
-      </a:schemeClr>
-    </dgm:linClrLst>
-    <dgm:effectClrLst/>
-    <dgm:txLinClrLst/>
-    <dgm:txFillClrLst/>
-    <dgm:txEffectClrLst/>
-  </dgm:styleLbl>
-  <dgm:styleLbl name="sibTrans1D1">
-    <dgm:fillClrLst meth="repeat">
-      <a:schemeClr val="accent1"/>
-    </dgm:fillClrLst>
-    <dgm:linClrLst meth="repeat">
-      <a:schemeClr val="accent1"/>
-    </dgm:linClrLst>
-    <dgm:effectClrLst/>
-    <dgm:txLinClrLst/>
-    <dgm:txFillClrLst meth="repeat">
-      <a:schemeClr val="tx1"/>
-    </dgm:txFillClrLst>
-    <dgm:txEffectClrLst/>
-  </dgm:styleLbl>
-  <dgm:styleLbl name="callout">
-    <dgm:fillClrLst meth="repeat">
-      <a:schemeClr val="accent1"/>
-    </dgm:fillClrLst>
-    <dgm:linClrLst meth="repeat">
-      <a:schemeClr val="accent1">
-        <a:tint val="50000"/>
-      </a:schemeClr>
-    </dgm:linClrLst>
-    <dgm:effectClrLst/>
-    <dgm:txLinClrLst/>
-    <dgm:txFillClrLst meth="repeat">
-      <a:schemeClr val="tx1"/>
-    </dgm:txFillClrLst>
-    <dgm:txEffectClrLst/>
-  </dgm:styleLbl>
-  <dgm:styleLbl name="asst0">
-    <dgm:fillClrLst meth="repeat">
-      <a:schemeClr val="accent1"/>
-    </dgm:fillClrLst>
-    <dgm:linClrLst meth="repeat">
-      <a:schemeClr val="lt1"/>
-    </dgm:linClrLst>
-    <dgm:effectClrLst/>
-    <dgm:txLinClrLst/>
-    <dgm:txFillClrLst/>
-    <dgm:txEffectClrLst/>
-  </dgm:styleLbl>
-  <dgm:styleLbl name="asst1">
-    <dgm:fillClrLst meth="repeat">
-      <a:schemeClr val="accent1"/>
-    </dgm:fillClrLst>
-    <dgm:linClrLst meth="repeat">
-      <a:schemeClr val="lt1"/>
-    </dgm:linClrLst>
-    <dgm:effectClrLst/>
-    <dgm:txLinClrLst/>
-    <dgm:txFillClrLst/>
-    <dgm:txEffectClrLst/>
-  </dgm:styleLbl>
-  <dgm:styleLbl name="asst2">
-    <dgm:fillClrLst meth="repeat">
-      <a:schemeClr val="accent1"/>
-    </dgm:fillClrLst>
-    <dgm:linClrLst meth="repeat">
-      <a:schemeClr val="lt1"/>
-    </dgm:linClrLst>
-    <dgm:effectClrLst/>
-    <dgm:txLinClrLst/>
-    <dgm:txFillClrLst/>
-    <dgm:txEffectClrLst/>
-  </dgm:styleLbl>
-  <dgm:styleLbl name="asst3">
-    <dgm:fillClrLst meth="repeat">
-      <a:schemeClr val="accent1"/>
-    </dgm:fillClrLst>
-    <dgm:linClrLst meth="repeat">
-      <a:schemeClr val="lt1"/>
-    </dgm:linClrLst>
-    <dgm:effectClrLst/>
-    <dgm:txLinClrLst/>
-    <dgm:txFillClrLst/>
-    <dgm:txEffectClrLst/>
-  </dgm:styleLbl>
-  <dgm:styleLbl name="asst4">
-    <dgm:fillClrLst meth="repeat">
-      <a:schemeClr val="accent1"/>
-    </dgm:fillClrLst>
-    <dgm:linClrLst meth="repeat">
-      <a:schemeClr val="lt1"/>
-    </dgm:linClrLst>
-    <dgm:effectClrLst/>
-    <dgm:txLinClrLst/>
-    <dgm:txFillClrLst/>
-    <dgm:txEffectClrLst/>
-  </dgm:styleLbl>
-  <dgm:styleLbl name="parChTrans2D1">
-    <dgm:fillClrLst meth="repeat">
-      <a:schemeClr val="accent1">
-        <a:tint val="60000"/>
-      </a:schemeClr>
-    </dgm:fillClrLst>
-    <dgm:linClrLst meth="repeat">
-      <a:schemeClr val="accent1">
-        <a:tint val="60000"/>
-      </a:schemeClr>
-    </dgm:linClrLst>
-    <dgm:effectClrLst/>
-    <dgm:txLinClrLst/>
-    <dgm:txFillClrLst meth="repeat">
-      <a:schemeClr val="lt1"/>
-    </dgm:txFillClrLst>
-    <dgm:txEffectClrLst/>
-  </dgm:styleLbl>
-  <dgm:styleLbl name="parChTrans2D2">
-    <dgm:fillClrLst meth="repeat">
-      <a:schemeClr val="accent1"/>
-    </dgm:fillClrLst>
-    <dgm:linClrLst meth="repeat">
-      <a:schemeClr val="accent1"/>
-    </dgm:linClrLst>
-    <dgm:effectClrLst/>
-    <dgm:txLinClrLst/>
-    <dgm:txFillClrLst meth="repeat">
-      <a:schemeClr val="lt1"/>
-    </dgm:txFillClrLst>
-    <dgm:txEffectClrLst/>
-  </dgm:styleLbl>
-  <dgm:styleLbl name="parChTrans2D3">
-    <dgm:fillClrLst meth="repeat">
-      <a:schemeClr val="accent1"/>
-    </dgm:fillClrLst>
-    <dgm:linClrLst meth="repeat">
-      <a:schemeClr val="accent1"/>
-    </dgm:linClrLst>
-    <dgm:effectClrLst/>
-    <dgm:txLinClrLst/>
-    <dgm:txFillClrLst meth="repeat">
-      <a:schemeClr val="lt1"/>
-    </dgm:txFillClrLst>
-    <dgm:txEffectClrLst/>
-  </dgm:styleLbl>
-  <dgm:styleLbl name="parChTrans2D4">
-    <dgm:fillClrLst meth="repeat">
-      <a:schemeClr val="accent1"/>
-    </dgm:fillClrLst>
-    <dgm:linClrLst meth="repeat">
-      <a:schemeClr val="accent1"/>
-    </dgm:linClrLst>
-    <dgm:effectClrLst/>
-    <dgm:txLinClrLst/>
-    <dgm:txFillClrLst meth="repeat">
-      <a:schemeClr val="lt1"/>
-    </dgm:txFillClrLst>
-    <dgm:txEffectClrLst/>
-  </dgm:styleLbl>
-  <dgm:styleLbl name="parChTrans1D1">
-    <dgm:fillClrLst meth="repeat">
-      <a:schemeClr val="accent1"/>
-    </dgm:fillClrLst>
-    <dgm:linClrLst meth="repeat">
-      <a:schemeClr val="accent1">
-        <a:shade val="60000"/>
-      </a:schemeClr>
-    </dgm:linClrLst>
-    <dgm:effectClrLst/>
-    <dgm:txLinClrLst/>
-    <dgm:txFillClrLst meth="repeat">
-      <a:schemeClr val="tx1"/>
-    </dgm:txFillClrLst>
-    <dgm:txEffectClrLst/>
-  </dgm:styleLbl>
-  <dgm:styleLbl name="parChTrans1D2">
-    <dgm:fillClrLst meth="repeat">
-      <a:schemeClr val="accent1"/>
-    </dgm:fillClrLst>
-    <dgm:linClrLst meth="repeat">
-      <a:schemeClr val="accent1">
-        <a:shade val="60000"/>
-      </a:schemeClr>
-    </dgm:linClrLst>
-    <dgm:effectClrLst/>
-    <dgm:txLinClrLst/>
-    <dgm:txFillClrLst meth="repeat">
-      <a:schemeClr val="tx1"/>
-    </dgm:txFillClrLst>
-    <dgm:txEffectClrLst/>
-  </dgm:styleLbl>
-  <dgm:styleLbl name="parChTrans1D3">
-    <dgm:fillClrLst meth="repeat">
-      <a:schemeClr val="accent1"/>
-    </dgm:fillClrLst>
-    <dgm:linClrLst meth="repeat">
-      <a:schemeClr val="accent1">
-        <a:shade val="80000"/>
-      </a:schemeClr>
-    </dgm:linClrLst>
-    <dgm:effectClrLst/>
-    <dgm:txLinClrLst/>
-    <dgm:txFillClrLst meth="repeat">
-      <a:schemeClr val="tx1"/>
-    </dgm:txFillClrLst>
-    <dgm:txEffectClrLst/>
-  </dgm:styleLbl>
-  <dgm:styleLbl name="parChTrans1D4">
-    <dgm:fillClrLst meth="repeat">
-      <a:schemeClr val="accent1"/>
-    </dgm:fillClrLst>
-    <dgm:linClrLst meth="repeat">
-      <a:schemeClr val="accent1">
-        <a:shade val="80000"/>
-      </a:schemeClr>
-    </dgm:linClrLst>
-    <dgm:effectClrLst/>
-    <dgm:txLinClrLst/>
-    <dgm:txFillClrLst meth="repeat">
-      <a:schemeClr val="tx1"/>
-    </dgm:txFillClrLst>
-    <dgm:txEffectClrLst/>
-  </dgm:styleLbl>
-  <dgm:styleLbl name="fgAcc1">
-    <dgm:fillClrLst meth="repeat">
-      <a:schemeClr val="lt1">
-        <a:alpha val="90000"/>
-      </a:schemeClr>
-    </dgm:fillClrLst>
-    <dgm:linClrLst meth="repeat">
-      <a:schemeClr val="accent1"/>
-    </dgm:linClrLst>
-    <dgm:effectClrLst/>
-    <dgm:txLinClrLst/>
-    <dgm:txFillClrLst meth="repeat">
-      <a:schemeClr val="dk1"/>
-    </dgm:txFillClrLst>
-    <dgm:txEffectClrLst/>
-  </dgm:styleLbl>
-  <dgm:styleLbl name="conFgAcc1">
-    <dgm:fillClrLst meth="repeat">
-      <a:schemeClr val="lt1">
-        <a:alpha val="90000"/>
-      </a:schemeClr>
-    </dgm:fillClrLst>
-    <dgm:linClrLst meth="repeat">
-      <a:schemeClr val="accent1"/>
-    </dgm:linClrLst>
-    <dgm:effectClrLst/>
-    <dgm:txLinClrLst/>
-    <dgm:txFillClrLst meth="repeat">
-      <a:schemeClr val="dk1"/>
-    </dgm:txFillClrLst>
-    <dgm:txEffectClrLst/>
-  </dgm:styleLbl>
-  <dgm:styleLbl name="alignAcc1">
-    <dgm:fillClrLst meth="repeat">
-      <a:schemeClr val="lt1">
-        <a:alpha val="90000"/>
-      </a:schemeClr>
-    </dgm:fillClrLst>
-    <dgm:linClrLst meth="repeat">
-      <a:schemeClr val="accent1"/>
-    </dgm:linClrLst>
-    <dgm:effectClrLst/>
-    <dgm:txLinClrLst/>
-    <dgm:txFillClrLst meth="repeat">
-      <a:schemeClr val="dk1"/>
-    </dgm:txFillClrLst>
-    <dgm:txEffectClrLst/>
-  </dgm:styleLbl>
-  <dgm:styleLbl name="trAlignAcc1">
-    <dgm:fillClrLst meth="repeat">
-      <a:schemeClr val="lt1">
-        <a:alpha val="40000"/>
-      </a:schemeClr>
-    </dgm:fillClrLst>
-    <dgm:linClrLst meth="repeat">
-      <a:schemeClr val="accent1"/>
-    </dgm:linClrLst>
-    <dgm:effectClrLst/>
-    <dgm:txLinClrLst/>
-    <dgm:txFillClrLst meth="repeat">
-      <a:schemeClr val="dk1"/>
-    </dgm:txFillClrLst>
-    <dgm:txEffectClrLst/>
-  </dgm:styleLbl>
-  <dgm:styleLbl name="bgAcc1">
-    <dgm:fillClrLst meth="repeat">
-      <a:schemeClr val="lt1">
-        <a:alpha val="90000"/>
-      </a:schemeClr>
-    </dgm:fillClrLst>
-    <dgm:linClrLst meth="repeat">
-      <a:schemeClr val="accent1"/>
-    </dgm:linClrLst>
-    <dgm:effectClrLst/>
-    <dgm:txLinClrLst/>
-    <dgm:txFillClrLst meth="repeat">
-      <a:schemeClr val="dk1"/>
-    </dgm:txFillClrLst>
-    <dgm:txEffectClrLst/>
-  </dgm:styleLbl>
-  <dgm:styleLbl name="solidFgAcc1">
-    <dgm:fillClrLst meth="repeat">
-      <a:schemeClr val="lt1"/>
-    </dgm:fillClrLst>
-    <dgm:linClrLst meth="repeat">
-      <a:schemeClr val="accent1"/>
-    </dgm:linClrLst>
-    <dgm:effectClrLst/>
-    <dgm:txLinClrLst/>
-    <dgm:txFillClrLst meth="repeat">
-      <a:schemeClr val="dk1"/>
-    </dgm:txFillClrLst>
-    <dgm:txEffectClrLst/>
-  </dgm:styleLbl>
-  <dgm:styleLbl name="solidAlignAcc1">
-    <dgm:fillClrLst meth="repeat">
-      <a:schemeClr val="lt1"/>
-    </dgm:fillClrLst>
-    <dgm:linClrLst meth="repeat">
-      <a:schemeClr val="accent1"/>
-    </dgm:linClrLst>
-    <dgm:effectClrLst/>
-    <dgm:txLinClrLst/>
-    <dgm:txFillClrLst meth="repeat">
-      <a:schemeClr val="dk1"/>
-    </dgm:txFillClrLst>
-    <dgm:txEffectClrLst/>
-  </dgm:styleLbl>
-  <dgm:styleLbl name="solidBgAcc1">
-    <dgm:fillClrLst meth="repeat">
-      <a:schemeClr val="lt1"/>
-    </dgm:fillClrLst>
-    <dgm:linClrLst meth="repeat">
-      <a:schemeClr val="accent1"/>
-    </dgm:linClrLst>
-    <dgm:effectClrLst/>
-    <dgm:txLinClrLst/>
-    <dgm:txFillClrLst meth="repeat">
-      <a:schemeClr val="dk1"/>
-    </dgm:txFillClrLst>
-    <dgm:txEffectClrLst/>
-  </dgm:styleLbl>
-  <dgm:styleLbl name="fgAccFollowNode1">
-    <dgm:fillClrLst meth="repeat">
-      <a:schemeClr val="accent1">
-        <a:alpha val="90000"/>
-        <a:tint val="40000"/>
-      </a:schemeClr>
-    </dgm:fillClrLst>
-    <dgm:linClrLst meth="repeat">
-      <a:schemeClr val="accent1">
-        <a:alpha val="90000"/>
-        <a:tint val="40000"/>
-      </a:schemeClr>
-    </dgm:linClrLst>
-    <dgm:effectClrLst/>
-    <dgm:txLinClrLst/>
-    <dgm:txFillClrLst meth="repeat">
-      <a:schemeClr val="dk1"/>
-    </dgm:txFillClrLst>
-    <dgm:txEffectClrLst/>
-  </dgm:styleLbl>
-  <dgm:styleLbl name="alignAccFollowNode1">
-    <dgm:fillClrLst meth="repeat">
-      <a:schemeClr val="accent1">
-        <a:alpha val="90000"/>
-        <a:tint val="40000"/>
-      </a:schemeClr>
-    </dgm:fillClrLst>
-    <dgm:linClrLst meth="repeat">
-      <a:schemeClr val="accent1">
-        <a:alpha val="90000"/>
-        <a:tint val="40000"/>
-      </a:schemeClr>
-    </dgm:linClrLst>
-    <dgm:effectClrLst/>
-    <dgm:txLinClrLst/>
-    <dgm:txFillClrLst meth="repeat">
-      <a:schemeClr val="dk1"/>
-    </dgm:txFillClrLst>
-    <dgm:txEffectClrLst/>
-  </dgm:styleLbl>
-  <dgm:styleLbl name="bgAccFollowNode1">
-    <dgm:fillClrLst meth="repeat">
-      <a:schemeClr val="accent1">
-        <a:alpha val="90000"/>
-        <a:tint val="40000"/>
-      </a:schemeClr>
-    </dgm:fillClrLst>
-    <dgm:linClrLst meth="repeat">
-      <a:schemeClr val="accent1">
-        <a:alpha val="90000"/>
-        <a:tint val="40000"/>
-      </a:schemeClr>
-    </dgm:linClrLst>
-    <dgm:effectClrLst/>
-    <dgm:txLinClrLst/>
-    <dgm:txFillClrLst meth="repeat">
-      <a:schemeClr val="dk1"/>
-    </dgm:txFillClrLst>
-    <dgm:txEffectClrLst/>
-  </dgm:styleLbl>
-  <dgm:styleLbl name="fgAcc0">
-    <dgm:fillClrLst meth="repeat">
-      <a:schemeClr val="lt1">
-        <a:alpha val="90000"/>
-      </a:schemeClr>
-    </dgm:fillClrLst>
-    <dgm:linClrLst meth="repeat">
-      <a:schemeClr val="accent1"/>
-    </dgm:linClrLst>
-    <dgm:effectClrLst/>
-    <dgm:txLinClrLst/>
-    <dgm:txFillClrLst meth="repeat">
-      <a:schemeClr val="dk1"/>
-    </dgm:txFillClrLst>
-    <dgm:txEffectClrLst/>
-  </dgm:styleLbl>
-  <dgm:styleLbl name="fgAcc2">
-    <dgm:fillClrLst meth="repeat">
-      <a:schemeClr val="lt1">
-        <a:alpha val="90000"/>
-      </a:schemeClr>
-    </dgm:fillClrLst>
-    <dgm:linClrLst meth="repeat">
-      <a:schemeClr val="accent1"/>
-    </dgm:linClrLst>
-    <dgm:effectClrLst/>
-    <dgm:txLinClrLst/>
-    <dgm:txFillClrLst meth="repeat">
-      <a:schemeClr val="dk1"/>
-    </dgm:txFillClrLst>
-    <dgm:txEffectClrLst/>
-  </dgm:styleLbl>
-  <dgm:styleLbl name="fgAcc3">
-    <dgm:fillClrLst meth="repeat">
-      <a:schemeClr val="lt1">
-        <a:alpha val="90000"/>
-      </a:schemeClr>
-    </dgm:fillClrLst>
-    <dgm:linClrLst meth="repeat">
-      <a:schemeClr val="accent1"/>
-    </dgm:linClrLst>
-    <dgm:effectClrLst/>
-    <dgm:txLinClrLst/>
-    <dgm:txFillClrLst meth="repeat">
-      <a:schemeClr val="dk1"/>
-    </dgm:txFillClrLst>
-    <dgm:txEffectClrLst/>
-  </dgm:styleLbl>
-  <dgm:styleLbl name="fgAcc4">
-    <dgm:fillClrLst meth="repeat">
-      <a:schemeClr val="lt1">
-        <a:alpha val="90000"/>
-      </a:schemeClr>
-    </dgm:fillClrLst>
-    <dgm:linClrLst meth="repeat">
-      <a:schemeClr val="accent1"/>
-    </dgm:linClrLst>
-    <dgm:effectClrLst/>
-    <dgm:txLinClrLst/>
-    <dgm:txFillClrLst meth="repeat">
-      <a:schemeClr val="dk1"/>
-    </dgm:txFillClrLst>
-    <dgm:txEffectClrLst/>
-  </dgm:styleLbl>
-  <dgm:styleLbl name="bgShp">
-    <dgm:fillClrLst meth="repeat">
-      <a:schemeClr val="accent1">
-        <a:tint val="40000"/>
-      </a:schemeClr>
-    </dgm:fillClrLst>
-    <dgm:linClrLst meth="repeat">
-      <a:schemeClr val="accent1"/>
-    </dgm:linClrLst>
-    <dgm:effectClrLst/>
-    <dgm:txLinClrLst/>
-    <dgm:txFillClrLst meth="repeat">
-      <a:schemeClr val="dk1"/>
-    </dgm:txFillClrLst>
-    <dgm:txEffectClrLst/>
-  </dgm:styleLbl>
-  <dgm:styleLbl name="dkBgShp">
-    <dgm:fillClrLst meth="repeat">
-      <a:schemeClr val="accent1">
-        <a:shade val="80000"/>
-      </a:schemeClr>
-    </dgm:fillClrLst>
-    <dgm:linClrLst meth="repeat">
-      <a:schemeClr val="accent1"/>
-    </dgm:linClrLst>
-    <dgm:effectClrLst/>
-    <dgm:txLinClrLst/>
-    <dgm:txFillClrLst meth="repeat">
-      <a:schemeClr val="lt1"/>
-    </dgm:txFillClrLst>
-    <dgm:txEffectClrLst/>
-  </dgm:styleLbl>
-  <dgm:styleLbl name="trBgShp">
-    <dgm:fillClrLst meth="repeat">
-      <a:schemeClr val="accent1">
-        <a:tint val="50000"/>
-        <a:alpha val="40000"/>
-      </a:schemeClr>
-    </dgm:fillClrLst>
-    <dgm:linClrLst meth="repeat">
-      <a:schemeClr val="accent1"/>
-    </dgm:linClrLst>
-    <dgm:effectClrLst/>
-    <dgm:txLinClrLst/>
-    <dgm:txFillClrLst meth="repeat">
-      <a:schemeClr val="lt1"/>
-    </dgm:txFillClrLst>
-    <dgm:txEffectClrLst/>
-  </dgm:styleLbl>
-  <dgm:styleLbl name="fgShp">
-    <dgm:fillClrLst meth="repeat">
-      <a:schemeClr val="accent1">
-        <a:tint val="60000"/>
-      </a:schemeClr>
-    </dgm:fillClrLst>
-    <dgm:linClrLst meth="repeat">
-      <a:schemeClr val="lt1"/>
-    </dgm:linClrLst>
-    <dgm:effectClrLst/>
-    <dgm:txLinClrLst/>
-    <dgm:txFillClrLst meth="repeat">
-      <a:schemeClr val="dk1"/>
-    </dgm:txFillClrLst>
-    <dgm:txEffectClrLst/>
-  </dgm:styleLbl>
-  <dgm:styleLbl name="revTx">
-    <dgm:fillClrLst meth="repeat">
-      <a:schemeClr val="lt1">
-        <a:alpha val="0"/>
-      </a:schemeClr>
-    </dgm:fillClrLst>
-    <dgm:linClrLst meth="repeat">
-      <a:schemeClr val="dk1">
-        <a:alpha val="0"/>
-      </a:schemeClr>
-    </dgm:linClrLst>
-    <dgm:effectClrLst/>
-    <dgm:txLinClrLst/>
-    <dgm:txFillClrLst meth="repeat">
-      <a:schemeClr val="tx1"/>
-    </dgm:txFillClrLst>
-    <dgm:txEffectClrLst/>
-  </dgm:styleLbl>
-</dgm:colorsDef>
-</file>
-
-<file path=ppt/diagrams/data1.xml><?xml version="1.0" encoding="utf-8"?>
-<dgm:dataModel xmlns:dgm="http://schemas.openxmlformats.org/drawingml/2006/diagram" xmlns:a="http://schemas.openxmlformats.org/drawingml/2006/main">
-  <dgm:ptLst>
-    <dgm:pt modelId="{49BF6D21-24C1-45A0-A583-0E7E71556982}" type="doc">
-      <dgm:prSet loTypeId="urn:microsoft.com/office/officeart/2005/8/layout/process1" loCatId="process" qsTypeId="urn:microsoft.com/office/officeart/2005/8/quickstyle/simple1" qsCatId="simple" csTypeId="urn:microsoft.com/office/officeart/2005/8/colors/accent1_2" csCatId="accent1" phldr="1"/>
-      <dgm:spPr/>
-    </dgm:pt>
-    <dgm:pt modelId="{D7C6F5BB-3F85-4CE8-B40B-A6DD08768324}">
-      <dgm:prSet phldrT="[Text]"/>
-      <dgm:spPr/>
-      <dgm:t>
-        <a:bodyPr/>
-        <a:lstStyle/>
-        <a:p>
-          <a:r>
-            <a:rPr lang="en-US" dirty="0"/>
-            <a:t>User executes and action</a:t>
-          </a:r>
-        </a:p>
-      </dgm:t>
-    </dgm:pt>
-    <dgm:pt modelId="{E9CE4495-3A8D-47E6-AAFD-F50F22B16A17}" type="parTrans" cxnId="{B7D10F89-8255-4602-9349-D0BE35A00D4B}">
-      <dgm:prSet/>
-      <dgm:spPr/>
-      <dgm:t>
-        <a:bodyPr/>
-        <a:lstStyle/>
-        <a:p>
-          <a:endParaRPr lang="en-US"/>
-        </a:p>
-      </dgm:t>
-    </dgm:pt>
-    <dgm:pt modelId="{37966BD3-0A57-42D1-963A-FE58AF325C11}" type="sibTrans" cxnId="{B7D10F89-8255-4602-9349-D0BE35A00D4B}">
-      <dgm:prSet/>
-      <dgm:spPr/>
-      <dgm:t>
-        <a:bodyPr/>
-        <a:lstStyle/>
-        <a:p>
-          <a:endParaRPr lang="en-US"/>
-        </a:p>
-      </dgm:t>
-    </dgm:pt>
-    <dgm:pt modelId="{EF421BF2-20B2-42C3-B943-CECFD2F0EBC1}">
-      <dgm:prSet phldrT="[Text]"/>
-      <dgm:spPr/>
-      <dgm:t>
-        <a:bodyPr/>
-        <a:lstStyle/>
-        <a:p>
-          <a:r>
-            <a:rPr lang="en-US" dirty="0"/>
-            <a:t>The request is logged</a:t>
-          </a:r>
-        </a:p>
-      </dgm:t>
-    </dgm:pt>
-    <dgm:pt modelId="{762A3A99-2C10-4288-94D3-362179935993}" type="parTrans" cxnId="{890DD2E8-7277-4D78-A152-0B0BEBD9C2EA}">
-      <dgm:prSet/>
-      <dgm:spPr/>
-      <dgm:t>
-        <a:bodyPr/>
-        <a:lstStyle/>
-        <a:p>
-          <a:endParaRPr lang="en-US"/>
-        </a:p>
-      </dgm:t>
-    </dgm:pt>
-    <dgm:pt modelId="{7057B7DB-FC49-4071-8D28-184ECDC1A916}" type="sibTrans" cxnId="{890DD2E8-7277-4D78-A152-0B0BEBD9C2EA}">
-      <dgm:prSet/>
-      <dgm:spPr/>
-      <dgm:t>
-        <a:bodyPr/>
-        <a:lstStyle/>
-        <a:p>
-          <a:endParaRPr lang="en-US" dirty="0"/>
-        </a:p>
-      </dgm:t>
-    </dgm:pt>
-    <dgm:pt modelId="{A403E2A4-6D42-4617-97AF-EB41CC8F7BCA}">
-      <dgm:prSet phldrT="[Text]"/>
-      <dgm:spPr/>
-      <dgm:t>
-        <a:bodyPr/>
-        <a:lstStyle/>
-        <a:p>
-          <a:r>
-            <a:rPr lang="en-US" dirty="0"/>
-            <a:t>The request  is processed and a response is returned</a:t>
-          </a:r>
-        </a:p>
-      </dgm:t>
-    </dgm:pt>
-    <dgm:pt modelId="{D1170601-1E14-4663-95F1-82CE0B4803CD}" type="parTrans" cxnId="{50081282-910A-4592-977E-A0E3D7B17DD9}">
-      <dgm:prSet/>
-      <dgm:spPr/>
-      <dgm:t>
-        <a:bodyPr/>
-        <a:lstStyle/>
-        <a:p>
-          <a:endParaRPr lang="en-US"/>
-        </a:p>
-      </dgm:t>
-    </dgm:pt>
-    <dgm:pt modelId="{C6299D3A-B2AB-414C-AF84-D2BA49A51871}" type="sibTrans" cxnId="{50081282-910A-4592-977E-A0E3D7B17DD9}">
-      <dgm:prSet/>
-      <dgm:spPr/>
-      <dgm:t>
-        <a:bodyPr/>
-        <a:lstStyle/>
-        <a:p>
-          <a:endParaRPr lang="en-US"/>
-        </a:p>
-      </dgm:t>
-    </dgm:pt>
-    <dgm:pt modelId="{A001C363-48AA-4726-9EFD-DB22520153E7}" type="pres">
-      <dgm:prSet presAssocID="{49BF6D21-24C1-45A0-A583-0E7E71556982}" presName="Name0" presStyleCnt="0">
-        <dgm:presLayoutVars>
-          <dgm:dir/>
-          <dgm:resizeHandles val="exact"/>
-        </dgm:presLayoutVars>
-      </dgm:prSet>
-      <dgm:spPr/>
-    </dgm:pt>
-    <dgm:pt modelId="{1490214B-222C-406B-BB1E-6B08E8D7B6E8}" type="pres">
-      <dgm:prSet presAssocID="{D7C6F5BB-3F85-4CE8-B40B-A6DD08768324}" presName="node" presStyleLbl="node1" presStyleIdx="0" presStyleCnt="3">
-        <dgm:presLayoutVars>
-          <dgm:bulletEnabled val="1"/>
-        </dgm:presLayoutVars>
-      </dgm:prSet>
-      <dgm:spPr/>
-    </dgm:pt>
-    <dgm:pt modelId="{9A788759-84B1-4296-942C-E9210CFC7D77}" type="pres">
-      <dgm:prSet presAssocID="{37966BD3-0A57-42D1-963A-FE58AF325C11}" presName="sibTrans" presStyleLbl="sibTrans2D1" presStyleIdx="0" presStyleCnt="2"/>
-      <dgm:spPr/>
-    </dgm:pt>
-    <dgm:pt modelId="{7718F221-12E3-46C5-8158-8FFD3A8EFC09}" type="pres">
-      <dgm:prSet presAssocID="{37966BD3-0A57-42D1-963A-FE58AF325C11}" presName="connectorText" presStyleLbl="sibTrans2D1" presStyleIdx="0" presStyleCnt="2"/>
-      <dgm:spPr/>
-    </dgm:pt>
-    <dgm:pt modelId="{BC6E28B1-C965-4DE5-9A1F-6A038BBBF7F0}" type="pres">
-      <dgm:prSet presAssocID="{EF421BF2-20B2-42C3-B943-CECFD2F0EBC1}" presName="node" presStyleLbl="node1" presStyleIdx="1" presStyleCnt="3">
-        <dgm:presLayoutVars>
-          <dgm:bulletEnabled val="1"/>
-        </dgm:presLayoutVars>
-      </dgm:prSet>
-      <dgm:spPr/>
-    </dgm:pt>
-    <dgm:pt modelId="{947FED49-90D0-40BA-9778-096B2C994F07}" type="pres">
-      <dgm:prSet presAssocID="{7057B7DB-FC49-4071-8D28-184ECDC1A916}" presName="sibTrans" presStyleLbl="sibTrans2D1" presStyleIdx="1" presStyleCnt="2"/>
-      <dgm:spPr/>
-    </dgm:pt>
-    <dgm:pt modelId="{FA5A737D-A781-4356-8580-070E697EAF90}" type="pres">
-      <dgm:prSet presAssocID="{7057B7DB-FC49-4071-8D28-184ECDC1A916}" presName="connectorText" presStyleLbl="sibTrans2D1" presStyleIdx="1" presStyleCnt="2"/>
-      <dgm:spPr/>
-    </dgm:pt>
-    <dgm:pt modelId="{8E53A4D5-0D3E-4172-84DE-A52D4D41EB35}" type="pres">
-      <dgm:prSet presAssocID="{A403E2A4-6D42-4617-97AF-EB41CC8F7BCA}" presName="node" presStyleLbl="node1" presStyleIdx="2" presStyleCnt="3">
-        <dgm:presLayoutVars>
-          <dgm:bulletEnabled val="1"/>
-        </dgm:presLayoutVars>
-      </dgm:prSet>
-      <dgm:spPr/>
-    </dgm:pt>
-  </dgm:ptLst>
-  <dgm:cxnLst>
-    <dgm:cxn modelId="{E3618612-C670-46E2-A3C2-95396CB52200}" type="presOf" srcId="{7057B7DB-FC49-4071-8D28-184ECDC1A916}" destId="{947FED49-90D0-40BA-9778-096B2C994F07}" srcOrd="0" destOrd="0" presId="urn:microsoft.com/office/officeart/2005/8/layout/process1"/>
-    <dgm:cxn modelId="{E63B7D24-BC9F-4162-BA59-5EF585AFADA6}" type="presOf" srcId="{7057B7DB-FC49-4071-8D28-184ECDC1A916}" destId="{FA5A737D-A781-4356-8580-070E697EAF90}" srcOrd="1" destOrd="0" presId="urn:microsoft.com/office/officeart/2005/8/layout/process1"/>
-    <dgm:cxn modelId="{BFDD6727-BA29-4B66-BAE4-D36889D2887D}" type="presOf" srcId="{A403E2A4-6D42-4617-97AF-EB41CC8F7BCA}" destId="{8E53A4D5-0D3E-4172-84DE-A52D4D41EB35}" srcOrd="0" destOrd="0" presId="urn:microsoft.com/office/officeart/2005/8/layout/process1"/>
-    <dgm:cxn modelId="{50081282-910A-4592-977E-A0E3D7B17DD9}" srcId="{49BF6D21-24C1-45A0-A583-0E7E71556982}" destId="{A403E2A4-6D42-4617-97AF-EB41CC8F7BCA}" srcOrd="2" destOrd="0" parTransId="{D1170601-1E14-4663-95F1-82CE0B4803CD}" sibTransId="{C6299D3A-B2AB-414C-AF84-D2BA49A51871}"/>
-    <dgm:cxn modelId="{B7D10F89-8255-4602-9349-D0BE35A00D4B}" srcId="{49BF6D21-24C1-45A0-A583-0E7E71556982}" destId="{D7C6F5BB-3F85-4CE8-B40B-A6DD08768324}" srcOrd="0" destOrd="0" parTransId="{E9CE4495-3A8D-47E6-AAFD-F50F22B16A17}" sibTransId="{37966BD3-0A57-42D1-963A-FE58AF325C11}"/>
-    <dgm:cxn modelId="{D110DCA2-3525-4FB4-9821-B44AC7EA9102}" type="presOf" srcId="{49BF6D21-24C1-45A0-A583-0E7E71556982}" destId="{A001C363-48AA-4726-9EFD-DB22520153E7}" srcOrd="0" destOrd="0" presId="urn:microsoft.com/office/officeart/2005/8/layout/process1"/>
-    <dgm:cxn modelId="{8DB322B6-73FE-48B7-8092-6897D66507B1}" type="presOf" srcId="{37966BD3-0A57-42D1-963A-FE58AF325C11}" destId="{7718F221-12E3-46C5-8158-8FFD3A8EFC09}" srcOrd="1" destOrd="0" presId="urn:microsoft.com/office/officeart/2005/8/layout/process1"/>
-    <dgm:cxn modelId="{7B143FDE-1F73-4B2D-A1C2-FCC14F303BB9}" type="presOf" srcId="{37966BD3-0A57-42D1-963A-FE58AF325C11}" destId="{9A788759-84B1-4296-942C-E9210CFC7D77}" srcOrd="0" destOrd="0" presId="urn:microsoft.com/office/officeart/2005/8/layout/process1"/>
-    <dgm:cxn modelId="{890DD2E8-7277-4D78-A152-0B0BEBD9C2EA}" srcId="{49BF6D21-24C1-45A0-A583-0E7E71556982}" destId="{EF421BF2-20B2-42C3-B943-CECFD2F0EBC1}" srcOrd="1" destOrd="0" parTransId="{762A3A99-2C10-4288-94D3-362179935993}" sibTransId="{7057B7DB-FC49-4071-8D28-184ECDC1A916}"/>
-    <dgm:cxn modelId="{57780FF7-D993-4959-93A9-3F61DAD47E5C}" type="presOf" srcId="{EF421BF2-20B2-42C3-B943-CECFD2F0EBC1}" destId="{BC6E28B1-C965-4DE5-9A1F-6A038BBBF7F0}" srcOrd="0" destOrd="0" presId="urn:microsoft.com/office/officeart/2005/8/layout/process1"/>
-    <dgm:cxn modelId="{97DCBBFC-ADBF-458C-AAE8-95D8A3DB1D85}" type="presOf" srcId="{D7C6F5BB-3F85-4CE8-B40B-A6DD08768324}" destId="{1490214B-222C-406B-BB1E-6B08E8D7B6E8}" srcOrd="0" destOrd="0" presId="urn:microsoft.com/office/officeart/2005/8/layout/process1"/>
-    <dgm:cxn modelId="{2C261988-061D-4EE4-A56B-91FA93765E64}" type="presParOf" srcId="{A001C363-48AA-4726-9EFD-DB22520153E7}" destId="{1490214B-222C-406B-BB1E-6B08E8D7B6E8}" srcOrd="0" destOrd="0" presId="urn:microsoft.com/office/officeart/2005/8/layout/process1"/>
-    <dgm:cxn modelId="{D2D08AB4-8726-47AA-B3F6-C04118BFABDC}" type="presParOf" srcId="{A001C363-48AA-4726-9EFD-DB22520153E7}" destId="{9A788759-84B1-4296-942C-E9210CFC7D77}" srcOrd="1" destOrd="0" presId="urn:microsoft.com/office/officeart/2005/8/layout/process1"/>
-    <dgm:cxn modelId="{CADA2EB5-003B-42B9-AC8D-180B8340EADA}" type="presParOf" srcId="{9A788759-84B1-4296-942C-E9210CFC7D77}" destId="{7718F221-12E3-46C5-8158-8FFD3A8EFC09}" srcOrd="0" destOrd="0" presId="urn:microsoft.com/office/officeart/2005/8/layout/process1"/>
-    <dgm:cxn modelId="{55AA304D-1FF3-4C85-90BD-BD3EC78462C1}" type="presParOf" srcId="{A001C363-48AA-4726-9EFD-DB22520153E7}" destId="{BC6E28B1-C965-4DE5-9A1F-6A038BBBF7F0}" srcOrd="2" destOrd="0" presId="urn:microsoft.com/office/officeart/2005/8/layout/process1"/>
-    <dgm:cxn modelId="{B66BD381-72AB-488A-BEE0-C1F672156845}" type="presParOf" srcId="{A001C363-48AA-4726-9EFD-DB22520153E7}" destId="{947FED49-90D0-40BA-9778-096B2C994F07}" srcOrd="3" destOrd="0" presId="urn:microsoft.com/office/officeart/2005/8/layout/process1"/>
-    <dgm:cxn modelId="{BB707DA9-768A-40D7-9893-4D9760AA12CF}" type="presParOf" srcId="{947FED49-90D0-40BA-9778-096B2C994F07}" destId="{FA5A737D-A781-4356-8580-070E697EAF90}" srcOrd="0" destOrd="0" presId="urn:microsoft.com/office/officeart/2005/8/layout/process1"/>
-    <dgm:cxn modelId="{C2F538F9-5814-43B0-A56B-3F23E3A8B281}" type="presParOf" srcId="{A001C363-48AA-4726-9EFD-DB22520153E7}" destId="{8E53A4D5-0D3E-4172-84DE-A52D4D41EB35}" srcOrd="4" destOrd="0" presId="urn:microsoft.com/office/officeart/2005/8/layout/process1"/>
-  </dgm:cxnLst>
-  <dgm:bg/>
-  <dgm:whole/>
-  <dgm:extLst>
-    <a:ext uri="http://schemas.microsoft.com/office/drawing/2008/diagram">
-      <dsp:dataModelExt xmlns:dsp="http://schemas.microsoft.com/office/drawing/2008/diagram" relId="rId6" minVer="http://schemas.openxmlformats.org/drawingml/2006/diagram"/>
-    </a:ext>
-  </dgm:extLst>
-</dgm:dataModel>
-</file>
-
-<file path=ppt/diagrams/drawing1.xml><?xml version="1.0" encoding="utf-8"?>
-<dsp:drawing xmlns:dgm="http://schemas.openxmlformats.org/drawingml/2006/diagram" xmlns:dsp="http://schemas.microsoft.com/office/drawing/2008/diagram" xmlns:a="http://schemas.openxmlformats.org/drawingml/2006/main">
-  <dsp:spTree>
-    <dsp:nvGrpSpPr>
-      <dsp:cNvPr id="0" name=""/>
-      <dsp:cNvGrpSpPr/>
-    </dsp:nvGrpSpPr>
-    <dsp:grpSpPr/>
-    <dsp:sp modelId="{1490214B-222C-406B-BB1E-6B08E8D7B6E8}">
-      <dsp:nvSpPr>
-        <dsp:cNvPr id="0" name=""/>
-        <dsp:cNvSpPr/>
-      </dsp:nvSpPr>
-      <dsp:spPr>
-        <a:xfrm>
-          <a:off x="6429" y="163477"/>
-          <a:ext cx="1921668" cy="1261095"/>
-        </a:xfrm>
-        <a:prstGeom prst="roundRect">
-          <a:avLst>
-            <a:gd name="adj" fmla="val 10000"/>
-          </a:avLst>
-        </a:prstGeom>
-        <a:solidFill>
-          <a:schemeClr val="accent1">
-            <a:hueOff val="0"/>
-            <a:satOff val="0"/>
-            <a:lumOff val="0"/>
-            <a:alphaOff val="0"/>
-          </a:schemeClr>
-        </a:solidFill>
-        <a:ln w="10795" cap="flat" cmpd="sng" algn="ctr">
-          <a:solidFill>
-            <a:schemeClr val="lt1">
-              <a:hueOff val="0"/>
-              <a:satOff val="0"/>
-              <a:lumOff val="0"/>
-              <a:alphaOff val="0"/>
-            </a:schemeClr>
-          </a:solidFill>
-          <a:prstDash val="solid"/>
-        </a:ln>
-        <a:effectLst/>
-      </dsp:spPr>
-      <dsp:style>
-        <a:lnRef idx="2">
-          <a:scrgbClr r="0" g="0" b="0"/>
-        </a:lnRef>
-        <a:fillRef idx="1">
-          <a:scrgbClr r="0" g="0" b="0"/>
-        </a:fillRef>
-        <a:effectRef idx="0">
-          <a:scrgbClr r="0" g="0" b="0"/>
-        </a:effectRef>
-        <a:fontRef idx="minor">
-          <a:schemeClr val="lt1"/>
-        </a:fontRef>
-      </dsp:style>
-      <dsp:txBody>
-        <a:bodyPr spcFirstLastPara="0" vert="horz" wrap="square" lIns="68580" tIns="68580" rIns="68580" bIns="68580" numCol="1" spcCol="1270" anchor="ctr" anchorCtr="0">
-          <a:noAutofit/>
-        </a:bodyPr>
-        <a:lstStyle/>
-        <a:p>
-          <a:pPr marL="0" lvl="0" indent="0" algn="ctr" defTabSz="800100">
-            <a:lnSpc>
-              <a:spcPct val="90000"/>
-            </a:lnSpc>
-            <a:spcBef>
-              <a:spcPct val="0"/>
-            </a:spcBef>
-            <a:spcAft>
-              <a:spcPct val="35000"/>
-            </a:spcAft>
-            <a:buNone/>
-          </a:pPr>
-          <a:r>
-            <a:rPr lang="en-US" sz="1800" kern="1200" dirty="0"/>
-            <a:t>User executes and action</a:t>
-          </a:r>
-        </a:p>
-      </dsp:txBody>
-      <dsp:txXfrm>
-        <a:off x="43365" y="200413"/>
-        <a:ext cx="1847796" cy="1187223"/>
-      </dsp:txXfrm>
-    </dsp:sp>
-    <dsp:sp modelId="{9A788759-84B1-4296-942C-E9210CFC7D77}">
-      <dsp:nvSpPr>
-        <dsp:cNvPr id="0" name=""/>
-        <dsp:cNvSpPr/>
-      </dsp:nvSpPr>
-      <dsp:spPr>
-        <a:xfrm>
-          <a:off x="2120264" y="555738"/>
-          <a:ext cx="407393" cy="476573"/>
-        </a:xfrm>
-        <a:prstGeom prst="rightArrow">
-          <a:avLst>
-            <a:gd name="adj1" fmla="val 60000"/>
-            <a:gd name="adj2" fmla="val 50000"/>
-          </a:avLst>
-        </a:prstGeom>
-        <a:solidFill>
-          <a:schemeClr val="accent1">
-            <a:tint val="60000"/>
-            <a:hueOff val="0"/>
-            <a:satOff val="0"/>
-            <a:lumOff val="0"/>
-            <a:alphaOff val="0"/>
-          </a:schemeClr>
-        </a:solidFill>
-        <a:ln>
-          <a:noFill/>
-        </a:ln>
-        <a:effectLst/>
-      </dsp:spPr>
-      <dsp:style>
-        <a:lnRef idx="0">
-          <a:scrgbClr r="0" g="0" b="0"/>
-        </a:lnRef>
-        <a:fillRef idx="1">
-          <a:scrgbClr r="0" g="0" b="0"/>
-        </a:fillRef>
-        <a:effectRef idx="0">
-          <a:scrgbClr r="0" g="0" b="0"/>
-        </a:effectRef>
-        <a:fontRef idx="minor">
-          <a:schemeClr val="lt1"/>
-        </a:fontRef>
-      </dsp:style>
-      <dsp:txBody>
-        <a:bodyPr spcFirstLastPara="0" vert="horz" wrap="square" lIns="0" tIns="0" rIns="0" bIns="0" numCol="1" spcCol="1270" anchor="ctr" anchorCtr="0">
-          <a:noAutofit/>
-        </a:bodyPr>
-        <a:lstStyle/>
-        <a:p>
-          <a:pPr marL="0" lvl="0" indent="0" algn="ctr" defTabSz="622300">
-            <a:lnSpc>
-              <a:spcPct val="90000"/>
-            </a:lnSpc>
-            <a:spcBef>
-              <a:spcPct val="0"/>
-            </a:spcBef>
-            <a:spcAft>
-              <a:spcPct val="35000"/>
-            </a:spcAft>
-            <a:buNone/>
-          </a:pPr>
-          <a:endParaRPr lang="en-US" sz="1400" kern="1200"/>
-        </a:p>
-      </dsp:txBody>
-      <dsp:txXfrm>
-        <a:off x="2120264" y="651053"/>
-        <a:ext cx="285175" cy="285943"/>
-      </dsp:txXfrm>
-    </dsp:sp>
-    <dsp:sp modelId="{BC6E28B1-C965-4DE5-9A1F-6A038BBBF7F0}">
-      <dsp:nvSpPr>
-        <dsp:cNvPr id="0" name=""/>
-        <dsp:cNvSpPr/>
-      </dsp:nvSpPr>
-      <dsp:spPr>
-        <a:xfrm>
-          <a:off x="2696765" y="163477"/>
-          <a:ext cx="1921668" cy="1261095"/>
-        </a:xfrm>
-        <a:prstGeom prst="roundRect">
-          <a:avLst>
-            <a:gd name="adj" fmla="val 10000"/>
-          </a:avLst>
-        </a:prstGeom>
-        <a:solidFill>
-          <a:schemeClr val="accent1">
-            <a:hueOff val="0"/>
-            <a:satOff val="0"/>
-            <a:lumOff val="0"/>
-            <a:alphaOff val="0"/>
-          </a:schemeClr>
-        </a:solidFill>
-        <a:ln w="10795" cap="flat" cmpd="sng" algn="ctr">
-          <a:solidFill>
-            <a:schemeClr val="lt1">
-              <a:hueOff val="0"/>
-              <a:satOff val="0"/>
-              <a:lumOff val="0"/>
-              <a:alphaOff val="0"/>
-            </a:schemeClr>
-          </a:solidFill>
-          <a:prstDash val="solid"/>
-        </a:ln>
-        <a:effectLst/>
-      </dsp:spPr>
-      <dsp:style>
-        <a:lnRef idx="2">
-          <a:scrgbClr r="0" g="0" b="0"/>
-        </a:lnRef>
-        <a:fillRef idx="1">
-          <a:scrgbClr r="0" g="0" b="0"/>
-        </a:fillRef>
-        <a:effectRef idx="0">
-          <a:scrgbClr r="0" g="0" b="0"/>
-        </a:effectRef>
-        <a:fontRef idx="minor">
-          <a:schemeClr val="lt1"/>
-        </a:fontRef>
-      </dsp:style>
-      <dsp:txBody>
-        <a:bodyPr spcFirstLastPara="0" vert="horz" wrap="square" lIns="68580" tIns="68580" rIns="68580" bIns="68580" numCol="1" spcCol="1270" anchor="ctr" anchorCtr="0">
-          <a:noAutofit/>
-        </a:bodyPr>
-        <a:lstStyle/>
-        <a:p>
-          <a:pPr marL="0" lvl="0" indent="0" algn="ctr" defTabSz="800100">
-            <a:lnSpc>
-              <a:spcPct val="90000"/>
-            </a:lnSpc>
-            <a:spcBef>
-              <a:spcPct val="0"/>
-            </a:spcBef>
-            <a:spcAft>
-              <a:spcPct val="35000"/>
-            </a:spcAft>
-            <a:buNone/>
-          </a:pPr>
-          <a:r>
-            <a:rPr lang="en-US" sz="1800" kern="1200" dirty="0"/>
-            <a:t>The request is logged</a:t>
-          </a:r>
-        </a:p>
-      </dsp:txBody>
-      <dsp:txXfrm>
-        <a:off x="2733701" y="200413"/>
-        <a:ext cx="1847796" cy="1187223"/>
-      </dsp:txXfrm>
-    </dsp:sp>
-    <dsp:sp modelId="{947FED49-90D0-40BA-9778-096B2C994F07}">
-      <dsp:nvSpPr>
-        <dsp:cNvPr id="0" name=""/>
-        <dsp:cNvSpPr/>
-      </dsp:nvSpPr>
-      <dsp:spPr>
-        <a:xfrm>
-          <a:off x="4810601" y="555738"/>
-          <a:ext cx="407393" cy="476573"/>
-        </a:xfrm>
-        <a:prstGeom prst="rightArrow">
-          <a:avLst>
-            <a:gd name="adj1" fmla="val 60000"/>
-            <a:gd name="adj2" fmla="val 50000"/>
-          </a:avLst>
-        </a:prstGeom>
-        <a:solidFill>
-          <a:schemeClr val="accent1">
-            <a:tint val="60000"/>
-            <a:hueOff val="0"/>
-            <a:satOff val="0"/>
-            <a:lumOff val="0"/>
-            <a:alphaOff val="0"/>
-          </a:schemeClr>
-        </a:solidFill>
-        <a:ln>
-          <a:noFill/>
-        </a:ln>
-        <a:effectLst/>
-      </dsp:spPr>
-      <dsp:style>
-        <a:lnRef idx="0">
-          <a:scrgbClr r="0" g="0" b="0"/>
-        </a:lnRef>
-        <a:fillRef idx="1">
-          <a:scrgbClr r="0" g="0" b="0"/>
-        </a:fillRef>
-        <a:effectRef idx="0">
-          <a:scrgbClr r="0" g="0" b="0"/>
-        </a:effectRef>
-        <a:fontRef idx="minor">
-          <a:schemeClr val="lt1"/>
-        </a:fontRef>
-      </dsp:style>
-      <dsp:txBody>
-        <a:bodyPr spcFirstLastPara="0" vert="horz" wrap="square" lIns="0" tIns="0" rIns="0" bIns="0" numCol="1" spcCol="1270" anchor="ctr" anchorCtr="0">
-          <a:noAutofit/>
-        </a:bodyPr>
-        <a:lstStyle/>
-        <a:p>
-          <a:pPr marL="0" lvl="0" indent="0" algn="ctr" defTabSz="622300">
-            <a:lnSpc>
-              <a:spcPct val="90000"/>
-            </a:lnSpc>
-            <a:spcBef>
-              <a:spcPct val="0"/>
-            </a:spcBef>
-            <a:spcAft>
-              <a:spcPct val="35000"/>
-            </a:spcAft>
-            <a:buNone/>
-          </a:pPr>
-          <a:endParaRPr lang="en-US" sz="1400" kern="1200" dirty="0"/>
-        </a:p>
-      </dsp:txBody>
-      <dsp:txXfrm>
-        <a:off x="4810601" y="651053"/>
-        <a:ext cx="285175" cy="285943"/>
-      </dsp:txXfrm>
-    </dsp:sp>
-    <dsp:sp modelId="{8E53A4D5-0D3E-4172-84DE-A52D4D41EB35}">
-      <dsp:nvSpPr>
-        <dsp:cNvPr id="0" name=""/>
-        <dsp:cNvSpPr/>
-      </dsp:nvSpPr>
-      <dsp:spPr>
-        <a:xfrm>
-          <a:off x="5387101" y="163477"/>
-          <a:ext cx="1921668" cy="1261095"/>
-        </a:xfrm>
-        <a:prstGeom prst="roundRect">
-          <a:avLst>
-            <a:gd name="adj" fmla="val 10000"/>
-          </a:avLst>
-        </a:prstGeom>
-        <a:solidFill>
-          <a:schemeClr val="accent1">
-            <a:hueOff val="0"/>
-            <a:satOff val="0"/>
-            <a:lumOff val="0"/>
-            <a:alphaOff val="0"/>
-          </a:schemeClr>
-        </a:solidFill>
-        <a:ln w="10795" cap="flat" cmpd="sng" algn="ctr">
-          <a:solidFill>
-            <a:schemeClr val="lt1">
-              <a:hueOff val="0"/>
-              <a:satOff val="0"/>
-              <a:lumOff val="0"/>
-              <a:alphaOff val="0"/>
-            </a:schemeClr>
-          </a:solidFill>
-          <a:prstDash val="solid"/>
-        </a:ln>
-        <a:effectLst/>
-      </dsp:spPr>
-      <dsp:style>
-        <a:lnRef idx="2">
-          <a:scrgbClr r="0" g="0" b="0"/>
-        </a:lnRef>
-        <a:fillRef idx="1">
-          <a:scrgbClr r="0" g="0" b="0"/>
-        </a:fillRef>
-        <a:effectRef idx="0">
-          <a:scrgbClr r="0" g="0" b="0"/>
-        </a:effectRef>
-        <a:fontRef idx="minor">
-          <a:schemeClr val="lt1"/>
-        </a:fontRef>
-      </dsp:style>
-      <dsp:txBody>
-        <a:bodyPr spcFirstLastPara="0" vert="horz" wrap="square" lIns="68580" tIns="68580" rIns="68580" bIns="68580" numCol="1" spcCol="1270" anchor="ctr" anchorCtr="0">
-          <a:noAutofit/>
-        </a:bodyPr>
-        <a:lstStyle/>
-        <a:p>
-          <a:pPr marL="0" lvl="0" indent="0" algn="ctr" defTabSz="800100">
-            <a:lnSpc>
-              <a:spcPct val="90000"/>
-            </a:lnSpc>
-            <a:spcBef>
-              <a:spcPct val="0"/>
-            </a:spcBef>
-            <a:spcAft>
-              <a:spcPct val="35000"/>
-            </a:spcAft>
-            <a:buNone/>
-          </a:pPr>
-          <a:r>
-            <a:rPr lang="en-US" sz="1800" kern="1200" dirty="0"/>
-            <a:t>The request  is processed and a response is returned</a:t>
-          </a:r>
-        </a:p>
-      </dsp:txBody>
-      <dsp:txXfrm>
-        <a:off x="5424037" y="200413"/>
-        <a:ext cx="1847796" cy="1187223"/>
-      </dsp:txXfrm>
-    </dsp:sp>
-  </dsp:spTree>
-</dsp:drawing>
-</file>
-
-<file path=ppt/diagrams/layout1.xml><?xml version="1.0" encoding="utf-8"?>
-<dgm:layoutDef xmlns:dgm="http://schemas.openxmlformats.org/drawingml/2006/diagram" xmlns:a="http://schemas.openxmlformats.org/drawingml/2006/main" uniqueId="urn:microsoft.com/office/officeart/2005/8/layout/process1">
-  <dgm:title val=""/>
-  <dgm:desc val=""/>
-  <dgm:catLst>
-    <dgm:cat type="process" pri="1000"/>
-    <dgm:cat type="convert" pri="15000"/>
-  </dgm:catLst>
-  <dgm:sampData useDef="1">
-    <dgm:dataModel>
-      <dgm:ptLst/>
-      <dgm:bg/>
-      <dgm:whole/>
-    </dgm:dataModel>
-  </dgm:sampData>
-  <dgm:styleData>
-    <dgm:dataModel>
-      <dgm:ptLst>
-        <dgm:pt modelId="0" type="doc"/>
-        <dgm:pt modelId="1"/>
-        <dgm:pt modelId="2"/>
-      </dgm:ptLst>
-      <dgm:cxnLst>
-        <dgm:cxn modelId="3" srcId="0" destId="1" srcOrd="0" destOrd="0"/>
-        <dgm:cxn modelId="4" srcId="0" destId="2" srcOrd="1" destOrd="0"/>
-      </dgm:cxnLst>
-      <dgm:bg/>
-      <dgm:whole/>
-    </dgm:dataModel>
-  </dgm:styleData>
-  <dgm:clrData>
-    <dgm:dataModel>
-      <dgm:ptLst>
-        <dgm:pt modelId="0" type="doc"/>
-        <dgm:pt modelId="1"/>
-        <dgm:pt modelId="2"/>
-        <dgm:pt modelId="3"/>
-        <dgm:pt modelId="4"/>
-      </dgm:ptLst>
-      <dgm:cxnLst>
-        <dgm:cxn modelId="5" srcId="0" destId="1" srcOrd="0" destOrd="0"/>
-        <dgm:cxn modelId="6" srcId="0" destId="2" srcOrd="1" destOrd="0"/>
-        <dgm:cxn modelId="7" srcId="0" destId="3" srcOrd="2" destOrd="0"/>
-        <dgm:cxn modelId="8" srcId="0" destId="4" srcOrd="3" destOrd="0"/>
-      </dgm:cxnLst>
-      <dgm:bg/>
-      <dgm:whole/>
-    </dgm:dataModel>
-  </dgm:clrData>
-  <dgm:layoutNode name="Name0">
-    <dgm:varLst>
-      <dgm:dir/>
-      <dgm:resizeHandles val="exact"/>
-    </dgm:varLst>
-    <dgm:choose name="Name1">
-      <dgm:if name="Name2" func="var" arg="dir" op="equ" val="norm">
-        <dgm:alg type="lin"/>
-      </dgm:if>
-      <dgm:else name="Name3">
-        <dgm:alg type="lin">
-          <dgm:param type="linDir" val="fromR"/>
-        </dgm:alg>
-      </dgm:else>
-    </dgm:choose>
-    <dgm:shape xmlns:r="http://schemas.openxmlformats.org/officeDocument/2006/relationships" r:blip="">
-      <dgm:adjLst/>
-    </dgm:shape>
-    <dgm:presOf/>
-    <dgm:constrLst>
-      <dgm:constr type="w" for="ch" ptType="node" refType="w"/>
-      <dgm:constr type="h" for="ch" ptType="node" op="equ"/>
-      <dgm:constr type="primFontSz" for="ch" ptType="node" op="equ" val="65"/>
-      <dgm:constr type="w" for="ch" ptType="sibTrans" refType="w" refFor="ch" refPtType="node" op="equ" fact="0.4"/>
-      <dgm:constr type="h" for="ch" ptType="sibTrans" op="equ"/>
-      <dgm:constr type="primFontSz" for="des" forName="connectorText" op="equ" val="55"/>
-      <dgm:constr type="primFontSz" for="des" forName="connectorText" refType="primFontSz" refFor="ch" refPtType="node" op="lte" fact="0.8"/>
-    </dgm:constrLst>
-    <dgm:ruleLst/>
-    <dgm:forEach name="nodesForEach" axis="ch" ptType="node">
-      <dgm:layoutNode name="node">
-        <dgm:varLst>
-          <dgm:bulletEnabled val="1"/>
-        </dgm:varLst>
-        <dgm:alg type="tx"/>
-        <dgm:shape xmlns:r="http://schemas.openxmlformats.org/officeDocument/2006/relationships" type="roundRect" r:blip="">
-          <dgm:adjLst>
-            <dgm:adj idx="1" val="0.1"/>
-          </dgm:adjLst>
-        </dgm:shape>
-        <dgm:presOf axis="desOrSelf" ptType="node"/>
-        <dgm:constrLst>
-          <dgm:constr type="h" refType="w" fact="0.6"/>
-          <dgm:constr type="tMarg" refType="primFontSz" fact="0.3"/>
-          <dgm:constr type="bMarg" refType="primFontSz" fact="0.3"/>
-          <dgm:constr type="lMarg" refType="primFontSz" fact="0.3"/>
-          <dgm:constr type="rMarg" refType="primFontSz" fact="0.3"/>
-        </dgm:constrLst>
-        <dgm:ruleLst>
-          <dgm:rule type="primFontSz" val="18" fact="NaN" max="NaN"/>
-          <dgm:rule type="h" val="NaN" fact="1.5" max="NaN"/>
-          <dgm:rule type="primFontSz" val="5" fact="NaN" max="NaN"/>
-          <dgm:rule type="h" val="INF" fact="NaN" max="NaN"/>
-        </dgm:ruleLst>
-      </dgm:layoutNode>
-      <dgm:forEach name="sibTransForEach" axis="followSib" ptType="sibTrans" cnt="1">
-        <dgm:layoutNode name="sibTrans">
-          <dgm:alg type="conn">
-            <dgm:param type="begPts" val="auto"/>
-            <dgm:param type="endPts" val="auto"/>
-          </dgm:alg>
-          <dgm:shape xmlns:r="http://schemas.openxmlformats.org/officeDocument/2006/relationships" type="conn" r:blip="">
-            <dgm:adjLst/>
-          </dgm:shape>
-          <dgm:presOf axis="self"/>
-          <dgm:constrLst>
-            <dgm:constr type="h" refType="w" fact="0.62"/>
-            <dgm:constr type="connDist"/>
-            <dgm:constr type="begPad" refType="connDist" fact="0.25"/>
-            <dgm:constr type="endPad" refType="connDist" fact="0.22"/>
-          </dgm:constrLst>
-          <dgm:ruleLst/>
-          <dgm:layoutNode name="connectorText">
-            <dgm:alg type="tx">
-              <dgm:param type="autoTxRot" val="grav"/>
-            </dgm:alg>
-            <dgm:shape xmlns:r="http://schemas.openxmlformats.org/officeDocument/2006/relationships" type="conn" r:blip="" hideGeom="1">
-              <dgm:adjLst/>
-            </dgm:shape>
-            <dgm:presOf axis="self"/>
-            <dgm:constrLst>
-              <dgm:constr type="lMarg"/>
-              <dgm:constr type="rMarg"/>
-              <dgm:constr type="tMarg"/>
-              <dgm:constr type="bMarg"/>
-            </dgm:constrLst>
-            <dgm:ruleLst>
-              <dgm:rule type="primFontSz" val="5" fact="NaN" max="NaN"/>
-            </dgm:ruleLst>
-          </dgm:layoutNode>
-        </dgm:layoutNode>
-      </dgm:forEach>
-    </dgm:forEach>
-  </dgm:layoutNode>
-</dgm:layoutDef>
-</file>
-
-<file path=ppt/diagrams/quickStyle1.xml><?xml version="1.0" encoding="utf-8"?>
-<dgm:styleDef xmlns:dgm="http://schemas.openxmlformats.org/drawingml/2006/diagram" xmlns:a="http://schemas.openxmlformats.org/drawingml/2006/main" uniqueId="urn:microsoft.com/office/officeart/2005/8/quickstyle/simple1">
-  <dgm:title val=""/>
-  <dgm:desc val=""/>
-  <dgm:catLst>
-    <dgm:cat type="simple" pri="10100"/>
-  </dgm:catLst>
-  <dgm:scene3d>
-    <a:camera prst="orthographicFront"/>
-    <a:lightRig rig="threePt" dir="t"/>
-  </dgm:scene3d>
-  <dgm:styleLbl name="node0">
-    <dgm:scene3d>
-      <a:camera prst="orthographicFront"/>
-      <a:lightRig rig="threePt" dir="t"/>
-    </dgm:scene3d>
-    <dgm:sp3d/>
-    <dgm:txPr/>
-    <dgm:style>
-      <a:lnRef idx="2">
-        <a:scrgbClr r="0" g="0" b="0"/>
-      </a:lnRef>
-      <a:fillRef idx="1">
-        <a:scrgbClr r="0" g="0" b="0"/>
-      </a:fillRef>
-      <a:effectRef idx="0">
-        <a:scrgbClr r="0" g="0" b="0"/>
-      </a:effectRef>
-      <a:fontRef idx="minor">
-        <a:schemeClr val="lt1"/>
-      </a:fontRef>
-    </dgm:style>
-  </dgm:styleLbl>
-  <dgm:styleLbl name="lnNode1">
-    <dgm:scene3d>
-      <a:camera prst="orthographicFront"/>
-      <a:lightRig rig="threePt" dir="t"/>
-    </dgm:scene3d>
-    <dgm:sp3d/>
-    <dgm:txPr/>
-    <dgm:style>
-      <a:lnRef idx="2">
-        <a:scrgbClr r="0" g="0" b="0"/>
-      </a:lnRef>
-      <a:fillRef idx="1">
-        <a:scrgbClr r="0" g="0" b="0"/>
-      </a:fillRef>
-      <a:effectRef idx="0">
-        <a:scrgbClr r="0" g="0" b="0"/>
-      </a:effectRef>
-      <a:fontRef idx="minor">
-        <a:schemeClr val="lt1"/>
-      </a:fontRef>
-    </dgm:style>
-  </dgm:styleLbl>
-  <dgm:styleLbl name="vennNode1">
-    <dgm:scene3d>
-      <a:camera prst="orthographicFront"/>
-      <a:lightRig rig="threePt" dir="t"/>
-    </dgm:scene3d>
-    <dgm:sp3d/>
-    <dgm:txPr/>
-    <dgm:style>
-      <a:lnRef idx="2">
-        <a:scrgbClr r="0" g="0" b="0"/>
-      </a:lnRef>
-      <a:fillRef idx="1">
-        <a:scrgbClr r="0" g="0" b="0"/>
-      </a:fillRef>
-      <a:effectRef idx="0">
-        <a:scrgbClr r="0" g="0" b="0"/>
-      </a:effectRef>
-      <a:fontRef idx="minor">
-        <a:schemeClr val="tx1"/>
-      </a:fontRef>
-    </dgm:style>
-  </dgm:styleLbl>
-  <dgm:styleLbl name="alignNode1">
-    <dgm:scene3d>
-      <a:camera prst="orthographicFront"/>
-      <a:lightRig rig="threePt" dir="t"/>
-    </dgm:scene3d>
-    <dgm:sp3d/>
-    <dgm:txPr/>
-    <dgm:style>
-      <a:lnRef idx="2">
-        <a:scrgbClr r="0" g="0" b="0"/>
-      </a:lnRef>
-      <a:fillRef idx="1">
-        <a:scrgbClr r="0" g="0" b="0"/>
-      </a:fillRef>
-      <a:effectRef idx="0">
-        <a:scrgbClr r="0" g="0" b="0"/>
-      </a:effectRef>
-      <a:fontRef idx="minor">
-        <a:schemeClr val="lt1"/>
-      </a:fontRef>
-    </dgm:style>
-  </dgm:styleLbl>
-  <dgm:styleLbl name="node1">
-    <dgm:scene3d>
-      <a:camera prst="orthographicFront"/>
-      <a:lightRig rig="threePt" dir="t"/>
-    </dgm:scene3d>
-    <dgm:sp3d/>
-    <dgm:txPr/>
-    <dgm:style>
-      <a:lnRef idx="2">
-        <a:scrgbClr r="0" g="0" b="0"/>
-      </a:lnRef>
-      <a:fillRef idx="1">
-        <a:scrgbClr r="0" g="0" b="0"/>
-      </a:fillRef>
-      <a:effectRef idx="0">
-        <a:scrgbClr r="0" g="0" b="0"/>
-      </a:effectRef>
-      <a:fontRef idx="minor">
-        <a:schemeClr val="lt1"/>
-      </a:fontRef>
-    </dgm:style>
-  </dgm:styleLbl>
-  <dgm:styleLbl name="node2">
-    <dgm:scene3d>
-      <a:camera prst="orthographicFront"/>
-      <a:lightRig rig="threePt" dir="t"/>
-    </dgm:scene3d>
-    <dgm:sp3d/>
-    <dgm:txPr/>
-    <dgm:style>
-      <a:lnRef idx="2">
-        <a:scrgbClr r="0" g="0" b="0"/>
-      </a:lnRef>
-      <a:fillRef idx="1">
-        <a:scrgbClr r="0" g="0" b="0"/>
-      </a:fillRef>
-      <a:effectRef idx="0">
-        <a:scrgbClr r="0" g="0" b="0"/>
-      </a:effectRef>
-      <a:fontRef idx="minor">
-        <a:schemeClr val="lt1"/>
-      </a:fontRef>
-    </dgm:style>
-  </dgm:styleLbl>
-  <dgm:styleLbl name="node3">
-    <dgm:scene3d>
-      <a:camera prst="orthographicFront"/>
-      <a:lightRig rig="threePt" dir="t"/>
-    </dgm:scene3d>
-    <dgm:sp3d/>
-    <dgm:txPr/>
-    <dgm:style>
-      <a:lnRef idx="2">
-        <a:scrgbClr r="0" g="0" b="0"/>
-      </a:lnRef>
-      <a:fillRef idx="1">
-        <a:scrgbClr r="0" g="0" b="0"/>
-      </a:fillRef>
-      <a:effectRef idx="0">
-        <a:scrgbClr r="0" g="0" b="0"/>
-      </a:effectRef>
-      <a:fontRef idx="minor">
-        <a:schemeClr val="lt1"/>
-      </a:fontRef>
-    </dgm:style>
-  </dgm:styleLbl>
-  <dgm:styleLbl name="node4">
-    <dgm:scene3d>
-      <a:camera prst="orthographicFront"/>
-      <a:lightRig rig="threePt" dir="t"/>
-    </dgm:scene3d>
-    <dgm:sp3d/>
-    <dgm:txPr/>
-    <dgm:style>
-      <a:lnRef idx="2">
-        <a:scrgbClr r="0" g="0" b="0"/>
-      </a:lnRef>
-      <a:fillRef idx="1">
-        <a:scrgbClr r="0" g="0" b="0"/>
-      </a:fillRef>
-      <a:effectRef idx="0">
-        <a:scrgbClr r="0" g="0" b="0"/>
-      </a:effectRef>
-      <a:fontRef idx="minor">
-        <a:schemeClr val="lt1"/>
-      </a:fontRef>
-    </dgm:style>
-  </dgm:styleLbl>
-  <dgm:styleLbl name="fgImgPlace1">
-    <dgm:scene3d>
-      <a:camera prst="orthographicFront"/>
-      <a:lightRig rig="threePt" dir="t"/>
-    </dgm:scene3d>
-    <dgm:sp3d/>
-    <dgm:txPr/>
-    <dgm:style>
-      <a:lnRef idx="2">
-        <a:scrgbClr r="0" g="0" b="0"/>
-      </a:lnRef>
-      <a:fillRef idx="1">
-        <a:scrgbClr r="0" g="0" b="0"/>
-      </a:fillRef>
-      <a:effectRef idx="0">
-        <a:scrgbClr r="0" g="0" b="0"/>
-      </a:effectRef>
-      <a:fontRef idx="minor"/>
-    </dgm:style>
-  </dgm:styleLbl>
-  <dgm:styleLbl name="alignImgPlace1">
-    <dgm:scene3d>
-      <a:camera prst="orthographicFront"/>
-      <a:lightRig rig="threePt" dir="t"/>
-    </dgm:scene3d>
-    <dgm:sp3d/>
-    <dgm:txPr/>
-    <dgm:style>
-      <a:lnRef idx="2">
-        <a:scrgbClr r="0" g="0" b="0"/>
-      </a:lnRef>
-      <a:fillRef idx="1">
-        <a:scrgbClr r="0" g="0" b="0"/>
-      </a:fillRef>
-      <a:effectRef idx="0">
-        <a:scrgbClr r="0" g="0" b="0"/>
-      </a:effectRef>
-      <a:fontRef idx="minor"/>
-    </dgm:style>
-  </dgm:styleLbl>
-  <dgm:styleLbl name="bgImgPlace1">
-    <dgm:scene3d>
-      <a:camera prst="orthographicFront"/>
-      <a:lightRig rig="threePt" dir="t"/>
-    </dgm:scene3d>
-    <dgm:sp3d/>
-    <dgm:txPr/>
-    <dgm:style>
-      <a:lnRef idx="2">
-        <a:scrgbClr r="0" g="0" b="0"/>
-      </a:lnRef>
-      <a:fillRef idx="1">
-        <a:scrgbClr r="0" g="0" b="0"/>
-      </a:fillRef>
-      <a:effectRef idx="0">
-        <a:scrgbClr r="0" g="0" b="0"/>
-      </a:effectRef>
-      <a:fontRef idx="minor"/>
-    </dgm:style>
-  </dgm:styleLbl>
-  <dgm:styleLbl name="sibTrans2D1">
-    <dgm:scene3d>
-      <a:camera prst="orthographicFront"/>
-      <a:lightRig rig="threePt" dir="t"/>
-    </dgm:scene3d>
-    <dgm:sp3d/>
-    <dgm:txPr/>
-    <dgm:style>
-      <a:lnRef idx="0">
-        <a:scrgbClr r="0" g="0" b="0"/>
-      </a:lnRef>
-      <a:fillRef idx="1">
-        <a:scrgbClr r="0" g="0" b="0"/>
-      </a:fillRef>
-      <a:effectRef idx="0">
-        <a:scrgbClr r="0" g="0" b="0"/>
-      </a:effectRef>
-      <a:fontRef idx="minor">
-        <a:schemeClr val="lt1"/>
-      </a:fontRef>
-    </dgm:style>
-  </dgm:styleLbl>
-  <dgm:styleLbl name="fgSibTrans2D1">
-    <dgm:scene3d>
-      <a:camera prst="orthographicFront"/>
-      <a:lightRig rig="threePt" dir="t"/>
-    </dgm:scene3d>
-    <dgm:sp3d/>
-    <dgm:txPr/>
-    <dgm:style>
-      <a:lnRef idx="0">
-        <a:scrgbClr r="0" g="0" b="0"/>
-      </a:lnRef>
-      <a:fillRef idx="1">
-        <a:scrgbClr r="0" g="0" b="0"/>
-      </a:fillRef>
-      <a:effectRef idx="0">
-        <a:scrgbClr r="0" g="0" b="0"/>
-      </a:effectRef>
-      <a:fontRef idx="minor">
-        <a:schemeClr val="lt1"/>
-      </a:fontRef>
-    </dgm:style>
-  </dgm:styleLbl>
-  <dgm:styleLbl name="bgSibTrans2D1">
-    <dgm:scene3d>
-      <a:camera prst="orthographicFront"/>
-      <a:lightRig rig="threePt" dir="t"/>
-    </dgm:scene3d>
-    <dgm:sp3d/>
-    <dgm:txPr/>
-    <dgm:style>
-      <a:lnRef idx="0">
-        <a:scrgbClr r="0" g="0" b="0"/>
-      </a:lnRef>
-      <a:fillRef idx="1">
-        <a:scrgbClr r="0" g="0" b="0"/>
-      </a:fillRef>
-      <a:effectRef idx="0">
-        <a:scrgbClr r="0" g="0" b="0"/>
-      </a:effectRef>
-      <a:fontRef idx="minor">
-        <a:schemeClr val="lt1"/>
-      </a:fontRef>
-    </dgm:style>
-  </dgm:styleLbl>
-  <dgm:styleLbl name="sibTrans1D1">
-    <dgm:scene3d>
-      <a:camera prst="orthographicFront"/>
-      <a:lightRig rig="threePt" dir="t"/>
-    </dgm:scene3d>
-    <dgm:sp3d/>
-    <dgm:txPr/>
-    <dgm:style>
-      <a:lnRef idx="1">
-        <a:scrgbClr r="0" g="0" b="0"/>
-      </a:lnRef>
-      <a:fillRef idx="0">
-        <a:scrgbClr r="0" g="0" b="0"/>
-      </a:fillRef>
-      <a:effectRef idx="0">
-        <a:scrgbClr r="0" g="0" b="0"/>
-      </a:effectRef>
-      <a:fontRef idx="minor"/>
-    </dgm:style>
-  </dgm:styleLbl>
-  <dgm:styleLbl name="callout">
-    <dgm:scene3d>
-      <a:camera prst="orthographicFront"/>
-      <a:lightRig rig="threePt" dir="t"/>
-    </dgm:scene3d>
-    <dgm:sp3d/>
-    <dgm:txPr/>
-    <dgm:style>
-      <a:lnRef idx="2">
-        <a:scrgbClr r="0" g="0" b="0"/>
-      </a:lnRef>
-      <a:fillRef idx="1">
-        <a:scrgbClr r="0" g="0" b="0"/>
-      </a:fillRef>
-      <a:effectRef idx="0">
-        <a:scrgbClr r="0" g="0" b="0"/>
-      </a:effectRef>
-      <a:fontRef idx="minor"/>
-    </dgm:style>
-  </dgm:styleLbl>
-  <dgm:styleLbl name="asst0">
-    <dgm:scene3d>
-      <a:camera prst="orthographicFront"/>
-      <a:lightRig rig="threePt" dir="t"/>
-    </dgm:scene3d>
-    <dgm:sp3d/>
-    <dgm:txPr/>
-    <dgm:style>
-      <a:lnRef idx="2">
-        <a:scrgbClr r="0" g="0" b="0"/>
-      </a:lnRef>
-      <a:fillRef idx="1">
-        <a:scrgbClr r="0" g="0" b="0"/>
-      </a:fillRef>
-      <a:effectRef idx="0">
-        <a:scrgbClr r="0" g="0" b="0"/>
-      </a:effectRef>
-      <a:fontRef idx="minor">
-        <a:schemeClr val="lt1"/>
-      </a:fontRef>
-    </dgm:style>
-  </dgm:styleLbl>
-  <dgm:styleLbl name="asst1">
-    <dgm:scene3d>
-      <a:camera prst="orthographicFront"/>
-      <a:lightRig rig="threePt" dir="t"/>
-    </dgm:scene3d>
-    <dgm:sp3d/>
-    <dgm:txPr/>
-    <dgm:style>
-      <a:lnRef idx="2">
-        <a:scrgbClr r="0" g="0" b="0"/>
-      </a:lnRef>
-      <a:fillRef idx="1">
-        <a:scrgbClr r="0" g="0" b="0"/>
-      </a:fillRef>
-      <a:effectRef idx="0">
-        <a:scrgbClr r="0" g="0" b="0"/>
-      </a:effectRef>
-      <a:fontRef idx="minor">
-        <a:schemeClr val="lt1"/>
-      </a:fontRef>
-    </dgm:style>
-  </dgm:styleLbl>
-  <dgm:styleLbl name="asst2">
-    <dgm:scene3d>
-      <a:camera prst="orthographicFront"/>
-      <a:lightRig rig="threePt" dir="t"/>
-    </dgm:scene3d>
-    <dgm:sp3d/>
-    <dgm:txPr/>
-    <dgm:style>
-      <a:lnRef idx="2">
-        <a:scrgbClr r="0" g="0" b="0"/>
-      </a:lnRef>
-      <a:fillRef idx="1">
-        <a:scrgbClr r="0" g="0" b="0"/>
-      </a:fillRef>
-      <a:effectRef idx="0">
-        <a:scrgbClr r="0" g="0" b="0"/>
-      </a:effectRef>
-      <a:fontRef idx="minor">
-        <a:schemeClr val="lt1"/>
-      </a:fontRef>
-    </dgm:style>
-  </dgm:styleLbl>
-  <dgm:styleLbl name="asst3">
-    <dgm:scene3d>
-      <a:camera prst="orthographicFront"/>
-      <a:lightRig rig="threePt" dir="t"/>
-    </dgm:scene3d>
-    <dgm:sp3d/>
-    <dgm:txPr/>
-    <dgm:style>
-      <a:lnRef idx="2">
-        <a:scrgbClr r="0" g="0" b="0"/>
-      </a:lnRef>
-      <a:fillRef idx="1">
-        <a:scrgbClr r="0" g="0" b="0"/>
-      </a:fillRef>
-      <a:effectRef idx="0">
-        <a:scrgbClr r="0" g="0" b="0"/>
-      </a:effectRef>
-      <a:fontRef idx="minor">
-        <a:schemeClr val="lt1"/>
-      </a:fontRef>
-    </dgm:style>
-  </dgm:styleLbl>
-  <dgm:styleLbl name="asst4">
-    <dgm:scene3d>
-      <a:camera prst="orthographicFront"/>
-      <a:lightRig rig="threePt" dir="t"/>
-    </dgm:scene3d>
-    <dgm:sp3d/>
-    <dgm:txPr/>
-    <dgm:style>
-      <a:lnRef idx="2">
-        <a:scrgbClr r="0" g="0" b="0"/>
-      </a:lnRef>
-      <a:fillRef idx="1">
-        <a:scrgbClr r="0" g="0" b="0"/>
-      </a:fillRef>
-      <a:effectRef idx="0">
-        <a:scrgbClr r="0" g="0" b="0"/>
-      </a:effectRef>
-      <a:fontRef idx="minor">
-        <a:schemeClr val="lt1"/>
-      </a:fontRef>
-    </dgm:style>
-  </dgm:styleLbl>
-  <dgm:styleLbl name="parChTrans2D1">
-    <dgm:scene3d>
-      <a:camera prst="orthographicFront"/>
-      <a:lightRig rig="threePt" dir="t"/>
-    </dgm:scene3d>
-    <dgm:sp3d/>
-    <dgm:txPr/>
-    <dgm:style>
-      <a:lnRef idx="2">
-        <a:scrgbClr r="0" g="0" b="0"/>
-      </a:lnRef>
-      <a:fillRef idx="1">
-        <a:scrgbClr r="0" g="0" b="0"/>
-      </a:fillRef>
-      <a:effectRef idx="0">
-        <a:scrgbClr r="0" g="0" b="0"/>
-      </a:effectRef>
-      <a:fontRef idx="minor">
-        <a:schemeClr val="lt1"/>
-      </a:fontRef>
-    </dgm:style>
-  </dgm:styleLbl>
-  <dgm:styleLbl name="parChTrans2D2">
-    <dgm:scene3d>
-      <a:camera prst="orthographicFront"/>
-      <a:lightRig rig="threePt" dir="t"/>
-    </dgm:scene3d>
-    <dgm:sp3d/>
-    <dgm:txPr/>
-    <dgm:style>
-      <a:lnRef idx="2">
-        <a:scrgbClr r="0" g="0" b="0"/>
-      </a:lnRef>
-      <a:fillRef idx="1">
-        <a:scrgbClr r="0" g="0" b="0"/>
-      </a:fillRef>
-      <a:effectRef idx="0">
-        <a:scrgbClr r="0" g="0" b="0"/>
-      </a:effectRef>
-      <a:fontRef idx="minor">
-        <a:schemeClr val="lt1"/>
-      </a:fontRef>
-    </dgm:style>
-  </dgm:styleLbl>
-  <dgm:styleLbl name="parChTrans2D3">
-    <dgm:scene3d>
-      <a:camera prst="orthographicFront"/>
-      <a:lightRig rig="threePt" dir="t"/>
-    </dgm:scene3d>
-    <dgm:sp3d/>
-    <dgm:txPr/>
-    <dgm:style>
-      <a:lnRef idx="2">
-        <a:scrgbClr r="0" g="0" b="0"/>
-      </a:lnRef>
-      <a:fillRef idx="1">
-        <a:scrgbClr r="0" g="0" b="0"/>
-      </a:fillRef>
-      <a:effectRef idx="0">
-        <a:scrgbClr r="0" g="0" b="0"/>
-      </a:effectRef>
-      <a:fontRef idx="minor">
-        <a:schemeClr val="lt1"/>
-      </a:fontRef>
-    </dgm:style>
-  </dgm:styleLbl>
-  <dgm:styleLbl name="parChTrans2D4">
-    <dgm:scene3d>
-      <a:camera prst="orthographicFront"/>
-      <a:lightRig rig="threePt" dir="t"/>
-    </dgm:scene3d>
-    <dgm:sp3d/>
-    <dgm:txPr/>
-    <dgm:style>
-      <a:lnRef idx="2">
-        <a:scrgbClr r="0" g="0" b="0"/>
-      </a:lnRef>
-      <a:fillRef idx="1">
-        <a:scrgbClr r="0" g="0" b="0"/>
-      </a:fillRef>
-      <a:effectRef idx="0">
-        <a:scrgbClr r="0" g="0" b="0"/>
-      </a:effectRef>
-      <a:fontRef idx="minor">
-        <a:schemeClr val="lt1"/>
-      </a:fontRef>
-    </dgm:style>
-  </dgm:styleLbl>
-  <dgm:styleLbl name="parChTrans1D1">
-    <dgm:scene3d>
-      <a:camera prst="orthographicFront"/>
-      <a:lightRig rig="threePt" dir="t"/>
-    </dgm:scene3d>
-    <dgm:sp3d/>
-    <dgm:txPr/>
-    <dgm:style>
-      <a:lnRef idx="2">
-        <a:scrgbClr r="0" g="0" b="0"/>
-      </a:lnRef>
-      <a:fillRef idx="0">
-        <a:scrgbClr r="0" g="0" b="0"/>
-      </a:fillRef>
-      <a:effectRef idx="0">
-        <a:scrgbClr r="0" g="0" b="0"/>
-      </a:effectRef>
-      <a:fontRef idx="minor"/>
-    </dgm:style>
-  </dgm:styleLbl>
-  <dgm:styleLbl name="parChTrans1D2">
-    <dgm:scene3d>
-      <a:camera prst="orthographicFront"/>
-      <a:lightRig rig="threePt" dir="t"/>
-    </dgm:scene3d>
-    <dgm:sp3d/>
-    <dgm:txPr/>
-    <dgm:style>
-      <a:lnRef idx="2">
-        <a:scrgbClr r="0" g="0" b="0"/>
-      </a:lnRef>
-      <a:fillRef idx="0">
-        <a:scrgbClr r="0" g="0" b="0"/>
-      </a:fillRef>
-      <a:effectRef idx="0">
-        <a:scrgbClr r="0" g="0" b="0"/>
-      </a:effectRef>
-      <a:fontRef idx="minor"/>
-    </dgm:style>
-  </dgm:styleLbl>
-  <dgm:styleLbl name="parChTrans1D3">
-    <dgm:scene3d>
-      <a:camera prst="orthographicFront"/>
-      <a:lightRig rig="threePt" dir="t"/>
-    </dgm:scene3d>
-    <dgm:sp3d/>
-    <dgm:txPr/>
-    <dgm:style>
-      <a:lnRef idx="2">
-        <a:scrgbClr r="0" g="0" b="0"/>
-      </a:lnRef>
-      <a:fillRef idx="0">
-        <a:scrgbClr r="0" g="0" b="0"/>
-      </a:fillRef>
-      <a:effectRef idx="0">
-        <a:scrgbClr r="0" g="0" b="0"/>
-      </a:effectRef>
-      <a:fontRef idx="minor"/>
-    </dgm:style>
-  </dgm:styleLbl>
-  <dgm:styleLbl name="parChTrans1D4">
-    <dgm:scene3d>
-      <a:camera prst="orthographicFront"/>
-      <a:lightRig rig="threePt" dir="t"/>
-    </dgm:scene3d>
-    <dgm:sp3d/>
-    <dgm:txPr/>
-    <dgm:style>
-      <a:lnRef idx="2">
-        <a:scrgbClr r="0" g="0" b="0"/>
-      </a:lnRef>
-      <a:fillRef idx="0">
-        <a:scrgbClr r="0" g="0" b="0"/>
-      </a:fillRef>
-      <a:effectRef idx="0">
-        <a:scrgbClr r="0" g="0" b="0"/>
-      </a:effectRef>
-      <a:fontRef idx="minor"/>
-    </dgm:style>
-  </dgm:styleLbl>
-  <dgm:styleLbl name="fgAcc1">
-    <dgm:scene3d>
-      <a:camera prst="orthographicFront"/>
-      <a:lightRig rig="threePt" dir="t"/>
-    </dgm:scene3d>
-    <dgm:sp3d/>
-    <dgm:txPr/>
-    <dgm:style>
-      <a:lnRef idx="2">
-        <a:scrgbClr r="0" g="0" b="0"/>
-      </a:lnRef>
-      <a:fillRef idx="1">
-        <a:scrgbClr r="0" g="0" b="0"/>
-      </a:fillRef>
-      <a:effectRef idx="0">
-        <a:scrgbClr r="0" g="0" b="0"/>
-      </a:effectRef>
-      <a:fontRef idx="minor"/>
-    </dgm:style>
-  </dgm:styleLbl>
-  <dgm:styleLbl name="conFgAcc1">
-    <dgm:scene3d>
-      <a:camera prst="orthographicFront"/>
-      <a:lightRig rig="threePt" dir="t"/>
-    </dgm:scene3d>
-    <dgm:sp3d/>
-    <dgm:txPr/>
-    <dgm:style>
-      <a:lnRef idx="2">
-        <a:scrgbClr r="0" g="0" b="0"/>
-      </a:lnRef>
-      <a:fillRef idx="1">
-        <a:scrgbClr r="0" g="0" b="0"/>
-      </a:fillRef>
-      <a:effectRef idx="0">
-        <a:scrgbClr r="0" g="0" b="0"/>
-      </a:effectRef>
-      <a:fontRef idx="minor"/>
-    </dgm:style>
-  </dgm:styleLbl>
-  <dgm:styleLbl name="alignAcc1">
-    <dgm:scene3d>
-      <a:camera prst="orthographicFront"/>
-      <a:lightRig rig="threePt" dir="t"/>
-    </dgm:scene3d>
-    <dgm:sp3d/>
-    <dgm:txPr/>
-    <dgm:style>
-      <a:lnRef idx="2">
-        <a:scrgbClr r="0" g="0" b="0"/>
-      </a:lnRef>
-      <a:fillRef idx="1">
-        <a:scrgbClr r="0" g="0" b="0"/>
-      </a:fillRef>
-      <a:effectRef idx="0">
-        <a:scrgbClr r="0" g="0" b="0"/>
-      </a:effectRef>
-      <a:fontRef idx="minor"/>
-    </dgm:style>
-  </dgm:styleLbl>
-  <dgm:styleLbl name="trAlignAcc1">
-    <dgm:scene3d>
-      <a:camera prst="orthographicFront"/>
-      <a:lightRig rig="threePt" dir="t"/>
-    </dgm:scene3d>
-    <dgm:sp3d/>
-    <dgm:txPr/>
-    <dgm:style>
-      <a:lnRef idx="1">
-        <a:scrgbClr r="0" g="0" b="0"/>
-      </a:lnRef>
-      <a:fillRef idx="1">
-        <a:scrgbClr r="0" g="0" b="0"/>
-      </a:fillRef>
-      <a:effectRef idx="0">
-        <a:scrgbClr r="0" g="0" b="0"/>
-      </a:effectRef>
-      <a:fontRef idx="minor"/>
-    </dgm:style>
-  </dgm:styleLbl>
-  <dgm:styleLbl name="bgAcc1">
-    <dgm:scene3d>
-      <a:camera prst="orthographicFront"/>
-      <a:lightRig rig="threePt" dir="t"/>
-    </dgm:scene3d>
-    <dgm:sp3d/>
-    <dgm:txPr/>
-    <dgm:style>
-      <a:lnRef idx="2">
-        <a:scrgbClr r="0" g="0" b="0"/>
-      </a:lnRef>
-      <a:fillRef idx="1">
-        <a:scrgbClr r="0" g="0" b="0"/>
-      </a:fillRef>
-      <a:effectRef idx="0">
-        <a:scrgbClr r="0" g="0" b="0"/>
-      </a:effectRef>
-      <a:fontRef idx="minor"/>
-    </dgm:style>
-  </dgm:styleLbl>
-  <dgm:styleLbl name="solidFgAcc1">
-    <dgm:scene3d>
-      <a:camera prst="orthographicFront"/>
-      <a:lightRig rig="threePt" dir="t"/>
-    </dgm:scene3d>
-    <dgm:sp3d/>
-    <dgm:txPr/>
-    <dgm:style>
-      <a:lnRef idx="2">
-        <a:scrgbClr r="0" g="0" b="0"/>
-      </a:lnRef>
-      <a:fillRef idx="1">
-        <a:scrgbClr r="0" g="0" b="0"/>
-      </a:fillRef>
-      <a:effectRef idx="0">
-        <a:scrgbClr r="0" g="0" b="0"/>
-      </a:effectRef>
-      <a:fontRef idx="minor"/>
-    </dgm:style>
-  </dgm:styleLbl>
-  <dgm:styleLbl name="solidAlignAcc1">
-    <dgm:scene3d>
-      <a:camera prst="orthographicFront"/>
-      <a:lightRig rig="threePt" dir="t"/>
-    </dgm:scene3d>
-    <dgm:sp3d/>
-    <dgm:txPr/>
-    <dgm:style>
-      <a:lnRef idx="2">
-        <a:scrgbClr r="0" g="0" b="0"/>
-      </a:lnRef>
-      <a:fillRef idx="1">
-        <a:scrgbClr r="0" g="0" b="0"/>
-      </a:fillRef>
-      <a:effectRef idx="0">
-        <a:scrgbClr r="0" g="0" b="0"/>
-      </a:effectRef>
-      <a:fontRef idx="minor"/>
-    </dgm:style>
-  </dgm:styleLbl>
-  <dgm:styleLbl name="solidBgAcc1">
-    <dgm:scene3d>
-      <a:camera prst="orthographicFront"/>
-      <a:lightRig rig="threePt" dir="t"/>
-    </dgm:scene3d>
-    <dgm:sp3d/>
-    <dgm:txPr/>
-    <dgm:style>
-      <a:lnRef idx="2">
-        <a:scrgbClr r="0" g="0" b="0"/>
-      </a:lnRef>
-      <a:fillRef idx="1">
-        <a:scrgbClr r="0" g="0" b="0"/>
-      </a:fillRef>
-      <a:effectRef idx="0">
-        <a:scrgbClr r="0" g="0" b="0"/>
-      </a:effectRef>
-      <a:fontRef idx="minor"/>
-    </dgm:style>
-  </dgm:styleLbl>
-  <dgm:styleLbl name="fgAccFollowNode1">
-    <dgm:scene3d>
-      <a:camera prst="orthographicFront"/>
-      <a:lightRig rig="threePt" dir="t"/>
-    </dgm:scene3d>
-    <dgm:sp3d/>
-    <dgm:txPr/>
-    <dgm:style>
-      <a:lnRef idx="2">
-        <a:scrgbClr r="0" g="0" b="0"/>
-      </a:lnRef>
-      <a:fillRef idx="1">
-        <a:scrgbClr r="0" g="0" b="0"/>
-      </a:fillRef>
-      <a:effectRef idx="0">
-        <a:scrgbClr r="0" g="0" b="0"/>
-      </a:effectRef>
-      <a:fontRef idx="minor"/>
-    </dgm:style>
-  </dgm:styleLbl>
-  <dgm:styleLbl name="alignAccFollowNode1">
-    <dgm:scene3d>
-      <a:camera prst="orthographicFront"/>
-      <a:lightRig rig="threePt" dir="t"/>
-    </dgm:scene3d>
-    <dgm:sp3d/>
-    <dgm:txPr/>
-    <dgm:style>
-      <a:lnRef idx="2">
-        <a:scrgbClr r="0" g="0" b="0"/>
-      </a:lnRef>
-      <a:fillRef idx="1">
-        <a:scrgbClr r="0" g="0" b="0"/>
-      </a:fillRef>
-      <a:effectRef idx="0">
-        <a:scrgbClr r="0" g="0" b="0"/>
-      </a:effectRef>
-      <a:fontRef idx="minor"/>
-    </dgm:style>
-  </dgm:styleLbl>
-  <dgm:styleLbl name="bgAccFollowNode1">
-    <dgm:scene3d>
-      <a:camera prst="orthographicFront"/>
-      <a:lightRig rig="threePt" dir="t"/>
-    </dgm:scene3d>
-    <dgm:sp3d/>
-    <dgm:txPr/>
-    <dgm:style>
-      <a:lnRef idx="2">
-        <a:scrgbClr r="0" g="0" b="0"/>
-      </a:lnRef>
-      <a:fillRef idx="1">
-        <a:scrgbClr r="0" g="0" b="0"/>
-      </a:fillRef>
-      <a:effectRef idx="0">
-        <a:scrgbClr r="0" g="0" b="0"/>
-      </a:effectRef>
-      <a:fontRef idx="minor"/>
-    </dgm:style>
-  </dgm:styleLbl>
-  <dgm:styleLbl name="fgAcc0">
-    <dgm:scene3d>
-      <a:camera prst="orthographicFront"/>
-      <a:lightRig rig="threePt" dir="t"/>
-    </dgm:scene3d>
-    <dgm:sp3d/>
-    <dgm:txPr/>
-    <dgm:style>
-      <a:lnRef idx="2">
-        <a:scrgbClr r="0" g="0" b="0"/>
-      </a:lnRef>
-      <a:fillRef idx="1">
-        <a:scrgbClr r="0" g="0" b="0"/>
-      </a:fillRef>
-      <a:effectRef idx="0">
-        <a:scrgbClr r="0" g="0" b="0"/>
-      </a:effectRef>
-      <a:fontRef idx="minor"/>
-    </dgm:style>
-  </dgm:styleLbl>
-  <dgm:styleLbl name="fgAcc2">
-    <dgm:scene3d>
-      <a:camera prst="orthographicFront"/>
-      <a:lightRig rig="threePt" dir="t"/>
-    </dgm:scene3d>
-    <dgm:sp3d/>
-    <dgm:txPr/>
-    <dgm:style>
-      <a:lnRef idx="2">
-        <a:scrgbClr r="0" g="0" b="0"/>
-      </a:lnRef>
-      <a:fillRef idx="1">
-        <a:scrgbClr r="0" g="0" b="0"/>
-      </a:fillRef>
-      <a:effectRef idx="0">
-        <a:scrgbClr r="0" g="0" b="0"/>
-      </a:effectRef>
-      <a:fontRef idx="minor"/>
-    </dgm:style>
-  </dgm:styleLbl>
-  <dgm:styleLbl name="fgAcc3">
-    <dgm:scene3d>
-      <a:camera prst="orthographicFront"/>
-      <a:lightRig rig="threePt" dir="t"/>
-    </dgm:scene3d>
-    <dgm:sp3d/>
-    <dgm:txPr/>
-    <dgm:style>
-      <a:lnRef idx="2">
-        <a:scrgbClr r="0" g="0" b="0"/>
-      </a:lnRef>
-      <a:fillRef idx="1">
-        <a:scrgbClr r="0" g="0" b="0"/>
-      </a:fillRef>
-      <a:effectRef idx="0">
-        <a:scrgbClr r="0" g="0" b="0"/>
-      </a:effectRef>
-      <a:fontRef idx="minor"/>
-    </dgm:style>
-  </dgm:styleLbl>
-  <dgm:styleLbl name="fgAcc4">
-    <dgm:scene3d>
-      <a:camera prst="orthographicFront"/>
-      <a:lightRig rig="threePt" dir="t"/>
-    </dgm:scene3d>
-    <dgm:sp3d/>
-    <dgm:txPr/>
-    <dgm:style>
-      <a:lnRef idx="2">
-        <a:scrgbClr r="0" g="0" b="0"/>
-      </a:lnRef>
-      <a:fillRef idx="1">
-        <a:scrgbClr r="0" g="0" b="0"/>
-      </a:fillRef>
-      <a:effectRef idx="0">
-        <a:scrgbClr r="0" g="0" b="0"/>
-      </a:effectRef>
-      <a:fontRef idx="minor"/>
-    </dgm:style>
-  </dgm:styleLbl>
-  <dgm:styleLbl name="bgShp">
-    <dgm:scene3d>
-      <a:camera prst="orthographicFront"/>
-      <a:lightRig rig="threePt" dir="t"/>
-    </dgm:scene3d>
-    <dgm:sp3d/>
-    <dgm:txPr/>
-    <dgm:style>
-      <a:lnRef idx="0">
-        <a:scrgbClr r="0" g="0" b="0"/>
-      </a:lnRef>
-      <a:fillRef idx="1">
-        <a:scrgbClr r="0" g="0" b="0"/>
-      </a:fillRef>
-      <a:effectRef idx="0">
-        <a:scrgbClr r="0" g="0" b="0"/>
-      </a:effectRef>
-      <a:fontRef idx="minor"/>
-    </dgm:style>
-  </dgm:styleLbl>
-  <dgm:styleLbl name="dkBgShp">
-    <dgm:scene3d>
-      <a:camera prst="orthographicFront"/>
-      <a:lightRig rig="threePt" dir="t"/>
-    </dgm:scene3d>
-    <dgm:sp3d/>
-    <dgm:txPr/>
-    <dgm:style>
-      <a:lnRef idx="0">
-        <a:scrgbClr r="0" g="0" b="0"/>
-      </a:lnRef>
-      <a:fillRef idx="1">
-        <a:scrgbClr r="0" g="0" b="0"/>
-      </a:fillRef>
-      <a:effectRef idx="0">
-        <a:scrgbClr r="0" g="0" b="0"/>
-      </a:effectRef>
-      <a:fontRef idx="minor"/>
-    </dgm:style>
-  </dgm:styleLbl>
-  <dgm:styleLbl name="trBgShp">
-    <dgm:scene3d>
-      <a:camera prst="orthographicFront"/>
-      <a:lightRig rig="threePt" dir="t"/>
-    </dgm:scene3d>
-    <dgm:sp3d/>
-    <dgm:txPr/>
-    <dgm:style>
-      <a:lnRef idx="0">
-        <a:scrgbClr r="0" g="0" b="0"/>
-      </a:lnRef>
-      <a:fillRef idx="1">
-        <a:scrgbClr r="0" g="0" b="0"/>
-      </a:fillRef>
-      <a:effectRef idx="0">
-        <a:scrgbClr r="0" g="0" b="0"/>
-      </a:effectRef>
-      <a:fontRef idx="minor"/>
-    </dgm:style>
-  </dgm:styleLbl>
-  <dgm:styleLbl name="fgShp">
-    <dgm:scene3d>
-      <a:camera prst="orthographicFront"/>
-      <a:lightRig rig="threePt" dir="t"/>
-    </dgm:scene3d>
-    <dgm:sp3d/>
-    <dgm:txPr/>
-    <dgm:style>
-      <a:lnRef idx="2">
-        <a:scrgbClr r="0" g="0" b="0"/>
-      </a:lnRef>
-      <a:fillRef idx="1">
-        <a:scrgbClr r="0" g="0" b="0"/>
-      </a:fillRef>
-      <a:effectRef idx="0">
-        <a:scrgbClr r="0" g="0" b="0"/>
-      </a:effectRef>
-      <a:fontRef idx="minor"/>
-    </dgm:style>
-  </dgm:styleLbl>
-  <dgm:styleLbl name="revTx">
-    <dgm:scene3d>
-      <a:camera prst="orthographicFront"/>
-      <a:lightRig rig="threePt" dir="t"/>
-    </dgm:scene3d>
-    <dgm:sp3d/>
-    <dgm:txPr/>
-    <dgm:style>
-      <a:lnRef idx="0">
-        <a:scrgbClr r="0" g="0" b="0"/>
-      </a:lnRef>
-      <a:fillRef idx="0">
-        <a:scrgbClr r="0" g="0" b="0"/>
-      </a:fillRef>
-      <a:effectRef idx="0">
-        <a:scrgbClr r="0" g="0" b="0"/>
-      </a:effectRef>
-      <a:fontRef idx="minor"/>
-    </dgm:style>
-  </dgm:styleLbl>
-</dgm:styleDef>
 </file>
 
 <file path=ppt/slideLayouts/slideLayout1.xml><?xml version="1.0" encoding="utf-8"?>
@@ -2864,7 +353,7 @@
             <a:fld id="{5586B75A-687E-405C-8A0B-8D00578BA2C3}" type="datetimeFigureOut">
               <a:rPr lang="en-US" dirty="0"/>
               <a:pPr/>
-              <a:t>12/1/18</a:t>
+              <a:t>12/3/18</a:t>
             </a:fld>
             <a:endParaRPr lang="en-US" dirty="0"/>
           </a:p>
@@ -3031,7 +520,7 @@
             <a:fld id="{5586B75A-687E-405C-8A0B-8D00578BA2C3}" type="datetimeFigureOut">
               <a:rPr lang="en-US" dirty="0"/>
               <a:pPr/>
-              <a:t>12/1/18</a:t>
+              <a:t>12/3/18</a:t>
             </a:fld>
             <a:endParaRPr lang="en-US" dirty="0"/>
           </a:p>
@@ -3208,7 +697,7 @@
             <a:fld id="{5586B75A-687E-405C-8A0B-8D00578BA2C3}" type="datetimeFigureOut">
               <a:rPr lang="en-US" dirty="0"/>
               <a:pPr/>
-              <a:t>12/1/18</a:t>
+              <a:t>12/3/18</a:t>
             </a:fld>
             <a:endParaRPr lang="en-US" dirty="0"/>
           </a:p>
@@ -3375,7 +864,7 @@
             <a:fld id="{5586B75A-687E-405C-8A0B-8D00578BA2C3}" type="datetimeFigureOut">
               <a:rPr lang="en-US" dirty="0"/>
               <a:pPr/>
-              <a:t>12/1/18</a:t>
+              <a:t>12/3/18</a:t>
             </a:fld>
             <a:endParaRPr lang="en-US" dirty="0"/>
           </a:p>
@@ -3630,7 +1119,7 @@
             <a:fld id="{5586B75A-687E-405C-8A0B-8D00578BA2C3}" type="datetimeFigureOut">
               <a:rPr lang="en-US" dirty="0"/>
               <a:pPr/>
-              <a:t>12/1/18</a:t>
+              <a:t>12/3/18</a:t>
             </a:fld>
             <a:endParaRPr lang="en-US" dirty="0"/>
           </a:p>
@@ -3915,7 +1404,7 @@
             <a:fld id="{5586B75A-687E-405C-8A0B-8D00578BA2C3}" type="datetimeFigureOut">
               <a:rPr lang="en-US" dirty="0"/>
               <a:pPr/>
-              <a:t>12/1/18</a:t>
+              <a:t>12/3/18</a:t>
             </a:fld>
             <a:endParaRPr lang="en-US" dirty="0"/>
           </a:p>
@@ -4354,7 +1843,7 @@
             <a:fld id="{5586B75A-687E-405C-8A0B-8D00578BA2C3}" type="datetimeFigureOut">
               <a:rPr lang="en-US" dirty="0"/>
               <a:pPr/>
-              <a:t>12/1/18</a:t>
+              <a:t>12/3/18</a:t>
             </a:fld>
             <a:endParaRPr lang="en-US" dirty="0"/>
           </a:p>
@@ -4469,7 +1958,7 @@
             <a:fld id="{5586B75A-687E-405C-8A0B-8D00578BA2C3}" type="datetimeFigureOut">
               <a:rPr lang="en-US" dirty="0"/>
               <a:pPr/>
-              <a:t>12/1/18</a:t>
+              <a:t>12/3/18</a:t>
             </a:fld>
             <a:endParaRPr lang="en-US" dirty="0"/>
           </a:p>
@@ -4561,7 +2050,7 @@
             <a:fld id="{5586B75A-687E-405C-8A0B-8D00578BA2C3}" type="datetimeFigureOut">
               <a:rPr lang="en-US" dirty="0"/>
               <a:pPr/>
-              <a:t>12/1/18</a:t>
+              <a:t>12/3/18</a:t>
             </a:fld>
             <a:endParaRPr lang="en-US" dirty="0"/>
           </a:p>
@@ -4846,7 +2335,7 @@
             <a:fld id="{5586B75A-687E-405C-8A0B-8D00578BA2C3}" type="datetimeFigureOut">
               <a:rPr lang="en-US" dirty="0"/>
               <a:pPr/>
-              <a:t>12/1/18</a:t>
+              <a:t>12/3/18</a:t>
             </a:fld>
             <a:endParaRPr lang="en-US" dirty="0"/>
           </a:p>
@@ -5116,7 +2605,7 @@
             <a:fld id="{5586B75A-687E-405C-8A0B-8D00578BA2C3}" type="datetimeFigureOut">
               <a:rPr lang="en-US" dirty="0"/>
               <a:pPr/>
-              <a:t>12/1/18</a:t>
+              <a:t>12/3/18</a:t>
             </a:fld>
             <a:endParaRPr lang="en-US" dirty="0"/>
           </a:p>
@@ -5410,7 +2899,7 @@
             <a:fld id="{5586B75A-687E-405C-8A0B-8D00578BA2C3}" type="datetimeFigureOut">
               <a:rPr lang="en-US" dirty="0"/>
               <a:pPr/>
-              <a:t>12/1/18</a:t>
+              <a:t>12/3/18</a:t>
             </a:fld>
             <a:endParaRPr lang="en-US" dirty="0"/>
           </a:p>
@@ -6311,6 +3800,2435 @@
 <file path=ppt/slides/slide10.xml><?xml version="1.0" encoding="utf-8"?>
 <p:sld xmlns:a="http://schemas.openxmlformats.org/drawingml/2006/main" xmlns:r="http://schemas.openxmlformats.org/officeDocument/2006/relationships" xmlns:p="http://schemas.openxmlformats.org/presentationml/2006/main">
   <p:cSld>
+    <p:bg>
+      <p:bgPr>
+        <a:solidFill>
+          <a:schemeClr val="bg1"/>
+        </a:solidFill>
+        <a:effectLst/>
+      </p:bgPr>
+    </p:bg>
+    <p:spTree>
+      <p:nvGrpSpPr>
+        <p:cNvPr id="1" name=""/>
+        <p:cNvGrpSpPr/>
+        <p:nvPr/>
+      </p:nvGrpSpPr>
+      <p:grpSpPr>
+        <a:xfrm>
+          <a:off x="0" y="0"/>
+          <a:ext cx="0" cy="0"/>
+          <a:chOff x="0" y="0"/>
+          <a:chExt cx="0" cy="0"/>
+        </a:xfrm>
+      </p:grpSpPr>
+      <p:sp>
+        <p:nvSpPr>
+          <p:cNvPr id="6" name="Title 5">
+            <a:extLst>
+              <a:ext uri="{FF2B5EF4-FFF2-40B4-BE49-F238E27FC236}">
+                <a16:creationId xmlns:a16="http://schemas.microsoft.com/office/drawing/2014/main" id="{3B837824-6319-40A8-AF4B-2BE3F646D157}"/>
+              </a:ext>
+            </a:extLst>
+          </p:cNvPr>
+          <p:cNvSpPr>
+            <a:spLocks noGrp="1"/>
+          </p:cNvSpPr>
+          <p:nvPr>
+            <p:ph type="title"/>
+          </p:nvPr>
+        </p:nvSpPr>
+        <p:spPr>
+          <a:xfrm>
+            <a:off x="252919" y="1123837"/>
+            <a:ext cx="2947482" cy="4601183"/>
+          </a:xfrm>
+        </p:spPr>
+        <p:txBody>
+          <a:bodyPr>
+            <a:normAutofit/>
+          </a:bodyPr>
+          <a:lstStyle/>
+          <a:p>
+            <a:br>
+              <a:rPr lang="en-US" sz="3300"/>
+            </a:br>
+            <a:r>
+              <a:rPr lang="en-US" sz="3300"/>
+              <a:t>Chain of Responsibilities</a:t>
+            </a:r>
+          </a:p>
+        </p:txBody>
+      </p:sp>
+      <p:sp>
+        <p:nvSpPr>
+          <p:cNvPr id="11" name="Content Placeholder 10">
+            <a:extLst>
+              <a:ext uri="{FF2B5EF4-FFF2-40B4-BE49-F238E27FC236}">
+                <a16:creationId xmlns:a16="http://schemas.microsoft.com/office/drawing/2014/main" id="{EAD971A2-03E1-46F6-92B0-E7F01D739837}"/>
+              </a:ext>
+            </a:extLst>
+          </p:cNvPr>
+          <p:cNvSpPr>
+            <a:spLocks noGrp="1"/>
+          </p:cNvSpPr>
+          <p:nvPr>
+            <p:ph idx="1"/>
+          </p:nvPr>
+        </p:nvSpPr>
+        <p:spPr>
+          <a:xfrm>
+            <a:off x="3855199" y="1328342"/>
+            <a:ext cx="7646872" cy="4794161"/>
+          </a:xfrm>
+        </p:spPr>
+        <p:txBody>
+          <a:bodyPr>
+            <a:normAutofit/>
+          </a:bodyPr>
+          <a:lstStyle/>
+          <a:p>
+            <a:pPr marL="0" indent="0">
+              <a:buNone/>
+            </a:pPr>
+            <a:r>
+              <a:rPr lang="en-US" dirty="0">
+                <a:solidFill>
+                  <a:schemeClr val="tx1"/>
+                </a:solidFill>
+              </a:rPr>
+              <a:t>Avoid coupling the sender of a request to its receiver by giving more than one object a chance to handle the request. Chain the receiving objects and pass the request along the chain until an object handles it.</a:t>
+            </a:r>
+          </a:p>
+          <a:p>
+            <a:pPr marL="0" indent="0">
+              <a:buNone/>
+            </a:pPr>
+            <a:endParaRPr lang="en-US" dirty="0">
+              <a:solidFill>
+                <a:schemeClr val="tx1"/>
+              </a:solidFill>
+            </a:endParaRPr>
+          </a:p>
+          <a:p>
+            <a:pPr marL="0" indent="0">
+              <a:buNone/>
+            </a:pPr>
+            <a:r>
+              <a:rPr lang="en-US" dirty="0">
+                <a:solidFill>
+                  <a:schemeClr val="tx1"/>
+                </a:solidFill>
+              </a:rPr>
+              <a:t>How do you decide when to use COR?</a:t>
+            </a:r>
+          </a:p>
+          <a:p>
+            <a:r>
+              <a:rPr lang="en-US" sz="1800" dirty="0">
+                <a:solidFill>
+                  <a:schemeClr val="tx1"/>
+                </a:solidFill>
+              </a:rPr>
+              <a:t>More than one object can handle a command</a:t>
+            </a:r>
+          </a:p>
+          <a:p>
+            <a:r>
+              <a:rPr lang="en-US" sz="1800" dirty="0">
+                <a:solidFill>
+                  <a:schemeClr val="tx1"/>
+                </a:solidFill>
+              </a:rPr>
+              <a:t>The handler is not known in advance</a:t>
+            </a:r>
+          </a:p>
+          <a:p>
+            <a:r>
+              <a:rPr lang="en-US" sz="1800" dirty="0">
+                <a:solidFill>
+                  <a:schemeClr val="tx1"/>
+                </a:solidFill>
+              </a:rPr>
+              <a:t>The handler should be determined automatically</a:t>
+            </a:r>
+          </a:p>
+          <a:p>
+            <a:r>
+              <a:rPr lang="en-US" sz="1800" dirty="0">
+                <a:solidFill>
+                  <a:schemeClr val="tx1"/>
+                </a:solidFill>
+              </a:rPr>
+              <a:t>It’s wished that the request is addressed to a group of objects without explicitly specifying its receiver</a:t>
+            </a:r>
+          </a:p>
+          <a:p>
+            <a:r>
+              <a:rPr lang="en-US" sz="1800" dirty="0">
+                <a:solidFill>
+                  <a:schemeClr val="tx1"/>
+                </a:solidFill>
+              </a:rPr>
+              <a:t>The group of objects that may handle the command must be specified in a dynamic way</a:t>
+            </a:r>
+            <a:endParaRPr lang="en-US" dirty="0">
+              <a:solidFill>
+                <a:schemeClr val="tx1"/>
+              </a:solidFill>
+            </a:endParaRPr>
+          </a:p>
+        </p:txBody>
+      </p:sp>
+      <p:sp>
+        <p:nvSpPr>
+          <p:cNvPr id="12" name="TextBox 11">
+            <a:extLst>
+              <a:ext uri="{FF2B5EF4-FFF2-40B4-BE49-F238E27FC236}">
+                <a16:creationId xmlns:a16="http://schemas.microsoft.com/office/drawing/2014/main" id="{572701C4-DE09-4B3F-BFF4-31A2C9EAFA9C}"/>
+              </a:ext>
+            </a:extLst>
+          </p:cNvPr>
+          <p:cNvSpPr txBox="1"/>
+          <p:nvPr/>
+        </p:nvSpPr>
+        <p:spPr>
+          <a:xfrm>
+            <a:off x="3855199" y="864109"/>
+            <a:ext cx="1138453" cy="523220"/>
+          </a:xfrm>
+          <a:prstGeom prst="rect">
+            <a:avLst/>
+          </a:prstGeom>
+          <a:noFill/>
+        </p:spPr>
+        <p:txBody>
+          <a:bodyPr wrap="none" rtlCol="0">
+            <a:spAutoFit/>
+          </a:bodyPr>
+          <a:lstStyle/>
+          <a:p>
+            <a:r>
+              <a:rPr lang="en-US" sz="2800" b="1" dirty="0"/>
+              <a:t>Intent</a:t>
+            </a:r>
+          </a:p>
+        </p:txBody>
+      </p:sp>
+    </p:spTree>
+    <p:extLst>
+      <p:ext uri="{BB962C8B-B14F-4D97-AF65-F5344CB8AC3E}">
+        <p14:creationId xmlns:p14="http://schemas.microsoft.com/office/powerpoint/2010/main" val="2608763116"/>
+      </p:ext>
+    </p:extLst>
+  </p:cSld>
+  <p:clrMapOvr>
+    <a:masterClrMapping/>
+  </p:clrMapOvr>
+</p:sld>
+</file>
+
+<file path=ppt/slides/slide11.xml><?xml version="1.0" encoding="utf-8"?>
+<p:sld xmlns:a="http://schemas.openxmlformats.org/drawingml/2006/main" xmlns:r="http://schemas.openxmlformats.org/officeDocument/2006/relationships" xmlns:p="http://schemas.openxmlformats.org/presentationml/2006/main">
+  <p:cSld>
+    <p:spTree>
+      <p:nvGrpSpPr>
+        <p:cNvPr id="1" name=""/>
+        <p:cNvGrpSpPr/>
+        <p:nvPr/>
+      </p:nvGrpSpPr>
+      <p:grpSpPr>
+        <a:xfrm>
+          <a:off x="0" y="0"/>
+          <a:ext cx="0" cy="0"/>
+          <a:chOff x="0" y="0"/>
+          <a:chExt cx="0" cy="0"/>
+        </a:xfrm>
+      </p:grpSpPr>
+      <p:sp>
+        <p:nvSpPr>
+          <p:cNvPr id="2" name="Title 1">
+            <a:extLst>
+              <a:ext uri="{FF2B5EF4-FFF2-40B4-BE49-F238E27FC236}">
+                <a16:creationId xmlns:a16="http://schemas.microsoft.com/office/drawing/2014/main" id="{B0A05B6A-1DC4-400E-AFBD-B3EA41294044}"/>
+              </a:ext>
+            </a:extLst>
+          </p:cNvPr>
+          <p:cNvSpPr>
+            <a:spLocks noGrp="1"/>
+          </p:cNvSpPr>
+          <p:nvPr>
+            <p:ph type="title" idx="4294967295"/>
+          </p:nvPr>
+        </p:nvSpPr>
+        <p:spPr>
+          <a:xfrm>
+            <a:off x="0" y="1123950"/>
+            <a:ext cx="2947988" cy="4600575"/>
+          </a:xfrm>
+        </p:spPr>
+        <p:txBody>
+          <a:bodyPr/>
+          <a:lstStyle/>
+          <a:p>
+            <a:r>
+              <a:rPr lang="en-US" dirty="0"/>
+              <a:t>UML Diagram</a:t>
+            </a:r>
+          </a:p>
+        </p:txBody>
+      </p:sp>
+      <p:sp>
+        <p:nvSpPr>
+          <p:cNvPr id="3" name="TextBox 2">
+            <a:extLst>
+              <a:ext uri="{FF2B5EF4-FFF2-40B4-BE49-F238E27FC236}">
+                <a16:creationId xmlns:a16="http://schemas.microsoft.com/office/drawing/2014/main" id="{DC7F2D60-A4AB-4BD3-87C6-956DC415B3C2}"/>
+              </a:ext>
+            </a:extLst>
+          </p:cNvPr>
+          <p:cNvSpPr txBox="1"/>
+          <p:nvPr/>
+        </p:nvSpPr>
+        <p:spPr>
+          <a:xfrm>
+            <a:off x="437322" y="4120277"/>
+            <a:ext cx="5658678" cy="2031325"/>
+          </a:xfrm>
+          <a:prstGeom prst="rect">
+            <a:avLst/>
+          </a:prstGeom>
+          <a:noFill/>
+        </p:spPr>
+        <p:txBody>
+          <a:bodyPr wrap="square" rtlCol="0">
+            <a:spAutoFit/>
+          </a:bodyPr>
+          <a:lstStyle/>
+          <a:p>
+            <a:r>
+              <a:rPr lang="en-US" b="1" dirty="0"/>
+              <a:t>UML sequence diagram </a:t>
+            </a:r>
+          </a:p>
+          <a:p>
+            <a:endParaRPr lang="en-US" dirty="0"/>
+          </a:p>
+          <a:p>
+            <a:r>
+              <a:rPr lang="en-US" dirty="0"/>
+              <a:t>In this example, the Sender object calls </a:t>
+            </a:r>
+            <a:r>
+              <a:rPr lang="en-US" dirty="0" err="1"/>
+              <a:t>HandleRequest</a:t>
+            </a:r>
+            <a:r>
+              <a:rPr lang="en-US" dirty="0"/>
+              <a:t>() on the handler1 object (of type Handler). The handler1 forwards the request to handler2, which in turn forwards the request to handler3, which handles (performs) the request.</a:t>
+            </a:r>
+          </a:p>
+        </p:txBody>
+      </p:sp>
+      <p:sp>
+        <p:nvSpPr>
+          <p:cNvPr id="8" name="Rectangle 7">
+            <a:extLst>
+              <a:ext uri="{FF2B5EF4-FFF2-40B4-BE49-F238E27FC236}">
+                <a16:creationId xmlns:a16="http://schemas.microsoft.com/office/drawing/2014/main" id="{E96F8B79-E814-48BE-8814-EB04D891A4F9}"/>
+              </a:ext>
+            </a:extLst>
+          </p:cNvPr>
+          <p:cNvSpPr/>
+          <p:nvPr/>
+        </p:nvSpPr>
+        <p:spPr>
+          <a:xfrm>
+            <a:off x="5854699" y="706398"/>
+            <a:ext cx="5658678" cy="2585323"/>
+          </a:xfrm>
+          <a:prstGeom prst="rect">
+            <a:avLst/>
+          </a:prstGeom>
+        </p:spPr>
+        <p:txBody>
+          <a:bodyPr wrap="square">
+            <a:spAutoFit/>
+          </a:bodyPr>
+          <a:lstStyle/>
+          <a:p>
+            <a:r>
+              <a:rPr lang="en-US" b="1" dirty="0"/>
+              <a:t>UML class diagram</a:t>
+            </a:r>
+          </a:p>
+          <a:p>
+            <a:endParaRPr lang="en-US" dirty="0"/>
+          </a:p>
+          <a:p>
+            <a:r>
+              <a:rPr lang="en-US" dirty="0"/>
+              <a:t> The Sender class doesn't refer to a particular handler class directly. Instead, Sender refers to the Handler interface for handling a request (</a:t>
+            </a:r>
+            <a:r>
+              <a:rPr lang="en-US" dirty="0" err="1"/>
+              <a:t>handler.HandleRequest</a:t>
+            </a:r>
+            <a:r>
+              <a:rPr lang="en-US" dirty="0"/>
+              <a:t>()), which makes the Sender independent of which handler handles the request. The Handler1, Handler2, and Handler3 classes implement the Handler interface by either handling or forwarding a request (depending on run-time conditions). </a:t>
+            </a:r>
+          </a:p>
+        </p:txBody>
+      </p:sp>
+      <p:pic>
+        <p:nvPicPr>
+          <p:cNvPr id="11" name="Picture 10" descr="A screenshot of a cell phone&#10;&#10;Description generated with high confidence">
+            <a:extLst>
+              <a:ext uri="{FF2B5EF4-FFF2-40B4-BE49-F238E27FC236}">
+                <a16:creationId xmlns:a16="http://schemas.microsoft.com/office/drawing/2014/main" id="{47840751-60E5-428C-94CB-9C702D1DAAC3}"/>
+              </a:ext>
+            </a:extLst>
+          </p:cNvPr>
+          <p:cNvPicPr>
+            <a:picLocks noChangeAspect="1"/>
+          </p:cNvPicPr>
+          <p:nvPr/>
+        </p:nvPicPr>
+        <p:blipFill>
+          <a:blip r:embed="rId2"/>
+          <a:stretch>
+            <a:fillRect/>
+          </a:stretch>
+        </p:blipFill>
+        <p:spPr>
+          <a:xfrm>
+            <a:off x="824395" y="696873"/>
+            <a:ext cx="4829175" cy="2676525"/>
+          </a:xfrm>
+          <a:prstGeom prst="rect">
+            <a:avLst/>
+          </a:prstGeom>
+        </p:spPr>
+      </p:pic>
+      <p:pic>
+        <p:nvPicPr>
+          <p:cNvPr id="13" name="Picture 12" descr="A screenshot of a cell phone&#10;&#10;Description generated with high confidence">
+            <a:extLst>
+              <a:ext uri="{FF2B5EF4-FFF2-40B4-BE49-F238E27FC236}">
+                <a16:creationId xmlns:a16="http://schemas.microsoft.com/office/drawing/2014/main" id="{AC928CA3-0572-4301-A55E-D027D47E00E9}"/>
+              </a:ext>
+            </a:extLst>
+          </p:cNvPr>
+          <p:cNvPicPr>
+            <a:picLocks noChangeAspect="1"/>
+          </p:cNvPicPr>
+          <p:nvPr/>
+        </p:nvPicPr>
+        <p:blipFill>
+          <a:blip r:embed="rId3"/>
+          <a:stretch>
+            <a:fillRect/>
+          </a:stretch>
+        </p:blipFill>
+        <p:spPr>
+          <a:xfrm>
+            <a:off x="6259926" y="3623227"/>
+            <a:ext cx="4848225" cy="2867025"/>
+          </a:xfrm>
+          <a:prstGeom prst="rect">
+            <a:avLst/>
+          </a:prstGeom>
+        </p:spPr>
+      </p:pic>
+    </p:spTree>
+    <p:extLst>
+      <p:ext uri="{BB962C8B-B14F-4D97-AF65-F5344CB8AC3E}">
+        <p14:creationId xmlns:p14="http://schemas.microsoft.com/office/powerpoint/2010/main" val="1134514485"/>
+      </p:ext>
+    </p:extLst>
+  </p:cSld>
+  <p:clrMapOvr>
+    <a:masterClrMapping/>
+  </p:clrMapOvr>
+</p:sld>
+</file>
+
+<file path=ppt/slides/slide12.xml><?xml version="1.0" encoding="utf-8"?>
+<p:sld xmlns:a="http://schemas.openxmlformats.org/drawingml/2006/main" xmlns:r="http://schemas.openxmlformats.org/officeDocument/2006/relationships" xmlns:p="http://schemas.openxmlformats.org/presentationml/2006/main">
+  <p:cSld>
+    <p:spTree>
+      <p:nvGrpSpPr>
+        <p:cNvPr id="1" name=""/>
+        <p:cNvGrpSpPr/>
+        <p:nvPr/>
+      </p:nvGrpSpPr>
+      <p:grpSpPr>
+        <a:xfrm>
+          <a:off x="0" y="0"/>
+          <a:ext cx="0" cy="0"/>
+          <a:chOff x="0" y="0"/>
+          <a:chExt cx="0" cy="0"/>
+        </a:xfrm>
+      </p:grpSpPr>
+      <p:sp>
+        <p:nvSpPr>
+          <p:cNvPr id="2" name="Title 1">
+            <a:extLst>
+              <a:ext uri="{FF2B5EF4-FFF2-40B4-BE49-F238E27FC236}">
+                <a16:creationId xmlns:a16="http://schemas.microsoft.com/office/drawing/2014/main" id="{C34276AA-C3D7-4AC2-92DC-20A66B42E3ED}"/>
+              </a:ext>
+            </a:extLst>
+          </p:cNvPr>
+          <p:cNvSpPr>
+            <a:spLocks noGrp="1"/>
+          </p:cNvSpPr>
+          <p:nvPr>
+            <p:ph type="title"/>
+          </p:nvPr>
+        </p:nvSpPr>
+        <p:spPr/>
+        <p:txBody>
+          <a:bodyPr/>
+          <a:lstStyle/>
+          <a:p>
+            <a:r>
+              <a:rPr lang="en-US" dirty="0"/>
+              <a:t>Comparison with other Patterns</a:t>
+            </a:r>
+          </a:p>
+        </p:txBody>
+      </p:sp>
+      <p:sp>
+        <p:nvSpPr>
+          <p:cNvPr id="3" name="Text Placeholder 2">
+            <a:extLst>
+              <a:ext uri="{FF2B5EF4-FFF2-40B4-BE49-F238E27FC236}">
+                <a16:creationId xmlns:a16="http://schemas.microsoft.com/office/drawing/2014/main" id="{01E1C550-613C-45F3-9706-24032EA936E5}"/>
+              </a:ext>
+            </a:extLst>
+          </p:cNvPr>
+          <p:cNvSpPr>
+            <a:spLocks noGrp="1"/>
+          </p:cNvSpPr>
+          <p:nvPr>
+            <p:ph type="body" idx="1"/>
+          </p:nvPr>
+        </p:nvSpPr>
+        <p:spPr>
+          <a:xfrm>
+            <a:off x="3867912" y="1023586"/>
+            <a:ext cx="3474720" cy="807720"/>
+          </a:xfrm>
+        </p:spPr>
+        <p:txBody>
+          <a:bodyPr/>
+          <a:lstStyle/>
+          <a:p>
+            <a:r>
+              <a:rPr lang="en-US" dirty="0"/>
+              <a:t>Decorator</a:t>
+            </a:r>
+          </a:p>
+        </p:txBody>
+      </p:sp>
+      <p:sp>
+        <p:nvSpPr>
+          <p:cNvPr id="4" name="Content Placeholder 3">
+            <a:extLst>
+              <a:ext uri="{FF2B5EF4-FFF2-40B4-BE49-F238E27FC236}">
+                <a16:creationId xmlns:a16="http://schemas.microsoft.com/office/drawing/2014/main" id="{8B689A3F-346F-4276-BB0A-A5F5B58B35EB}"/>
+              </a:ext>
+            </a:extLst>
+          </p:cNvPr>
+          <p:cNvSpPr>
+            <a:spLocks noGrp="1"/>
+          </p:cNvSpPr>
+          <p:nvPr>
+            <p:ph sz="half" idx="2"/>
+          </p:nvPr>
+        </p:nvSpPr>
+        <p:spPr>
+          <a:xfrm>
+            <a:off x="3867912" y="1930936"/>
+            <a:ext cx="3474720" cy="4023360"/>
+          </a:xfrm>
+        </p:spPr>
+        <p:txBody>
+          <a:bodyPr>
+            <a:normAutofit lnSpcReduction="10000"/>
+          </a:bodyPr>
+          <a:lstStyle/>
+          <a:p>
+            <a:r>
+              <a:rPr lang="en-US" dirty="0"/>
+              <a:t>The decorator is not loosely coupled</a:t>
+            </a:r>
+          </a:p>
+          <a:p>
+            <a:r>
+              <a:rPr lang="en-US" dirty="0"/>
+              <a:t>The COR is structurally similar to the Decorator as they both rely on recursive composition of  a series of objects</a:t>
+            </a:r>
+          </a:p>
+          <a:p>
+            <a:r>
+              <a:rPr lang="en-US" dirty="0"/>
+              <a:t>In the case of Decorator all classes handle the request while in the COR there would be one or selected classes in the chain that handle the request</a:t>
+            </a:r>
+          </a:p>
+        </p:txBody>
+      </p:sp>
+      <p:sp>
+        <p:nvSpPr>
+          <p:cNvPr id="5" name="Text Placeholder 4">
+            <a:extLst>
+              <a:ext uri="{FF2B5EF4-FFF2-40B4-BE49-F238E27FC236}">
+                <a16:creationId xmlns:a16="http://schemas.microsoft.com/office/drawing/2014/main" id="{5A2A276B-F566-45F0-8CC8-1201E17A2F90}"/>
+              </a:ext>
+            </a:extLst>
+          </p:cNvPr>
+          <p:cNvSpPr>
+            <a:spLocks noGrp="1"/>
+          </p:cNvSpPr>
+          <p:nvPr>
+            <p:ph type="body" sz="quarter" idx="3"/>
+          </p:nvPr>
+        </p:nvSpPr>
+        <p:spPr>
+          <a:xfrm>
+            <a:off x="7818463" y="1023586"/>
+            <a:ext cx="3474720" cy="813171"/>
+          </a:xfrm>
+        </p:spPr>
+        <p:txBody>
+          <a:bodyPr/>
+          <a:lstStyle/>
+          <a:p>
+            <a:r>
+              <a:rPr lang="en-US" dirty="0"/>
+              <a:t>Observer</a:t>
+            </a:r>
+          </a:p>
+        </p:txBody>
+      </p:sp>
+      <p:sp>
+        <p:nvSpPr>
+          <p:cNvPr id="6" name="Content Placeholder 5">
+            <a:extLst>
+              <a:ext uri="{FF2B5EF4-FFF2-40B4-BE49-F238E27FC236}">
+                <a16:creationId xmlns:a16="http://schemas.microsoft.com/office/drawing/2014/main" id="{F18097ED-02EC-494B-A091-32129E6EAF1D}"/>
+              </a:ext>
+            </a:extLst>
+          </p:cNvPr>
+          <p:cNvSpPr>
+            <a:spLocks noGrp="1"/>
+          </p:cNvSpPr>
+          <p:nvPr>
+            <p:ph sz="quarter" idx="4"/>
+          </p:nvPr>
+        </p:nvSpPr>
+        <p:spPr>
+          <a:xfrm>
+            <a:off x="7818463" y="1930936"/>
+            <a:ext cx="3474720" cy="4178316"/>
+          </a:xfrm>
+        </p:spPr>
+        <p:txBody>
+          <a:bodyPr>
+            <a:normAutofit lnSpcReduction="10000"/>
+          </a:bodyPr>
+          <a:lstStyle/>
+          <a:p>
+            <a:r>
+              <a:rPr lang="en-US" dirty="0"/>
+              <a:t>The Observer passes a request to all subscribed receivers at the same time</a:t>
+            </a:r>
+          </a:p>
+          <a:p>
+            <a:r>
+              <a:rPr lang="en-US" dirty="0"/>
+              <a:t>COR passes a request sequentially to each item in the chain until one of them handles the request</a:t>
+            </a:r>
+          </a:p>
+          <a:p>
+            <a:r>
+              <a:rPr lang="en-US" dirty="0"/>
+              <a:t>Observer allows receivers to subscribe and unsubscribe dynamically whereas in case of COR the chain of handlers is dynamically created during initialization and cannot be modified during execution</a:t>
+            </a:r>
+          </a:p>
+          <a:p>
+            <a:endParaRPr lang="en-US" dirty="0"/>
+          </a:p>
+        </p:txBody>
+      </p:sp>
+    </p:spTree>
+    <p:extLst>
+      <p:ext uri="{BB962C8B-B14F-4D97-AF65-F5344CB8AC3E}">
+        <p14:creationId xmlns:p14="http://schemas.microsoft.com/office/powerpoint/2010/main" val="10185499"/>
+      </p:ext>
+    </p:extLst>
+  </p:cSld>
+  <p:clrMapOvr>
+    <a:masterClrMapping/>
+  </p:clrMapOvr>
+  <p:timing>
+    <p:tnLst>
+      <p:par>
+        <p:cTn id="1" dur="indefinite" restart="never" nodeType="tmRoot">
+          <p:childTnLst>
+            <p:seq concurrent="1" nextAc="seek">
+              <p:cTn id="2" dur="indefinite" nodeType="mainSeq">
+                <p:childTnLst>
+                  <p:par>
+                    <p:cTn id="3" fill="hold">
+                      <p:stCondLst>
+                        <p:cond delay="indefinite"/>
+                      </p:stCondLst>
+                      <p:childTnLst>
+                        <p:par>
+                          <p:cTn id="4" fill="hold">
+                            <p:stCondLst>
+                              <p:cond delay="0"/>
+                            </p:stCondLst>
+                            <p:childTnLst>
+                              <p:par>
+                                <p:cTn id="5" presetID="37" presetClass="entr" presetSubtype="0" fill="hold" grpId="0" nodeType="clickEffect">
+                                  <p:stCondLst>
+                                    <p:cond delay="0"/>
+                                  </p:stCondLst>
+                                  <p:childTnLst>
+                                    <p:set>
+                                      <p:cBhvr>
+                                        <p:cTn id="6" dur="1" fill="hold">
+                                          <p:stCondLst>
+                                            <p:cond delay="0"/>
+                                          </p:stCondLst>
+                                        </p:cTn>
+                                        <p:tgtEl>
+                                          <p:spTgt spid="3">
+                                            <p:txEl>
+                                              <p:pRg st="0" end="0"/>
+                                            </p:txEl>
+                                          </p:spTgt>
+                                        </p:tgtEl>
+                                        <p:attrNameLst>
+                                          <p:attrName>style.visibility</p:attrName>
+                                        </p:attrNameLst>
+                                      </p:cBhvr>
+                                      <p:to>
+                                        <p:strVal val="visible"/>
+                                      </p:to>
+                                    </p:set>
+                                    <p:animEffect transition="in" filter="fade">
+                                      <p:cBhvr>
+                                        <p:cTn id="7" dur="1000"/>
+                                        <p:tgtEl>
+                                          <p:spTgt spid="3">
+                                            <p:txEl>
+                                              <p:pRg st="0" end="0"/>
+                                            </p:txEl>
+                                          </p:spTgt>
+                                        </p:tgtEl>
+                                      </p:cBhvr>
+                                    </p:animEffect>
+                                    <p:anim calcmode="lin" valueType="num">
+                                      <p:cBhvr>
+                                        <p:cTn id="8" dur="1000" fill="hold"/>
+                                        <p:tgtEl>
+                                          <p:spTgt spid="3">
+                                            <p:txEl>
+                                              <p:pRg st="0" end="0"/>
+                                            </p:txEl>
+                                          </p:spTgt>
+                                        </p:tgtEl>
+                                        <p:attrNameLst>
+                                          <p:attrName>ppt_x</p:attrName>
+                                        </p:attrNameLst>
+                                      </p:cBhvr>
+                                      <p:tavLst>
+                                        <p:tav tm="0">
+                                          <p:val>
+                                            <p:strVal val="#ppt_x"/>
+                                          </p:val>
+                                        </p:tav>
+                                        <p:tav tm="100000">
+                                          <p:val>
+                                            <p:strVal val="#ppt_x"/>
+                                          </p:val>
+                                        </p:tav>
+                                      </p:tavLst>
+                                    </p:anim>
+                                    <p:anim calcmode="lin" valueType="num">
+                                      <p:cBhvr>
+                                        <p:cTn id="9" dur="900" decel="100000" fill="hold"/>
+                                        <p:tgtEl>
+                                          <p:spTgt spid="3">
+                                            <p:txEl>
+                                              <p:pRg st="0" end="0"/>
+                                            </p:txEl>
+                                          </p:spTgt>
+                                        </p:tgtEl>
+                                        <p:attrNameLst>
+                                          <p:attrName>ppt_y</p:attrName>
+                                        </p:attrNameLst>
+                                      </p:cBhvr>
+                                      <p:tavLst>
+                                        <p:tav tm="0">
+                                          <p:val>
+                                            <p:strVal val="#ppt_y+1"/>
+                                          </p:val>
+                                        </p:tav>
+                                        <p:tav tm="100000">
+                                          <p:val>
+                                            <p:strVal val="#ppt_y-.03"/>
+                                          </p:val>
+                                        </p:tav>
+                                      </p:tavLst>
+                                    </p:anim>
+                                    <p:anim calcmode="lin" valueType="num">
+                                      <p:cBhvr>
+                                        <p:cTn id="10" dur="100" accel="100000" fill="hold">
+                                          <p:stCondLst>
+                                            <p:cond delay="900"/>
+                                          </p:stCondLst>
+                                        </p:cTn>
+                                        <p:tgtEl>
+                                          <p:spTgt spid="3">
+                                            <p:txEl>
+                                              <p:pRg st="0" end="0"/>
+                                            </p:txEl>
+                                          </p:spTgt>
+                                        </p:tgtEl>
+                                        <p:attrNameLst>
+                                          <p:attrName>ppt_y</p:attrName>
+                                        </p:attrNameLst>
+                                      </p:cBhvr>
+                                      <p:tavLst>
+                                        <p:tav tm="0">
+                                          <p:val>
+                                            <p:strVal val="#ppt_y-.03"/>
+                                          </p:val>
+                                        </p:tav>
+                                        <p:tav tm="100000">
+                                          <p:val>
+                                            <p:strVal val="#ppt_y"/>
+                                          </p:val>
+                                        </p:tav>
+                                      </p:tavLst>
+                                    </p:anim>
+                                  </p:childTnLst>
+                                </p:cTn>
+                              </p:par>
+                              <p:par>
+                                <p:cTn id="11" presetID="37" presetClass="entr" presetSubtype="0" fill="hold" grpId="0" nodeType="withEffect">
+                                  <p:stCondLst>
+                                    <p:cond delay="0"/>
+                                  </p:stCondLst>
+                                  <p:childTnLst>
+                                    <p:set>
+                                      <p:cBhvr>
+                                        <p:cTn id="12" dur="1" fill="hold">
+                                          <p:stCondLst>
+                                            <p:cond delay="0"/>
+                                          </p:stCondLst>
+                                        </p:cTn>
+                                        <p:tgtEl>
+                                          <p:spTgt spid="4">
+                                            <p:txEl>
+                                              <p:pRg st="0" end="0"/>
+                                            </p:txEl>
+                                          </p:spTgt>
+                                        </p:tgtEl>
+                                        <p:attrNameLst>
+                                          <p:attrName>style.visibility</p:attrName>
+                                        </p:attrNameLst>
+                                      </p:cBhvr>
+                                      <p:to>
+                                        <p:strVal val="visible"/>
+                                      </p:to>
+                                    </p:set>
+                                    <p:animEffect transition="in" filter="fade">
+                                      <p:cBhvr>
+                                        <p:cTn id="13" dur="1000"/>
+                                        <p:tgtEl>
+                                          <p:spTgt spid="4">
+                                            <p:txEl>
+                                              <p:pRg st="0" end="0"/>
+                                            </p:txEl>
+                                          </p:spTgt>
+                                        </p:tgtEl>
+                                      </p:cBhvr>
+                                    </p:animEffect>
+                                    <p:anim calcmode="lin" valueType="num">
+                                      <p:cBhvr>
+                                        <p:cTn id="14" dur="1000" fill="hold"/>
+                                        <p:tgtEl>
+                                          <p:spTgt spid="4">
+                                            <p:txEl>
+                                              <p:pRg st="0" end="0"/>
+                                            </p:txEl>
+                                          </p:spTgt>
+                                        </p:tgtEl>
+                                        <p:attrNameLst>
+                                          <p:attrName>ppt_x</p:attrName>
+                                        </p:attrNameLst>
+                                      </p:cBhvr>
+                                      <p:tavLst>
+                                        <p:tav tm="0">
+                                          <p:val>
+                                            <p:strVal val="#ppt_x"/>
+                                          </p:val>
+                                        </p:tav>
+                                        <p:tav tm="100000">
+                                          <p:val>
+                                            <p:strVal val="#ppt_x"/>
+                                          </p:val>
+                                        </p:tav>
+                                      </p:tavLst>
+                                    </p:anim>
+                                    <p:anim calcmode="lin" valueType="num">
+                                      <p:cBhvr>
+                                        <p:cTn id="15" dur="900" decel="100000" fill="hold"/>
+                                        <p:tgtEl>
+                                          <p:spTgt spid="4">
+                                            <p:txEl>
+                                              <p:pRg st="0" end="0"/>
+                                            </p:txEl>
+                                          </p:spTgt>
+                                        </p:tgtEl>
+                                        <p:attrNameLst>
+                                          <p:attrName>ppt_y</p:attrName>
+                                        </p:attrNameLst>
+                                      </p:cBhvr>
+                                      <p:tavLst>
+                                        <p:tav tm="0">
+                                          <p:val>
+                                            <p:strVal val="#ppt_y+1"/>
+                                          </p:val>
+                                        </p:tav>
+                                        <p:tav tm="100000">
+                                          <p:val>
+                                            <p:strVal val="#ppt_y-.03"/>
+                                          </p:val>
+                                        </p:tav>
+                                      </p:tavLst>
+                                    </p:anim>
+                                    <p:anim calcmode="lin" valueType="num">
+                                      <p:cBhvr>
+                                        <p:cTn id="16" dur="100" accel="100000" fill="hold">
+                                          <p:stCondLst>
+                                            <p:cond delay="900"/>
+                                          </p:stCondLst>
+                                        </p:cTn>
+                                        <p:tgtEl>
+                                          <p:spTgt spid="4">
+                                            <p:txEl>
+                                              <p:pRg st="0" end="0"/>
+                                            </p:txEl>
+                                          </p:spTgt>
+                                        </p:tgtEl>
+                                        <p:attrNameLst>
+                                          <p:attrName>ppt_y</p:attrName>
+                                        </p:attrNameLst>
+                                      </p:cBhvr>
+                                      <p:tavLst>
+                                        <p:tav tm="0">
+                                          <p:val>
+                                            <p:strVal val="#ppt_y-.03"/>
+                                          </p:val>
+                                        </p:tav>
+                                        <p:tav tm="100000">
+                                          <p:val>
+                                            <p:strVal val="#ppt_y"/>
+                                          </p:val>
+                                        </p:tav>
+                                      </p:tavLst>
+                                    </p:anim>
+                                  </p:childTnLst>
+                                </p:cTn>
+                              </p:par>
+                              <p:par>
+                                <p:cTn id="17" presetID="37" presetClass="entr" presetSubtype="0" fill="hold" grpId="0" nodeType="withEffect">
+                                  <p:stCondLst>
+                                    <p:cond delay="0"/>
+                                  </p:stCondLst>
+                                  <p:childTnLst>
+                                    <p:set>
+                                      <p:cBhvr>
+                                        <p:cTn id="18" dur="1" fill="hold">
+                                          <p:stCondLst>
+                                            <p:cond delay="0"/>
+                                          </p:stCondLst>
+                                        </p:cTn>
+                                        <p:tgtEl>
+                                          <p:spTgt spid="4">
+                                            <p:txEl>
+                                              <p:pRg st="1" end="1"/>
+                                            </p:txEl>
+                                          </p:spTgt>
+                                        </p:tgtEl>
+                                        <p:attrNameLst>
+                                          <p:attrName>style.visibility</p:attrName>
+                                        </p:attrNameLst>
+                                      </p:cBhvr>
+                                      <p:to>
+                                        <p:strVal val="visible"/>
+                                      </p:to>
+                                    </p:set>
+                                    <p:animEffect transition="in" filter="fade">
+                                      <p:cBhvr>
+                                        <p:cTn id="19" dur="1000"/>
+                                        <p:tgtEl>
+                                          <p:spTgt spid="4">
+                                            <p:txEl>
+                                              <p:pRg st="1" end="1"/>
+                                            </p:txEl>
+                                          </p:spTgt>
+                                        </p:tgtEl>
+                                      </p:cBhvr>
+                                    </p:animEffect>
+                                    <p:anim calcmode="lin" valueType="num">
+                                      <p:cBhvr>
+                                        <p:cTn id="20" dur="1000" fill="hold"/>
+                                        <p:tgtEl>
+                                          <p:spTgt spid="4">
+                                            <p:txEl>
+                                              <p:pRg st="1" end="1"/>
+                                            </p:txEl>
+                                          </p:spTgt>
+                                        </p:tgtEl>
+                                        <p:attrNameLst>
+                                          <p:attrName>ppt_x</p:attrName>
+                                        </p:attrNameLst>
+                                      </p:cBhvr>
+                                      <p:tavLst>
+                                        <p:tav tm="0">
+                                          <p:val>
+                                            <p:strVal val="#ppt_x"/>
+                                          </p:val>
+                                        </p:tav>
+                                        <p:tav tm="100000">
+                                          <p:val>
+                                            <p:strVal val="#ppt_x"/>
+                                          </p:val>
+                                        </p:tav>
+                                      </p:tavLst>
+                                    </p:anim>
+                                    <p:anim calcmode="lin" valueType="num">
+                                      <p:cBhvr>
+                                        <p:cTn id="21" dur="900" decel="100000" fill="hold"/>
+                                        <p:tgtEl>
+                                          <p:spTgt spid="4">
+                                            <p:txEl>
+                                              <p:pRg st="1" end="1"/>
+                                            </p:txEl>
+                                          </p:spTgt>
+                                        </p:tgtEl>
+                                        <p:attrNameLst>
+                                          <p:attrName>ppt_y</p:attrName>
+                                        </p:attrNameLst>
+                                      </p:cBhvr>
+                                      <p:tavLst>
+                                        <p:tav tm="0">
+                                          <p:val>
+                                            <p:strVal val="#ppt_y+1"/>
+                                          </p:val>
+                                        </p:tav>
+                                        <p:tav tm="100000">
+                                          <p:val>
+                                            <p:strVal val="#ppt_y-.03"/>
+                                          </p:val>
+                                        </p:tav>
+                                      </p:tavLst>
+                                    </p:anim>
+                                    <p:anim calcmode="lin" valueType="num">
+                                      <p:cBhvr>
+                                        <p:cTn id="22" dur="100" accel="100000" fill="hold">
+                                          <p:stCondLst>
+                                            <p:cond delay="900"/>
+                                          </p:stCondLst>
+                                        </p:cTn>
+                                        <p:tgtEl>
+                                          <p:spTgt spid="4">
+                                            <p:txEl>
+                                              <p:pRg st="1" end="1"/>
+                                            </p:txEl>
+                                          </p:spTgt>
+                                        </p:tgtEl>
+                                        <p:attrNameLst>
+                                          <p:attrName>ppt_y</p:attrName>
+                                        </p:attrNameLst>
+                                      </p:cBhvr>
+                                      <p:tavLst>
+                                        <p:tav tm="0">
+                                          <p:val>
+                                            <p:strVal val="#ppt_y-.03"/>
+                                          </p:val>
+                                        </p:tav>
+                                        <p:tav tm="100000">
+                                          <p:val>
+                                            <p:strVal val="#ppt_y"/>
+                                          </p:val>
+                                        </p:tav>
+                                      </p:tavLst>
+                                    </p:anim>
+                                  </p:childTnLst>
+                                </p:cTn>
+                              </p:par>
+                              <p:par>
+                                <p:cTn id="23" presetID="37" presetClass="entr" presetSubtype="0" fill="hold" grpId="0" nodeType="withEffect">
+                                  <p:stCondLst>
+                                    <p:cond delay="0"/>
+                                  </p:stCondLst>
+                                  <p:childTnLst>
+                                    <p:set>
+                                      <p:cBhvr>
+                                        <p:cTn id="24" dur="1" fill="hold">
+                                          <p:stCondLst>
+                                            <p:cond delay="0"/>
+                                          </p:stCondLst>
+                                        </p:cTn>
+                                        <p:tgtEl>
+                                          <p:spTgt spid="4">
+                                            <p:txEl>
+                                              <p:pRg st="2" end="2"/>
+                                            </p:txEl>
+                                          </p:spTgt>
+                                        </p:tgtEl>
+                                        <p:attrNameLst>
+                                          <p:attrName>style.visibility</p:attrName>
+                                        </p:attrNameLst>
+                                      </p:cBhvr>
+                                      <p:to>
+                                        <p:strVal val="visible"/>
+                                      </p:to>
+                                    </p:set>
+                                    <p:animEffect transition="in" filter="fade">
+                                      <p:cBhvr>
+                                        <p:cTn id="25" dur="1000"/>
+                                        <p:tgtEl>
+                                          <p:spTgt spid="4">
+                                            <p:txEl>
+                                              <p:pRg st="2" end="2"/>
+                                            </p:txEl>
+                                          </p:spTgt>
+                                        </p:tgtEl>
+                                      </p:cBhvr>
+                                    </p:animEffect>
+                                    <p:anim calcmode="lin" valueType="num">
+                                      <p:cBhvr>
+                                        <p:cTn id="26" dur="1000" fill="hold"/>
+                                        <p:tgtEl>
+                                          <p:spTgt spid="4">
+                                            <p:txEl>
+                                              <p:pRg st="2" end="2"/>
+                                            </p:txEl>
+                                          </p:spTgt>
+                                        </p:tgtEl>
+                                        <p:attrNameLst>
+                                          <p:attrName>ppt_x</p:attrName>
+                                        </p:attrNameLst>
+                                      </p:cBhvr>
+                                      <p:tavLst>
+                                        <p:tav tm="0">
+                                          <p:val>
+                                            <p:strVal val="#ppt_x"/>
+                                          </p:val>
+                                        </p:tav>
+                                        <p:tav tm="100000">
+                                          <p:val>
+                                            <p:strVal val="#ppt_x"/>
+                                          </p:val>
+                                        </p:tav>
+                                      </p:tavLst>
+                                    </p:anim>
+                                    <p:anim calcmode="lin" valueType="num">
+                                      <p:cBhvr>
+                                        <p:cTn id="27" dur="900" decel="100000" fill="hold"/>
+                                        <p:tgtEl>
+                                          <p:spTgt spid="4">
+                                            <p:txEl>
+                                              <p:pRg st="2" end="2"/>
+                                            </p:txEl>
+                                          </p:spTgt>
+                                        </p:tgtEl>
+                                        <p:attrNameLst>
+                                          <p:attrName>ppt_y</p:attrName>
+                                        </p:attrNameLst>
+                                      </p:cBhvr>
+                                      <p:tavLst>
+                                        <p:tav tm="0">
+                                          <p:val>
+                                            <p:strVal val="#ppt_y+1"/>
+                                          </p:val>
+                                        </p:tav>
+                                        <p:tav tm="100000">
+                                          <p:val>
+                                            <p:strVal val="#ppt_y-.03"/>
+                                          </p:val>
+                                        </p:tav>
+                                      </p:tavLst>
+                                    </p:anim>
+                                    <p:anim calcmode="lin" valueType="num">
+                                      <p:cBhvr>
+                                        <p:cTn id="28" dur="100" accel="100000" fill="hold">
+                                          <p:stCondLst>
+                                            <p:cond delay="900"/>
+                                          </p:stCondLst>
+                                        </p:cTn>
+                                        <p:tgtEl>
+                                          <p:spTgt spid="4">
+                                            <p:txEl>
+                                              <p:pRg st="2" end="2"/>
+                                            </p:txEl>
+                                          </p:spTgt>
+                                        </p:tgtEl>
+                                        <p:attrNameLst>
+                                          <p:attrName>ppt_y</p:attrName>
+                                        </p:attrNameLst>
+                                      </p:cBhvr>
+                                      <p:tavLst>
+                                        <p:tav tm="0">
+                                          <p:val>
+                                            <p:strVal val="#ppt_y-.03"/>
+                                          </p:val>
+                                        </p:tav>
+                                        <p:tav tm="100000">
+                                          <p:val>
+                                            <p:strVal val="#ppt_y"/>
+                                          </p:val>
+                                        </p:tav>
+                                      </p:tavLst>
+                                    </p:anim>
+                                  </p:childTnLst>
+                                </p:cTn>
+                              </p:par>
+                            </p:childTnLst>
+                          </p:cTn>
+                        </p:par>
+                      </p:childTnLst>
+                    </p:cTn>
+                  </p:par>
+                  <p:par>
+                    <p:cTn id="29" fill="hold">
+                      <p:stCondLst>
+                        <p:cond delay="indefinite"/>
+                      </p:stCondLst>
+                      <p:childTnLst>
+                        <p:par>
+                          <p:cTn id="30" fill="hold">
+                            <p:stCondLst>
+                              <p:cond delay="0"/>
+                            </p:stCondLst>
+                            <p:childTnLst>
+                              <p:par>
+                                <p:cTn id="31" presetID="2" presetClass="entr" presetSubtype="1" accel="50000" decel="50000" fill="hold" grpId="0" nodeType="clickEffect">
+                                  <p:stCondLst>
+                                    <p:cond delay="0"/>
+                                  </p:stCondLst>
+                                  <p:childTnLst>
+                                    <p:set>
+                                      <p:cBhvr>
+                                        <p:cTn id="32" dur="1" fill="hold">
+                                          <p:stCondLst>
+                                            <p:cond delay="0"/>
+                                          </p:stCondLst>
+                                        </p:cTn>
+                                        <p:tgtEl>
+                                          <p:spTgt spid="5">
+                                            <p:txEl>
+                                              <p:pRg st="0" end="0"/>
+                                            </p:txEl>
+                                          </p:spTgt>
+                                        </p:tgtEl>
+                                        <p:attrNameLst>
+                                          <p:attrName>style.visibility</p:attrName>
+                                        </p:attrNameLst>
+                                      </p:cBhvr>
+                                      <p:to>
+                                        <p:strVal val="visible"/>
+                                      </p:to>
+                                    </p:set>
+                                    <p:anim calcmode="lin" valueType="num">
+                                      <p:cBhvr additive="base">
+                                        <p:cTn id="33" dur="500" fill="hold"/>
+                                        <p:tgtEl>
+                                          <p:spTgt spid="5">
+                                            <p:txEl>
+                                              <p:pRg st="0" end="0"/>
+                                            </p:txEl>
+                                          </p:spTgt>
+                                        </p:tgtEl>
+                                        <p:attrNameLst>
+                                          <p:attrName>ppt_x</p:attrName>
+                                        </p:attrNameLst>
+                                      </p:cBhvr>
+                                      <p:tavLst>
+                                        <p:tav tm="0">
+                                          <p:val>
+                                            <p:strVal val="#ppt_x"/>
+                                          </p:val>
+                                        </p:tav>
+                                        <p:tav tm="100000">
+                                          <p:val>
+                                            <p:strVal val="#ppt_x"/>
+                                          </p:val>
+                                        </p:tav>
+                                      </p:tavLst>
+                                    </p:anim>
+                                    <p:anim calcmode="lin" valueType="num">
+                                      <p:cBhvr additive="base">
+                                        <p:cTn id="34" dur="500" fill="hold"/>
+                                        <p:tgtEl>
+                                          <p:spTgt spid="5">
+                                            <p:txEl>
+                                              <p:pRg st="0" end="0"/>
+                                            </p:txEl>
+                                          </p:spTgt>
+                                        </p:tgtEl>
+                                        <p:attrNameLst>
+                                          <p:attrName>ppt_y</p:attrName>
+                                        </p:attrNameLst>
+                                      </p:cBhvr>
+                                      <p:tavLst>
+                                        <p:tav tm="0">
+                                          <p:val>
+                                            <p:strVal val="0-#ppt_h/2"/>
+                                          </p:val>
+                                        </p:tav>
+                                        <p:tav tm="100000">
+                                          <p:val>
+                                            <p:strVal val="#ppt_y"/>
+                                          </p:val>
+                                        </p:tav>
+                                      </p:tavLst>
+                                    </p:anim>
+                                  </p:childTnLst>
+                                </p:cTn>
+                              </p:par>
+                              <p:par>
+                                <p:cTn id="35" presetID="2" presetClass="entr" presetSubtype="1" accel="50000" decel="50000" fill="hold" grpId="0" nodeType="withEffect">
+                                  <p:stCondLst>
+                                    <p:cond delay="0"/>
+                                  </p:stCondLst>
+                                  <p:childTnLst>
+                                    <p:set>
+                                      <p:cBhvr>
+                                        <p:cTn id="36" dur="1" fill="hold">
+                                          <p:stCondLst>
+                                            <p:cond delay="0"/>
+                                          </p:stCondLst>
+                                        </p:cTn>
+                                        <p:tgtEl>
+                                          <p:spTgt spid="6">
+                                            <p:txEl>
+                                              <p:pRg st="0" end="0"/>
+                                            </p:txEl>
+                                          </p:spTgt>
+                                        </p:tgtEl>
+                                        <p:attrNameLst>
+                                          <p:attrName>style.visibility</p:attrName>
+                                        </p:attrNameLst>
+                                      </p:cBhvr>
+                                      <p:to>
+                                        <p:strVal val="visible"/>
+                                      </p:to>
+                                    </p:set>
+                                    <p:anim calcmode="lin" valueType="num">
+                                      <p:cBhvr additive="base">
+                                        <p:cTn id="37" dur="500" fill="hold"/>
+                                        <p:tgtEl>
+                                          <p:spTgt spid="6">
+                                            <p:txEl>
+                                              <p:pRg st="0" end="0"/>
+                                            </p:txEl>
+                                          </p:spTgt>
+                                        </p:tgtEl>
+                                        <p:attrNameLst>
+                                          <p:attrName>ppt_x</p:attrName>
+                                        </p:attrNameLst>
+                                      </p:cBhvr>
+                                      <p:tavLst>
+                                        <p:tav tm="0">
+                                          <p:val>
+                                            <p:strVal val="#ppt_x"/>
+                                          </p:val>
+                                        </p:tav>
+                                        <p:tav tm="100000">
+                                          <p:val>
+                                            <p:strVal val="#ppt_x"/>
+                                          </p:val>
+                                        </p:tav>
+                                      </p:tavLst>
+                                    </p:anim>
+                                    <p:anim calcmode="lin" valueType="num">
+                                      <p:cBhvr additive="base">
+                                        <p:cTn id="38" dur="500" fill="hold"/>
+                                        <p:tgtEl>
+                                          <p:spTgt spid="6">
+                                            <p:txEl>
+                                              <p:pRg st="0" end="0"/>
+                                            </p:txEl>
+                                          </p:spTgt>
+                                        </p:tgtEl>
+                                        <p:attrNameLst>
+                                          <p:attrName>ppt_y</p:attrName>
+                                        </p:attrNameLst>
+                                      </p:cBhvr>
+                                      <p:tavLst>
+                                        <p:tav tm="0">
+                                          <p:val>
+                                            <p:strVal val="0-#ppt_h/2"/>
+                                          </p:val>
+                                        </p:tav>
+                                        <p:tav tm="100000">
+                                          <p:val>
+                                            <p:strVal val="#ppt_y"/>
+                                          </p:val>
+                                        </p:tav>
+                                      </p:tavLst>
+                                    </p:anim>
+                                  </p:childTnLst>
+                                </p:cTn>
+                              </p:par>
+                              <p:par>
+                                <p:cTn id="39" presetID="2" presetClass="entr" presetSubtype="1" accel="50000" decel="50000" fill="hold" grpId="0" nodeType="withEffect">
+                                  <p:stCondLst>
+                                    <p:cond delay="0"/>
+                                  </p:stCondLst>
+                                  <p:childTnLst>
+                                    <p:set>
+                                      <p:cBhvr>
+                                        <p:cTn id="40" dur="1" fill="hold">
+                                          <p:stCondLst>
+                                            <p:cond delay="0"/>
+                                          </p:stCondLst>
+                                        </p:cTn>
+                                        <p:tgtEl>
+                                          <p:spTgt spid="6">
+                                            <p:txEl>
+                                              <p:pRg st="1" end="1"/>
+                                            </p:txEl>
+                                          </p:spTgt>
+                                        </p:tgtEl>
+                                        <p:attrNameLst>
+                                          <p:attrName>style.visibility</p:attrName>
+                                        </p:attrNameLst>
+                                      </p:cBhvr>
+                                      <p:to>
+                                        <p:strVal val="visible"/>
+                                      </p:to>
+                                    </p:set>
+                                    <p:anim calcmode="lin" valueType="num">
+                                      <p:cBhvr additive="base">
+                                        <p:cTn id="41" dur="500" fill="hold"/>
+                                        <p:tgtEl>
+                                          <p:spTgt spid="6">
+                                            <p:txEl>
+                                              <p:pRg st="1" end="1"/>
+                                            </p:txEl>
+                                          </p:spTgt>
+                                        </p:tgtEl>
+                                        <p:attrNameLst>
+                                          <p:attrName>ppt_x</p:attrName>
+                                        </p:attrNameLst>
+                                      </p:cBhvr>
+                                      <p:tavLst>
+                                        <p:tav tm="0">
+                                          <p:val>
+                                            <p:strVal val="#ppt_x"/>
+                                          </p:val>
+                                        </p:tav>
+                                        <p:tav tm="100000">
+                                          <p:val>
+                                            <p:strVal val="#ppt_x"/>
+                                          </p:val>
+                                        </p:tav>
+                                      </p:tavLst>
+                                    </p:anim>
+                                    <p:anim calcmode="lin" valueType="num">
+                                      <p:cBhvr additive="base">
+                                        <p:cTn id="42" dur="500" fill="hold"/>
+                                        <p:tgtEl>
+                                          <p:spTgt spid="6">
+                                            <p:txEl>
+                                              <p:pRg st="1" end="1"/>
+                                            </p:txEl>
+                                          </p:spTgt>
+                                        </p:tgtEl>
+                                        <p:attrNameLst>
+                                          <p:attrName>ppt_y</p:attrName>
+                                        </p:attrNameLst>
+                                      </p:cBhvr>
+                                      <p:tavLst>
+                                        <p:tav tm="0">
+                                          <p:val>
+                                            <p:strVal val="0-#ppt_h/2"/>
+                                          </p:val>
+                                        </p:tav>
+                                        <p:tav tm="100000">
+                                          <p:val>
+                                            <p:strVal val="#ppt_y"/>
+                                          </p:val>
+                                        </p:tav>
+                                      </p:tavLst>
+                                    </p:anim>
+                                  </p:childTnLst>
+                                </p:cTn>
+                              </p:par>
+                              <p:par>
+                                <p:cTn id="43" presetID="2" presetClass="entr" presetSubtype="1" accel="50000" decel="50000" fill="hold" grpId="0" nodeType="withEffect">
+                                  <p:stCondLst>
+                                    <p:cond delay="0"/>
+                                  </p:stCondLst>
+                                  <p:childTnLst>
+                                    <p:set>
+                                      <p:cBhvr>
+                                        <p:cTn id="44" dur="1" fill="hold">
+                                          <p:stCondLst>
+                                            <p:cond delay="0"/>
+                                          </p:stCondLst>
+                                        </p:cTn>
+                                        <p:tgtEl>
+                                          <p:spTgt spid="6">
+                                            <p:txEl>
+                                              <p:pRg st="2" end="2"/>
+                                            </p:txEl>
+                                          </p:spTgt>
+                                        </p:tgtEl>
+                                        <p:attrNameLst>
+                                          <p:attrName>style.visibility</p:attrName>
+                                        </p:attrNameLst>
+                                      </p:cBhvr>
+                                      <p:to>
+                                        <p:strVal val="visible"/>
+                                      </p:to>
+                                    </p:set>
+                                    <p:anim calcmode="lin" valueType="num">
+                                      <p:cBhvr additive="base">
+                                        <p:cTn id="45" dur="500" fill="hold"/>
+                                        <p:tgtEl>
+                                          <p:spTgt spid="6">
+                                            <p:txEl>
+                                              <p:pRg st="2" end="2"/>
+                                            </p:txEl>
+                                          </p:spTgt>
+                                        </p:tgtEl>
+                                        <p:attrNameLst>
+                                          <p:attrName>ppt_x</p:attrName>
+                                        </p:attrNameLst>
+                                      </p:cBhvr>
+                                      <p:tavLst>
+                                        <p:tav tm="0">
+                                          <p:val>
+                                            <p:strVal val="#ppt_x"/>
+                                          </p:val>
+                                        </p:tav>
+                                        <p:tav tm="100000">
+                                          <p:val>
+                                            <p:strVal val="#ppt_x"/>
+                                          </p:val>
+                                        </p:tav>
+                                      </p:tavLst>
+                                    </p:anim>
+                                    <p:anim calcmode="lin" valueType="num">
+                                      <p:cBhvr additive="base">
+                                        <p:cTn id="46" dur="500" fill="hold"/>
+                                        <p:tgtEl>
+                                          <p:spTgt spid="6">
+                                            <p:txEl>
+                                              <p:pRg st="2" end="2"/>
+                                            </p:txEl>
+                                          </p:spTgt>
+                                        </p:tgtEl>
+                                        <p:attrNameLst>
+                                          <p:attrName>ppt_y</p:attrName>
+                                        </p:attrNameLst>
+                                      </p:cBhvr>
+                                      <p:tavLst>
+                                        <p:tav tm="0">
+                                          <p:val>
+                                            <p:strVal val="0-#ppt_h/2"/>
+                                          </p:val>
+                                        </p:tav>
+                                        <p:tav tm="100000">
+                                          <p:val>
+                                            <p:strVal val="#ppt_y"/>
+                                          </p:val>
+                                        </p:tav>
+                                      </p:tavLst>
+                                    </p:anim>
+                                  </p:childTnLst>
+                                </p:cTn>
+                              </p:par>
+                            </p:childTnLst>
+                          </p:cTn>
+                        </p:par>
+                      </p:childTnLst>
+                    </p:cTn>
+                  </p:par>
+                </p:childTnLst>
+              </p:cTn>
+              <p:prevCondLst>
+                <p:cond evt="onPrev" delay="0">
+                  <p:tgtEl>
+                    <p:sldTgt/>
+                  </p:tgtEl>
+                </p:cond>
+              </p:prevCondLst>
+              <p:nextCondLst>
+                <p:cond evt="onNext" delay="0">
+                  <p:tgtEl>
+                    <p:sldTgt/>
+                  </p:tgtEl>
+                </p:cond>
+              </p:nextCondLst>
+            </p:seq>
+          </p:childTnLst>
+        </p:cTn>
+      </p:par>
+    </p:tnLst>
+    <p:bldLst>
+      <p:bldP spid="3" grpId="0" build="p"/>
+      <p:bldP spid="4" grpId="0" build="p"/>
+      <p:bldP spid="5" grpId="0" build="p"/>
+      <p:bldP spid="6" grpId="0" build="p"/>
+    </p:bldLst>
+  </p:timing>
+</p:sld>
+</file>
+
+<file path=ppt/slides/slide13.xml><?xml version="1.0" encoding="utf-8"?>
+<p:sld xmlns:a="http://schemas.openxmlformats.org/drawingml/2006/main" xmlns:r="http://schemas.openxmlformats.org/officeDocument/2006/relationships" xmlns:p="http://schemas.openxmlformats.org/presentationml/2006/main">
+  <p:cSld>
+    <p:spTree>
+      <p:nvGrpSpPr>
+        <p:cNvPr id="1" name=""/>
+        <p:cNvGrpSpPr/>
+        <p:nvPr/>
+      </p:nvGrpSpPr>
+      <p:grpSpPr>
+        <a:xfrm>
+          <a:off x="0" y="0"/>
+          <a:ext cx="0" cy="0"/>
+          <a:chOff x="0" y="0"/>
+          <a:chExt cx="0" cy="0"/>
+        </a:xfrm>
+      </p:grpSpPr>
+      <p:sp>
+        <p:nvSpPr>
+          <p:cNvPr id="3" name="Title 2">
+            <a:extLst>
+              <a:ext uri="{FF2B5EF4-FFF2-40B4-BE49-F238E27FC236}">
+                <a16:creationId xmlns:a16="http://schemas.microsoft.com/office/drawing/2014/main" id="{B6A54DCA-F87E-48D7-9BA7-D6BD9D3DA655}"/>
+              </a:ext>
+            </a:extLst>
+          </p:cNvPr>
+          <p:cNvSpPr>
+            <a:spLocks noGrp="1"/>
+          </p:cNvSpPr>
+          <p:nvPr>
+            <p:ph type="title"/>
+          </p:nvPr>
+        </p:nvSpPr>
+        <p:spPr/>
+        <p:txBody>
+          <a:bodyPr/>
+          <a:lstStyle/>
+          <a:p>
+            <a:r>
+              <a:rPr lang="en-US" dirty="0"/>
+              <a:t>Logger  Class</a:t>
+            </a:r>
+          </a:p>
+        </p:txBody>
+      </p:sp>
+      <p:sp>
+        <p:nvSpPr>
+          <p:cNvPr id="4" name="Content Placeholder 3">
+            <a:extLst>
+              <a:ext uri="{FF2B5EF4-FFF2-40B4-BE49-F238E27FC236}">
+                <a16:creationId xmlns:a16="http://schemas.microsoft.com/office/drawing/2014/main" id="{ED7F7813-2C91-421F-815F-0E487EBBA399}"/>
+              </a:ext>
+            </a:extLst>
+          </p:cNvPr>
+          <p:cNvSpPr>
+            <a:spLocks noGrp="1"/>
+          </p:cNvSpPr>
+          <p:nvPr>
+            <p:ph idx="1"/>
+          </p:nvPr>
+        </p:nvSpPr>
+        <p:spPr>
+          <a:xfrm>
+            <a:off x="3869268" y="755374"/>
+            <a:ext cx="7315200" cy="5229374"/>
+          </a:xfrm>
+        </p:spPr>
+        <p:txBody>
+          <a:bodyPr>
+            <a:noAutofit/>
+          </a:bodyPr>
+          <a:lstStyle/>
+          <a:p>
+            <a:pPr marL="0" indent="0">
+              <a:lnSpc>
+                <a:spcPct val="120000"/>
+              </a:lnSpc>
+              <a:spcBef>
+                <a:spcPts val="0"/>
+              </a:spcBef>
+              <a:buNone/>
+            </a:pPr>
+            <a:r>
+              <a:rPr lang="en-US" sz="1400" dirty="0">
+                <a:solidFill>
+                  <a:srgbClr val="000000"/>
+                </a:solidFill>
+              </a:rPr>
+              <a:t> </a:t>
+            </a:r>
+            <a:r>
+              <a:rPr lang="en-US" sz="1400" dirty="0">
+                <a:solidFill>
+                  <a:srgbClr val="0000FF"/>
+                </a:solidFill>
+              </a:rPr>
+              <a:t>public</a:t>
+            </a:r>
+            <a:r>
+              <a:rPr lang="en-US" sz="1400" dirty="0">
+                <a:solidFill>
+                  <a:srgbClr val="000000"/>
+                </a:solidFill>
+              </a:rPr>
+              <a:t> </a:t>
+            </a:r>
+            <a:r>
+              <a:rPr lang="en-US" sz="1400" dirty="0">
+                <a:solidFill>
+                  <a:srgbClr val="0000FF"/>
+                </a:solidFill>
+              </a:rPr>
+              <a:t>abstract</a:t>
+            </a:r>
+            <a:r>
+              <a:rPr lang="en-US" sz="1400" dirty="0">
+                <a:solidFill>
+                  <a:srgbClr val="000000"/>
+                </a:solidFill>
+              </a:rPr>
+              <a:t> </a:t>
+            </a:r>
+            <a:r>
+              <a:rPr lang="en-US" sz="1400" dirty="0">
+                <a:solidFill>
+                  <a:srgbClr val="0000FF"/>
+                </a:solidFill>
+              </a:rPr>
+              <a:t>class</a:t>
+            </a:r>
+            <a:r>
+              <a:rPr lang="en-US" sz="1400" dirty="0">
+                <a:solidFill>
+                  <a:srgbClr val="000000"/>
+                </a:solidFill>
+              </a:rPr>
+              <a:t> </a:t>
+            </a:r>
+            <a:r>
+              <a:rPr lang="en-US" sz="1400" dirty="0">
+                <a:solidFill>
+                  <a:srgbClr val="2B91AF"/>
+                </a:solidFill>
+              </a:rPr>
+              <a:t>Logger</a:t>
+            </a:r>
+            <a:endParaRPr lang="en-US" sz="1400" dirty="0">
+              <a:solidFill>
+                <a:srgbClr val="000000"/>
+              </a:solidFill>
+            </a:endParaRPr>
+          </a:p>
+          <a:p>
+            <a:pPr marL="0" indent="0">
+              <a:lnSpc>
+                <a:spcPct val="120000"/>
+              </a:lnSpc>
+              <a:spcBef>
+                <a:spcPts val="0"/>
+              </a:spcBef>
+              <a:buNone/>
+            </a:pPr>
+            <a:r>
+              <a:rPr lang="en-US" sz="1400" dirty="0">
+                <a:solidFill>
+                  <a:srgbClr val="000000"/>
+                </a:solidFill>
+              </a:rPr>
+              <a:t>    {</a:t>
+            </a:r>
+          </a:p>
+          <a:p>
+            <a:pPr marL="0" indent="0">
+              <a:lnSpc>
+                <a:spcPct val="120000"/>
+              </a:lnSpc>
+              <a:spcBef>
+                <a:spcPts val="0"/>
+              </a:spcBef>
+              <a:buNone/>
+            </a:pPr>
+            <a:r>
+              <a:rPr lang="en-US" sz="1400" dirty="0">
+                <a:solidFill>
+                  <a:srgbClr val="000000"/>
+                </a:solidFill>
+              </a:rPr>
+              <a:t>        </a:t>
+            </a:r>
+            <a:r>
+              <a:rPr lang="en-US" sz="1400" dirty="0">
+                <a:solidFill>
+                  <a:srgbClr val="0000FF"/>
+                </a:solidFill>
+              </a:rPr>
+              <a:t>protected</a:t>
+            </a:r>
+            <a:r>
+              <a:rPr lang="en-US" sz="1400" dirty="0">
+                <a:solidFill>
+                  <a:srgbClr val="000000"/>
+                </a:solidFill>
+              </a:rPr>
+              <a:t> </a:t>
+            </a:r>
+            <a:r>
+              <a:rPr lang="en-US" sz="1400" dirty="0" err="1">
+                <a:solidFill>
+                  <a:srgbClr val="000000"/>
+                </a:solidFill>
+              </a:rPr>
+              <a:t>LogLevel</a:t>
+            </a:r>
+            <a:r>
+              <a:rPr lang="en-US" sz="1400" dirty="0">
+                <a:solidFill>
+                  <a:srgbClr val="000000"/>
+                </a:solidFill>
+              </a:rPr>
+              <a:t> level;</a:t>
+            </a:r>
+          </a:p>
+          <a:p>
+            <a:pPr marL="0" indent="0">
+              <a:lnSpc>
+                <a:spcPct val="120000"/>
+              </a:lnSpc>
+              <a:spcBef>
+                <a:spcPts val="0"/>
+              </a:spcBef>
+              <a:buNone/>
+            </a:pPr>
+            <a:endParaRPr lang="en-US" sz="1400" dirty="0">
+              <a:solidFill>
+                <a:srgbClr val="000000"/>
+              </a:solidFill>
+            </a:endParaRPr>
+          </a:p>
+          <a:p>
+            <a:pPr marL="0" indent="0">
+              <a:lnSpc>
+                <a:spcPct val="120000"/>
+              </a:lnSpc>
+              <a:spcBef>
+                <a:spcPts val="0"/>
+              </a:spcBef>
+              <a:buNone/>
+            </a:pPr>
+            <a:r>
+              <a:rPr lang="en-US" sz="1400" dirty="0">
+                <a:solidFill>
+                  <a:srgbClr val="000000"/>
+                </a:solidFill>
+              </a:rPr>
+              <a:t>        </a:t>
+            </a:r>
+            <a:r>
+              <a:rPr lang="en-US" sz="1400" dirty="0">
+                <a:solidFill>
+                  <a:srgbClr val="008000"/>
+                </a:solidFill>
+              </a:rPr>
+              <a:t>// The next Handler in the chain</a:t>
+            </a:r>
+            <a:endParaRPr lang="en-US" sz="1400" dirty="0">
+              <a:solidFill>
+                <a:srgbClr val="000000"/>
+              </a:solidFill>
+            </a:endParaRPr>
+          </a:p>
+          <a:p>
+            <a:pPr marL="0" indent="0">
+              <a:lnSpc>
+                <a:spcPct val="120000"/>
+              </a:lnSpc>
+              <a:spcBef>
+                <a:spcPts val="0"/>
+              </a:spcBef>
+              <a:buNone/>
+            </a:pPr>
+            <a:r>
+              <a:rPr lang="en-US" sz="1400" dirty="0">
+                <a:solidFill>
+                  <a:srgbClr val="000000"/>
+                </a:solidFill>
+              </a:rPr>
+              <a:t>        </a:t>
+            </a:r>
+            <a:r>
+              <a:rPr lang="en-US" sz="1400" dirty="0">
+                <a:solidFill>
+                  <a:srgbClr val="0000FF"/>
+                </a:solidFill>
+              </a:rPr>
+              <a:t>protected</a:t>
+            </a:r>
+            <a:r>
+              <a:rPr lang="en-US" sz="1400" dirty="0">
+                <a:solidFill>
+                  <a:srgbClr val="000000"/>
+                </a:solidFill>
+              </a:rPr>
+              <a:t> Logger next;</a:t>
+            </a:r>
+          </a:p>
+          <a:p>
+            <a:pPr marL="0" indent="0">
+              <a:lnSpc>
+                <a:spcPct val="120000"/>
+              </a:lnSpc>
+              <a:spcBef>
+                <a:spcPts val="0"/>
+              </a:spcBef>
+              <a:buNone/>
+            </a:pPr>
+            <a:endParaRPr lang="en-US" sz="1400" dirty="0">
+              <a:solidFill>
+                <a:srgbClr val="000000"/>
+              </a:solidFill>
+            </a:endParaRPr>
+          </a:p>
+          <a:p>
+            <a:pPr marL="0" indent="0">
+              <a:lnSpc>
+                <a:spcPct val="120000"/>
+              </a:lnSpc>
+              <a:spcBef>
+                <a:spcPts val="0"/>
+              </a:spcBef>
+              <a:buNone/>
+            </a:pPr>
+            <a:r>
+              <a:rPr lang="en-US" sz="1400" dirty="0">
+                <a:solidFill>
+                  <a:srgbClr val="000000"/>
+                </a:solidFill>
+              </a:rPr>
+              <a:t>        </a:t>
+            </a:r>
+            <a:r>
+              <a:rPr lang="en-US" sz="1400" dirty="0">
+                <a:solidFill>
+                  <a:srgbClr val="0000FF"/>
+                </a:solidFill>
+              </a:rPr>
+              <a:t>public</a:t>
+            </a:r>
+            <a:r>
+              <a:rPr lang="en-US" sz="1400" dirty="0">
+                <a:solidFill>
+                  <a:srgbClr val="000000"/>
+                </a:solidFill>
+              </a:rPr>
+              <a:t> Logger(</a:t>
+            </a:r>
+            <a:r>
+              <a:rPr lang="en-US" sz="1400" dirty="0" err="1">
+                <a:solidFill>
+                  <a:srgbClr val="000000"/>
+                </a:solidFill>
+              </a:rPr>
+              <a:t>LogLevel</a:t>
+            </a:r>
+            <a:r>
+              <a:rPr lang="en-US" sz="1400" dirty="0">
+                <a:solidFill>
+                  <a:srgbClr val="000000"/>
+                </a:solidFill>
+              </a:rPr>
+              <a:t> mask)</a:t>
+            </a:r>
+          </a:p>
+          <a:p>
+            <a:pPr marL="0" indent="0">
+              <a:lnSpc>
+                <a:spcPct val="120000"/>
+              </a:lnSpc>
+              <a:spcBef>
+                <a:spcPts val="0"/>
+              </a:spcBef>
+              <a:buNone/>
+            </a:pPr>
+            <a:r>
+              <a:rPr lang="en-US" sz="1400" dirty="0">
+                <a:solidFill>
+                  <a:srgbClr val="000000"/>
+                </a:solidFill>
+              </a:rPr>
+              <a:t>        {</a:t>
+            </a:r>
+          </a:p>
+          <a:p>
+            <a:pPr marL="0" indent="0">
+              <a:lnSpc>
+                <a:spcPct val="120000"/>
+              </a:lnSpc>
+              <a:spcBef>
+                <a:spcPts val="0"/>
+              </a:spcBef>
+              <a:buNone/>
+            </a:pPr>
+            <a:r>
+              <a:rPr lang="en-US" sz="1400" dirty="0">
+                <a:solidFill>
+                  <a:srgbClr val="000000"/>
+                </a:solidFill>
+              </a:rPr>
+              <a:t>            </a:t>
+            </a:r>
+            <a:r>
+              <a:rPr lang="en-US" sz="1400" dirty="0" err="1">
+                <a:solidFill>
+                  <a:srgbClr val="0000FF"/>
+                </a:solidFill>
+              </a:rPr>
+              <a:t>this</a:t>
+            </a:r>
+            <a:r>
+              <a:rPr lang="en-US" sz="1400" dirty="0" err="1">
+                <a:solidFill>
+                  <a:srgbClr val="000000"/>
+                </a:solidFill>
+              </a:rPr>
+              <a:t>.level</a:t>
+            </a:r>
+            <a:r>
+              <a:rPr lang="en-US" sz="1400" dirty="0">
+                <a:solidFill>
+                  <a:srgbClr val="000000"/>
+                </a:solidFill>
+              </a:rPr>
+              <a:t> = mask;</a:t>
+            </a:r>
+          </a:p>
+          <a:p>
+            <a:pPr marL="0" indent="0">
+              <a:lnSpc>
+                <a:spcPct val="120000"/>
+              </a:lnSpc>
+              <a:spcBef>
+                <a:spcPts val="0"/>
+              </a:spcBef>
+              <a:buNone/>
+            </a:pPr>
+            <a:r>
+              <a:rPr lang="en-US" sz="1400" dirty="0">
+                <a:solidFill>
+                  <a:srgbClr val="000000"/>
+                </a:solidFill>
+              </a:rPr>
+              <a:t>        }</a:t>
+            </a:r>
+          </a:p>
+          <a:p>
+            <a:pPr marL="0" indent="0">
+              <a:lnSpc>
+                <a:spcPct val="120000"/>
+              </a:lnSpc>
+              <a:spcBef>
+                <a:spcPts val="0"/>
+              </a:spcBef>
+              <a:buNone/>
+            </a:pPr>
+            <a:endParaRPr lang="en-US" sz="1400" dirty="0">
+              <a:solidFill>
+                <a:srgbClr val="000000"/>
+              </a:solidFill>
+            </a:endParaRPr>
+          </a:p>
+          <a:p>
+            <a:pPr marL="0" indent="0">
+              <a:lnSpc>
+                <a:spcPct val="120000"/>
+              </a:lnSpc>
+              <a:spcBef>
+                <a:spcPts val="0"/>
+              </a:spcBef>
+              <a:buNone/>
+            </a:pPr>
+            <a:r>
+              <a:rPr lang="en-US" sz="1400" dirty="0">
+                <a:solidFill>
+                  <a:srgbClr val="000000"/>
+                </a:solidFill>
+              </a:rPr>
+              <a:t>        </a:t>
+            </a:r>
+            <a:r>
+              <a:rPr lang="en-US" sz="1400" dirty="0">
+                <a:solidFill>
+                  <a:srgbClr val="808080"/>
+                </a:solidFill>
+              </a:rPr>
+              <a:t>///</a:t>
+            </a:r>
+            <a:r>
+              <a:rPr lang="en-US" sz="1400" dirty="0">
+                <a:solidFill>
+                  <a:srgbClr val="008000"/>
+                </a:solidFill>
+              </a:rPr>
+              <a:t> </a:t>
+            </a:r>
+            <a:r>
+              <a:rPr lang="en-US" sz="1400" dirty="0">
+                <a:solidFill>
+                  <a:srgbClr val="808080"/>
+                </a:solidFill>
+              </a:rPr>
+              <a:t>&lt;summary&gt;</a:t>
+            </a:r>
+            <a:endParaRPr lang="en-US" sz="1400" dirty="0">
+              <a:solidFill>
+                <a:srgbClr val="000000"/>
+              </a:solidFill>
+            </a:endParaRPr>
+          </a:p>
+          <a:p>
+            <a:pPr marL="0" indent="0">
+              <a:lnSpc>
+                <a:spcPct val="120000"/>
+              </a:lnSpc>
+              <a:spcBef>
+                <a:spcPts val="0"/>
+              </a:spcBef>
+              <a:buNone/>
+            </a:pPr>
+            <a:r>
+              <a:rPr lang="en-US" sz="1400" dirty="0">
+                <a:solidFill>
+                  <a:srgbClr val="000000"/>
+                </a:solidFill>
+              </a:rPr>
+              <a:t>        </a:t>
+            </a:r>
+            <a:r>
+              <a:rPr lang="en-US" sz="1400" dirty="0">
+                <a:solidFill>
+                  <a:srgbClr val="808080"/>
+                </a:solidFill>
+              </a:rPr>
+              <a:t>///</a:t>
+            </a:r>
+            <a:r>
+              <a:rPr lang="en-US" sz="1400" dirty="0">
+                <a:solidFill>
+                  <a:srgbClr val="008000"/>
+                </a:solidFill>
+              </a:rPr>
+              <a:t> Sets the Next logger to make a list/chain of Handlers.</a:t>
+            </a:r>
+            <a:endParaRPr lang="en-US" sz="1400" dirty="0">
+              <a:solidFill>
+                <a:srgbClr val="000000"/>
+              </a:solidFill>
+            </a:endParaRPr>
+          </a:p>
+          <a:p>
+            <a:pPr marL="0" indent="0">
+              <a:lnSpc>
+                <a:spcPct val="120000"/>
+              </a:lnSpc>
+              <a:spcBef>
+                <a:spcPts val="0"/>
+              </a:spcBef>
+              <a:buNone/>
+            </a:pPr>
+            <a:r>
+              <a:rPr lang="en-US" sz="1400" dirty="0">
+                <a:solidFill>
+                  <a:srgbClr val="000000"/>
+                </a:solidFill>
+              </a:rPr>
+              <a:t>        </a:t>
+            </a:r>
+            <a:r>
+              <a:rPr lang="en-US" sz="1400" dirty="0">
+                <a:solidFill>
+                  <a:srgbClr val="808080"/>
+                </a:solidFill>
+              </a:rPr>
+              <a:t>///</a:t>
+            </a:r>
+            <a:r>
+              <a:rPr lang="en-US" sz="1400" dirty="0">
+                <a:solidFill>
+                  <a:srgbClr val="008000"/>
+                </a:solidFill>
+              </a:rPr>
+              <a:t> </a:t>
+            </a:r>
+            <a:r>
+              <a:rPr lang="en-US" sz="1400" dirty="0">
+                <a:solidFill>
+                  <a:srgbClr val="808080"/>
+                </a:solidFill>
+              </a:rPr>
+              <a:t>&lt;/summary&gt;</a:t>
+            </a:r>
+            <a:endParaRPr lang="en-US" sz="1400" dirty="0">
+              <a:solidFill>
+                <a:srgbClr val="000000"/>
+              </a:solidFill>
+            </a:endParaRPr>
+          </a:p>
+          <a:p>
+            <a:pPr marL="0" indent="0">
+              <a:lnSpc>
+                <a:spcPct val="120000"/>
+              </a:lnSpc>
+              <a:spcBef>
+                <a:spcPts val="0"/>
+              </a:spcBef>
+              <a:buNone/>
+            </a:pPr>
+            <a:r>
+              <a:rPr lang="en-US" sz="1400" dirty="0">
+                <a:solidFill>
+                  <a:srgbClr val="000000"/>
+                </a:solidFill>
+              </a:rPr>
+              <a:t>        </a:t>
+            </a:r>
+            <a:r>
+              <a:rPr lang="en-US" sz="1400" dirty="0">
+                <a:solidFill>
+                  <a:srgbClr val="0000FF"/>
+                </a:solidFill>
+              </a:rPr>
+              <a:t>public</a:t>
+            </a:r>
+            <a:r>
+              <a:rPr lang="en-US" sz="1400" dirty="0">
+                <a:solidFill>
+                  <a:srgbClr val="000000"/>
+                </a:solidFill>
+              </a:rPr>
+              <a:t> Logger </a:t>
+            </a:r>
+            <a:r>
+              <a:rPr lang="en-US" sz="1400" dirty="0" err="1">
+                <a:solidFill>
+                  <a:srgbClr val="000000"/>
+                </a:solidFill>
+              </a:rPr>
+              <a:t>SetNext</a:t>
+            </a:r>
+            <a:r>
+              <a:rPr lang="en-US" sz="1400" dirty="0">
+                <a:solidFill>
+                  <a:srgbClr val="000000"/>
+                </a:solidFill>
+              </a:rPr>
+              <a:t>(Logger </a:t>
+            </a:r>
+            <a:r>
+              <a:rPr lang="en-US" sz="1400" dirty="0" err="1">
+                <a:solidFill>
+                  <a:srgbClr val="000000"/>
+                </a:solidFill>
+              </a:rPr>
+              <a:t>nextlogger</a:t>
+            </a:r>
+            <a:r>
+              <a:rPr lang="en-US" sz="1400" dirty="0">
+                <a:solidFill>
+                  <a:srgbClr val="000000"/>
+                </a:solidFill>
+              </a:rPr>
+              <a:t>)</a:t>
+            </a:r>
+          </a:p>
+          <a:p>
+            <a:pPr marL="0" indent="0">
+              <a:lnSpc>
+                <a:spcPct val="120000"/>
+              </a:lnSpc>
+              <a:spcBef>
+                <a:spcPts val="0"/>
+              </a:spcBef>
+              <a:buNone/>
+            </a:pPr>
+            <a:r>
+              <a:rPr lang="en-US" sz="1400" dirty="0">
+                <a:solidFill>
+                  <a:srgbClr val="000000"/>
+                </a:solidFill>
+              </a:rPr>
+              <a:t>        {</a:t>
+            </a:r>
+          </a:p>
+          <a:p>
+            <a:pPr marL="0" indent="0">
+              <a:lnSpc>
+                <a:spcPct val="120000"/>
+              </a:lnSpc>
+              <a:spcBef>
+                <a:spcPts val="0"/>
+              </a:spcBef>
+              <a:buNone/>
+            </a:pPr>
+            <a:r>
+              <a:rPr lang="en-US" sz="1400" dirty="0">
+                <a:solidFill>
+                  <a:srgbClr val="000000"/>
+                </a:solidFill>
+              </a:rPr>
+              <a:t>            next = </a:t>
+            </a:r>
+            <a:r>
+              <a:rPr lang="en-US" sz="1400" dirty="0" err="1">
+                <a:solidFill>
+                  <a:srgbClr val="000000"/>
+                </a:solidFill>
+              </a:rPr>
+              <a:t>nextlogger</a:t>
+            </a:r>
+            <a:r>
+              <a:rPr lang="en-US" sz="1400" dirty="0">
+                <a:solidFill>
+                  <a:srgbClr val="000000"/>
+                </a:solidFill>
+              </a:rPr>
+              <a:t>;</a:t>
+            </a:r>
+          </a:p>
+          <a:p>
+            <a:pPr marL="0" indent="0">
+              <a:lnSpc>
+                <a:spcPct val="120000"/>
+              </a:lnSpc>
+              <a:spcBef>
+                <a:spcPts val="0"/>
+              </a:spcBef>
+              <a:buNone/>
+            </a:pPr>
+            <a:r>
+              <a:rPr lang="en-US" sz="1400" dirty="0">
+                <a:solidFill>
+                  <a:srgbClr val="000000"/>
+                </a:solidFill>
+              </a:rPr>
+              <a:t>            </a:t>
+            </a:r>
+            <a:r>
+              <a:rPr lang="en-US" sz="1400" dirty="0">
+                <a:solidFill>
+                  <a:srgbClr val="0000FF"/>
+                </a:solidFill>
+              </a:rPr>
+              <a:t>return</a:t>
+            </a:r>
+            <a:r>
+              <a:rPr lang="en-US" sz="1400" dirty="0">
+                <a:solidFill>
+                  <a:srgbClr val="000000"/>
+                </a:solidFill>
+              </a:rPr>
+              <a:t> </a:t>
+            </a:r>
+            <a:r>
+              <a:rPr lang="en-US" sz="1400" dirty="0" err="1">
+                <a:solidFill>
+                  <a:srgbClr val="000000"/>
+                </a:solidFill>
+              </a:rPr>
+              <a:t>nextlogger</a:t>
+            </a:r>
+            <a:r>
+              <a:rPr lang="en-US" sz="1400" dirty="0">
+                <a:solidFill>
+                  <a:srgbClr val="000000"/>
+                </a:solidFill>
+              </a:rPr>
+              <a:t>;</a:t>
+            </a:r>
+          </a:p>
+          <a:p>
+            <a:pPr marL="0" indent="0">
+              <a:lnSpc>
+                <a:spcPct val="120000"/>
+              </a:lnSpc>
+              <a:spcBef>
+                <a:spcPts val="0"/>
+              </a:spcBef>
+              <a:buNone/>
+            </a:pPr>
+            <a:r>
+              <a:rPr lang="en-US" sz="1400" dirty="0">
+                <a:solidFill>
+                  <a:srgbClr val="000000"/>
+                </a:solidFill>
+              </a:rPr>
+              <a:t>        }</a:t>
+            </a:r>
+          </a:p>
+          <a:p>
+            <a:pPr marL="0" indent="0">
+              <a:lnSpc>
+                <a:spcPct val="120000"/>
+              </a:lnSpc>
+              <a:spcBef>
+                <a:spcPts val="0"/>
+              </a:spcBef>
+              <a:buNone/>
+            </a:pPr>
+            <a:endParaRPr lang="en-US" sz="800" dirty="0">
+              <a:solidFill>
+                <a:srgbClr val="000000"/>
+              </a:solidFill>
+            </a:endParaRPr>
+          </a:p>
+        </p:txBody>
+      </p:sp>
+    </p:spTree>
+    <p:extLst>
+      <p:ext uri="{BB962C8B-B14F-4D97-AF65-F5344CB8AC3E}">
+        <p14:creationId xmlns:p14="http://schemas.microsoft.com/office/powerpoint/2010/main" val="4254312652"/>
+      </p:ext>
+    </p:extLst>
+  </p:cSld>
+  <p:clrMapOvr>
+    <a:masterClrMapping/>
+  </p:clrMapOvr>
+</p:sld>
+</file>
+
+<file path=ppt/slides/slide14.xml><?xml version="1.0" encoding="utf-8"?>
+<p:sld xmlns:a="http://schemas.openxmlformats.org/drawingml/2006/main" xmlns:r="http://schemas.openxmlformats.org/officeDocument/2006/relationships" xmlns:p="http://schemas.openxmlformats.org/presentationml/2006/main">
+  <p:cSld>
     <p:spTree>
       <p:nvGrpSpPr>
         <p:cNvPr id="1" name=""/>
@@ -6971,7 +6889,7 @@
 </p:sld>
 </file>
 
-<file path=ppt/slides/slide11.xml><?xml version="1.0" encoding="utf-8"?>
+<file path=ppt/slides/slide15.xml><?xml version="1.0" encoding="utf-8"?>
 <p:sld xmlns:a="http://schemas.openxmlformats.org/drawingml/2006/main" xmlns:r="http://schemas.openxmlformats.org/officeDocument/2006/relationships" xmlns:p="http://schemas.openxmlformats.org/presentationml/2006/main">
   <p:cSld>
     <p:spTree>
@@ -7058,7 +6976,7 @@
 </p:sld>
 </file>
 
-<file path=ppt/slides/slide12.xml><?xml version="1.0" encoding="utf-8"?>
+<file path=ppt/slides/slide16.xml><?xml version="1.0" encoding="utf-8"?>
 <p:sld xmlns:a="http://schemas.openxmlformats.org/drawingml/2006/main" xmlns:r="http://schemas.openxmlformats.org/officeDocument/2006/relationships" xmlns:p="http://schemas.openxmlformats.org/presentationml/2006/main">
   <p:cSld>
     <p:spTree>
@@ -7414,7 +7332,7 @@
 </p:sld>
 </file>
 
-<file path=ppt/slides/slide13.xml><?xml version="1.0" encoding="utf-8"?>
+<file path=ppt/slides/slide17.xml><?xml version="1.0" encoding="utf-8"?>
 <p:sld xmlns:a="http://schemas.openxmlformats.org/drawingml/2006/main" xmlns:r="http://schemas.openxmlformats.org/officeDocument/2006/relationships" xmlns:p="http://schemas.openxmlformats.org/presentationml/2006/main">
   <p:cSld>
     <p:spTree>
@@ -8589,7 +8507,7 @@
 </p:sld>
 </file>
 
-<file path=ppt/slides/slide14.xml><?xml version="1.0" encoding="utf-8"?>
+<file path=ppt/slides/slide2.xml><?xml version="1.0" encoding="utf-8"?>
 <p:sld xmlns:a="http://schemas.openxmlformats.org/drawingml/2006/main" xmlns:r="http://schemas.openxmlformats.org/officeDocument/2006/relationships" xmlns:p="http://schemas.openxmlformats.org/presentationml/2006/main">
   <p:cSld>
     <p:spTree>
@@ -8714,7 +8632,7 @@
     </p:spTree>
     <p:extLst>
       <p:ext uri="{BB962C8B-B14F-4D97-AF65-F5344CB8AC3E}">
-        <p14:creationId xmlns:p14="http://schemas.microsoft.com/office/powerpoint/2010/main" val="3290371275"/>
+        <p14:creationId xmlns:p14="http://schemas.microsoft.com/office/powerpoint/2010/main" val="3661327451"/>
       </p:ext>
     </p:extLst>
   </p:cSld>
@@ -8724,7 +8642,7 @@
 </p:sld>
 </file>
 
-<file path=ppt/slides/slide15.xml><?xml version="1.0" encoding="utf-8"?>
+<file path=ppt/slides/slide3.xml><?xml version="1.0" encoding="utf-8"?>
 <p:sld xmlns:a="http://schemas.openxmlformats.org/drawingml/2006/main" xmlns:r="http://schemas.openxmlformats.org/officeDocument/2006/relationships" xmlns:p="http://schemas.openxmlformats.org/presentationml/2006/main">
   <p:cSld>
     <p:spTree>
@@ -9564,7 +9482,7 @@
     </p:spTree>
     <p:extLst>
       <p:ext uri="{BB962C8B-B14F-4D97-AF65-F5344CB8AC3E}">
-        <p14:creationId xmlns:p14="http://schemas.microsoft.com/office/powerpoint/2010/main" val="4282704973"/>
+        <p14:creationId xmlns:p14="http://schemas.microsoft.com/office/powerpoint/2010/main" val="2049855967"/>
       </p:ext>
     </p:extLst>
   </p:cSld>
@@ -10172,7 +10090,7 @@
 </p:sld>
 </file>
 
-<file path=ppt/slides/slide16.xml><?xml version="1.0" encoding="utf-8"?>
+<file path=ppt/slides/slide4.xml><?xml version="1.0" encoding="utf-8"?>
 <p:sld xmlns:a="http://schemas.openxmlformats.org/drawingml/2006/main" xmlns:r="http://schemas.openxmlformats.org/officeDocument/2006/relationships" xmlns:p="http://schemas.openxmlformats.org/presentationml/2006/main">
   <p:cSld>
     <p:spTree>
@@ -11776,7 +11694,7 @@
     </p:spTree>
     <p:extLst>
       <p:ext uri="{BB962C8B-B14F-4D97-AF65-F5344CB8AC3E}">
-        <p14:creationId xmlns:p14="http://schemas.microsoft.com/office/powerpoint/2010/main" val="3431467596"/>
+        <p14:creationId xmlns:p14="http://schemas.microsoft.com/office/powerpoint/2010/main" val="3982507175"/>
       </p:ext>
     </p:extLst>
   </p:cSld>
@@ -11786,7 +11704,7 @@
 </p:sld>
 </file>
 
-<file path=ppt/slides/slide17.xml><?xml version="1.0" encoding="utf-8"?>
+<file path=ppt/slides/slide5.xml><?xml version="1.0" encoding="utf-8"?>
 <p:sld xmlns:a="http://schemas.openxmlformats.org/drawingml/2006/main" xmlns:r="http://schemas.openxmlformats.org/officeDocument/2006/relationships" xmlns:p="http://schemas.openxmlformats.org/presentationml/2006/main">
   <p:cSld>
     <p:spTree>
@@ -12126,7 +12044,7 @@
     </p:spTree>
     <p:extLst>
       <p:ext uri="{BB962C8B-B14F-4D97-AF65-F5344CB8AC3E}">
-        <p14:creationId xmlns:p14="http://schemas.microsoft.com/office/powerpoint/2010/main" val="4121075525"/>
+        <p14:creationId xmlns:p14="http://schemas.microsoft.com/office/powerpoint/2010/main" val="3620458182"/>
       </p:ext>
     </p:extLst>
   </p:cSld>
@@ -12136,7 +12054,7 @@
 </p:sld>
 </file>
 
-<file path=ppt/slides/slide2.xml><?xml version="1.0" encoding="utf-8"?>
+<file path=ppt/slides/slide6.xml><?xml version="1.0" encoding="utf-8"?>
 <p:sld xmlns:a="http://schemas.openxmlformats.org/drawingml/2006/main" xmlns:r="http://schemas.openxmlformats.org/officeDocument/2006/relationships" xmlns:p="http://schemas.openxmlformats.org/presentationml/2006/main">
   <p:cSld>
     <p:spTree>
@@ -12201,37 +12119,6 @@
           </a:p>
         </p:txBody>
       </p:sp>
-      <p:graphicFrame>
-        <p:nvGraphicFramePr>
-          <p:cNvPr id="7" name="Content Placeholder 6">
-            <a:extLst>
-              <a:ext uri="{FF2B5EF4-FFF2-40B4-BE49-F238E27FC236}">
-                <a16:creationId xmlns:a16="http://schemas.microsoft.com/office/drawing/2014/main" id="{B2FD98F4-295A-473D-B3B9-E42C9ECD3ED9}"/>
-              </a:ext>
-            </a:extLst>
-          </p:cNvPr>
-          <p:cNvGraphicFramePr>
-            <a:graphicFrameLocks noGrp="1"/>
-          </p:cNvGraphicFramePr>
-          <p:nvPr>
-            <p:ph idx="1"/>
-            <p:extLst>
-              <p:ext uri="{D42A27DB-BD31-4B8C-83A1-F6EECF244321}">
-                <p14:modId xmlns:p14="http://schemas.microsoft.com/office/powerpoint/2010/main" val="3104149370"/>
-              </p:ext>
-            </p:extLst>
-          </p:nvPr>
-        </p:nvGraphicFramePr>
-        <p:xfrm>
-          <a:off x="3868738" y="863603"/>
-          <a:ext cx="7315200" cy="1588050"/>
-        </p:xfrm>
-        <a:graphic>
-          <a:graphicData uri="http://schemas.openxmlformats.org/drawingml/2006/diagram">
-            <dgm:relIds xmlns:dgm="http://schemas.openxmlformats.org/drawingml/2006/diagram" xmlns:r="http://schemas.openxmlformats.org/officeDocument/2006/relationships" r:dm="rId2" r:lo="rId3" r:qs="rId4" r:cs="rId5"/>
-          </a:graphicData>
-        </a:graphic>
-      </p:graphicFrame>
       <p:sp>
         <p:nvSpPr>
           <p:cNvPr id="9" name="TextBox 8">
@@ -12262,7 +12149,7 @@
           <a:p>
             <a:r>
               <a:rPr lang="en-US" dirty="0"/>
-              <a:t>James uses a simple Logger Class to accept the user information and message and logs the message into console.</a:t>
+              <a:t>James uses a simple Logger Class to accept the user information and message, then logs the message into the console.</a:t>
             </a:r>
           </a:p>
         </p:txBody>
@@ -12282,7 +12169,7 @@
           <p:nvPr/>
         </p:nvPicPr>
         <p:blipFill>
-          <a:blip r:embed="rId7"/>
+          <a:blip r:embed="rId2"/>
           <a:stretch>
             <a:fillRect/>
           </a:stretch>
@@ -12297,6 +12184,678 @@
           </a:prstGeom>
         </p:spPr>
       </p:pic>
+      <p:grpSp>
+        <p:nvGrpSpPr>
+          <p:cNvPr id="6" name="Group 5">
+            <a:extLst>
+              <a:ext uri="{FF2B5EF4-FFF2-40B4-BE49-F238E27FC236}">
+                <a16:creationId xmlns:a16="http://schemas.microsoft.com/office/drawing/2014/main" id="{DDD02B8F-2836-9149-B0A8-C94275F0EEAD}"/>
+              </a:ext>
+            </a:extLst>
+          </p:cNvPr>
+          <p:cNvGrpSpPr/>
+          <p:nvPr/>
+        </p:nvGrpSpPr>
+        <p:grpSpPr>
+          <a:xfrm>
+            <a:off x="3656360" y="873248"/>
+            <a:ext cx="1921668" cy="1261095"/>
+            <a:chOff x="6429" y="163477"/>
+            <a:chExt cx="1921668" cy="1261095"/>
+          </a:xfrm>
+        </p:grpSpPr>
+        <p:sp>
+          <p:nvSpPr>
+            <p:cNvPr id="8" name="Rounded Rectangle 7">
+              <a:extLst>
+                <a:ext uri="{FF2B5EF4-FFF2-40B4-BE49-F238E27FC236}">
+                  <a16:creationId xmlns:a16="http://schemas.microsoft.com/office/drawing/2014/main" id="{E359BA70-377C-3843-9209-AC1C2CCABEB3}"/>
+                </a:ext>
+              </a:extLst>
+            </p:cNvPr>
+            <p:cNvSpPr/>
+            <p:nvPr/>
+          </p:nvSpPr>
+          <p:spPr>
+            <a:xfrm>
+              <a:off x="6429" y="163477"/>
+              <a:ext cx="1921668" cy="1261095"/>
+            </a:xfrm>
+            <a:prstGeom prst="roundRect">
+              <a:avLst>
+                <a:gd name="adj" fmla="val 10000"/>
+              </a:avLst>
+            </a:prstGeom>
+          </p:spPr>
+          <p:style>
+            <a:lnRef idx="2">
+              <a:schemeClr val="lt1">
+                <a:hueOff val="0"/>
+                <a:satOff val="0"/>
+                <a:lumOff val="0"/>
+                <a:alphaOff val="0"/>
+              </a:schemeClr>
+            </a:lnRef>
+            <a:fillRef idx="1">
+              <a:schemeClr val="accent1">
+                <a:hueOff val="0"/>
+                <a:satOff val="0"/>
+                <a:lumOff val="0"/>
+                <a:alphaOff val="0"/>
+              </a:schemeClr>
+            </a:fillRef>
+            <a:effectRef idx="0">
+              <a:schemeClr val="accent1">
+                <a:hueOff val="0"/>
+                <a:satOff val="0"/>
+                <a:lumOff val="0"/>
+                <a:alphaOff val="0"/>
+              </a:schemeClr>
+            </a:effectRef>
+            <a:fontRef idx="minor">
+              <a:schemeClr val="lt1"/>
+            </a:fontRef>
+          </p:style>
+        </p:sp>
+        <p:sp>
+          <p:nvSpPr>
+            <p:cNvPr id="10" name="Rounded Rectangle 4">
+              <a:extLst>
+                <a:ext uri="{FF2B5EF4-FFF2-40B4-BE49-F238E27FC236}">
+                  <a16:creationId xmlns:a16="http://schemas.microsoft.com/office/drawing/2014/main" id="{FA08C406-D5AC-774F-8334-2F09DD9C94CA}"/>
+                </a:ext>
+              </a:extLst>
+            </p:cNvPr>
+            <p:cNvSpPr txBox="1"/>
+            <p:nvPr/>
+          </p:nvSpPr>
+          <p:spPr>
+            <a:xfrm>
+              <a:off x="43365" y="200413"/>
+              <a:ext cx="1847796" cy="1187223"/>
+            </a:xfrm>
+            <a:prstGeom prst="rect">
+              <a:avLst/>
+            </a:prstGeom>
+          </p:spPr>
+          <p:style>
+            <a:lnRef idx="0">
+              <a:scrgbClr r="0" g="0" b="0"/>
+            </a:lnRef>
+            <a:fillRef idx="0">
+              <a:scrgbClr r="0" g="0" b="0"/>
+            </a:fillRef>
+            <a:effectRef idx="0">
+              <a:scrgbClr r="0" g="0" b="0"/>
+            </a:effectRef>
+            <a:fontRef idx="minor">
+              <a:schemeClr val="lt1"/>
+            </a:fontRef>
+          </p:style>
+          <p:txBody>
+            <a:bodyPr spcFirstLastPara="0" vert="horz" wrap="square" lIns="68580" tIns="68580" rIns="68580" bIns="68580" numCol="1" spcCol="1270" anchor="ctr" anchorCtr="0">
+              <a:noAutofit/>
+            </a:bodyPr>
+            <a:lstStyle/>
+            <a:p>
+              <a:pPr marL="0" lvl="0" indent="0" algn="ctr" defTabSz="800100">
+                <a:lnSpc>
+                  <a:spcPct val="90000"/>
+                </a:lnSpc>
+                <a:spcBef>
+                  <a:spcPct val="0"/>
+                </a:spcBef>
+                <a:spcAft>
+                  <a:spcPct val="35000"/>
+                </a:spcAft>
+                <a:buNone/>
+              </a:pPr>
+              <a:r>
+                <a:rPr lang="en-US" sz="1800" kern="1200" dirty="0"/>
+                <a:t>User executes an action</a:t>
+              </a:r>
+            </a:p>
+          </p:txBody>
+        </p:sp>
+      </p:grpSp>
+      <p:grpSp>
+        <p:nvGrpSpPr>
+          <p:cNvPr id="11" name="Group 10">
+            <a:extLst>
+              <a:ext uri="{FF2B5EF4-FFF2-40B4-BE49-F238E27FC236}">
+                <a16:creationId xmlns:a16="http://schemas.microsoft.com/office/drawing/2014/main" id="{D6DCDA3C-25A3-6C4B-BB10-822752ED574C}"/>
+              </a:ext>
+            </a:extLst>
+          </p:cNvPr>
+          <p:cNvGrpSpPr/>
+          <p:nvPr/>
+        </p:nvGrpSpPr>
+        <p:grpSpPr>
+          <a:xfrm>
+            <a:off x="5883047" y="1265510"/>
+            <a:ext cx="407393" cy="476573"/>
+            <a:chOff x="2120264" y="555738"/>
+            <a:chExt cx="407393" cy="476573"/>
+          </a:xfrm>
+        </p:grpSpPr>
+        <p:sp>
+          <p:nvSpPr>
+            <p:cNvPr id="12" name="Right Arrow 11">
+              <a:extLst>
+                <a:ext uri="{FF2B5EF4-FFF2-40B4-BE49-F238E27FC236}">
+                  <a16:creationId xmlns:a16="http://schemas.microsoft.com/office/drawing/2014/main" id="{E627A49A-6154-AF4A-9CE8-91A733C8ABE4}"/>
+                </a:ext>
+              </a:extLst>
+            </p:cNvPr>
+            <p:cNvSpPr/>
+            <p:nvPr/>
+          </p:nvSpPr>
+          <p:spPr>
+            <a:xfrm>
+              <a:off x="2120264" y="555738"/>
+              <a:ext cx="407393" cy="476573"/>
+            </a:xfrm>
+            <a:prstGeom prst="rightArrow">
+              <a:avLst>
+                <a:gd name="adj1" fmla="val 60000"/>
+                <a:gd name="adj2" fmla="val 50000"/>
+              </a:avLst>
+            </a:prstGeom>
+          </p:spPr>
+          <p:style>
+            <a:lnRef idx="0">
+              <a:schemeClr val="accent1">
+                <a:tint val="60000"/>
+                <a:hueOff val="0"/>
+                <a:satOff val="0"/>
+                <a:lumOff val="0"/>
+                <a:alphaOff val="0"/>
+              </a:schemeClr>
+            </a:lnRef>
+            <a:fillRef idx="1">
+              <a:schemeClr val="accent1">
+                <a:tint val="60000"/>
+                <a:hueOff val="0"/>
+                <a:satOff val="0"/>
+                <a:lumOff val="0"/>
+                <a:alphaOff val="0"/>
+              </a:schemeClr>
+            </a:fillRef>
+            <a:effectRef idx="0">
+              <a:schemeClr val="accent1">
+                <a:tint val="60000"/>
+                <a:hueOff val="0"/>
+                <a:satOff val="0"/>
+                <a:lumOff val="0"/>
+                <a:alphaOff val="0"/>
+              </a:schemeClr>
+            </a:effectRef>
+            <a:fontRef idx="minor">
+              <a:schemeClr val="lt1"/>
+            </a:fontRef>
+          </p:style>
+        </p:sp>
+        <p:sp>
+          <p:nvSpPr>
+            <p:cNvPr id="13" name="Right Arrow 4">
+              <a:extLst>
+                <a:ext uri="{FF2B5EF4-FFF2-40B4-BE49-F238E27FC236}">
+                  <a16:creationId xmlns:a16="http://schemas.microsoft.com/office/drawing/2014/main" id="{BBED7185-AAC7-3947-8993-46DBD98FD3FE}"/>
+                </a:ext>
+              </a:extLst>
+            </p:cNvPr>
+            <p:cNvSpPr txBox="1"/>
+            <p:nvPr/>
+          </p:nvSpPr>
+          <p:spPr>
+            <a:xfrm>
+              <a:off x="2120264" y="651053"/>
+              <a:ext cx="285175" cy="285943"/>
+            </a:xfrm>
+            <a:prstGeom prst="rect">
+              <a:avLst/>
+            </a:prstGeom>
+          </p:spPr>
+          <p:style>
+            <a:lnRef idx="0">
+              <a:scrgbClr r="0" g="0" b="0"/>
+            </a:lnRef>
+            <a:fillRef idx="0">
+              <a:scrgbClr r="0" g="0" b="0"/>
+            </a:fillRef>
+            <a:effectRef idx="0">
+              <a:scrgbClr r="0" g="0" b="0"/>
+            </a:effectRef>
+            <a:fontRef idx="minor">
+              <a:schemeClr val="lt1"/>
+            </a:fontRef>
+          </p:style>
+          <p:txBody>
+            <a:bodyPr spcFirstLastPara="0" vert="horz" wrap="square" lIns="0" tIns="0" rIns="0" bIns="0" numCol="1" spcCol="1270" anchor="ctr" anchorCtr="0">
+              <a:noAutofit/>
+            </a:bodyPr>
+            <a:lstStyle/>
+            <a:p>
+              <a:pPr marL="0" lvl="0" indent="0" algn="ctr" defTabSz="622300">
+                <a:lnSpc>
+                  <a:spcPct val="90000"/>
+                </a:lnSpc>
+                <a:spcBef>
+                  <a:spcPct val="0"/>
+                </a:spcBef>
+                <a:spcAft>
+                  <a:spcPct val="35000"/>
+                </a:spcAft>
+                <a:buNone/>
+              </a:pPr>
+              <a:endParaRPr lang="en-US" sz="1400" kern="1200"/>
+            </a:p>
+          </p:txBody>
+        </p:sp>
+      </p:grpSp>
+      <p:grpSp>
+        <p:nvGrpSpPr>
+          <p:cNvPr id="14" name="Group 13">
+            <a:extLst>
+              <a:ext uri="{FF2B5EF4-FFF2-40B4-BE49-F238E27FC236}">
+                <a16:creationId xmlns:a16="http://schemas.microsoft.com/office/drawing/2014/main" id="{4737F741-819E-F140-9C26-13D99F46FEAD}"/>
+              </a:ext>
+            </a:extLst>
+          </p:cNvPr>
+          <p:cNvGrpSpPr/>
+          <p:nvPr/>
+        </p:nvGrpSpPr>
+        <p:grpSpPr>
+          <a:xfrm>
+            <a:off x="6595459" y="873248"/>
+            <a:ext cx="1921668" cy="1261095"/>
+            <a:chOff x="2696765" y="163477"/>
+            <a:chExt cx="1921668" cy="1261095"/>
+          </a:xfrm>
+        </p:grpSpPr>
+        <p:sp>
+          <p:nvSpPr>
+            <p:cNvPr id="16" name="Rounded Rectangle 15">
+              <a:extLst>
+                <a:ext uri="{FF2B5EF4-FFF2-40B4-BE49-F238E27FC236}">
+                  <a16:creationId xmlns:a16="http://schemas.microsoft.com/office/drawing/2014/main" id="{487CD922-C361-3044-BF1A-0B0244F5D7C5}"/>
+                </a:ext>
+              </a:extLst>
+            </p:cNvPr>
+            <p:cNvSpPr/>
+            <p:nvPr/>
+          </p:nvSpPr>
+          <p:spPr>
+            <a:xfrm>
+              <a:off x="2696765" y="163477"/>
+              <a:ext cx="1921668" cy="1261095"/>
+            </a:xfrm>
+            <a:prstGeom prst="roundRect">
+              <a:avLst>
+                <a:gd name="adj" fmla="val 10000"/>
+              </a:avLst>
+            </a:prstGeom>
+          </p:spPr>
+          <p:style>
+            <a:lnRef idx="2">
+              <a:schemeClr val="lt1">
+                <a:hueOff val="0"/>
+                <a:satOff val="0"/>
+                <a:lumOff val="0"/>
+                <a:alphaOff val="0"/>
+              </a:schemeClr>
+            </a:lnRef>
+            <a:fillRef idx="1">
+              <a:schemeClr val="accent1">
+                <a:hueOff val="0"/>
+                <a:satOff val="0"/>
+                <a:lumOff val="0"/>
+                <a:alphaOff val="0"/>
+              </a:schemeClr>
+            </a:fillRef>
+            <a:effectRef idx="0">
+              <a:schemeClr val="accent1">
+                <a:hueOff val="0"/>
+                <a:satOff val="0"/>
+                <a:lumOff val="0"/>
+                <a:alphaOff val="0"/>
+              </a:schemeClr>
+            </a:effectRef>
+            <a:fontRef idx="minor">
+              <a:schemeClr val="lt1"/>
+            </a:fontRef>
+          </p:style>
+        </p:sp>
+        <p:sp>
+          <p:nvSpPr>
+            <p:cNvPr id="17" name="Rounded Rectangle 4">
+              <a:extLst>
+                <a:ext uri="{FF2B5EF4-FFF2-40B4-BE49-F238E27FC236}">
+                  <a16:creationId xmlns:a16="http://schemas.microsoft.com/office/drawing/2014/main" id="{E1B6376A-2373-E846-AF40-BDC339E04D6D}"/>
+                </a:ext>
+              </a:extLst>
+            </p:cNvPr>
+            <p:cNvSpPr txBox="1"/>
+            <p:nvPr/>
+          </p:nvSpPr>
+          <p:spPr>
+            <a:xfrm>
+              <a:off x="2733701" y="200413"/>
+              <a:ext cx="1847796" cy="1187223"/>
+            </a:xfrm>
+            <a:prstGeom prst="rect">
+              <a:avLst/>
+            </a:prstGeom>
+          </p:spPr>
+          <p:style>
+            <a:lnRef idx="0">
+              <a:scrgbClr r="0" g="0" b="0"/>
+            </a:lnRef>
+            <a:fillRef idx="0">
+              <a:scrgbClr r="0" g="0" b="0"/>
+            </a:fillRef>
+            <a:effectRef idx="0">
+              <a:scrgbClr r="0" g="0" b="0"/>
+            </a:effectRef>
+            <a:fontRef idx="minor">
+              <a:schemeClr val="lt1"/>
+            </a:fontRef>
+          </p:style>
+          <p:txBody>
+            <a:bodyPr spcFirstLastPara="0" vert="horz" wrap="square" lIns="68580" tIns="68580" rIns="68580" bIns="68580" numCol="1" spcCol="1270" anchor="ctr" anchorCtr="0">
+              <a:noAutofit/>
+            </a:bodyPr>
+            <a:lstStyle/>
+            <a:p>
+              <a:pPr marL="0" lvl="0" indent="0" algn="ctr" defTabSz="800100">
+                <a:lnSpc>
+                  <a:spcPct val="90000"/>
+                </a:lnSpc>
+                <a:spcBef>
+                  <a:spcPct val="0"/>
+                </a:spcBef>
+                <a:spcAft>
+                  <a:spcPct val="35000"/>
+                </a:spcAft>
+                <a:buNone/>
+              </a:pPr>
+              <a:r>
+                <a:rPr lang="en-US" sz="1800" kern="1200" dirty="0"/>
+                <a:t>The request is logged</a:t>
+              </a:r>
+            </a:p>
+          </p:txBody>
+        </p:sp>
+      </p:grpSp>
+      <p:grpSp>
+        <p:nvGrpSpPr>
+          <p:cNvPr id="18" name="Group 17">
+            <a:extLst>
+              <a:ext uri="{FF2B5EF4-FFF2-40B4-BE49-F238E27FC236}">
+                <a16:creationId xmlns:a16="http://schemas.microsoft.com/office/drawing/2014/main" id="{CC0CFD3A-A205-424B-A55B-40288EA4EA7C}"/>
+              </a:ext>
+            </a:extLst>
+          </p:cNvPr>
+          <p:cNvGrpSpPr/>
+          <p:nvPr/>
+        </p:nvGrpSpPr>
+        <p:grpSpPr>
+          <a:xfrm>
+            <a:off x="8822146" y="1268590"/>
+            <a:ext cx="407393" cy="476573"/>
+            <a:chOff x="2120264" y="555738"/>
+            <a:chExt cx="407393" cy="476573"/>
+          </a:xfrm>
+        </p:grpSpPr>
+        <p:sp>
+          <p:nvSpPr>
+            <p:cNvPr id="19" name="Right Arrow 18">
+              <a:extLst>
+                <a:ext uri="{FF2B5EF4-FFF2-40B4-BE49-F238E27FC236}">
+                  <a16:creationId xmlns:a16="http://schemas.microsoft.com/office/drawing/2014/main" id="{5CA01B4D-D645-A340-B6BD-4182C9EF7BAB}"/>
+                </a:ext>
+              </a:extLst>
+            </p:cNvPr>
+            <p:cNvSpPr/>
+            <p:nvPr/>
+          </p:nvSpPr>
+          <p:spPr>
+            <a:xfrm>
+              <a:off x="2120264" y="555738"/>
+              <a:ext cx="407393" cy="476573"/>
+            </a:xfrm>
+            <a:prstGeom prst="rightArrow">
+              <a:avLst>
+                <a:gd name="adj1" fmla="val 60000"/>
+                <a:gd name="adj2" fmla="val 50000"/>
+              </a:avLst>
+            </a:prstGeom>
+          </p:spPr>
+          <p:style>
+            <a:lnRef idx="0">
+              <a:schemeClr val="accent1">
+                <a:tint val="60000"/>
+                <a:hueOff val="0"/>
+                <a:satOff val="0"/>
+                <a:lumOff val="0"/>
+                <a:alphaOff val="0"/>
+              </a:schemeClr>
+            </a:lnRef>
+            <a:fillRef idx="1">
+              <a:schemeClr val="accent1">
+                <a:tint val="60000"/>
+                <a:hueOff val="0"/>
+                <a:satOff val="0"/>
+                <a:lumOff val="0"/>
+                <a:alphaOff val="0"/>
+              </a:schemeClr>
+            </a:fillRef>
+            <a:effectRef idx="0">
+              <a:schemeClr val="accent1">
+                <a:tint val="60000"/>
+                <a:hueOff val="0"/>
+                <a:satOff val="0"/>
+                <a:lumOff val="0"/>
+                <a:alphaOff val="0"/>
+              </a:schemeClr>
+            </a:effectRef>
+            <a:fontRef idx="minor">
+              <a:schemeClr val="lt1"/>
+            </a:fontRef>
+          </p:style>
+        </p:sp>
+        <p:sp>
+          <p:nvSpPr>
+            <p:cNvPr id="20" name="Right Arrow 4">
+              <a:extLst>
+                <a:ext uri="{FF2B5EF4-FFF2-40B4-BE49-F238E27FC236}">
+                  <a16:creationId xmlns:a16="http://schemas.microsoft.com/office/drawing/2014/main" id="{B7D34607-59E9-3847-B671-16AD0A9846D9}"/>
+                </a:ext>
+              </a:extLst>
+            </p:cNvPr>
+            <p:cNvSpPr txBox="1"/>
+            <p:nvPr/>
+          </p:nvSpPr>
+          <p:spPr>
+            <a:xfrm>
+              <a:off x="2120264" y="651053"/>
+              <a:ext cx="285175" cy="285943"/>
+            </a:xfrm>
+            <a:prstGeom prst="rect">
+              <a:avLst/>
+            </a:prstGeom>
+          </p:spPr>
+          <p:style>
+            <a:lnRef idx="0">
+              <a:scrgbClr r="0" g="0" b="0"/>
+            </a:lnRef>
+            <a:fillRef idx="0">
+              <a:scrgbClr r="0" g="0" b="0"/>
+            </a:fillRef>
+            <a:effectRef idx="0">
+              <a:scrgbClr r="0" g="0" b="0"/>
+            </a:effectRef>
+            <a:fontRef idx="minor">
+              <a:schemeClr val="lt1"/>
+            </a:fontRef>
+          </p:style>
+          <p:txBody>
+            <a:bodyPr spcFirstLastPara="0" vert="horz" wrap="square" lIns="0" tIns="0" rIns="0" bIns="0" numCol="1" spcCol="1270" anchor="ctr" anchorCtr="0">
+              <a:noAutofit/>
+            </a:bodyPr>
+            <a:lstStyle/>
+            <a:p>
+              <a:pPr marL="0" lvl="0" indent="0" algn="ctr" defTabSz="622300">
+                <a:lnSpc>
+                  <a:spcPct val="90000"/>
+                </a:lnSpc>
+                <a:spcBef>
+                  <a:spcPct val="0"/>
+                </a:spcBef>
+                <a:spcAft>
+                  <a:spcPct val="35000"/>
+                </a:spcAft>
+                <a:buNone/>
+              </a:pPr>
+              <a:endParaRPr lang="en-US" sz="1400" kern="1200"/>
+            </a:p>
+          </p:txBody>
+        </p:sp>
+      </p:grpSp>
+      <p:grpSp>
+        <p:nvGrpSpPr>
+          <p:cNvPr id="21" name="Group 20">
+            <a:extLst>
+              <a:ext uri="{FF2B5EF4-FFF2-40B4-BE49-F238E27FC236}">
+                <a16:creationId xmlns:a16="http://schemas.microsoft.com/office/drawing/2014/main" id="{76152B08-CF27-4745-9F14-8B29588E4060}"/>
+              </a:ext>
+            </a:extLst>
+          </p:cNvPr>
+          <p:cNvGrpSpPr/>
+          <p:nvPr/>
+        </p:nvGrpSpPr>
+        <p:grpSpPr>
+          <a:xfrm>
+            <a:off x="9534558" y="878259"/>
+            <a:ext cx="1921668" cy="1261095"/>
+            <a:chOff x="5387101" y="163477"/>
+            <a:chExt cx="1921668" cy="1261095"/>
+          </a:xfrm>
+        </p:grpSpPr>
+        <p:sp>
+          <p:nvSpPr>
+            <p:cNvPr id="22" name="Rounded Rectangle 21">
+              <a:extLst>
+                <a:ext uri="{FF2B5EF4-FFF2-40B4-BE49-F238E27FC236}">
+                  <a16:creationId xmlns:a16="http://schemas.microsoft.com/office/drawing/2014/main" id="{17612313-A9F3-2544-AA1F-ADC0A6D3D633}"/>
+                </a:ext>
+              </a:extLst>
+            </p:cNvPr>
+            <p:cNvSpPr/>
+            <p:nvPr/>
+          </p:nvSpPr>
+          <p:spPr>
+            <a:xfrm>
+              <a:off x="5387101" y="163477"/>
+              <a:ext cx="1921668" cy="1261095"/>
+            </a:xfrm>
+            <a:prstGeom prst="roundRect">
+              <a:avLst>
+                <a:gd name="adj" fmla="val 10000"/>
+              </a:avLst>
+            </a:prstGeom>
+          </p:spPr>
+          <p:style>
+            <a:lnRef idx="2">
+              <a:schemeClr val="lt1">
+                <a:hueOff val="0"/>
+                <a:satOff val="0"/>
+                <a:lumOff val="0"/>
+                <a:alphaOff val="0"/>
+              </a:schemeClr>
+            </a:lnRef>
+            <a:fillRef idx="1">
+              <a:schemeClr val="accent1">
+                <a:hueOff val="0"/>
+                <a:satOff val="0"/>
+                <a:lumOff val="0"/>
+                <a:alphaOff val="0"/>
+              </a:schemeClr>
+            </a:fillRef>
+            <a:effectRef idx="0">
+              <a:schemeClr val="accent1">
+                <a:hueOff val="0"/>
+                <a:satOff val="0"/>
+                <a:lumOff val="0"/>
+                <a:alphaOff val="0"/>
+              </a:schemeClr>
+            </a:effectRef>
+            <a:fontRef idx="minor">
+              <a:schemeClr val="lt1"/>
+            </a:fontRef>
+          </p:style>
+        </p:sp>
+        <p:sp>
+          <p:nvSpPr>
+            <p:cNvPr id="23" name="Rounded Rectangle 4">
+              <a:extLst>
+                <a:ext uri="{FF2B5EF4-FFF2-40B4-BE49-F238E27FC236}">
+                  <a16:creationId xmlns:a16="http://schemas.microsoft.com/office/drawing/2014/main" id="{66BA2E61-7455-0044-9E97-B9B396245D72}"/>
+                </a:ext>
+              </a:extLst>
+            </p:cNvPr>
+            <p:cNvSpPr txBox="1"/>
+            <p:nvPr/>
+          </p:nvSpPr>
+          <p:spPr>
+            <a:xfrm>
+              <a:off x="5424037" y="200413"/>
+              <a:ext cx="1847796" cy="1187223"/>
+            </a:xfrm>
+            <a:prstGeom prst="rect">
+              <a:avLst/>
+            </a:prstGeom>
+          </p:spPr>
+          <p:style>
+            <a:lnRef idx="0">
+              <a:scrgbClr r="0" g="0" b="0"/>
+            </a:lnRef>
+            <a:fillRef idx="0">
+              <a:scrgbClr r="0" g="0" b="0"/>
+            </a:fillRef>
+            <a:effectRef idx="0">
+              <a:scrgbClr r="0" g="0" b="0"/>
+            </a:effectRef>
+            <a:fontRef idx="minor">
+              <a:schemeClr val="lt1"/>
+            </a:fontRef>
+          </p:style>
+          <p:txBody>
+            <a:bodyPr spcFirstLastPara="0" vert="horz" wrap="square" lIns="68580" tIns="68580" rIns="68580" bIns="68580" numCol="1" spcCol="1270" anchor="ctr" anchorCtr="0">
+              <a:noAutofit/>
+            </a:bodyPr>
+            <a:lstStyle/>
+            <a:p>
+              <a:pPr marL="0" lvl="0" indent="0" algn="ctr" defTabSz="800100">
+                <a:lnSpc>
+                  <a:spcPct val="90000"/>
+                </a:lnSpc>
+                <a:spcBef>
+                  <a:spcPct val="0"/>
+                </a:spcBef>
+                <a:spcAft>
+                  <a:spcPct val="35000"/>
+                </a:spcAft>
+                <a:buNone/>
+              </a:pPr>
+              <a:r>
+                <a:rPr lang="en-US" sz="1800" kern="1200" dirty="0"/>
+                <a:t>The request  is processed and a response is returned</a:t>
+              </a:r>
+            </a:p>
+          </p:txBody>
+        </p:sp>
+      </p:grpSp>
     </p:spTree>
     <p:extLst>
       <p:ext uri="{BB962C8B-B14F-4D97-AF65-F5344CB8AC3E}">
@@ -12307,10 +12866,460 @@
   <p:clrMapOvr>
     <a:masterClrMapping/>
   </p:clrMapOvr>
+  <p:timing>
+    <p:tnLst>
+      <p:par>
+        <p:cTn id="1" dur="indefinite" restart="never" nodeType="tmRoot">
+          <p:childTnLst>
+            <p:seq concurrent="1" nextAc="seek">
+              <p:cTn id="2" dur="indefinite" nodeType="mainSeq">
+                <p:childTnLst>
+                  <p:par>
+                    <p:cTn id="3" fill="hold">
+                      <p:stCondLst>
+                        <p:cond delay="indefinite"/>
+                      </p:stCondLst>
+                      <p:childTnLst>
+                        <p:par>
+                          <p:cTn id="4" fill="hold">
+                            <p:stCondLst>
+                              <p:cond delay="0"/>
+                            </p:stCondLst>
+                            <p:childTnLst>
+                              <p:par>
+                                <p:cTn id="5" presetID="14" presetClass="entr" presetSubtype="10" fill="hold" nodeType="clickEffect">
+                                  <p:stCondLst>
+                                    <p:cond delay="0"/>
+                                  </p:stCondLst>
+                                  <p:childTnLst>
+                                    <p:set>
+                                      <p:cBhvr>
+                                        <p:cTn id="6" dur="1" fill="hold">
+                                          <p:stCondLst>
+                                            <p:cond delay="0"/>
+                                          </p:stCondLst>
+                                        </p:cTn>
+                                        <p:tgtEl>
+                                          <p:spTgt spid="6"/>
+                                        </p:tgtEl>
+                                        <p:attrNameLst>
+                                          <p:attrName>style.visibility</p:attrName>
+                                        </p:attrNameLst>
+                                      </p:cBhvr>
+                                      <p:to>
+                                        <p:strVal val="visible"/>
+                                      </p:to>
+                                    </p:set>
+                                    <p:animEffect transition="in" filter="randombar(horizontal)">
+                                      <p:cBhvr>
+                                        <p:cTn id="7" dur="500"/>
+                                        <p:tgtEl>
+                                          <p:spTgt spid="6"/>
+                                        </p:tgtEl>
+                                      </p:cBhvr>
+                                    </p:animEffect>
+                                  </p:childTnLst>
+                                </p:cTn>
+                              </p:par>
+                            </p:childTnLst>
+                          </p:cTn>
+                        </p:par>
+                      </p:childTnLst>
+                    </p:cTn>
+                  </p:par>
+                  <p:par>
+                    <p:cTn id="8" fill="hold">
+                      <p:stCondLst>
+                        <p:cond delay="indefinite"/>
+                      </p:stCondLst>
+                      <p:childTnLst>
+                        <p:par>
+                          <p:cTn id="9" fill="hold">
+                            <p:stCondLst>
+                              <p:cond delay="0"/>
+                            </p:stCondLst>
+                            <p:childTnLst>
+                              <p:par>
+                                <p:cTn id="10" presetID="2" presetClass="entr" presetSubtype="8" fill="hold" nodeType="clickEffect">
+                                  <p:stCondLst>
+                                    <p:cond delay="0"/>
+                                  </p:stCondLst>
+                                  <p:childTnLst>
+                                    <p:set>
+                                      <p:cBhvr>
+                                        <p:cTn id="11" dur="1" fill="hold">
+                                          <p:stCondLst>
+                                            <p:cond delay="0"/>
+                                          </p:stCondLst>
+                                        </p:cTn>
+                                        <p:tgtEl>
+                                          <p:spTgt spid="11"/>
+                                        </p:tgtEl>
+                                        <p:attrNameLst>
+                                          <p:attrName>style.visibility</p:attrName>
+                                        </p:attrNameLst>
+                                      </p:cBhvr>
+                                      <p:to>
+                                        <p:strVal val="visible"/>
+                                      </p:to>
+                                    </p:set>
+                                    <p:anim calcmode="lin" valueType="num">
+                                      <p:cBhvr additive="base">
+                                        <p:cTn id="12" dur="500" fill="hold"/>
+                                        <p:tgtEl>
+                                          <p:spTgt spid="11"/>
+                                        </p:tgtEl>
+                                        <p:attrNameLst>
+                                          <p:attrName>ppt_x</p:attrName>
+                                        </p:attrNameLst>
+                                      </p:cBhvr>
+                                      <p:tavLst>
+                                        <p:tav tm="0">
+                                          <p:val>
+                                            <p:strVal val="0-#ppt_w/2"/>
+                                          </p:val>
+                                        </p:tav>
+                                        <p:tav tm="100000">
+                                          <p:val>
+                                            <p:strVal val="#ppt_x"/>
+                                          </p:val>
+                                        </p:tav>
+                                      </p:tavLst>
+                                    </p:anim>
+                                    <p:anim calcmode="lin" valueType="num">
+                                      <p:cBhvr additive="base">
+                                        <p:cTn id="13" dur="500" fill="hold"/>
+                                        <p:tgtEl>
+                                          <p:spTgt spid="11"/>
+                                        </p:tgtEl>
+                                        <p:attrNameLst>
+                                          <p:attrName>ppt_y</p:attrName>
+                                        </p:attrNameLst>
+                                      </p:cBhvr>
+                                      <p:tavLst>
+                                        <p:tav tm="0">
+                                          <p:val>
+                                            <p:strVal val="#ppt_y"/>
+                                          </p:val>
+                                        </p:tav>
+                                        <p:tav tm="100000">
+                                          <p:val>
+                                            <p:strVal val="#ppt_y"/>
+                                          </p:val>
+                                        </p:tav>
+                                      </p:tavLst>
+                                    </p:anim>
+                                  </p:childTnLst>
+                                </p:cTn>
+                              </p:par>
+                              <p:par>
+                                <p:cTn id="14" presetID="12" presetClass="entr" presetSubtype="1" fill="hold" nodeType="withEffect">
+                                  <p:stCondLst>
+                                    <p:cond delay="0"/>
+                                  </p:stCondLst>
+                                  <p:childTnLst>
+                                    <p:set>
+                                      <p:cBhvr>
+                                        <p:cTn id="15" dur="1" fill="hold">
+                                          <p:stCondLst>
+                                            <p:cond delay="0"/>
+                                          </p:stCondLst>
+                                        </p:cTn>
+                                        <p:tgtEl>
+                                          <p:spTgt spid="14"/>
+                                        </p:tgtEl>
+                                        <p:attrNameLst>
+                                          <p:attrName>style.visibility</p:attrName>
+                                        </p:attrNameLst>
+                                      </p:cBhvr>
+                                      <p:to>
+                                        <p:strVal val="visible"/>
+                                      </p:to>
+                                    </p:set>
+                                    <p:anim calcmode="lin" valueType="num">
+                                      <p:cBhvr additive="base">
+                                        <p:cTn id="16" dur="500"/>
+                                        <p:tgtEl>
+                                          <p:spTgt spid="14"/>
+                                        </p:tgtEl>
+                                        <p:attrNameLst>
+                                          <p:attrName>ppt_y</p:attrName>
+                                        </p:attrNameLst>
+                                      </p:cBhvr>
+                                      <p:tavLst>
+                                        <p:tav tm="0">
+                                          <p:val>
+                                            <p:strVal val="#ppt_y-#ppt_h*1.125000"/>
+                                          </p:val>
+                                        </p:tav>
+                                        <p:tav tm="100000">
+                                          <p:val>
+                                            <p:strVal val="#ppt_y"/>
+                                          </p:val>
+                                        </p:tav>
+                                      </p:tavLst>
+                                    </p:anim>
+                                    <p:animEffect transition="in" filter="wipe(down)">
+                                      <p:cBhvr>
+                                        <p:cTn id="17" dur="500"/>
+                                        <p:tgtEl>
+                                          <p:spTgt spid="14"/>
+                                        </p:tgtEl>
+                                      </p:cBhvr>
+                                    </p:animEffect>
+                                  </p:childTnLst>
+                                </p:cTn>
+                              </p:par>
+                            </p:childTnLst>
+                          </p:cTn>
+                        </p:par>
+                      </p:childTnLst>
+                    </p:cTn>
+                  </p:par>
+                  <p:par>
+                    <p:cTn id="18" fill="hold">
+                      <p:stCondLst>
+                        <p:cond delay="indefinite"/>
+                      </p:stCondLst>
+                      <p:childTnLst>
+                        <p:par>
+                          <p:cTn id="19" fill="hold">
+                            <p:stCondLst>
+                              <p:cond delay="0"/>
+                            </p:stCondLst>
+                            <p:childTnLst>
+                              <p:par>
+                                <p:cTn id="20" presetID="55" presetClass="entr" presetSubtype="0" fill="hold" nodeType="clickEffect">
+                                  <p:stCondLst>
+                                    <p:cond delay="0"/>
+                                  </p:stCondLst>
+                                  <p:childTnLst>
+                                    <p:set>
+                                      <p:cBhvr>
+                                        <p:cTn id="21" dur="1" fill="hold">
+                                          <p:stCondLst>
+                                            <p:cond delay="0"/>
+                                          </p:stCondLst>
+                                        </p:cTn>
+                                        <p:tgtEl>
+                                          <p:spTgt spid="18"/>
+                                        </p:tgtEl>
+                                        <p:attrNameLst>
+                                          <p:attrName>style.visibility</p:attrName>
+                                        </p:attrNameLst>
+                                      </p:cBhvr>
+                                      <p:to>
+                                        <p:strVal val="visible"/>
+                                      </p:to>
+                                    </p:set>
+                                    <p:anim calcmode="lin" valueType="num">
+                                      <p:cBhvr>
+                                        <p:cTn id="22" dur="1000" fill="hold"/>
+                                        <p:tgtEl>
+                                          <p:spTgt spid="18"/>
+                                        </p:tgtEl>
+                                        <p:attrNameLst>
+                                          <p:attrName>ppt_w</p:attrName>
+                                        </p:attrNameLst>
+                                      </p:cBhvr>
+                                      <p:tavLst>
+                                        <p:tav tm="0">
+                                          <p:val>
+                                            <p:strVal val="#ppt_w*0.70"/>
+                                          </p:val>
+                                        </p:tav>
+                                        <p:tav tm="100000">
+                                          <p:val>
+                                            <p:strVal val="#ppt_w"/>
+                                          </p:val>
+                                        </p:tav>
+                                      </p:tavLst>
+                                    </p:anim>
+                                    <p:anim calcmode="lin" valueType="num">
+                                      <p:cBhvr>
+                                        <p:cTn id="23" dur="1000" fill="hold"/>
+                                        <p:tgtEl>
+                                          <p:spTgt spid="18"/>
+                                        </p:tgtEl>
+                                        <p:attrNameLst>
+                                          <p:attrName>ppt_h</p:attrName>
+                                        </p:attrNameLst>
+                                      </p:cBhvr>
+                                      <p:tavLst>
+                                        <p:tav tm="0">
+                                          <p:val>
+                                            <p:strVal val="#ppt_h"/>
+                                          </p:val>
+                                        </p:tav>
+                                        <p:tav tm="100000">
+                                          <p:val>
+                                            <p:strVal val="#ppt_h"/>
+                                          </p:val>
+                                        </p:tav>
+                                      </p:tavLst>
+                                    </p:anim>
+                                    <p:animEffect transition="in" filter="fade">
+                                      <p:cBhvr>
+                                        <p:cTn id="24" dur="1000"/>
+                                        <p:tgtEl>
+                                          <p:spTgt spid="18"/>
+                                        </p:tgtEl>
+                                      </p:cBhvr>
+                                    </p:animEffect>
+                                  </p:childTnLst>
+                                </p:cTn>
+                              </p:par>
+                              <p:par>
+                                <p:cTn id="25" presetID="15" presetClass="entr" presetSubtype="0" fill="hold" nodeType="withEffect">
+                                  <p:stCondLst>
+                                    <p:cond delay="0"/>
+                                  </p:stCondLst>
+                                  <p:childTnLst>
+                                    <p:set>
+                                      <p:cBhvr>
+                                        <p:cTn id="26" dur="1" fill="hold">
+                                          <p:stCondLst>
+                                            <p:cond delay="0"/>
+                                          </p:stCondLst>
+                                        </p:cTn>
+                                        <p:tgtEl>
+                                          <p:spTgt spid="21"/>
+                                        </p:tgtEl>
+                                        <p:attrNameLst>
+                                          <p:attrName>style.visibility</p:attrName>
+                                        </p:attrNameLst>
+                                      </p:cBhvr>
+                                      <p:to>
+                                        <p:strVal val="visible"/>
+                                      </p:to>
+                                    </p:set>
+                                    <p:anim calcmode="lin" valueType="num">
+                                      <p:cBhvr>
+                                        <p:cTn id="27" dur="1000" fill="hold"/>
+                                        <p:tgtEl>
+                                          <p:spTgt spid="21"/>
+                                        </p:tgtEl>
+                                        <p:attrNameLst>
+                                          <p:attrName>ppt_w</p:attrName>
+                                        </p:attrNameLst>
+                                      </p:cBhvr>
+                                      <p:tavLst>
+                                        <p:tav tm="0">
+                                          <p:val>
+                                            <p:fltVal val="0"/>
+                                          </p:val>
+                                        </p:tav>
+                                        <p:tav tm="100000">
+                                          <p:val>
+                                            <p:strVal val="#ppt_w"/>
+                                          </p:val>
+                                        </p:tav>
+                                      </p:tavLst>
+                                    </p:anim>
+                                    <p:anim calcmode="lin" valueType="num">
+                                      <p:cBhvr>
+                                        <p:cTn id="28" dur="1000" fill="hold"/>
+                                        <p:tgtEl>
+                                          <p:spTgt spid="21"/>
+                                        </p:tgtEl>
+                                        <p:attrNameLst>
+                                          <p:attrName>ppt_h</p:attrName>
+                                        </p:attrNameLst>
+                                      </p:cBhvr>
+                                      <p:tavLst>
+                                        <p:tav tm="0">
+                                          <p:val>
+                                            <p:fltVal val="0"/>
+                                          </p:val>
+                                        </p:tav>
+                                        <p:tav tm="100000">
+                                          <p:val>
+                                            <p:strVal val="#ppt_h"/>
+                                          </p:val>
+                                        </p:tav>
+                                      </p:tavLst>
+                                    </p:anim>
+                                    <p:anim calcmode="lin" valueType="num">
+                                      <p:cBhvr>
+                                        <p:cTn id="29" dur="1000" fill="hold"/>
+                                        <p:tgtEl>
+                                          <p:spTgt spid="21"/>
+                                        </p:tgtEl>
+                                        <p:attrNameLst>
+                                          <p:attrName>ppt_x</p:attrName>
+                                        </p:attrNameLst>
+                                      </p:cBhvr>
+                                      <p:tavLst>
+                                        <p:tav tm="0" fmla="#ppt_x+(cos(-2*pi*(1-$))*-#ppt_x-sin(-2*pi*(1-$))*(1-#ppt_y))*(1-$)">
+                                          <p:val>
+                                            <p:fltVal val="0"/>
+                                          </p:val>
+                                        </p:tav>
+                                        <p:tav tm="100000">
+                                          <p:val>
+                                            <p:fltVal val="1"/>
+                                          </p:val>
+                                        </p:tav>
+                                      </p:tavLst>
+                                    </p:anim>
+                                    <p:anim calcmode="lin" valueType="num">
+                                      <p:cBhvr>
+                                        <p:cTn id="30" dur="1000" fill="hold"/>
+                                        <p:tgtEl>
+                                          <p:spTgt spid="21"/>
+                                        </p:tgtEl>
+                                        <p:attrNameLst>
+                                          <p:attrName>ppt_y</p:attrName>
+                                        </p:attrNameLst>
+                                      </p:cBhvr>
+                                      <p:tavLst>
+                                        <p:tav tm="0" fmla="#ppt_y+(sin(-2*pi*(1-$))*-#ppt_x+cos(-2*pi*(1-$))*(1-#ppt_y))*(1-$)">
+                                          <p:val>
+                                            <p:fltVal val="0"/>
+                                          </p:val>
+                                        </p:tav>
+                                        <p:tav tm="100000">
+                                          <p:val>
+                                            <p:fltVal val="1"/>
+                                          </p:val>
+                                        </p:tav>
+                                      </p:tavLst>
+                                    </p:anim>
+                                  </p:childTnLst>
+                                </p:cTn>
+                              </p:par>
+                            </p:childTnLst>
+                          </p:cTn>
+                        </p:par>
+                      </p:childTnLst>
+                    </p:cTn>
+                  </p:par>
+                </p:childTnLst>
+              </p:cTn>
+              <p:prevCondLst>
+                <p:cond evt="onPrev" delay="0">
+                  <p:tgtEl>
+                    <p:sldTgt/>
+                  </p:tgtEl>
+                </p:cond>
+              </p:prevCondLst>
+              <p:nextCondLst>
+                <p:cond evt="onNext" delay="0">
+                  <p:tgtEl>
+                    <p:sldTgt/>
+                  </p:tgtEl>
+                </p:cond>
+              </p:nextCondLst>
+            </p:seq>
+          </p:childTnLst>
+        </p:cTn>
+      </p:par>
+    </p:tnLst>
+  </p:timing>
 </p:sld>
 </file>
 
-<file path=ppt/slides/slide3.xml><?xml version="1.0" encoding="utf-8"?>
+<file path=ppt/slides/slide7.xml><?xml version="1.0" encoding="utf-8"?>
 <p:sld xmlns:a="http://schemas.openxmlformats.org/drawingml/2006/main" xmlns:r="http://schemas.openxmlformats.org/officeDocument/2006/relationships" xmlns:p="http://schemas.openxmlformats.org/presentationml/2006/main">
   <p:cSld>
     <p:spTree>
@@ -12392,7 +13401,7 @@
                   <a:schemeClr val="tx1"/>
                 </a:solidFill>
               </a:rPr>
-              <a:t>Impressed by the ability to track requests into a text file the company now wants to add the ability to have the ability to allow the user to email a log. </a:t>
+              <a:t>Impressed by the ability to track requests into a text file the company now wants to add the ability to allow the user to email a log. </a:t>
             </a:r>
           </a:p>
         </p:txBody>
@@ -12446,7 +13455,7 @@
 </p:sld>
 </file>
 
-<file path=ppt/slides/slide4.xml><?xml version="1.0" encoding="utf-8"?>
+<file path=ppt/slides/slide8.xml><?xml version="1.0" encoding="utf-8"?>
 <p:sld xmlns:a="http://schemas.openxmlformats.org/drawingml/2006/main" xmlns:r="http://schemas.openxmlformats.org/officeDocument/2006/relationships" xmlns:p="http://schemas.openxmlformats.org/presentationml/2006/main">
   <p:cSld>
     <p:bg>
@@ -12594,7 +13603,7 @@
 </p:sld>
 </file>
 
-<file path=ppt/slides/slide5.xml><?xml version="1.0" encoding="utf-8"?>
+<file path=ppt/slides/slide9.xml><?xml version="1.0" encoding="utf-8"?>
 <p:sld xmlns:a="http://schemas.openxmlformats.org/drawingml/2006/main" xmlns:r="http://schemas.openxmlformats.org/officeDocument/2006/relationships" xmlns:p="http://schemas.openxmlformats.org/presentationml/2006/main">
   <p:cSld>
     <p:spTree>
@@ -12678,7 +13687,7 @@
                   <a:schemeClr val="tx1"/>
                 </a:solidFill>
               </a:rPr>
-              <a:t>Impressed by the ability to track requests into the console the company now wants to add the ability to create different types of logging messages (information, warning, error). </a:t>
+              <a:t>Impressed by the ability to track requests into the console the company now wants to add the ability to create different types of logging messages (information, warning, error, etc.). </a:t>
             </a:r>
           </a:p>
           <a:p>
@@ -12691,7 +13700,7 @@
                   <a:schemeClr val="tx1"/>
                 </a:solidFill>
               </a:rPr>
-              <a:t>There is one additional requirement they want to continue logging everything to the console but now they want to customize the behavior of some logging types. </a:t>
+              <a:t>There is one additional requirement, they want to continue logging everything to the console but now they want to customize the behavior of some logging types. </a:t>
             </a:r>
           </a:p>
           <a:p>
@@ -12762,1511 +13771,6 @@
     <p:extLst>
       <p:ext uri="{BB962C8B-B14F-4D97-AF65-F5344CB8AC3E}">
         <p14:creationId xmlns:p14="http://schemas.microsoft.com/office/powerpoint/2010/main" val="4224447753"/>
-      </p:ext>
-    </p:extLst>
-  </p:cSld>
-  <p:clrMapOvr>
-    <a:masterClrMapping/>
-  </p:clrMapOvr>
-</p:sld>
-</file>
-
-<file path=ppt/slides/slide6.xml><?xml version="1.0" encoding="utf-8"?>
-<p:sld xmlns:a="http://schemas.openxmlformats.org/drawingml/2006/main" xmlns:r="http://schemas.openxmlformats.org/officeDocument/2006/relationships" xmlns:p="http://schemas.openxmlformats.org/presentationml/2006/main">
-  <p:cSld>
-    <p:bg>
-      <p:bgPr>
-        <a:solidFill>
-          <a:schemeClr val="bg1"/>
-        </a:solidFill>
-        <a:effectLst/>
-      </p:bgPr>
-    </p:bg>
-    <p:spTree>
-      <p:nvGrpSpPr>
-        <p:cNvPr id="1" name=""/>
-        <p:cNvGrpSpPr/>
-        <p:nvPr/>
-      </p:nvGrpSpPr>
-      <p:grpSpPr>
-        <a:xfrm>
-          <a:off x="0" y="0"/>
-          <a:ext cx="0" cy="0"/>
-          <a:chOff x="0" y="0"/>
-          <a:chExt cx="0" cy="0"/>
-        </a:xfrm>
-      </p:grpSpPr>
-      <p:sp>
-        <p:nvSpPr>
-          <p:cNvPr id="6" name="Title 5">
-            <a:extLst>
-              <a:ext uri="{FF2B5EF4-FFF2-40B4-BE49-F238E27FC236}">
-                <a16:creationId xmlns:a16="http://schemas.microsoft.com/office/drawing/2014/main" id="{3B837824-6319-40A8-AF4B-2BE3F646D157}"/>
-              </a:ext>
-            </a:extLst>
-          </p:cNvPr>
-          <p:cNvSpPr>
-            <a:spLocks noGrp="1"/>
-          </p:cNvSpPr>
-          <p:nvPr>
-            <p:ph type="title"/>
-          </p:nvPr>
-        </p:nvSpPr>
-        <p:spPr>
-          <a:xfrm>
-            <a:off x="252919" y="1123837"/>
-            <a:ext cx="2947482" cy="4601183"/>
-          </a:xfrm>
-        </p:spPr>
-        <p:txBody>
-          <a:bodyPr>
-            <a:normAutofit/>
-          </a:bodyPr>
-          <a:lstStyle/>
-          <a:p>
-            <a:br>
-              <a:rPr lang="en-US" sz="3300"/>
-            </a:br>
-            <a:r>
-              <a:rPr lang="en-US" sz="3300"/>
-              <a:t>Chain of Responsibilities</a:t>
-            </a:r>
-          </a:p>
-        </p:txBody>
-      </p:sp>
-      <p:sp>
-        <p:nvSpPr>
-          <p:cNvPr id="11" name="Content Placeholder 10">
-            <a:extLst>
-              <a:ext uri="{FF2B5EF4-FFF2-40B4-BE49-F238E27FC236}">
-                <a16:creationId xmlns:a16="http://schemas.microsoft.com/office/drawing/2014/main" id="{EAD971A2-03E1-46F6-92B0-E7F01D739837}"/>
-              </a:ext>
-            </a:extLst>
-          </p:cNvPr>
-          <p:cNvSpPr>
-            <a:spLocks noGrp="1"/>
-          </p:cNvSpPr>
-          <p:nvPr>
-            <p:ph idx="1"/>
-          </p:nvPr>
-        </p:nvSpPr>
-        <p:spPr>
-          <a:xfrm>
-            <a:off x="3855199" y="1328342"/>
-            <a:ext cx="7646872" cy="4794161"/>
-          </a:xfrm>
-        </p:spPr>
-        <p:txBody>
-          <a:bodyPr>
-            <a:normAutofit/>
-          </a:bodyPr>
-          <a:lstStyle/>
-          <a:p>
-            <a:pPr marL="0" indent="0">
-              <a:buNone/>
-            </a:pPr>
-            <a:r>
-              <a:rPr lang="en-US" dirty="0">
-                <a:solidFill>
-                  <a:schemeClr val="tx1"/>
-                </a:solidFill>
-              </a:rPr>
-              <a:t>Avoid coupling the sender of a request to its receiver by giving more than one object a chance to handle the request. Chain the receiving objects and pass the request along the chain until an object handles it.</a:t>
-            </a:r>
-          </a:p>
-          <a:p>
-            <a:pPr marL="0" indent="0">
-              <a:buNone/>
-            </a:pPr>
-            <a:endParaRPr lang="en-US" dirty="0">
-              <a:solidFill>
-                <a:schemeClr val="tx1"/>
-              </a:solidFill>
-            </a:endParaRPr>
-          </a:p>
-          <a:p>
-            <a:pPr marL="0" indent="0">
-              <a:buNone/>
-            </a:pPr>
-            <a:r>
-              <a:rPr lang="en-US" dirty="0">
-                <a:solidFill>
-                  <a:schemeClr val="tx1"/>
-                </a:solidFill>
-              </a:rPr>
-              <a:t>How do you decide when to use COR?</a:t>
-            </a:r>
-          </a:p>
-          <a:p>
-            <a:r>
-              <a:rPr lang="en-US" sz="1800" dirty="0">
-                <a:solidFill>
-                  <a:schemeClr val="tx1"/>
-                </a:solidFill>
-              </a:rPr>
-              <a:t>More than one object can handle a command</a:t>
-            </a:r>
-          </a:p>
-          <a:p>
-            <a:r>
-              <a:rPr lang="en-US" sz="1800" dirty="0">
-                <a:solidFill>
-                  <a:schemeClr val="tx1"/>
-                </a:solidFill>
-              </a:rPr>
-              <a:t>The handler is not known in advance</a:t>
-            </a:r>
-          </a:p>
-          <a:p>
-            <a:r>
-              <a:rPr lang="en-US" sz="1800" dirty="0">
-                <a:solidFill>
-                  <a:schemeClr val="tx1"/>
-                </a:solidFill>
-              </a:rPr>
-              <a:t>The handler should be determined automatically</a:t>
-            </a:r>
-          </a:p>
-          <a:p>
-            <a:r>
-              <a:rPr lang="en-US" sz="1800" dirty="0">
-                <a:solidFill>
-                  <a:schemeClr val="tx1"/>
-                </a:solidFill>
-              </a:rPr>
-              <a:t>It’s wished that the request is addressed to a group of objects without explicitly specifying its receiver</a:t>
-            </a:r>
-          </a:p>
-          <a:p>
-            <a:r>
-              <a:rPr lang="en-US" sz="1800" dirty="0">
-                <a:solidFill>
-                  <a:schemeClr val="tx1"/>
-                </a:solidFill>
-              </a:rPr>
-              <a:t>The group of objects that may handle the command must be specified in a dynamic way</a:t>
-            </a:r>
-            <a:endParaRPr lang="en-US" dirty="0">
-              <a:solidFill>
-                <a:schemeClr val="tx1"/>
-              </a:solidFill>
-            </a:endParaRPr>
-          </a:p>
-        </p:txBody>
-      </p:sp>
-      <p:sp>
-        <p:nvSpPr>
-          <p:cNvPr id="12" name="TextBox 11">
-            <a:extLst>
-              <a:ext uri="{FF2B5EF4-FFF2-40B4-BE49-F238E27FC236}">
-                <a16:creationId xmlns:a16="http://schemas.microsoft.com/office/drawing/2014/main" id="{572701C4-DE09-4B3F-BFF4-31A2C9EAFA9C}"/>
-              </a:ext>
-            </a:extLst>
-          </p:cNvPr>
-          <p:cNvSpPr txBox="1"/>
-          <p:nvPr/>
-        </p:nvSpPr>
-        <p:spPr>
-          <a:xfrm>
-            <a:off x="3855199" y="864109"/>
-            <a:ext cx="1138453" cy="523220"/>
-          </a:xfrm>
-          <a:prstGeom prst="rect">
-            <a:avLst/>
-          </a:prstGeom>
-          <a:noFill/>
-        </p:spPr>
-        <p:txBody>
-          <a:bodyPr wrap="none" rtlCol="0">
-            <a:spAutoFit/>
-          </a:bodyPr>
-          <a:lstStyle/>
-          <a:p>
-            <a:r>
-              <a:rPr lang="en-US" sz="2800" b="1" dirty="0"/>
-              <a:t>Intent</a:t>
-            </a:r>
-          </a:p>
-        </p:txBody>
-      </p:sp>
-    </p:spTree>
-    <p:extLst>
-      <p:ext uri="{BB962C8B-B14F-4D97-AF65-F5344CB8AC3E}">
-        <p14:creationId xmlns:p14="http://schemas.microsoft.com/office/powerpoint/2010/main" val="2608763116"/>
-      </p:ext>
-    </p:extLst>
-  </p:cSld>
-  <p:clrMapOvr>
-    <a:masterClrMapping/>
-  </p:clrMapOvr>
-</p:sld>
-</file>
-
-<file path=ppt/slides/slide7.xml><?xml version="1.0" encoding="utf-8"?>
-<p:sld xmlns:a="http://schemas.openxmlformats.org/drawingml/2006/main" xmlns:r="http://schemas.openxmlformats.org/officeDocument/2006/relationships" xmlns:p="http://schemas.openxmlformats.org/presentationml/2006/main">
-  <p:cSld>
-    <p:spTree>
-      <p:nvGrpSpPr>
-        <p:cNvPr id="1" name=""/>
-        <p:cNvGrpSpPr/>
-        <p:nvPr/>
-      </p:nvGrpSpPr>
-      <p:grpSpPr>
-        <a:xfrm>
-          <a:off x="0" y="0"/>
-          <a:ext cx="0" cy="0"/>
-          <a:chOff x="0" y="0"/>
-          <a:chExt cx="0" cy="0"/>
-        </a:xfrm>
-      </p:grpSpPr>
-      <p:sp>
-        <p:nvSpPr>
-          <p:cNvPr id="2" name="Title 1">
-            <a:extLst>
-              <a:ext uri="{FF2B5EF4-FFF2-40B4-BE49-F238E27FC236}">
-                <a16:creationId xmlns:a16="http://schemas.microsoft.com/office/drawing/2014/main" id="{B0A05B6A-1DC4-400E-AFBD-B3EA41294044}"/>
-              </a:ext>
-            </a:extLst>
-          </p:cNvPr>
-          <p:cNvSpPr>
-            <a:spLocks noGrp="1"/>
-          </p:cNvSpPr>
-          <p:nvPr>
-            <p:ph type="title" idx="4294967295"/>
-          </p:nvPr>
-        </p:nvSpPr>
-        <p:spPr>
-          <a:xfrm>
-            <a:off x="0" y="1123950"/>
-            <a:ext cx="2947988" cy="4600575"/>
-          </a:xfrm>
-        </p:spPr>
-        <p:txBody>
-          <a:bodyPr/>
-          <a:lstStyle/>
-          <a:p>
-            <a:r>
-              <a:rPr lang="en-US" dirty="0"/>
-              <a:t>UML Diagram</a:t>
-            </a:r>
-          </a:p>
-        </p:txBody>
-      </p:sp>
-      <p:sp>
-        <p:nvSpPr>
-          <p:cNvPr id="3" name="TextBox 2">
-            <a:extLst>
-              <a:ext uri="{FF2B5EF4-FFF2-40B4-BE49-F238E27FC236}">
-                <a16:creationId xmlns:a16="http://schemas.microsoft.com/office/drawing/2014/main" id="{DC7F2D60-A4AB-4BD3-87C6-956DC415B3C2}"/>
-              </a:ext>
-            </a:extLst>
-          </p:cNvPr>
-          <p:cNvSpPr txBox="1"/>
-          <p:nvPr/>
-        </p:nvSpPr>
-        <p:spPr>
-          <a:xfrm>
-            <a:off x="437322" y="4120277"/>
-            <a:ext cx="5658678" cy="2031325"/>
-          </a:xfrm>
-          <a:prstGeom prst="rect">
-            <a:avLst/>
-          </a:prstGeom>
-          <a:noFill/>
-        </p:spPr>
-        <p:txBody>
-          <a:bodyPr wrap="square" rtlCol="0">
-            <a:spAutoFit/>
-          </a:bodyPr>
-          <a:lstStyle/>
-          <a:p>
-            <a:r>
-              <a:rPr lang="en-US" b="1" dirty="0"/>
-              <a:t>UML sequence diagram </a:t>
-            </a:r>
-          </a:p>
-          <a:p>
-            <a:endParaRPr lang="en-US" dirty="0"/>
-          </a:p>
-          <a:p>
-            <a:r>
-              <a:rPr lang="en-US" dirty="0"/>
-              <a:t>In this example, the Sender object calls </a:t>
-            </a:r>
-            <a:r>
-              <a:rPr lang="en-US" dirty="0" err="1"/>
-              <a:t>HandleRequest</a:t>
-            </a:r>
-            <a:r>
-              <a:rPr lang="en-US" dirty="0"/>
-              <a:t>() on the handler1 object (of type Handler). The handler1 forwards the request to handler2, which in turn forwards the request to handler3, which handles (performs) the request.</a:t>
-            </a:r>
-          </a:p>
-        </p:txBody>
-      </p:sp>
-      <p:sp>
-        <p:nvSpPr>
-          <p:cNvPr id="8" name="Rectangle 7">
-            <a:extLst>
-              <a:ext uri="{FF2B5EF4-FFF2-40B4-BE49-F238E27FC236}">
-                <a16:creationId xmlns:a16="http://schemas.microsoft.com/office/drawing/2014/main" id="{E96F8B79-E814-48BE-8814-EB04D891A4F9}"/>
-              </a:ext>
-            </a:extLst>
-          </p:cNvPr>
-          <p:cNvSpPr/>
-          <p:nvPr/>
-        </p:nvSpPr>
-        <p:spPr>
-          <a:xfrm>
-            <a:off x="5854699" y="706398"/>
-            <a:ext cx="5658678" cy="2585323"/>
-          </a:xfrm>
-          <a:prstGeom prst="rect">
-            <a:avLst/>
-          </a:prstGeom>
-        </p:spPr>
-        <p:txBody>
-          <a:bodyPr wrap="square">
-            <a:spAutoFit/>
-          </a:bodyPr>
-          <a:lstStyle/>
-          <a:p>
-            <a:r>
-              <a:rPr lang="en-US" b="1" dirty="0"/>
-              <a:t>UML class diagram</a:t>
-            </a:r>
-          </a:p>
-          <a:p>
-            <a:endParaRPr lang="en-US" dirty="0"/>
-          </a:p>
-          <a:p>
-            <a:r>
-              <a:rPr lang="en-US" dirty="0"/>
-              <a:t> The Sender class doesn't refer to a particular handler class directly. Instead, Sender refers to the Handler interface for handling a request (</a:t>
-            </a:r>
-            <a:r>
-              <a:rPr lang="en-US" dirty="0" err="1"/>
-              <a:t>handler.HandleRequest</a:t>
-            </a:r>
-            <a:r>
-              <a:rPr lang="en-US" dirty="0"/>
-              <a:t>()), which makes the Sender independent of which handler handles the request. The Handler1, Handler2, and Handler3 classes implement the Handler interface by either handling or forwarding a request (depending on run-time conditions). </a:t>
-            </a:r>
-          </a:p>
-        </p:txBody>
-      </p:sp>
-      <p:pic>
-        <p:nvPicPr>
-          <p:cNvPr id="11" name="Picture 10" descr="A screenshot of a cell phone&#10;&#10;Description generated with high confidence">
-            <a:extLst>
-              <a:ext uri="{FF2B5EF4-FFF2-40B4-BE49-F238E27FC236}">
-                <a16:creationId xmlns:a16="http://schemas.microsoft.com/office/drawing/2014/main" id="{47840751-60E5-428C-94CB-9C702D1DAAC3}"/>
-              </a:ext>
-            </a:extLst>
-          </p:cNvPr>
-          <p:cNvPicPr>
-            <a:picLocks noChangeAspect="1"/>
-          </p:cNvPicPr>
-          <p:nvPr/>
-        </p:nvPicPr>
-        <p:blipFill>
-          <a:blip r:embed="rId2"/>
-          <a:stretch>
-            <a:fillRect/>
-          </a:stretch>
-        </p:blipFill>
-        <p:spPr>
-          <a:xfrm>
-            <a:off x="824395" y="696873"/>
-            <a:ext cx="4829175" cy="2676525"/>
-          </a:xfrm>
-          <a:prstGeom prst="rect">
-            <a:avLst/>
-          </a:prstGeom>
-        </p:spPr>
-      </p:pic>
-      <p:pic>
-        <p:nvPicPr>
-          <p:cNvPr id="13" name="Picture 12" descr="A screenshot of a cell phone&#10;&#10;Description generated with high confidence">
-            <a:extLst>
-              <a:ext uri="{FF2B5EF4-FFF2-40B4-BE49-F238E27FC236}">
-                <a16:creationId xmlns:a16="http://schemas.microsoft.com/office/drawing/2014/main" id="{AC928CA3-0572-4301-A55E-D027D47E00E9}"/>
-              </a:ext>
-            </a:extLst>
-          </p:cNvPr>
-          <p:cNvPicPr>
-            <a:picLocks noChangeAspect="1"/>
-          </p:cNvPicPr>
-          <p:nvPr/>
-        </p:nvPicPr>
-        <p:blipFill>
-          <a:blip r:embed="rId3"/>
-          <a:stretch>
-            <a:fillRect/>
-          </a:stretch>
-        </p:blipFill>
-        <p:spPr>
-          <a:xfrm>
-            <a:off x="6259926" y="3623227"/>
-            <a:ext cx="4848225" cy="2867025"/>
-          </a:xfrm>
-          <a:prstGeom prst="rect">
-            <a:avLst/>
-          </a:prstGeom>
-        </p:spPr>
-      </p:pic>
-    </p:spTree>
-    <p:extLst>
-      <p:ext uri="{BB962C8B-B14F-4D97-AF65-F5344CB8AC3E}">
-        <p14:creationId xmlns:p14="http://schemas.microsoft.com/office/powerpoint/2010/main" val="1134514485"/>
-      </p:ext>
-    </p:extLst>
-  </p:cSld>
-  <p:clrMapOvr>
-    <a:masterClrMapping/>
-  </p:clrMapOvr>
-</p:sld>
-</file>
-
-<file path=ppt/slides/slide8.xml><?xml version="1.0" encoding="utf-8"?>
-<p:sld xmlns:a="http://schemas.openxmlformats.org/drawingml/2006/main" xmlns:r="http://schemas.openxmlformats.org/officeDocument/2006/relationships" xmlns:p="http://schemas.openxmlformats.org/presentationml/2006/main">
-  <p:cSld>
-    <p:spTree>
-      <p:nvGrpSpPr>
-        <p:cNvPr id="1" name=""/>
-        <p:cNvGrpSpPr/>
-        <p:nvPr/>
-      </p:nvGrpSpPr>
-      <p:grpSpPr>
-        <a:xfrm>
-          <a:off x="0" y="0"/>
-          <a:ext cx="0" cy="0"/>
-          <a:chOff x="0" y="0"/>
-          <a:chExt cx="0" cy="0"/>
-        </a:xfrm>
-      </p:grpSpPr>
-      <p:sp>
-        <p:nvSpPr>
-          <p:cNvPr id="2" name="Title 1">
-            <a:extLst>
-              <a:ext uri="{FF2B5EF4-FFF2-40B4-BE49-F238E27FC236}">
-                <a16:creationId xmlns:a16="http://schemas.microsoft.com/office/drawing/2014/main" id="{C34276AA-C3D7-4AC2-92DC-20A66B42E3ED}"/>
-              </a:ext>
-            </a:extLst>
-          </p:cNvPr>
-          <p:cNvSpPr>
-            <a:spLocks noGrp="1"/>
-          </p:cNvSpPr>
-          <p:nvPr>
-            <p:ph type="title"/>
-          </p:nvPr>
-        </p:nvSpPr>
-        <p:spPr/>
-        <p:txBody>
-          <a:bodyPr/>
-          <a:lstStyle/>
-          <a:p>
-            <a:r>
-              <a:rPr lang="en-US" dirty="0"/>
-              <a:t>Comparison with other Patterns</a:t>
-            </a:r>
-          </a:p>
-        </p:txBody>
-      </p:sp>
-      <p:sp>
-        <p:nvSpPr>
-          <p:cNvPr id="3" name="Text Placeholder 2">
-            <a:extLst>
-              <a:ext uri="{FF2B5EF4-FFF2-40B4-BE49-F238E27FC236}">
-                <a16:creationId xmlns:a16="http://schemas.microsoft.com/office/drawing/2014/main" id="{01E1C550-613C-45F3-9706-24032EA936E5}"/>
-              </a:ext>
-            </a:extLst>
-          </p:cNvPr>
-          <p:cNvSpPr>
-            <a:spLocks noGrp="1"/>
-          </p:cNvSpPr>
-          <p:nvPr>
-            <p:ph type="body" idx="1"/>
-          </p:nvPr>
-        </p:nvSpPr>
-        <p:spPr>
-          <a:xfrm>
-            <a:off x="3867912" y="1023586"/>
-            <a:ext cx="3474720" cy="807720"/>
-          </a:xfrm>
-        </p:spPr>
-        <p:txBody>
-          <a:bodyPr/>
-          <a:lstStyle/>
-          <a:p>
-            <a:r>
-              <a:rPr lang="en-US" dirty="0"/>
-              <a:t>Decorator</a:t>
-            </a:r>
-          </a:p>
-        </p:txBody>
-      </p:sp>
-      <p:sp>
-        <p:nvSpPr>
-          <p:cNvPr id="4" name="Content Placeholder 3">
-            <a:extLst>
-              <a:ext uri="{FF2B5EF4-FFF2-40B4-BE49-F238E27FC236}">
-                <a16:creationId xmlns:a16="http://schemas.microsoft.com/office/drawing/2014/main" id="{8B689A3F-346F-4276-BB0A-A5F5B58B35EB}"/>
-              </a:ext>
-            </a:extLst>
-          </p:cNvPr>
-          <p:cNvSpPr>
-            <a:spLocks noGrp="1"/>
-          </p:cNvSpPr>
-          <p:nvPr>
-            <p:ph sz="half" idx="2"/>
-          </p:nvPr>
-        </p:nvSpPr>
-        <p:spPr>
-          <a:xfrm>
-            <a:off x="3867912" y="1930936"/>
-            <a:ext cx="3474720" cy="4023360"/>
-          </a:xfrm>
-        </p:spPr>
-        <p:txBody>
-          <a:bodyPr>
-            <a:normAutofit lnSpcReduction="10000"/>
-          </a:bodyPr>
-          <a:lstStyle/>
-          <a:p>
-            <a:r>
-              <a:rPr lang="en-US" dirty="0"/>
-              <a:t>The decorator is not loosely coupled</a:t>
-            </a:r>
-          </a:p>
-          <a:p>
-            <a:r>
-              <a:rPr lang="en-US" dirty="0"/>
-              <a:t>The COR is structurally similar to the Decorator as they both rely on recursive composition of  a series of objects</a:t>
-            </a:r>
-          </a:p>
-          <a:p>
-            <a:r>
-              <a:rPr lang="en-US" dirty="0"/>
-              <a:t>In the case of Decorator all classes handle the request while in the COR there would be one or selected classes in the chain that handle the request</a:t>
-            </a:r>
-          </a:p>
-        </p:txBody>
-      </p:sp>
-      <p:sp>
-        <p:nvSpPr>
-          <p:cNvPr id="5" name="Text Placeholder 4">
-            <a:extLst>
-              <a:ext uri="{FF2B5EF4-FFF2-40B4-BE49-F238E27FC236}">
-                <a16:creationId xmlns:a16="http://schemas.microsoft.com/office/drawing/2014/main" id="{5A2A276B-F566-45F0-8CC8-1201E17A2F90}"/>
-              </a:ext>
-            </a:extLst>
-          </p:cNvPr>
-          <p:cNvSpPr>
-            <a:spLocks noGrp="1"/>
-          </p:cNvSpPr>
-          <p:nvPr>
-            <p:ph type="body" sz="quarter" idx="3"/>
-          </p:nvPr>
-        </p:nvSpPr>
-        <p:spPr>
-          <a:xfrm>
-            <a:off x="7818463" y="1023586"/>
-            <a:ext cx="3474720" cy="813171"/>
-          </a:xfrm>
-        </p:spPr>
-        <p:txBody>
-          <a:bodyPr/>
-          <a:lstStyle/>
-          <a:p>
-            <a:r>
-              <a:rPr lang="en-US" dirty="0"/>
-              <a:t>Observer</a:t>
-            </a:r>
-          </a:p>
-        </p:txBody>
-      </p:sp>
-      <p:sp>
-        <p:nvSpPr>
-          <p:cNvPr id="6" name="Content Placeholder 5">
-            <a:extLst>
-              <a:ext uri="{FF2B5EF4-FFF2-40B4-BE49-F238E27FC236}">
-                <a16:creationId xmlns:a16="http://schemas.microsoft.com/office/drawing/2014/main" id="{F18097ED-02EC-494B-A091-32129E6EAF1D}"/>
-              </a:ext>
-            </a:extLst>
-          </p:cNvPr>
-          <p:cNvSpPr>
-            <a:spLocks noGrp="1"/>
-          </p:cNvSpPr>
-          <p:nvPr>
-            <p:ph sz="quarter" idx="4"/>
-          </p:nvPr>
-        </p:nvSpPr>
-        <p:spPr>
-          <a:xfrm>
-            <a:off x="7818463" y="1930936"/>
-            <a:ext cx="3474720" cy="4178316"/>
-          </a:xfrm>
-        </p:spPr>
-        <p:txBody>
-          <a:bodyPr>
-            <a:normAutofit lnSpcReduction="10000"/>
-          </a:bodyPr>
-          <a:lstStyle/>
-          <a:p>
-            <a:r>
-              <a:rPr lang="en-US" dirty="0"/>
-              <a:t>The Observer passes a request to all subscribed receivers at the same time</a:t>
-            </a:r>
-          </a:p>
-          <a:p>
-            <a:r>
-              <a:rPr lang="en-US" dirty="0"/>
-              <a:t>COR passes a request sequentially to each item in the chain until one of them handles the request</a:t>
-            </a:r>
-          </a:p>
-          <a:p>
-            <a:r>
-              <a:rPr lang="en-US" dirty="0"/>
-              <a:t>Observer allows receivers to subscribe and unsubscribe dynamically whereas in case of COR the chain of handlers is dynamically created during initialization and cannot be modified during execution</a:t>
-            </a:r>
-          </a:p>
-          <a:p>
-            <a:endParaRPr lang="en-US" dirty="0"/>
-          </a:p>
-        </p:txBody>
-      </p:sp>
-    </p:spTree>
-    <p:extLst>
-      <p:ext uri="{BB962C8B-B14F-4D97-AF65-F5344CB8AC3E}">
-        <p14:creationId xmlns:p14="http://schemas.microsoft.com/office/powerpoint/2010/main" val="10185499"/>
-      </p:ext>
-    </p:extLst>
-  </p:cSld>
-  <p:clrMapOvr>
-    <a:masterClrMapping/>
-  </p:clrMapOvr>
-</p:sld>
-</file>
-
-<file path=ppt/slides/slide9.xml><?xml version="1.0" encoding="utf-8"?>
-<p:sld xmlns:a="http://schemas.openxmlformats.org/drawingml/2006/main" xmlns:r="http://schemas.openxmlformats.org/officeDocument/2006/relationships" xmlns:p="http://schemas.openxmlformats.org/presentationml/2006/main">
-  <p:cSld>
-    <p:spTree>
-      <p:nvGrpSpPr>
-        <p:cNvPr id="1" name=""/>
-        <p:cNvGrpSpPr/>
-        <p:nvPr/>
-      </p:nvGrpSpPr>
-      <p:grpSpPr>
-        <a:xfrm>
-          <a:off x="0" y="0"/>
-          <a:ext cx="0" cy="0"/>
-          <a:chOff x="0" y="0"/>
-          <a:chExt cx="0" cy="0"/>
-        </a:xfrm>
-      </p:grpSpPr>
-      <p:sp>
-        <p:nvSpPr>
-          <p:cNvPr id="3" name="Title 2">
-            <a:extLst>
-              <a:ext uri="{FF2B5EF4-FFF2-40B4-BE49-F238E27FC236}">
-                <a16:creationId xmlns:a16="http://schemas.microsoft.com/office/drawing/2014/main" id="{B6A54DCA-F87E-48D7-9BA7-D6BD9D3DA655}"/>
-              </a:ext>
-            </a:extLst>
-          </p:cNvPr>
-          <p:cNvSpPr>
-            <a:spLocks noGrp="1"/>
-          </p:cNvSpPr>
-          <p:nvPr>
-            <p:ph type="title"/>
-          </p:nvPr>
-        </p:nvSpPr>
-        <p:spPr/>
-        <p:txBody>
-          <a:bodyPr/>
-          <a:lstStyle/>
-          <a:p>
-            <a:r>
-              <a:rPr lang="en-US" dirty="0"/>
-              <a:t>Logger  Class</a:t>
-            </a:r>
-          </a:p>
-        </p:txBody>
-      </p:sp>
-      <p:sp>
-        <p:nvSpPr>
-          <p:cNvPr id="4" name="Content Placeholder 3">
-            <a:extLst>
-              <a:ext uri="{FF2B5EF4-FFF2-40B4-BE49-F238E27FC236}">
-                <a16:creationId xmlns:a16="http://schemas.microsoft.com/office/drawing/2014/main" id="{ED7F7813-2C91-421F-815F-0E487EBBA399}"/>
-              </a:ext>
-            </a:extLst>
-          </p:cNvPr>
-          <p:cNvSpPr>
-            <a:spLocks noGrp="1"/>
-          </p:cNvSpPr>
-          <p:nvPr>
-            <p:ph idx="1"/>
-          </p:nvPr>
-        </p:nvSpPr>
-        <p:spPr>
-          <a:xfrm>
-            <a:off x="3869268" y="755374"/>
-            <a:ext cx="7315200" cy="5229374"/>
-          </a:xfrm>
-        </p:spPr>
-        <p:txBody>
-          <a:bodyPr>
-            <a:noAutofit/>
-          </a:bodyPr>
-          <a:lstStyle/>
-          <a:p>
-            <a:pPr marL="0" indent="0">
-              <a:lnSpc>
-                <a:spcPct val="120000"/>
-              </a:lnSpc>
-              <a:spcBef>
-                <a:spcPts val="0"/>
-              </a:spcBef>
-              <a:buNone/>
-            </a:pPr>
-            <a:r>
-              <a:rPr lang="en-US" sz="1400" dirty="0">
-                <a:solidFill>
-                  <a:srgbClr val="000000"/>
-                </a:solidFill>
-              </a:rPr>
-              <a:t> </a:t>
-            </a:r>
-            <a:r>
-              <a:rPr lang="en-US" sz="1400" dirty="0">
-                <a:solidFill>
-                  <a:srgbClr val="0000FF"/>
-                </a:solidFill>
-              </a:rPr>
-              <a:t>public</a:t>
-            </a:r>
-            <a:r>
-              <a:rPr lang="en-US" sz="1400" dirty="0">
-                <a:solidFill>
-                  <a:srgbClr val="000000"/>
-                </a:solidFill>
-              </a:rPr>
-              <a:t> </a:t>
-            </a:r>
-            <a:r>
-              <a:rPr lang="en-US" sz="1400" dirty="0">
-                <a:solidFill>
-                  <a:srgbClr val="0000FF"/>
-                </a:solidFill>
-              </a:rPr>
-              <a:t>abstract</a:t>
-            </a:r>
-            <a:r>
-              <a:rPr lang="en-US" sz="1400" dirty="0">
-                <a:solidFill>
-                  <a:srgbClr val="000000"/>
-                </a:solidFill>
-              </a:rPr>
-              <a:t> </a:t>
-            </a:r>
-            <a:r>
-              <a:rPr lang="en-US" sz="1400" dirty="0">
-                <a:solidFill>
-                  <a:srgbClr val="0000FF"/>
-                </a:solidFill>
-              </a:rPr>
-              <a:t>class</a:t>
-            </a:r>
-            <a:r>
-              <a:rPr lang="en-US" sz="1400" dirty="0">
-                <a:solidFill>
-                  <a:srgbClr val="000000"/>
-                </a:solidFill>
-              </a:rPr>
-              <a:t> </a:t>
-            </a:r>
-            <a:r>
-              <a:rPr lang="en-US" sz="1400" dirty="0">
-                <a:solidFill>
-                  <a:srgbClr val="2B91AF"/>
-                </a:solidFill>
-              </a:rPr>
-              <a:t>Logger</a:t>
-            </a:r>
-            <a:endParaRPr lang="en-US" sz="1400" dirty="0">
-              <a:solidFill>
-                <a:srgbClr val="000000"/>
-              </a:solidFill>
-            </a:endParaRPr>
-          </a:p>
-          <a:p>
-            <a:pPr marL="0" indent="0">
-              <a:lnSpc>
-                <a:spcPct val="120000"/>
-              </a:lnSpc>
-              <a:spcBef>
-                <a:spcPts val="0"/>
-              </a:spcBef>
-              <a:buNone/>
-            </a:pPr>
-            <a:r>
-              <a:rPr lang="en-US" sz="1400" dirty="0">
-                <a:solidFill>
-                  <a:srgbClr val="000000"/>
-                </a:solidFill>
-              </a:rPr>
-              <a:t>    {</a:t>
-            </a:r>
-          </a:p>
-          <a:p>
-            <a:pPr marL="0" indent="0">
-              <a:lnSpc>
-                <a:spcPct val="120000"/>
-              </a:lnSpc>
-              <a:spcBef>
-                <a:spcPts val="0"/>
-              </a:spcBef>
-              <a:buNone/>
-            </a:pPr>
-            <a:r>
-              <a:rPr lang="en-US" sz="1400" dirty="0">
-                <a:solidFill>
-                  <a:srgbClr val="000000"/>
-                </a:solidFill>
-              </a:rPr>
-              <a:t>        </a:t>
-            </a:r>
-            <a:r>
-              <a:rPr lang="en-US" sz="1400" dirty="0">
-                <a:solidFill>
-                  <a:srgbClr val="0000FF"/>
-                </a:solidFill>
-              </a:rPr>
-              <a:t>protected</a:t>
-            </a:r>
-            <a:r>
-              <a:rPr lang="en-US" sz="1400" dirty="0">
-                <a:solidFill>
-                  <a:srgbClr val="000000"/>
-                </a:solidFill>
-              </a:rPr>
-              <a:t> </a:t>
-            </a:r>
-            <a:r>
-              <a:rPr lang="en-US" sz="1400" dirty="0" err="1">
-                <a:solidFill>
-                  <a:srgbClr val="000000"/>
-                </a:solidFill>
-              </a:rPr>
-              <a:t>LogLevel</a:t>
-            </a:r>
-            <a:r>
-              <a:rPr lang="en-US" sz="1400" dirty="0">
-                <a:solidFill>
-                  <a:srgbClr val="000000"/>
-                </a:solidFill>
-              </a:rPr>
-              <a:t> level;</a:t>
-            </a:r>
-          </a:p>
-          <a:p>
-            <a:pPr marL="0" indent="0">
-              <a:lnSpc>
-                <a:spcPct val="120000"/>
-              </a:lnSpc>
-              <a:spcBef>
-                <a:spcPts val="0"/>
-              </a:spcBef>
-              <a:buNone/>
-            </a:pPr>
-            <a:endParaRPr lang="en-US" sz="1400" dirty="0">
-              <a:solidFill>
-                <a:srgbClr val="000000"/>
-              </a:solidFill>
-            </a:endParaRPr>
-          </a:p>
-          <a:p>
-            <a:pPr marL="0" indent="0">
-              <a:lnSpc>
-                <a:spcPct val="120000"/>
-              </a:lnSpc>
-              <a:spcBef>
-                <a:spcPts val="0"/>
-              </a:spcBef>
-              <a:buNone/>
-            </a:pPr>
-            <a:r>
-              <a:rPr lang="en-US" sz="1400" dirty="0">
-                <a:solidFill>
-                  <a:srgbClr val="000000"/>
-                </a:solidFill>
-              </a:rPr>
-              <a:t>        </a:t>
-            </a:r>
-            <a:r>
-              <a:rPr lang="en-US" sz="1400" dirty="0">
-                <a:solidFill>
-                  <a:srgbClr val="008000"/>
-                </a:solidFill>
-              </a:rPr>
-              <a:t>// The next Handler in the chain</a:t>
-            </a:r>
-            <a:endParaRPr lang="en-US" sz="1400" dirty="0">
-              <a:solidFill>
-                <a:srgbClr val="000000"/>
-              </a:solidFill>
-            </a:endParaRPr>
-          </a:p>
-          <a:p>
-            <a:pPr marL="0" indent="0">
-              <a:lnSpc>
-                <a:spcPct val="120000"/>
-              </a:lnSpc>
-              <a:spcBef>
-                <a:spcPts val="0"/>
-              </a:spcBef>
-              <a:buNone/>
-            </a:pPr>
-            <a:r>
-              <a:rPr lang="en-US" sz="1400" dirty="0">
-                <a:solidFill>
-                  <a:srgbClr val="000000"/>
-                </a:solidFill>
-              </a:rPr>
-              <a:t>        </a:t>
-            </a:r>
-            <a:r>
-              <a:rPr lang="en-US" sz="1400" dirty="0">
-                <a:solidFill>
-                  <a:srgbClr val="0000FF"/>
-                </a:solidFill>
-              </a:rPr>
-              <a:t>protected</a:t>
-            </a:r>
-            <a:r>
-              <a:rPr lang="en-US" sz="1400" dirty="0">
-                <a:solidFill>
-                  <a:srgbClr val="000000"/>
-                </a:solidFill>
-              </a:rPr>
-              <a:t> Logger next;</a:t>
-            </a:r>
-          </a:p>
-          <a:p>
-            <a:pPr marL="0" indent="0">
-              <a:lnSpc>
-                <a:spcPct val="120000"/>
-              </a:lnSpc>
-              <a:spcBef>
-                <a:spcPts val="0"/>
-              </a:spcBef>
-              <a:buNone/>
-            </a:pPr>
-            <a:endParaRPr lang="en-US" sz="1400" dirty="0">
-              <a:solidFill>
-                <a:srgbClr val="000000"/>
-              </a:solidFill>
-            </a:endParaRPr>
-          </a:p>
-          <a:p>
-            <a:pPr marL="0" indent="0">
-              <a:lnSpc>
-                <a:spcPct val="120000"/>
-              </a:lnSpc>
-              <a:spcBef>
-                <a:spcPts val="0"/>
-              </a:spcBef>
-              <a:buNone/>
-            </a:pPr>
-            <a:r>
-              <a:rPr lang="en-US" sz="1400" dirty="0">
-                <a:solidFill>
-                  <a:srgbClr val="000000"/>
-                </a:solidFill>
-              </a:rPr>
-              <a:t>        </a:t>
-            </a:r>
-            <a:r>
-              <a:rPr lang="en-US" sz="1400" dirty="0">
-                <a:solidFill>
-                  <a:srgbClr val="0000FF"/>
-                </a:solidFill>
-              </a:rPr>
-              <a:t>public</a:t>
-            </a:r>
-            <a:r>
-              <a:rPr lang="en-US" sz="1400" dirty="0">
-                <a:solidFill>
-                  <a:srgbClr val="000000"/>
-                </a:solidFill>
-              </a:rPr>
-              <a:t> Logger(</a:t>
-            </a:r>
-            <a:r>
-              <a:rPr lang="en-US" sz="1400" dirty="0" err="1">
-                <a:solidFill>
-                  <a:srgbClr val="000000"/>
-                </a:solidFill>
-              </a:rPr>
-              <a:t>LogLevel</a:t>
-            </a:r>
-            <a:r>
-              <a:rPr lang="en-US" sz="1400" dirty="0">
-                <a:solidFill>
-                  <a:srgbClr val="000000"/>
-                </a:solidFill>
-              </a:rPr>
-              <a:t> mask)</a:t>
-            </a:r>
-          </a:p>
-          <a:p>
-            <a:pPr marL="0" indent="0">
-              <a:lnSpc>
-                <a:spcPct val="120000"/>
-              </a:lnSpc>
-              <a:spcBef>
-                <a:spcPts val="0"/>
-              </a:spcBef>
-              <a:buNone/>
-            </a:pPr>
-            <a:r>
-              <a:rPr lang="en-US" sz="1400" dirty="0">
-                <a:solidFill>
-                  <a:srgbClr val="000000"/>
-                </a:solidFill>
-              </a:rPr>
-              <a:t>        {</a:t>
-            </a:r>
-          </a:p>
-          <a:p>
-            <a:pPr marL="0" indent="0">
-              <a:lnSpc>
-                <a:spcPct val="120000"/>
-              </a:lnSpc>
-              <a:spcBef>
-                <a:spcPts val="0"/>
-              </a:spcBef>
-              <a:buNone/>
-            </a:pPr>
-            <a:r>
-              <a:rPr lang="en-US" sz="1400" dirty="0">
-                <a:solidFill>
-                  <a:srgbClr val="000000"/>
-                </a:solidFill>
-              </a:rPr>
-              <a:t>            </a:t>
-            </a:r>
-            <a:r>
-              <a:rPr lang="en-US" sz="1400" dirty="0" err="1">
-                <a:solidFill>
-                  <a:srgbClr val="0000FF"/>
-                </a:solidFill>
-              </a:rPr>
-              <a:t>this</a:t>
-            </a:r>
-            <a:r>
-              <a:rPr lang="en-US" sz="1400" dirty="0" err="1">
-                <a:solidFill>
-                  <a:srgbClr val="000000"/>
-                </a:solidFill>
-              </a:rPr>
-              <a:t>.level</a:t>
-            </a:r>
-            <a:r>
-              <a:rPr lang="en-US" sz="1400" dirty="0">
-                <a:solidFill>
-                  <a:srgbClr val="000000"/>
-                </a:solidFill>
-              </a:rPr>
-              <a:t> = mask;</a:t>
-            </a:r>
-          </a:p>
-          <a:p>
-            <a:pPr marL="0" indent="0">
-              <a:lnSpc>
-                <a:spcPct val="120000"/>
-              </a:lnSpc>
-              <a:spcBef>
-                <a:spcPts val="0"/>
-              </a:spcBef>
-              <a:buNone/>
-            </a:pPr>
-            <a:r>
-              <a:rPr lang="en-US" sz="1400" dirty="0">
-                <a:solidFill>
-                  <a:srgbClr val="000000"/>
-                </a:solidFill>
-              </a:rPr>
-              <a:t>        }</a:t>
-            </a:r>
-          </a:p>
-          <a:p>
-            <a:pPr marL="0" indent="0">
-              <a:lnSpc>
-                <a:spcPct val="120000"/>
-              </a:lnSpc>
-              <a:spcBef>
-                <a:spcPts val="0"/>
-              </a:spcBef>
-              <a:buNone/>
-            </a:pPr>
-            <a:endParaRPr lang="en-US" sz="1400" dirty="0">
-              <a:solidFill>
-                <a:srgbClr val="000000"/>
-              </a:solidFill>
-            </a:endParaRPr>
-          </a:p>
-          <a:p>
-            <a:pPr marL="0" indent="0">
-              <a:lnSpc>
-                <a:spcPct val="120000"/>
-              </a:lnSpc>
-              <a:spcBef>
-                <a:spcPts val="0"/>
-              </a:spcBef>
-              <a:buNone/>
-            </a:pPr>
-            <a:r>
-              <a:rPr lang="en-US" sz="1400" dirty="0">
-                <a:solidFill>
-                  <a:srgbClr val="000000"/>
-                </a:solidFill>
-              </a:rPr>
-              <a:t>        </a:t>
-            </a:r>
-            <a:r>
-              <a:rPr lang="en-US" sz="1400" dirty="0">
-                <a:solidFill>
-                  <a:srgbClr val="808080"/>
-                </a:solidFill>
-              </a:rPr>
-              <a:t>///</a:t>
-            </a:r>
-            <a:r>
-              <a:rPr lang="en-US" sz="1400" dirty="0">
-                <a:solidFill>
-                  <a:srgbClr val="008000"/>
-                </a:solidFill>
-              </a:rPr>
-              <a:t> </a:t>
-            </a:r>
-            <a:r>
-              <a:rPr lang="en-US" sz="1400" dirty="0">
-                <a:solidFill>
-                  <a:srgbClr val="808080"/>
-                </a:solidFill>
-              </a:rPr>
-              <a:t>&lt;summary&gt;</a:t>
-            </a:r>
-            <a:endParaRPr lang="en-US" sz="1400" dirty="0">
-              <a:solidFill>
-                <a:srgbClr val="000000"/>
-              </a:solidFill>
-            </a:endParaRPr>
-          </a:p>
-          <a:p>
-            <a:pPr marL="0" indent="0">
-              <a:lnSpc>
-                <a:spcPct val="120000"/>
-              </a:lnSpc>
-              <a:spcBef>
-                <a:spcPts val="0"/>
-              </a:spcBef>
-              <a:buNone/>
-            </a:pPr>
-            <a:r>
-              <a:rPr lang="en-US" sz="1400" dirty="0">
-                <a:solidFill>
-                  <a:srgbClr val="000000"/>
-                </a:solidFill>
-              </a:rPr>
-              <a:t>        </a:t>
-            </a:r>
-            <a:r>
-              <a:rPr lang="en-US" sz="1400" dirty="0">
-                <a:solidFill>
-                  <a:srgbClr val="808080"/>
-                </a:solidFill>
-              </a:rPr>
-              <a:t>///</a:t>
-            </a:r>
-            <a:r>
-              <a:rPr lang="en-US" sz="1400" dirty="0">
-                <a:solidFill>
-                  <a:srgbClr val="008000"/>
-                </a:solidFill>
-              </a:rPr>
-              <a:t> Sets the Next logger to make a list/chain of Handlers.</a:t>
-            </a:r>
-            <a:endParaRPr lang="en-US" sz="1400" dirty="0">
-              <a:solidFill>
-                <a:srgbClr val="000000"/>
-              </a:solidFill>
-            </a:endParaRPr>
-          </a:p>
-          <a:p>
-            <a:pPr marL="0" indent="0">
-              <a:lnSpc>
-                <a:spcPct val="120000"/>
-              </a:lnSpc>
-              <a:spcBef>
-                <a:spcPts val="0"/>
-              </a:spcBef>
-              <a:buNone/>
-            </a:pPr>
-            <a:r>
-              <a:rPr lang="en-US" sz="1400" dirty="0">
-                <a:solidFill>
-                  <a:srgbClr val="000000"/>
-                </a:solidFill>
-              </a:rPr>
-              <a:t>        </a:t>
-            </a:r>
-            <a:r>
-              <a:rPr lang="en-US" sz="1400" dirty="0">
-                <a:solidFill>
-                  <a:srgbClr val="808080"/>
-                </a:solidFill>
-              </a:rPr>
-              <a:t>///</a:t>
-            </a:r>
-            <a:r>
-              <a:rPr lang="en-US" sz="1400" dirty="0">
-                <a:solidFill>
-                  <a:srgbClr val="008000"/>
-                </a:solidFill>
-              </a:rPr>
-              <a:t> </a:t>
-            </a:r>
-            <a:r>
-              <a:rPr lang="en-US" sz="1400" dirty="0">
-                <a:solidFill>
-                  <a:srgbClr val="808080"/>
-                </a:solidFill>
-              </a:rPr>
-              <a:t>&lt;/summary&gt;</a:t>
-            </a:r>
-            <a:endParaRPr lang="en-US" sz="1400" dirty="0">
-              <a:solidFill>
-                <a:srgbClr val="000000"/>
-              </a:solidFill>
-            </a:endParaRPr>
-          </a:p>
-          <a:p>
-            <a:pPr marL="0" indent="0">
-              <a:lnSpc>
-                <a:spcPct val="120000"/>
-              </a:lnSpc>
-              <a:spcBef>
-                <a:spcPts val="0"/>
-              </a:spcBef>
-              <a:buNone/>
-            </a:pPr>
-            <a:r>
-              <a:rPr lang="en-US" sz="1400" dirty="0">
-                <a:solidFill>
-                  <a:srgbClr val="000000"/>
-                </a:solidFill>
-              </a:rPr>
-              <a:t>        </a:t>
-            </a:r>
-            <a:r>
-              <a:rPr lang="en-US" sz="1400" dirty="0">
-                <a:solidFill>
-                  <a:srgbClr val="0000FF"/>
-                </a:solidFill>
-              </a:rPr>
-              <a:t>public</a:t>
-            </a:r>
-            <a:r>
-              <a:rPr lang="en-US" sz="1400" dirty="0">
-                <a:solidFill>
-                  <a:srgbClr val="000000"/>
-                </a:solidFill>
-              </a:rPr>
-              <a:t> Logger </a:t>
-            </a:r>
-            <a:r>
-              <a:rPr lang="en-US" sz="1400" dirty="0" err="1">
-                <a:solidFill>
-                  <a:srgbClr val="000000"/>
-                </a:solidFill>
-              </a:rPr>
-              <a:t>SetNext</a:t>
-            </a:r>
-            <a:r>
-              <a:rPr lang="en-US" sz="1400" dirty="0">
-                <a:solidFill>
-                  <a:srgbClr val="000000"/>
-                </a:solidFill>
-              </a:rPr>
-              <a:t>(Logger </a:t>
-            </a:r>
-            <a:r>
-              <a:rPr lang="en-US" sz="1400" dirty="0" err="1">
-                <a:solidFill>
-                  <a:srgbClr val="000000"/>
-                </a:solidFill>
-              </a:rPr>
-              <a:t>nextlogger</a:t>
-            </a:r>
-            <a:r>
-              <a:rPr lang="en-US" sz="1400" dirty="0">
-                <a:solidFill>
-                  <a:srgbClr val="000000"/>
-                </a:solidFill>
-              </a:rPr>
-              <a:t>)</a:t>
-            </a:r>
-          </a:p>
-          <a:p>
-            <a:pPr marL="0" indent="0">
-              <a:lnSpc>
-                <a:spcPct val="120000"/>
-              </a:lnSpc>
-              <a:spcBef>
-                <a:spcPts val="0"/>
-              </a:spcBef>
-              <a:buNone/>
-            </a:pPr>
-            <a:r>
-              <a:rPr lang="en-US" sz="1400" dirty="0">
-                <a:solidFill>
-                  <a:srgbClr val="000000"/>
-                </a:solidFill>
-              </a:rPr>
-              <a:t>        {</a:t>
-            </a:r>
-          </a:p>
-          <a:p>
-            <a:pPr marL="0" indent="0">
-              <a:lnSpc>
-                <a:spcPct val="120000"/>
-              </a:lnSpc>
-              <a:spcBef>
-                <a:spcPts val="0"/>
-              </a:spcBef>
-              <a:buNone/>
-            </a:pPr>
-            <a:r>
-              <a:rPr lang="en-US" sz="1400" dirty="0">
-                <a:solidFill>
-                  <a:srgbClr val="000000"/>
-                </a:solidFill>
-              </a:rPr>
-              <a:t>            next = </a:t>
-            </a:r>
-            <a:r>
-              <a:rPr lang="en-US" sz="1400" dirty="0" err="1">
-                <a:solidFill>
-                  <a:srgbClr val="000000"/>
-                </a:solidFill>
-              </a:rPr>
-              <a:t>nextlogger</a:t>
-            </a:r>
-            <a:r>
-              <a:rPr lang="en-US" sz="1400" dirty="0">
-                <a:solidFill>
-                  <a:srgbClr val="000000"/>
-                </a:solidFill>
-              </a:rPr>
-              <a:t>;</a:t>
-            </a:r>
-          </a:p>
-          <a:p>
-            <a:pPr marL="0" indent="0">
-              <a:lnSpc>
-                <a:spcPct val="120000"/>
-              </a:lnSpc>
-              <a:spcBef>
-                <a:spcPts val="0"/>
-              </a:spcBef>
-              <a:buNone/>
-            </a:pPr>
-            <a:r>
-              <a:rPr lang="en-US" sz="1400" dirty="0">
-                <a:solidFill>
-                  <a:srgbClr val="000000"/>
-                </a:solidFill>
-              </a:rPr>
-              <a:t>            </a:t>
-            </a:r>
-            <a:r>
-              <a:rPr lang="en-US" sz="1400" dirty="0">
-                <a:solidFill>
-                  <a:srgbClr val="0000FF"/>
-                </a:solidFill>
-              </a:rPr>
-              <a:t>return</a:t>
-            </a:r>
-            <a:r>
-              <a:rPr lang="en-US" sz="1400" dirty="0">
-                <a:solidFill>
-                  <a:srgbClr val="000000"/>
-                </a:solidFill>
-              </a:rPr>
-              <a:t> </a:t>
-            </a:r>
-            <a:r>
-              <a:rPr lang="en-US" sz="1400" dirty="0" err="1">
-                <a:solidFill>
-                  <a:srgbClr val="000000"/>
-                </a:solidFill>
-              </a:rPr>
-              <a:t>nextlogger</a:t>
-            </a:r>
-            <a:r>
-              <a:rPr lang="en-US" sz="1400" dirty="0">
-                <a:solidFill>
-                  <a:srgbClr val="000000"/>
-                </a:solidFill>
-              </a:rPr>
-              <a:t>;</a:t>
-            </a:r>
-          </a:p>
-          <a:p>
-            <a:pPr marL="0" indent="0">
-              <a:lnSpc>
-                <a:spcPct val="120000"/>
-              </a:lnSpc>
-              <a:spcBef>
-                <a:spcPts val="0"/>
-              </a:spcBef>
-              <a:buNone/>
-            </a:pPr>
-            <a:r>
-              <a:rPr lang="en-US" sz="1400" dirty="0">
-                <a:solidFill>
-                  <a:srgbClr val="000000"/>
-                </a:solidFill>
-              </a:rPr>
-              <a:t>        }</a:t>
-            </a:r>
-          </a:p>
-          <a:p>
-            <a:pPr marL="0" indent="0">
-              <a:lnSpc>
-                <a:spcPct val="120000"/>
-              </a:lnSpc>
-              <a:spcBef>
-                <a:spcPts val="0"/>
-              </a:spcBef>
-              <a:buNone/>
-            </a:pPr>
-            <a:endParaRPr lang="en-US" sz="800" dirty="0">
-              <a:solidFill>
-                <a:srgbClr val="000000"/>
-              </a:solidFill>
-            </a:endParaRPr>
-          </a:p>
-        </p:txBody>
-      </p:sp>
-    </p:spTree>
-    <p:extLst>
-      <p:ext uri="{BB962C8B-B14F-4D97-AF65-F5344CB8AC3E}">
-        <p14:creationId xmlns:p14="http://schemas.microsoft.com/office/powerpoint/2010/main" val="4254312652"/>
       </p:ext>
     </p:extLst>
   </p:cSld>

--- a/ChainOfResponsibility.pptx
+++ b/ChainOfResponsibility.pptx
@@ -6,22 +6,23 @@
   </p:sldMasterIdLst>
   <p:sldIdLst>
     <p:sldId id="256" r:id="rId2"/>
-    <p:sldId id="269" r:id="rId3"/>
-    <p:sldId id="271" r:id="rId4"/>
-    <p:sldId id="273" r:id="rId5"/>
-    <p:sldId id="272" r:id="rId6"/>
-    <p:sldId id="257" r:id="rId7"/>
-    <p:sldId id="258" r:id="rId8"/>
-    <p:sldId id="259" r:id="rId9"/>
-    <p:sldId id="261" r:id="rId10"/>
-    <p:sldId id="262" r:id="rId11"/>
-    <p:sldId id="265" r:id="rId12"/>
-    <p:sldId id="268" r:id="rId13"/>
-    <p:sldId id="260" r:id="rId14"/>
-    <p:sldId id="266" r:id="rId15"/>
-    <p:sldId id="264" r:id="rId16"/>
-    <p:sldId id="263" r:id="rId17"/>
-    <p:sldId id="267" r:id="rId18"/>
+    <p:sldId id="274" r:id="rId3"/>
+    <p:sldId id="269" r:id="rId4"/>
+    <p:sldId id="271" r:id="rId5"/>
+    <p:sldId id="273" r:id="rId6"/>
+    <p:sldId id="272" r:id="rId7"/>
+    <p:sldId id="257" r:id="rId8"/>
+    <p:sldId id="258" r:id="rId9"/>
+    <p:sldId id="259" r:id="rId10"/>
+    <p:sldId id="261" r:id="rId11"/>
+    <p:sldId id="262" r:id="rId12"/>
+    <p:sldId id="265" r:id="rId13"/>
+    <p:sldId id="268" r:id="rId14"/>
+    <p:sldId id="260" r:id="rId15"/>
+    <p:sldId id="266" r:id="rId16"/>
+    <p:sldId id="264" r:id="rId17"/>
+    <p:sldId id="263" r:id="rId18"/>
+    <p:sldId id="267" r:id="rId19"/>
   </p:sldIdLst>
   <p:sldSz cx="12192000" cy="6858000"/>
   <p:notesSz cx="6858000" cy="9144000"/>
@@ -353,7 +354,7 @@
             <a:fld id="{5586B75A-687E-405C-8A0B-8D00578BA2C3}" type="datetimeFigureOut">
               <a:rPr lang="en-US" dirty="0"/>
               <a:pPr/>
-              <a:t>12/3/18</a:t>
+              <a:t>12/6/18</a:t>
             </a:fld>
             <a:endParaRPr lang="en-US" dirty="0"/>
           </a:p>
@@ -520,7 +521,7 @@
             <a:fld id="{5586B75A-687E-405C-8A0B-8D00578BA2C3}" type="datetimeFigureOut">
               <a:rPr lang="en-US" dirty="0"/>
               <a:pPr/>
-              <a:t>12/3/18</a:t>
+              <a:t>12/6/18</a:t>
             </a:fld>
             <a:endParaRPr lang="en-US" dirty="0"/>
           </a:p>
@@ -697,7 +698,7 @@
             <a:fld id="{5586B75A-687E-405C-8A0B-8D00578BA2C3}" type="datetimeFigureOut">
               <a:rPr lang="en-US" dirty="0"/>
               <a:pPr/>
-              <a:t>12/3/18</a:t>
+              <a:t>12/6/18</a:t>
             </a:fld>
             <a:endParaRPr lang="en-US" dirty="0"/>
           </a:p>
@@ -864,7 +865,7 @@
             <a:fld id="{5586B75A-687E-405C-8A0B-8D00578BA2C3}" type="datetimeFigureOut">
               <a:rPr lang="en-US" dirty="0"/>
               <a:pPr/>
-              <a:t>12/3/18</a:t>
+              <a:t>12/6/18</a:t>
             </a:fld>
             <a:endParaRPr lang="en-US" dirty="0"/>
           </a:p>
@@ -1119,7 +1120,7 @@
             <a:fld id="{5586B75A-687E-405C-8A0B-8D00578BA2C3}" type="datetimeFigureOut">
               <a:rPr lang="en-US" dirty="0"/>
               <a:pPr/>
-              <a:t>12/3/18</a:t>
+              <a:t>12/6/18</a:t>
             </a:fld>
             <a:endParaRPr lang="en-US" dirty="0"/>
           </a:p>
@@ -1404,7 +1405,7 @@
             <a:fld id="{5586B75A-687E-405C-8A0B-8D00578BA2C3}" type="datetimeFigureOut">
               <a:rPr lang="en-US" dirty="0"/>
               <a:pPr/>
-              <a:t>12/3/18</a:t>
+              <a:t>12/6/18</a:t>
             </a:fld>
             <a:endParaRPr lang="en-US" dirty="0"/>
           </a:p>
@@ -1843,7 +1844,7 @@
             <a:fld id="{5586B75A-687E-405C-8A0B-8D00578BA2C3}" type="datetimeFigureOut">
               <a:rPr lang="en-US" dirty="0"/>
               <a:pPr/>
-              <a:t>12/3/18</a:t>
+              <a:t>12/6/18</a:t>
             </a:fld>
             <a:endParaRPr lang="en-US" dirty="0"/>
           </a:p>
@@ -1958,7 +1959,7 @@
             <a:fld id="{5586B75A-687E-405C-8A0B-8D00578BA2C3}" type="datetimeFigureOut">
               <a:rPr lang="en-US" dirty="0"/>
               <a:pPr/>
-              <a:t>12/3/18</a:t>
+              <a:t>12/6/18</a:t>
             </a:fld>
             <a:endParaRPr lang="en-US" dirty="0"/>
           </a:p>
@@ -2050,7 +2051,7 @@
             <a:fld id="{5586B75A-687E-405C-8A0B-8D00578BA2C3}" type="datetimeFigureOut">
               <a:rPr lang="en-US" dirty="0"/>
               <a:pPr/>
-              <a:t>12/3/18</a:t>
+              <a:t>12/6/18</a:t>
             </a:fld>
             <a:endParaRPr lang="en-US" dirty="0"/>
           </a:p>
@@ -2335,7 +2336,7 @@
             <a:fld id="{5586B75A-687E-405C-8A0B-8D00578BA2C3}" type="datetimeFigureOut">
               <a:rPr lang="en-US" dirty="0"/>
               <a:pPr/>
-              <a:t>12/3/18</a:t>
+              <a:t>12/6/18</a:t>
             </a:fld>
             <a:endParaRPr lang="en-US" dirty="0"/>
           </a:p>
@@ -2605,7 +2606,7 @@
             <a:fld id="{5586B75A-687E-405C-8A0B-8D00578BA2C3}" type="datetimeFigureOut">
               <a:rPr lang="en-US" dirty="0"/>
               <a:pPr/>
-              <a:t>12/3/18</a:t>
+              <a:t>12/6/18</a:t>
             </a:fld>
             <a:endParaRPr lang="en-US" dirty="0"/>
           </a:p>
@@ -2899,7 +2900,7 @@
             <a:fld id="{5586B75A-687E-405C-8A0B-8D00578BA2C3}" type="datetimeFigureOut">
               <a:rPr lang="en-US" dirty="0"/>
               <a:pPr/>
-              <a:t>12/3/18</a:t>
+              <a:t>12/6/18</a:t>
             </a:fld>
             <a:endParaRPr lang="en-US" dirty="0"/>
           </a:p>
@@ -3800,6 +3801,183 @@
 <file path=ppt/slides/slide10.xml><?xml version="1.0" encoding="utf-8"?>
 <p:sld xmlns:a="http://schemas.openxmlformats.org/drawingml/2006/main" xmlns:r="http://schemas.openxmlformats.org/officeDocument/2006/relationships" xmlns:p="http://schemas.openxmlformats.org/presentationml/2006/main">
   <p:cSld>
+    <p:spTree>
+      <p:nvGrpSpPr>
+        <p:cNvPr id="1" name=""/>
+        <p:cNvGrpSpPr/>
+        <p:nvPr/>
+      </p:nvGrpSpPr>
+      <p:grpSpPr>
+        <a:xfrm>
+          <a:off x="0" y="0"/>
+          <a:ext cx="0" cy="0"/>
+          <a:chOff x="0" y="0"/>
+          <a:chExt cx="0" cy="0"/>
+        </a:xfrm>
+      </p:grpSpPr>
+      <p:sp>
+        <p:nvSpPr>
+          <p:cNvPr id="2" name="Title 1">
+            <a:extLst>
+              <a:ext uri="{FF2B5EF4-FFF2-40B4-BE49-F238E27FC236}">
+                <a16:creationId xmlns:a16="http://schemas.microsoft.com/office/drawing/2014/main" id="{005A8729-2182-4D74-81A0-C4357EAA8105}"/>
+              </a:ext>
+            </a:extLst>
+          </p:cNvPr>
+          <p:cNvSpPr>
+            <a:spLocks noGrp="1"/>
+          </p:cNvSpPr>
+          <p:nvPr>
+            <p:ph type="title"/>
+          </p:nvPr>
+        </p:nvSpPr>
+        <p:spPr/>
+        <p:txBody>
+          <a:bodyPr>
+            <a:normAutofit/>
+          </a:bodyPr>
+          <a:lstStyle/>
+          <a:p>
+            <a:r>
+              <a:rPr lang="en-US" sz="2800" dirty="0"/>
+              <a:t>Change request  #2</a:t>
+            </a:r>
+          </a:p>
+        </p:txBody>
+      </p:sp>
+      <p:sp>
+        <p:nvSpPr>
+          <p:cNvPr id="3" name="Content Placeholder 2">
+            <a:extLst>
+              <a:ext uri="{FF2B5EF4-FFF2-40B4-BE49-F238E27FC236}">
+                <a16:creationId xmlns:a16="http://schemas.microsoft.com/office/drawing/2014/main" id="{17787A98-1EF4-465F-A45F-22876E8AC70C}"/>
+              </a:ext>
+            </a:extLst>
+          </p:cNvPr>
+          <p:cNvSpPr>
+            <a:spLocks noGrp="1"/>
+          </p:cNvSpPr>
+          <p:nvPr>
+            <p:ph idx="1"/>
+          </p:nvPr>
+        </p:nvSpPr>
+        <p:spPr>
+          <a:xfrm>
+            <a:off x="3869268" y="864107"/>
+            <a:ext cx="7315200" cy="2892886"/>
+          </a:xfrm>
+        </p:spPr>
+        <p:txBody>
+          <a:bodyPr>
+            <a:normAutofit/>
+          </a:bodyPr>
+          <a:lstStyle/>
+          <a:p>
+            <a:pPr marL="0" indent="0">
+              <a:buNone/>
+            </a:pPr>
+            <a:r>
+              <a:rPr lang="en-US" dirty="0">
+                <a:solidFill>
+                  <a:schemeClr val="tx1"/>
+                </a:solidFill>
+              </a:rPr>
+              <a:t>Impressed by the ability to track requests into the console the company now wants to add the ability to create different types of logging messages (information, warning, error, etc.). </a:t>
+            </a:r>
+          </a:p>
+          <a:p>
+            <a:pPr marL="0" indent="0">
+              <a:buNone/>
+            </a:pPr>
+            <a:r>
+              <a:rPr lang="en-US" dirty="0">
+                <a:solidFill>
+                  <a:schemeClr val="tx1"/>
+                </a:solidFill>
+              </a:rPr>
+              <a:t>There is one additional requirement, they want to continue logging everything to the console but now they want to customize the behavior of some logging types. </a:t>
+            </a:r>
+          </a:p>
+          <a:p>
+            <a:pPr marL="0" indent="0">
+              <a:buNone/>
+            </a:pPr>
+            <a:r>
+              <a:rPr lang="en-US" dirty="0">
+                <a:solidFill>
+                  <a:schemeClr val="tx1"/>
+                </a:solidFill>
+              </a:rPr>
+              <a:t>Warning message should be logged to a file.</a:t>
+            </a:r>
+          </a:p>
+          <a:p>
+            <a:pPr marL="0" indent="0">
+              <a:buNone/>
+            </a:pPr>
+            <a:r>
+              <a:rPr lang="en-US" dirty="0">
+                <a:solidFill>
+                  <a:schemeClr val="tx1"/>
+                </a:solidFill>
+              </a:rPr>
+              <a:t>Error message should be emailed to the administrator.</a:t>
+            </a:r>
+          </a:p>
+        </p:txBody>
+      </p:sp>
+      <p:pic>
+        <p:nvPicPr>
+          <p:cNvPr id="7" name="Graphic 6" descr="Help">
+            <a:extLst>
+              <a:ext uri="{FF2B5EF4-FFF2-40B4-BE49-F238E27FC236}">
+                <a16:creationId xmlns:a16="http://schemas.microsoft.com/office/drawing/2014/main" id="{E845671E-9660-4474-87CC-D63540286FB3}"/>
+              </a:ext>
+            </a:extLst>
+          </p:cNvPr>
+          <p:cNvPicPr>
+            <a:picLocks noChangeAspect="1"/>
+          </p:cNvPicPr>
+          <p:nvPr/>
+        </p:nvPicPr>
+        <p:blipFill>
+          <a:blip r:embed="rId2">
+            <a:extLst>
+              <a:ext uri="{96DAC541-7B7A-43D3-8B79-37D633B846F1}">
+                <asvg:svgBlip xmlns:asvg="http://schemas.microsoft.com/office/drawing/2016/SVG/main" r:embed="rId3"/>
+              </a:ext>
+            </a:extLst>
+          </a:blip>
+          <a:stretch>
+            <a:fillRect/>
+          </a:stretch>
+        </p:blipFill>
+        <p:spPr>
+          <a:xfrm>
+            <a:off x="5915159" y="3756993"/>
+            <a:ext cx="2170574" cy="1822281"/>
+          </a:xfrm>
+          <a:prstGeom prst="rect">
+            <a:avLst/>
+          </a:prstGeom>
+        </p:spPr>
+      </p:pic>
+    </p:spTree>
+    <p:extLst>
+      <p:ext uri="{BB962C8B-B14F-4D97-AF65-F5344CB8AC3E}">
+        <p14:creationId xmlns:p14="http://schemas.microsoft.com/office/powerpoint/2010/main" val="4224447753"/>
+      </p:ext>
+    </p:extLst>
+  </p:cSld>
+  <p:clrMapOvr>
+    <a:masterClrMapping/>
+  </p:clrMapOvr>
+</p:sld>
+</file>
+
+<file path=ppt/slides/slide11.xml><?xml version="1.0" encoding="utf-8"?>
+<p:sld xmlns:a="http://schemas.openxmlformats.org/drawingml/2006/main" xmlns:r="http://schemas.openxmlformats.org/officeDocument/2006/relationships" xmlns:p="http://schemas.openxmlformats.org/presentationml/2006/main">
+  <p:cSld>
     <p:bg>
       <p:bgPr>
         <a:solidFill>
@@ -4028,7 +4206,7 @@
 </p:sld>
 </file>
 
-<file path=ppt/slides/slide11.xml><?xml version="1.0" encoding="utf-8"?>
+<file path=ppt/slides/slide12.xml><?xml version="1.0" encoding="utf-8"?>
 <p:sld xmlns:a="http://schemas.openxmlformats.org/drawingml/2006/main" xmlns:r="http://schemas.openxmlformats.org/officeDocument/2006/relationships" xmlns:p="http://schemas.openxmlformats.org/presentationml/2006/main">
   <p:cSld>
     <p:spTree>
@@ -4251,10 +4429,404 @@
   <p:clrMapOvr>
     <a:masterClrMapping/>
   </p:clrMapOvr>
+  <p:timing>
+    <p:tnLst>
+      <p:par>
+        <p:cTn id="1" dur="indefinite" restart="never" nodeType="tmRoot">
+          <p:childTnLst>
+            <p:seq concurrent="1" nextAc="seek">
+              <p:cTn id="2" dur="indefinite" nodeType="mainSeq">
+                <p:childTnLst>
+                  <p:par>
+                    <p:cTn id="3" fill="hold">
+                      <p:stCondLst>
+                        <p:cond delay="indefinite"/>
+                      </p:stCondLst>
+                      <p:childTnLst>
+                        <p:par>
+                          <p:cTn id="4" fill="hold">
+                            <p:stCondLst>
+                              <p:cond delay="0"/>
+                            </p:stCondLst>
+                            <p:childTnLst>
+                              <p:par>
+                                <p:cTn id="5" presetID="53" presetClass="entr" presetSubtype="16" fill="hold" nodeType="clickEffect">
+                                  <p:stCondLst>
+                                    <p:cond delay="0"/>
+                                  </p:stCondLst>
+                                  <p:childTnLst>
+                                    <p:set>
+                                      <p:cBhvr>
+                                        <p:cTn id="6" dur="1" fill="hold">
+                                          <p:stCondLst>
+                                            <p:cond delay="0"/>
+                                          </p:stCondLst>
+                                        </p:cTn>
+                                        <p:tgtEl>
+                                          <p:spTgt spid="11"/>
+                                        </p:tgtEl>
+                                        <p:attrNameLst>
+                                          <p:attrName>style.visibility</p:attrName>
+                                        </p:attrNameLst>
+                                      </p:cBhvr>
+                                      <p:to>
+                                        <p:strVal val="visible"/>
+                                      </p:to>
+                                    </p:set>
+                                    <p:anim calcmode="lin" valueType="num">
+                                      <p:cBhvr>
+                                        <p:cTn id="7" dur="500" fill="hold"/>
+                                        <p:tgtEl>
+                                          <p:spTgt spid="11"/>
+                                        </p:tgtEl>
+                                        <p:attrNameLst>
+                                          <p:attrName>ppt_w</p:attrName>
+                                        </p:attrNameLst>
+                                      </p:cBhvr>
+                                      <p:tavLst>
+                                        <p:tav tm="0">
+                                          <p:val>
+                                            <p:fltVal val="0"/>
+                                          </p:val>
+                                        </p:tav>
+                                        <p:tav tm="100000">
+                                          <p:val>
+                                            <p:strVal val="#ppt_w"/>
+                                          </p:val>
+                                        </p:tav>
+                                      </p:tavLst>
+                                    </p:anim>
+                                    <p:anim calcmode="lin" valueType="num">
+                                      <p:cBhvr>
+                                        <p:cTn id="8" dur="500" fill="hold"/>
+                                        <p:tgtEl>
+                                          <p:spTgt spid="11"/>
+                                        </p:tgtEl>
+                                        <p:attrNameLst>
+                                          <p:attrName>ppt_h</p:attrName>
+                                        </p:attrNameLst>
+                                      </p:cBhvr>
+                                      <p:tavLst>
+                                        <p:tav tm="0">
+                                          <p:val>
+                                            <p:fltVal val="0"/>
+                                          </p:val>
+                                        </p:tav>
+                                        <p:tav tm="100000">
+                                          <p:val>
+                                            <p:strVal val="#ppt_h"/>
+                                          </p:val>
+                                        </p:tav>
+                                      </p:tavLst>
+                                    </p:anim>
+                                    <p:animEffect transition="in" filter="fade">
+                                      <p:cBhvr>
+                                        <p:cTn id="9" dur="500"/>
+                                        <p:tgtEl>
+                                          <p:spTgt spid="11"/>
+                                        </p:tgtEl>
+                                      </p:cBhvr>
+                                    </p:animEffect>
+                                  </p:childTnLst>
+                                </p:cTn>
+                              </p:par>
+                              <p:par>
+                                <p:cTn id="10" presetID="53" presetClass="entr" presetSubtype="16" fill="hold" grpId="0" nodeType="withEffect">
+                                  <p:stCondLst>
+                                    <p:cond delay="0"/>
+                                  </p:stCondLst>
+                                  <p:childTnLst>
+                                    <p:set>
+                                      <p:cBhvr>
+                                        <p:cTn id="11" dur="1" fill="hold">
+                                          <p:stCondLst>
+                                            <p:cond delay="0"/>
+                                          </p:stCondLst>
+                                        </p:cTn>
+                                        <p:tgtEl>
+                                          <p:spTgt spid="8"/>
+                                        </p:tgtEl>
+                                        <p:attrNameLst>
+                                          <p:attrName>style.visibility</p:attrName>
+                                        </p:attrNameLst>
+                                      </p:cBhvr>
+                                      <p:to>
+                                        <p:strVal val="visible"/>
+                                      </p:to>
+                                    </p:set>
+                                    <p:anim calcmode="lin" valueType="num">
+                                      <p:cBhvr>
+                                        <p:cTn id="12" dur="500" fill="hold"/>
+                                        <p:tgtEl>
+                                          <p:spTgt spid="8"/>
+                                        </p:tgtEl>
+                                        <p:attrNameLst>
+                                          <p:attrName>ppt_w</p:attrName>
+                                        </p:attrNameLst>
+                                      </p:cBhvr>
+                                      <p:tavLst>
+                                        <p:tav tm="0">
+                                          <p:val>
+                                            <p:fltVal val="0"/>
+                                          </p:val>
+                                        </p:tav>
+                                        <p:tav tm="100000">
+                                          <p:val>
+                                            <p:strVal val="#ppt_w"/>
+                                          </p:val>
+                                        </p:tav>
+                                      </p:tavLst>
+                                    </p:anim>
+                                    <p:anim calcmode="lin" valueType="num">
+                                      <p:cBhvr>
+                                        <p:cTn id="13" dur="500" fill="hold"/>
+                                        <p:tgtEl>
+                                          <p:spTgt spid="8"/>
+                                        </p:tgtEl>
+                                        <p:attrNameLst>
+                                          <p:attrName>ppt_h</p:attrName>
+                                        </p:attrNameLst>
+                                      </p:cBhvr>
+                                      <p:tavLst>
+                                        <p:tav tm="0">
+                                          <p:val>
+                                            <p:fltVal val="0"/>
+                                          </p:val>
+                                        </p:tav>
+                                        <p:tav tm="100000">
+                                          <p:val>
+                                            <p:strVal val="#ppt_h"/>
+                                          </p:val>
+                                        </p:tav>
+                                      </p:tavLst>
+                                    </p:anim>
+                                    <p:animEffect transition="in" filter="fade">
+                                      <p:cBhvr>
+                                        <p:cTn id="14" dur="500"/>
+                                        <p:tgtEl>
+                                          <p:spTgt spid="8"/>
+                                        </p:tgtEl>
+                                      </p:cBhvr>
+                                    </p:animEffect>
+                                  </p:childTnLst>
+                                </p:cTn>
+                              </p:par>
+                            </p:childTnLst>
+                          </p:cTn>
+                        </p:par>
+                      </p:childTnLst>
+                    </p:cTn>
+                  </p:par>
+                  <p:par>
+                    <p:cTn id="15" fill="hold">
+                      <p:stCondLst>
+                        <p:cond delay="indefinite"/>
+                      </p:stCondLst>
+                      <p:childTnLst>
+                        <p:par>
+                          <p:cTn id="16" fill="hold">
+                            <p:stCondLst>
+                              <p:cond delay="0"/>
+                            </p:stCondLst>
+                            <p:childTnLst>
+                              <p:par>
+                                <p:cTn id="17" presetID="45" presetClass="entr" presetSubtype="0" fill="hold" grpId="0" nodeType="clickEffect">
+                                  <p:stCondLst>
+                                    <p:cond delay="0"/>
+                                  </p:stCondLst>
+                                  <p:childTnLst>
+                                    <p:set>
+                                      <p:cBhvr>
+                                        <p:cTn id="18" dur="1" fill="hold">
+                                          <p:stCondLst>
+                                            <p:cond delay="0"/>
+                                          </p:stCondLst>
+                                        </p:cTn>
+                                        <p:tgtEl>
+                                          <p:spTgt spid="3"/>
+                                        </p:tgtEl>
+                                        <p:attrNameLst>
+                                          <p:attrName>style.visibility</p:attrName>
+                                        </p:attrNameLst>
+                                      </p:cBhvr>
+                                      <p:to>
+                                        <p:strVal val="visible"/>
+                                      </p:to>
+                                    </p:set>
+                                    <p:animEffect transition="in" filter="fade">
+                                      <p:cBhvr>
+                                        <p:cTn id="19" dur="2000"/>
+                                        <p:tgtEl>
+                                          <p:spTgt spid="3"/>
+                                        </p:tgtEl>
+                                      </p:cBhvr>
+                                    </p:animEffect>
+                                    <p:anim calcmode="lin" valueType="num">
+                                      <p:cBhvr>
+                                        <p:cTn id="20" dur="2000" fill="hold"/>
+                                        <p:tgtEl>
+                                          <p:spTgt spid="3"/>
+                                        </p:tgtEl>
+                                        <p:attrNameLst>
+                                          <p:attrName>ppt_w</p:attrName>
+                                        </p:attrNameLst>
+                                      </p:cBhvr>
+                                      <p:tavLst>
+                                        <p:tav tm="0" fmla="#ppt_w*sin(2.5*pi*$)">
+                                          <p:val>
+                                            <p:fltVal val="0"/>
+                                          </p:val>
+                                        </p:tav>
+                                        <p:tav tm="100000">
+                                          <p:val>
+                                            <p:fltVal val="1"/>
+                                          </p:val>
+                                        </p:tav>
+                                      </p:tavLst>
+                                    </p:anim>
+                                    <p:anim calcmode="lin" valueType="num">
+                                      <p:cBhvr>
+                                        <p:cTn id="21" dur="2000" fill="hold"/>
+                                        <p:tgtEl>
+                                          <p:spTgt spid="3"/>
+                                        </p:tgtEl>
+                                        <p:attrNameLst>
+                                          <p:attrName>ppt_h</p:attrName>
+                                        </p:attrNameLst>
+                                      </p:cBhvr>
+                                      <p:tavLst>
+                                        <p:tav tm="0">
+                                          <p:val>
+                                            <p:strVal val="#ppt_h"/>
+                                          </p:val>
+                                        </p:tav>
+                                        <p:tav tm="100000">
+                                          <p:val>
+                                            <p:strVal val="#ppt_h"/>
+                                          </p:val>
+                                        </p:tav>
+                                      </p:tavLst>
+                                    </p:anim>
+                                  </p:childTnLst>
+                                </p:cTn>
+                              </p:par>
+                              <p:par>
+                                <p:cTn id="22" presetID="45" presetClass="entr" presetSubtype="0" fill="hold" nodeType="withEffect">
+                                  <p:stCondLst>
+                                    <p:cond delay="0"/>
+                                  </p:stCondLst>
+                                  <p:childTnLst>
+                                    <p:set>
+                                      <p:cBhvr>
+                                        <p:cTn id="23" dur="1" fill="hold">
+                                          <p:stCondLst>
+                                            <p:cond delay="0"/>
+                                          </p:stCondLst>
+                                        </p:cTn>
+                                        <p:tgtEl>
+                                          <p:spTgt spid="13"/>
+                                        </p:tgtEl>
+                                        <p:attrNameLst>
+                                          <p:attrName>style.visibility</p:attrName>
+                                        </p:attrNameLst>
+                                      </p:cBhvr>
+                                      <p:to>
+                                        <p:strVal val="visible"/>
+                                      </p:to>
+                                    </p:set>
+                                    <p:animEffect transition="in" filter="fade">
+                                      <p:cBhvr>
+                                        <p:cTn id="24" dur="2000"/>
+                                        <p:tgtEl>
+                                          <p:spTgt spid="13"/>
+                                        </p:tgtEl>
+                                      </p:cBhvr>
+                                    </p:animEffect>
+                                    <p:anim calcmode="lin" valueType="num">
+                                      <p:cBhvr>
+                                        <p:cTn id="25" dur="2000" fill="hold"/>
+                                        <p:tgtEl>
+                                          <p:spTgt spid="13"/>
+                                        </p:tgtEl>
+                                        <p:attrNameLst>
+                                          <p:attrName>ppt_w</p:attrName>
+                                        </p:attrNameLst>
+                                      </p:cBhvr>
+                                      <p:tavLst>
+                                        <p:tav tm="0" fmla="#ppt_w*sin(2.5*pi*$)">
+                                          <p:val>
+                                            <p:fltVal val="0"/>
+                                          </p:val>
+                                        </p:tav>
+                                        <p:tav tm="100000">
+                                          <p:val>
+                                            <p:fltVal val="1"/>
+                                          </p:val>
+                                        </p:tav>
+                                      </p:tavLst>
+                                    </p:anim>
+                                    <p:anim calcmode="lin" valueType="num">
+                                      <p:cBhvr>
+                                        <p:cTn id="26" dur="2000" fill="hold"/>
+                                        <p:tgtEl>
+                                          <p:spTgt spid="13"/>
+                                        </p:tgtEl>
+                                        <p:attrNameLst>
+                                          <p:attrName>ppt_h</p:attrName>
+                                        </p:attrNameLst>
+                                      </p:cBhvr>
+                                      <p:tavLst>
+                                        <p:tav tm="0">
+                                          <p:val>
+                                            <p:strVal val="#ppt_h"/>
+                                          </p:val>
+                                        </p:tav>
+                                        <p:tav tm="100000">
+                                          <p:val>
+                                            <p:strVal val="#ppt_h"/>
+                                          </p:val>
+                                        </p:tav>
+                                      </p:tavLst>
+                                    </p:anim>
+                                  </p:childTnLst>
+                                </p:cTn>
+                              </p:par>
+                            </p:childTnLst>
+                          </p:cTn>
+                        </p:par>
+                      </p:childTnLst>
+                    </p:cTn>
+                  </p:par>
+                </p:childTnLst>
+              </p:cTn>
+              <p:prevCondLst>
+                <p:cond evt="onPrev" delay="0">
+                  <p:tgtEl>
+                    <p:sldTgt/>
+                  </p:tgtEl>
+                </p:cond>
+              </p:prevCondLst>
+              <p:nextCondLst>
+                <p:cond evt="onNext" delay="0">
+                  <p:tgtEl>
+                    <p:sldTgt/>
+                  </p:tgtEl>
+                </p:cond>
+              </p:nextCondLst>
+            </p:seq>
+          </p:childTnLst>
+        </p:cTn>
+      </p:par>
+    </p:tnLst>
+    <p:bldLst>
+      <p:bldP spid="3" grpId="0"/>
+      <p:bldP spid="8" grpId="0"/>
+    </p:bldLst>
+  </p:timing>
 </p:sld>
 </file>
 
-<file path=ppt/slides/slide12.xml><?xml version="1.0" encoding="utf-8"?>
+<file path=ppt/slides/slide13.xml><?xml version="1.0" encoding="utf-8"?>
 <p:sld xmlns:a="http://schemas.openxmlformats.org/drawingml/2006/main" xmlns:r="http://schemas.openxmlformats.org/officeDocument/2006/relationships" xmlns:p="http://schemas.openxmlformats.org/presentationml/2006/main">
   <p:cSld>
     <p:spTree>
@@ -5399,7 +5971,7 @@
 </p:sld>
 </file>
 
-<file path=ppt/slides/slide13.xml><?xml version="1.0" encoding="utf-8"?>
+<file path=ppt/slides/slide14.xml><?xml version="1.0" encoding="utf-8"?>
 <p:sld xmlns:a="http://schemas.openxmlformats.org/drawingml/2006/main" xmlns:r="http://schemas.openxmlformats.org/officeDocument/2006/relationships" xmlns:p="http://schemas.openxmlformats.org/presentationml/2006/main">
   <p:cSld>
     <p:spTree>
@@ -6226,7 +6798,7 @@
 </p:sld>
 </file>
 
-<file path=ppt/slides/slide14.xml><?xml version="1.0" encoding="utf-8"?>
+<file path=ppt/slides/slide15.xml><?xml version="1.0" encoding="utf-8"?>
 <p:sld xmlns:a="http://schemas.openxmlformats.org/drawingml/2006/main" xmlns:r="http://schemas.openxmlformats.org/officeDocument/2006/relationships" xmlns:p="http://schemas.openxmlformats.org/presentationml/2006/main">
   <p:cSld>
     <p:spTree>
@@ -6889,7 +7461,7 @@
 </p:sld>
 </file>
 
-<file path=ppt/slides/slide15.xml><?xml version="1.0" encoding="utf-8"?>
+<file path=ppt/slides/slide16.xml><?xml version="1.0" encoding="utf-8"?>
 <p:sld xmlns:a="http://schemas.openxmlformats.org/drawingml/2006/main" xmlns:r="http://schemas.openxmlformats.org/officeDocument/2006/relationships" xmlns:p="http://schemas.openxmlformats.org/presentationml/2006/main">
   <p:cSld>
     <p:spTree>
@@ -6976,7 +7548,7 @@
 </p:sld>
 </file>
 
-<file path=ppt/slides/slide16.xml><?xml version="1.0" encoding="utf-8"?>
+<file path=ppt/slides/slide17.xml><?xml version="1.0" encoding="utf-8"?>
 <p:sld xmlns:a="http://schemas.openxmlformats.org/drawingml/2006/main" xmlns:r="http://schemas.openxmlformats.org/officeDocument/2006/relationships" xmlns:p="http://schemas.openxmlformats.org/presentationml/2006/main">
   <p:cSld>
     <p:spTree>
@@ -7332,7 +7904,7 @@
 </p:sld>
 </file>
 
-<file path=ppt/slides/slide17.xml><?xml version="1.0" encoding="utf-8"?>
+<file path=ppt/slides/slide18.xml><?xml version="1.0" encoding="utf-8"?>
 <p:sld xmlns:a="http://schemas.openxmlformats.org/drawingml/2006/main" xmlns:r="http://schemas.openxmlformats.org/officeDocument/2006/relationships" xmlns:p="http://schemas.openxmlformats.org/presentationml/2006/main">
   <p:cSld>
     <p:spTree>
@@ -8547,7 +9119,7 @@
           <a:p>
             <a:r>
               <a:rPr lang="en-US" dirty="0"/>
-              <a:t>Email Filter</a:t>
+              <a:t>The Basics</a:t>
             </a:r>
           </a:p>
         </p:txBody>
@@ -8581,6 +9153,127 @@
           <a:lstStyle/>
           <a:p>
             <a:r>
+              <a:rPr lang="en-US" sz="3200" b="1" dirty="0"/>
+              <a:t>The Chain of Responsibility</a:t>
+            </a:r>
+          </a:p>
+          <a:p>
+            <a:pPr lvl="1"/>
+            <a:r>
+              <a:rPr lang="en-US" sz="2400" dirty="0"/>
+              <a:t>Behavioral design pattern</a:t>
+            </a:r>
+          </a:p>
+          <a:p>
+            <a:pPr lvl="1"/>
+            <a:r>
+              <a:rPr lang="en-US" sz="2400" dirty="0"/>
+              <a:t>Allows a request to be passed along a chain of handlers</a:t>
+            </a:r>
+          </a:p>
+          <a:p>
+            <a:pPr lvl="1"/>
+            <a:r>
+              <a:rPr lang="en-US" sz="2400" dirty="0"/>
+              <a:t>Handler decides to process or pass request to next</a:t>
+            </a:r>
+          </a:p>
+          <a:p>
+            <a:pPr lvl="1"/>
+            <a:r>
+              <a:rPr lang="en-US" sz="2400" dirty="0"/>
+              <a:t>Decouples request and concrete handlers</a:t>
+            </a:r>
+          </a:p>
+        </p:txBody>
+      </p:sp>
+    </p:spTree>
+    <p:extLst>
+      <p:ext uri="{BB962C8B-B14F-4D97-AF65-F5344CB8AC3E}">
+        <p14:creationId xmlns:p14="http://schemas.microsoft.com/office/powerpoint/2010/main" val="2538730317"/>
+      </p:ext>
+    </p:extLst>
+  </p:cSld>
+  <p:clrMapOvr>
+    <a:masterClrMapping/>
+  </p:clrMapOvr>
+</p:sld>
+</file>
+
+<file path=ppt/slides/slide3.xml><?xml version="1.0" encoding="utf-8"?>
+<p:sld xmlns:a="http://schemas.openxmlformats.org/drawingml/2006/main" xmlns:r="http://schemas.openxmlformats.org/officeDocument/2006/relationships" xmlns:p="http://schemas.openxmlformats.org/presentationml/2006/main">
+  <p:cSld>
+    <p:spTree>
+      <p:nvGrpSpPr>
+        <p:cNvPr id="1" name=""/>
+        <p:cNvGrpSpPr/>
+        <p:nvPr/>
+      </p:nvGrpSpPr>
+      <p:grpSpPr>
+        <a:xfrm>
+          <a:off x="0" y="0"/>
+          <a:ext cx="0" cy="0"/>
+          <a:chOff x="0" y="0"/>
+          <a:chExt cx="0" cy="0"/>
+        </a:xfrm>
+      </p:grpSpPr>
+      <p:sp>
+        <p:nvSpPr>
+          <p:cNvPr id="2" name="Title 1">
+            <a:extLst>
+              <a:ext uri="{FF2B5EF4-FFF2-40B4-BE49-F238E27FC236}">
+                <a16:creationId xmlns:a16="http://schemas.microsoft.com/office/drawing/2014/main" id="{270F1F75-774D-4DCA-8FF2-D5FC561B47BD}"/>
+              </a:ext>
+            </a:extLst>
+          </p:cNvPr>
+          <p:cNvSpPr>
+            <a:spLocks noGrp="1"/>
+          </p:cNvSpPr>
+          <p:nvPr>
+            <p:ph type="title"/>
+          </p:nvPr>
+        </p:nvSpPr>
+        <p:spPr/>
+        <p:txBody>
+          <a:bodyPr/>
+          <a:lstStyle/>
+          <a:p>
+            <a:r>
+              <a:rPr lang="en-US" dirty="0"/>
+              <a:t>Email Filter</a:t>
+            </a:r>
+          </a:p>
+        </p:txBody>
+      </p:sp>
+      <p:sp>
+        <p:nvSpPr>
+          <p:cNvPr id="3" name="Content Placeholder 2">
+            <a:extLst>
+              <a:ext uri="{FF2B5EF4-FFF2-40B4-BE49-F238E27FC236}">
+                <a16:creationId xmlns:a16="http://schemas.microsoft.com/office/drawing/2014/main" id="{4BCA141A-A765-4A66-8BAB-6628AAC9E0ED}"/>
+              </a:ext>
+            </a:extLst>
+          </p:cNvPr>
+          <p:cNvSpPr>
+            <a:spLocks noGrp="1"/>
+          </p:cNvSpPr>
+          <p:nvPr>
+            <p:ph idx="1"/>
+          </p:nvPr>
+        </p:nvSpPr>
+        <p:spPr>
+          <a:xfrm>
+            <a:off x="3781718" y="864108"/>
+            <a:ext cx="7940111" cy="5120640"/>
+          </a:xfrm>
+        </p:spPr>
+        <p:txBody>
+          <a:bodyPr>
+            <a:normAutofit/>
+          </a:bodyPr>
+          <a:lstStyle/>
+          <a:p>
+            <a:r>
               <a:rPr lang="en-US" sz="2800" b="1" dirty="0"/>
               <a:t>Email Filtering using Chain of Responsibility</a:t>
             </a:r>
@@ -8642,7 +9335,7 @@
 </p:sld>
 </file>
 
-<file path=ppt/slides/slide3.xml><?xml version="1.0" encoding="utf-8"?>
+<file path=ppt/slides/slide4.xml><?xml version="1.0" encoding="utf-8"?>
 <p:sld xmlns:a="http://schemas.openxmlformats.org/drawingml/2006/main" xmlns:r="http://schemas.openxmlformats.org/officeDocument/2006/relationships" xmlns:p="http://schemas.openxmlformats.org/presentationml/2006/main">
   <p:cSld>
     <p:spTree>
@@ -10090,7 +10783,7 @@
 </p:sld>
 </file>
 
-<file path=ppt/slides/slide4.xml><?xml version="1.0" encoding="utf-8"?>
+<file path=ppt/slides/slide5.xml><?xml version="1.0" encoding="utf-8"?>
 <p:sld xmlns:a="http://schemas.openxmlformats.org/drawingml/2006/main" xmlns:r="http://schemas.openxmlformats.org/officeDocument/2006/relationships" xmlns:p="http://schemas.openxmlformats.org/presentationml/2006/main">
   <p:cSld>
     <p:spTree>
@@ -11704,7 +12397,7 @@
 </p:sld>
 </file>
 
-<file path=ppt/slides/slide5.xml><?xml version="1.0" encoding="utf-8"?>
+<file path=ppt/slides/slide6.xml><?xml version="1.0" encoding="utf-8"?>
 <p:sld xmlns:a="http://schemas.openxmlformats.org/drawingml/2006/main" xmlns:r="http://schemas.openxmlformats.org/officeDocument/2006/relationships" xmlns:p="http://schemas.openxmlformats.org/presentationml/2006/main">
   <p:cSld>
     <p:spTree>
@@ -12054,7 +12747,7 @@
 </p:sld>
 </file>
 
-<file path=ppt/slides/slide6.xml><?xml version="1.0" encoding="utf-8"?>
+<file path=ppt/slides/slide7.xml><?xml version="1.0" encoding="utf-8"?>
 <p:sld xmlns:a="http://schemas.openxmlformats.org/drawingml/2006/main" xmlns:r="http://schemas.openxmlformats.org/officeDocument/2006/relationships" xmlns:p="http://schemas.openxmlformats.org/presentationml/2006/main">
   <p:cSld>
     <p:spTree>
@@ -13319,7 +14012,7 @@
 </p:sld>
 </file>
 
-<file path=ppt/slides/slide7.xml><?xml version="1.0" encoding="utf-8"?>
+<file path=ppt/slides/slide8.xml><?xml version="1.0" encoding="utf-8"?>
 <p:sld xmlns:a="http://schemas.openxmlformats.org/drawingml/2006/main" xmlns:r="http://schemas.openxmlformats.org/officeDocument/2006/relationships" xmlns:p="http://schemas.openxmlformats.org/presentationml/2006/main">
   <p:cSld>
     <p:spTree>
@@ -13455,7 +14148,7 @@
 </p:sld>
 </file>
 
-<file path=ppt/slides/slide8.xml><?xml version="1.0" encoding="utf-8"?>
+<file path=ppt/slides/slide9.xml><?xml version="1.0" encoding="utf-8"?>
 <p:sld xmlns:a="http://schemas.openxmlformats.org/drawingml/2006/main" xmlns:r="http://schemas.openxmlformats.org/officeDocument/2006/relationships" xmlns:p="http://schemas.openxmlformats.org/presentationml/2006/main">
   <p:cSld>
     <p:bg>
@@ -13594,183 +14287,6 @@
     <p:extLst>
       <p:ext uri="{BB962C8B-B14F-4D97-AF65-F5344CB8AC3E}">
         <p14:creationId xmlns:p14="http://schemas.microsoft.com/office/powerpoint/2010/main" val="1270956837"/>
-      </p:ext>
-    </p:extLst>
-  </p:cSld>
-  <p:clrMapOvr>
-    <a:masterClrMapping/>
-  </p:clrMapOvr>
-</p:sld>
-</file>
-
-<file path=ppt/slides/slide9.xml><?xml version="1.0" encoding="utf-8"?>
-<p:sld xmlns:a="http://schemas.openxmlformats.org/drawingml/2006/main" xmlns:r="http://schemas.openxmlformats.org/officeDocument/2006/relationships" xmlns:p="http://schemas.openxmlformats.org/presentationml/2006/main">
-  <p:cSld>
-    <p:spTree>
-      <p:nvGrpSpPr>
-        <p:cNvPr id="1" name=""/>
-        <p:cNvGrpSpPr/>
-        <p:nvPr/>
-      </p:nvGrpSpPr>
-      <p:grpSpPr>
-        <a:xfrm>
-          <a:off x="0" y="0"/>
-          <a:ext cx="0" cy="0"/>
-          <a:chOff x="0" y="0"/>
-          <a:chExt cx="0" cy="0"/>
-        </a:xfrm>
-      </p:grpSpPr>
-      <p:sp>
-        <p:nvSpPr>
-          <p:cNvPr id="2" name="Title 1">
-            <a:extLst>
-              <a:ext uri="{FF2B5EF4-FFF2-40B4-BE49-F238E27FC236}">
-                <a16:creationId xmlns:a16="http://schemas.microsoft.com/office/drawing/2014/main" id="{005A8729-2182-4D74-81A0-C4357EAA8105}"/>
-              </a:ext>
-            </a:extLst>
-          </p:cNvPr>
-          <p:cNvSpPr>
-            <a:spLocks noGrp="1"/>
-          </p:cNvSpPr>
-          <p:nvPr>
-            <p:ph type="title"/>
-          </p:nvPr>
-        </p:nvSpPr>
-        <p:spPr/>
-        <p:txBody>
-          <a:bodyPr>
-            <a:normAutofit/>
-          </a:bodyPr>
-          <a:lstStyle/>
-          <a:p>
-            <a:r>
-              <a:rPr lang="en-US" sz="2800" dirty="0"/>
-              <a:t>Change request  #2</a:t>
-            </a:r>
-          </a:p>
-        </p:txBody>
-      </p:sp>
-      <p:sp>
-        <p:nvSpPr>
-          <p:cNvPr id="3" name="Content Placeholder 2">
-            <a:extLst>
-              <a:ext uri="{FF2B5EF4-FFF2-40B4-BE49-F238E27FC236}">
-                <a16:creationId xmlns:a16="http://schemas.microsoft.com/office/drawing/2014/main" id="{17787A98-1EF4-465F-A45F-22876E8AC70C}"/>
-              </a:ext>
-            </a:extLst>
-          </p:cNvPr>
-          <p:cNvSpPr>
-            <a:spLocks noGrp="1"/>
-          </p:cNvSpPr>
-          <p:nvPr>
-            <p:ph idx="1"/>
-          </p:nvPr>
-        </p:nvSpPr>
-        <p:spPr>
-          <a:xfrm>
-            <a:off x="3869268" y="864107"/>
-            <a:ext cx="7315200" cy="2892886"/>
-          </a:xfrm>
-        </p:spPr>
-        <p:txBody>
-          <a:bodyPr>
-            <a:normAutofit/>
-          </a:bodyPr>
-          <a:lstStyle/>
-          <a:p>
-            <a:pPr marL="0" indent="0">
-              <a:buNone/>
-            </a:pPr>
-            <a:r>
-              <a:rPr lang="en-US" dirty="0">
-                <a:solidFill>
-                  <a:schemeClr val="tx1"/>
-                </a:solidFill>
-              </a:rPr>
-              <a:t>Impressed by the ability to track requests into the console the company now wants to add the ability to create different types of logging messages (information, warning, error, etc.). </a:t>
-            </a:r>
-          </a:p>
-          <a:p>
-            <a:pPr marL="0" indent="0">
-              <a:buNone/>
-            </a:pPr>
-            <a:r>
-              <a:rPr lang="en-US" dirty="0">
-                <a:solidFill>
-                  <a:schemeClr val="tx1"/>
-                </a:solidFill>
-              </a:rPr>
-              <a:t>There is one additional requirement, they want to continue logging everything to the console but now they want to customize the behavior of some logging types. </a:t>
-            </a:r>
-          </a:p>
-          <a:p>
-            <a:pPr marL="0" indent="0">
-              <a:buNone/>
-            </a:pPr>
-            <a:r>
-              <a:rPr lang="en-US" dirty="0">
-                <a:solidFill>
-                  <a:schemeClr val="tx1"/>
-                </a:solidFill>
-              </a:rPr>
-              <a:t>Warning message should be logged to a file.</a:t>
-            </a:r>
-          </a:p>
-          <a:p>
-            <a:pPr marL="0" indent="0">
-              <a:buNone/>
-            </a:pPr>
-            <a:r>
-              <a:rPr lang="en-US" dirty="0">
-                <a:solidFill>
-                  <a:schemeClr val="tx1"/>
-                </a:solidFill>
-              </a:rPr>
-              <a:t>Error message should be emailed to the administrator.</a:t>
-            </a:r>
-          </a:p>
-        </p:txBody>
-      </p:sp>
-      <p:pic>
-        <p:nvPicPr>
-          <p:cNvPr id="7" name="Graphic 6" descr="Help">
-            <a:extLst>
-              <a:ext uri="{FF2B5EF4-FFF2-40B4-BE49-F238E27FC236}">
-                <a16:creationId xmlns:a16="http://schemas.microsoft.com/office/drawing/2014/main" id="{E845671E-9660-4474-87CC-D63540286FB3}"/>
-              </a:ext>
-            </a:extLst>
-          </p:cNvPr>
-          <p:cNvPicPr>
-            <a:picLocks noChangeAspect="1"/>
-          </p:cNvPicPr>
-          <p:nvPr/>
-        </p:nvPicPr>
-        <p:blipFill>
-          <a:blip r:embed="rId2">
-            <a:extLst>
-              <a:ext uri="{96DAC541-7B7A-43D3-8B79-37D633B846F1}">
-                <asvg:svgBlip xmlns:asvg="http://schemas.microsoft.com/office/drawing/2016/SVG/main" r:embed="rId3"/>
-              </a:ext>
-            </a:extLst>
-          </a:blip>
-          <a:stretch>
-            <a:fillRect/>
-          </a:stretch>
-        </p:blipFill>
-        <p:spPr>
-          <a:xfrm>
-            <a:off x="5915159" y="3756993"/>
-            <a:ext cx="2170574" cy="1822281"/>
-          </a:xfrm>
-          <a:prstGeom prst="rect">
-            <a:avLst/>
-          </a:prstGeom>
-        </p:spPr>
-      </p:pic>
-    </p:spTree>
-    <p:extLst>
-      <p:ext uri="{BB962C8B-B14F-4D97-AF65-F5344CB8AC3E}">
-        <p14:creationId xmlns:p14="http://schemas.microsoft.com/office/powerpoint/2010/main" val="4224447753"/>
       </p:ext>
     </p:extLst>
   </p:cSld>
